--- a/輪講実習.pptx
+++ b/輪講実習.pptx
@@ -3321,6 +3321,10 @@
           <a:bodyPr/>
           <a:lstStyle/>
           <a:p>
+            <a:r>
+              <a:rPr kumimoji="1" lang="ja-JP" altLang="en-US" smtClean="0"/>
+              <a:t>てｓｔ</a:t>
+            </a:r>
             <a:endParaRPr kumimoji="1" lang="ja-JP" altLang="en-US"/>
           </a:p>
         </p:txBody>

--- a/輪講実習.pptx
+++ b/輪講実習.pptx
@@ -3321,10 +3321,6 @@
           <a:bodyPr/>
           <a:lstStyle/>
           <a:p>
-            <a:r>
-              <a:rPr kumimoji="1" lang="ja-JP" altLang="en-US" smtClean="0"/>
-              <a:t>てｓｔ</a:t>
-            </a:r>
             <a:endParaRPr kumimoji="1" lang="ja-JP" altLang="en-US"/>
           </a:p>
         </p:txBody>
@@ -12418,7 +12414,21 @@
             </a:r>
             <a:r>
               <a:rPr lang="ja-JP" altLang="en-US" dirty="0" smtClean="0"/>
-              <a:t>」を実行</a:t>
+              <a:t>」を</a:t>
+            </a:r>
+            <a:r>
+              <a:rPr lang="ja-JP" altLang="en-US" dirty="0" smtClean="0"/>
+              <a:t>実行</a:t>
+            </a:r>
+            <a:endParaRPr lang="en-US" altLang="ja-JP" dirty="0" smtClean="0"/>
+          </a:p>
+          <a:p>
+            <a:pPr marL="0" indent="0">
+              <a:buNone/>
+            </a:pPr>
+            <a:r>
+              <a:rPr lang="en-US" altLang="ja-JP"/>
+              <a:t>	</a:t>
             </a:r>
             <a:endParaRPr lang="en-US" altLang="ja-JP" dirty="0" smtClean="0"/>
           </a:p>

--- a/輪講実習.pptx
+++ b/輪講実習.pptx
@@ -4,32 +4,41 @@
   <p:sldMasterIdLst>
     <p:sldMasterId id="2147483660" r:id="rId1"/>
   </p:sldMasterIdLst>
+  <p:notesMasterIdLst>
+    <p:notesMasterId r:id="rId33"/>
+  </p:notesMasterIdLst>
   <p:sldIdLst>
     <p:sldId id="256" r:id="rId2"/>
     <p:sldId id="257" r:id="rId3"/>
     <p:sldId id="258" r:id="rId4"/>
     <p:sldId id="259" r:id="rId5"/>
     <p:sldId id="261" r:id="rId6"/>
-    <p:sldId id="260" r:id="rId7"/>
-    <p:sldId id="262" r:id="rId8"/>
-    <p:sldId id="264" r:id="rId9"/>
-    <p:sldId id="279" r:id="rId10"/>
-    <p:sldId id="265" r:id="rId11"/>
-    <p:sldId id="271" r:id="rId12"/>
-    <p:sldId id="266" r:id="rId13"/>
-    <p:sldId id="267" r:id="rId14"/>
-    <p:sldId id="268" r:id="rId15"/>
-    <p:sldId id="278" r:id="rId16"/>
-    <p:sldId id="269" r:id="rId17"/>
-    <p:sldId id="272" r:id="rId18"/>
-    <p:sldId id="274" r:id="rId19"/>
-    <p:sldId id="270" r:id="rId20"/>
-    <p:sldId id="276" r:id="rId21"/>
-    <p:sldId id="282" r:id="rId22"/>
-    <p:sldId id="280" r:id="rId23"/>
-    <p:sldId id="281" r:id="rId24"/>
-    <p:sldId id="283" r:id="rId25"/>
-    <p:sldId id="284" r:id="rId26"/>
+    <p:sldId id="285" r:id="rId7"/>
+    <p:sldId id="286" r:id="rId8"/>
+    <p:sldId id="287" r:id="rId9"/>
+    <p:sldId id="264" r:id="rId10"/>
+    <p:sldId id="279" r:id="rId11"/>
+    <p:sldId id="265" r:id="rId12"/>
+    <p:sldId id="271" r:id="rId13"/>
+    <p:sldId id="266" r:id="rId14"/>
+    <p:sldId id="267" r:id="rId15"/>
+    <p:sldId id="268" r:id="rId16"/>
+    <p:sldId id="278" r:id="rId17"/>
+    <p:sldId id="269" r:id="rId18"/>
+    <p:sldId id="272" r:id="rId19"/>
+    <p:sldId id="274" r:id="rId20"/>
+    <p:sldId id="270" r:id="rId21"/>
+    <p:sldId id="276" r:id="rId22"/>
+    <p:sldId id="282" r:id="rId23"/>
+    <p:sldId id="280" r:id="rId24"/>
+    <p:sldId id="281" r:id="rId25"/>
+    <p:sldId id="283" r:id="rId26"/>
+    <p:sldId id="289" r:id="rId27"/>
+    <p:sldId id="290" r:id="rId28"/>
+    <p:sldId id="291" r:id="rId29"/>
+    <p:sldId id="292" r:id="rId30"/>
+    <p:sldId id="293" r:id="rId31"/>
+    <p:sldId id="294" r:id="rId32"/>
   </p:sldIdLst>
   <p:sldSz cx="9144000" cy="6858000" type="screen4x3"/>
   <p:notesSz cx="6858000" cy="9144000"/>
@@ -134,6 +143,472 @@
     </p:ext>
   </p:extLst>
 </p:presentation>
+</file>
+
+<file path=ppt/notesMasters/notesMaster1.xml><?xml version="1.0" encoding="utf-8"?>
+<p:notesMaster xmlns:a="http://schemas.openxmlformats.org/drawingml/2006/main" xmlns:r="http://schemas.openxmlformats.org/officeDocument/2006/relationships" xmlns:p="http://schemas.openxmlformats.org/presentationml/2006/main">
+  <p:cSld>
+    <p:bg>
+      <p:bgRef idx="1001">
+        <a:schemeClr val="bg1"/>
+      </p:bgRef>
+    </p:bg>
+    <p:spTree>
+      <p:nvGrpSpPr>
+        <p:cNvPr id="1" name=""/>
+        <p:cNvGrpSpPr/>
+        <p:nvPr/>
+      </p:nvGrpSpPr>
+      <p:grpSpPr>
+        <a:xfrm>
+          <a:off x="0" y="0"/>
+          <a:ext cx="0" cy="0"/>
+          <a:chOff x="0" y="0"/>
+          <a:chExt cx="0" cy="0"/>
+        </a:xfrm>
+      </p:grpSpPr>
+      <p:sp>
+        <p:nvSpPr>
+          <p:cNvPr id="2" name="ヘッダー プレースホルダー 1"/>
+          <p:cNvSpPr>
+            <a:spLocks noGrp="1"/>
+          </p:cNvSpPr>
+          <p:nvPr>
+            <p:ph type="hdr" sz="quarter"/>
+          </p:nvPr>
+        </p:nvSpPr>
+        <p:spPr>
+          <a:xfrm>
+            <a:off x="0" y="0"/>
+            <a:ext cx="2971800" cy="458788"/>
+          </a:xfrm>
+          <a:prstGeom prst="rect">
+            <a:avLst/>
+          </a:prstGeom>
+        </p:spPr>
+        <p:txBody>
+          <a:bodyPr vert="horz" lIns="91440" tIns="45720" rIns="91440" bIns="45720" rtlCol="0"/>
+          <a:lstStyle>
+            <a:lvl1pPr algn="l">
+              <a:defRPr sz="1200"/>
+            </a:lvl1pPr>
+          </a:lstStyle>
+          <a:p>
+            <a:endParaRPr kumimoji="1" lang="ja-JP" altLang="en-US"/>
+          </a:p>
+        </p:txBody>
+      </p:sp>
+      <p:sp>
+        <p:nvSpPr>
+          <p:cNvPr id="3" name="日付プレースホルダー 2"/>
+          <p:cNvSpPr>
+            <a:spLocks noGrp="1"/>
+          </p:cNvSpPr>
+          <p:nvPr>
+            <p:ph type="dt" idx="1"/>
+          </p:nvPr>
+        </p:nvSpPr>
+        <p:spPr>
+          <a:xfrm>
+            <a:off x="3884613" y="0"/>
+            <a:ext cx="2971800" cy="458788"/>
+          </a:xfrm>
+          <a:prstGeom prst="rect">
+            <a:avLst/>
+          </a:prstGeom>
+        </p:spPr>
+        <p:txBody>
+          <a:bodyPr vert="horz" lIns="91440" tIns="45720" rIns="91440" bIns="45720" rtlCol="0"/>
+          <a:lstStyle>
+            <a:lvl1pPr algn="r">
+              <a:defRPr sz="1200"/>
+            </a:lvl1pPr>
+          </a:lstStyle>
+          <a:p>
+            <a:fld id="{0EB0646D-0A5E-44F6-ABAC-4D5D0DC413B7}" type="datetimeFigureOut">
+              <a:rPr kumimoji="1" lang="ja-JP" altLang="en-US" smtClean="0"/>
+              <a:t>2017/11/11</a:t>
+            </a:fld>
+            <a:endParaRPr kumimoji="1" lang="ja-JP" altLang="en-US"/>
+          </a:p>
+        </p:txBody>
+      </p:sp>
+      <p:sp>
+        <p:nvSpPr>
+          <p:cNvPr id="4" name="スライド イメージ プレースホルダー 3"/>
+          <p:cNvSpPr>
+            <a:spLocks noGrp="1" noRot="1" noChangeAspect="1"/>
+          </p:cNvSpPr>
+          <p:nvPr>
+            <p:ph type="sldImg" idx="2"/>
+          </p:nvPr>
+        </p:nvSpPr>
+        <p:spPr>
+          <a:xfrm>
+            <a:off x="1371600" y="1143000"/>
+            <a:ext cx="4114800" cy="3086100"/>
+          </a:xfrm>
+          <a:prstGeom prst="rect">
+            <a:avLst/>
+          </a:prstGeom>
+          <a:noFill/>
+          <a:ln w="12700">
+            <a:solidFill>
+              <a:prstClr val="black"/>
+            </a:solidFill>
+          </a:ln>
+        </p:spPr>
+        <p:txBody>
+          <a:bodyPr vert="horz" lIns="91440" tIns="45720" rIns="91440" bIns="45720" rtlCol="0" anchor="ctr"/>
+          <a:lstStyle/>
+          <a:p>
+            <a:endParaRPr lang="ja-JP" altLang="en-US"/>
+          </a:p>
+        </p:txBody>
+      </p:sp>
+      <p:sp>
+        <p:nvSpPr>
+          <p:cNvPr id="5" name="ノート プレースホルダー 4"/>
+          <p:cNvSpPr>
+            <a:spLocks noGrp="1"/>
+          </p:cNvSpPr>
+          <p:nvPr>
+            <p:ph type="body" sz="quarter" idx="3"/>
+          </p:nvPr>
+        </p:nvSpPr>
+        <p:spPr>
+          <a:xfrm>
+            <a:off x="685800" y="4400550"/>
+            <a:ext cx="5486400" cy="3600450"/>
+          </a:xfrm>
+          <a:prstGeom prst="rect">
+            <a:avLst/>
+          </a:prstGeom>
+        </p:spPr>
+        <p:txBody>
+          <a:bodyPr vert="horz" lIns="91440" tIns="45720" rIns="91440" bIns="45720" rtlCol="0"/>
+          <a:lstStyle/>
+          <a:p>
+            <a:pPr lvl="0"/>
+            <a:r>
+              <a:rPr kumimoji="1" lang="ja-JP" altLang="en-US" smtClean="0"/>
+              <a:t>マスター テキストの書式設定</a:t>
+            </a:r>
+          </a:p>
+          <a:p>
+            <a:pPr lvl="1"/>
+            <a:r>
+              <a:rPr kumimoji="1" lang="ja-JP" altLang="en-US" smtClean="0"/>
+              <a:t>第 </a:t>
+            </a:r>
+            <a:r>
+              <a:rPr kumimoji="1" lang="en-US" altLang="ja-JP" smtClean="0"/>
+              <a:t>2 </a:t>
+            </a:r>
+            <a:r>
+              <a:rPr kumimoji="1" lang="ja-JP" altLang="en-US" smtClean="0"/>
+              <a:t>レベル</a:t>
+            </a:r>
+          </a:p>
+          <a:p>
+            <a:pPr lvl="2"/>
+            <a:r>
+              <a:rPr kumimoji="1" lang="ja-JP" altLang="en-US" smtClean="0"/>
+              <a:t>第 </a:t>
+            </a:r>
+            <a:r>
+              <a:rPr kumimoji="1" lang="en-US" altLang="ja-JP" smtClean="0"/>
+              <a:t>3 </a:t>
+            </a:r>
+            <a:r>
+              <a:rPr kumimoji="1" lang="ja-JP" altLang="en-US" smtClean="0"/>
+              <a:t>レベル</a:t>
+            </a:r>
+          </a:p>
+          <a:p>
+            <a:pPr lvl="3"/>
+            <a:r>
+              <a:rPr kumimoji="1" lang="ja-JP" altLang="en-US" smtClean="0"/>
+              <a:t>第 </a:t>
+            </a:r>
+            <a:r>
+              <a:rPr kumimoji="1" lang="en-US" altLang="ja-JP" smtClean="0"/>
+              <a:t>4 </a:t>
+            </a:r>
+            <a:r>
+              <a:rPr kumimoji="1" lang="ja-JP" altLang="en-US" smtClean="0"/>
+              <a:t>レベル</a:t>
+            </a:r>
+          </a:p>
+          <a:p>
+            <a:pPr lvl="4"/>
+            <a:r>
+              <a:rPr kumimoji="1" lang="ja-JP" altLang="en-US" smtClean="0"/>
+              <a:t>第 </a:t>
+            </a:r>
+            <a:r>
+              <a:rPr kumimoji="1" lang="en-US" altLang="ja-JP" smtClean="0"/>
+              <a:t>5 </a:t>
+            </a:r>
+            <a:r>
+              <a:rPr kumimoji="1" lang="ja-JP" altLang="en-US" smtClean="0"/>
+              <a:t>レベル</a:t>
+            </a:r>
+            <a:endParaRPr kumimoji="1" lang="ja-JP" altLang="en-US"/>
+          </a:p>
+        </p:txBody>
+      </p:sp>
+      <p:sp>
+        <p:nvSpPr>
+          <p:cNvPr id="6" name="フッター プレースホルダー 5"/>
+          <p:cNvSpPr>
+            <a:spLocks noGrp="1"/>
+          </p:cNvSpPr>
+          <p:nvPr>
+            <p:ph type="ftr" sz="quarter" idx="4"/>
+          </p:nvPr>
+        </p:nvSpPr>
+        <p:spPr>
+          <a:xfrm>
+            <a:off x="0" y="8685213"/>
+            <a:ext cx="2971800" cy="458787"/>
+          </a:xfrm>
+          <a:prstGeom prst="rect">
+            <a:avLst/>
+          </a:prstGeom>
+        </p:spPr>
+        <p:txBody>
+          <a:bodyPr vert="horz" lIns="91440" tIns="45720" rIns="91440" bIns="45720" rtlCol="0" anchor="b"/>
+          <a:lstStyle>
+            <a:lvl1pPr algn="l">
+              <a:defRPr sz="1200"/>
+            </a:lvl1pPr>
+          </a:lstStyle>
+          <a:p>
+            <a:endParaRPr kumimoji="1" lang="ja-JP" altLang="en-US"/>
+          </a:p>
+        </p:txBody>
+      </p:sp>
+      <p:sp>
+        <p:nvSpPr>
+          <p:cNvPr id="7" name="スライド番号プレースホルダー 6"/>
+          <p:cNvSpPr>
+            <a:spLocks noGrp="1"/>
+          </p:cNvSpPr>
+          <p:nvPr>
+            <p:ph type="sldNum" sz="quarter" idx="5"/>
+          </p:nvPr>
+        </p:nvSpPr>
+        <p:spPr>
+          <a:xfrm>
+            <a:off x="3884613" y="8685213"/>
+            <a:ext cx="2971800" cy="458787"/>
+          </a:xfrm>
+          <a:prstGeom prst="rect">
+            <a:avLst/>
+          </a:prstGeom>
+        </p:spPr>
+        <p:txBody>
+          <a:bodyPr vert="horz" lIns="91440" tIns="45720" rIns="91440" bIns="45720" rtlCol="0" anchor="b"/>
+          <a:lstStyle>
+            <a:lvl1pPr algn="r">
+              <a:defRPr sz="1200"/>
+            </a:lvl1pPr>
+          </a:lstStyle>
+          <a:p>
+            <a:fld id="{42DEF928-4489-442B-B4E2-6E33A2EA5512}" type="slidenum">
+              <a:rPr kumimoji="1" lang="ja-JP" altLang="en-US" smtClean="0"/>
+              <a:t>‹#›</a:t>
+            </a:fld>
+            <a:endParaRPr kumimoji="1" lang="ja-JP" altLang="en-US"/>
+          </a:p>
+        </p:txBody>
+      </p:sp>
+    </p:spTree>
+    <p:extLst>
+      <p:ext uri="{BB962C8B-B14F-4D97-AF65-F5344CB8AC3E}">
+        <p14:creationId xmlns:p14="http://schemas.microsoft.com/office/powerpoint/2010/main" val="729536867"/>
+      </p:ext>
+    </p:extLst>
+  </p:cSld>
+  <p:clrMap bg1="lt1" tx1="dk1" bg2="lt2" tx2="dk2" accent1="accent1" accent2="accent2" accent3="accent3" accent4="accent4" accent5="accent5" accent6="accent6" hlink="hlink" folHlink="folHlink"/>
+  <p:notesStyle>
+    <a:lvl1pPr marL="0" algn="l" defTabSz="914400" rtl="0" eaLnBrk="1" latinLnBrk="0" hangingPunct="1">
+      <a:defRPr kumimoji="1" sz="1200" kern="1200">
+        <a:solidFill>
+          <a:schemeClr val="tx1"/>
+        </a:solidFill>
+        <a:latin typeface="+mn-lt"/>
+        <a:ea typeface="+mn-ea"/>
+        <a:cs typeface="+mn-cs"/>
+      </a:defRPr>
+    </a:lvl1pPr>
+    <a:lvl2pPr marL="457200" algn="l" defTabSz="914400" rtl="0" eaLnBrk="1" latinLnBrk="0" hangingPunct="1">
+      <a:defRPr kumimoji="1" sz="1200" kern="1200">
+        <a:solidFill>
+          <a:schemeClr val="tx1"/>
+        </a:solidFill>
+        <a:latin typeface="+mn-lt"/>
+        <a:ea typeface="+mn-ea"/>
+        <a:cs typeface="+mn-cs"/>
+      </a:defRPr>
+    </a:lvl2pPr>
+    <a:lvl3pPr marL="914400" algn="l" defTabSz="914400" rtl="0" eaLnBrk="1" latinLnBrk="0" hangingPunct="1">
+      <a:defRPr kumimoji="1" sz="1200" kern="1200">
+        <a:solidFill>
+          <a:schemeClr val="tx1"/>
+        </a:solidFill>
+        <a:latin typeface="+mn-lt"/>
+        <a:ea typeface="+mn-ea"/>
+        <a:cs typeface="+mn-cs"/>
+      </a:defRPr>
+    </a:lvl3pPr>
+    <a:lvl4pPr marL="1371600" algn="l" defTabSz="914400" rtl="0" eaLnBrk="1" latinLnBrk="0" hangingPunct="1">
+      <a:defRPr kumimoji="1" sz="1200" kern="1200">
+        <a:solidFill>
+          <a:schemeClr val="tx1"/>
+        </a:solidFill>
+        <a:latin typeface="+mn-lt"/>
+        <a:ea typeface="+mn-ea"/>
+        <a:cs typeface="+mn-cs"/>
+      </a:defRPr>
+    </a:lvl4pPr>
+    <a:lvl5pPr marL="1828800" algn="l" defTabSz="914400" rtl="0" eaLnBrk="1" latinLnBrk="0" hangingPunct="1">
+      <a:defRPr kumimoji="1" sz="1200" kern="1200">
+        <a:solidFill>
+          <a:schemeClr val="tx1"/>
+        </a:solidFill>
+        <a:latin typeface="+mn-lt"/>
+        <a:ea typeface="+mn-ea"/>
+        <a:cs typeface="+mn-cs"/>
+      </a:defRPr>
+    </a:lvl5pPr>
+    <a:lvl6pPr marL="2286000" algn="l" defTabSz="914400" rtl="0" eaLnBrk="1" latinLnBrk="0" hangingPunct="1">
+      <a:defRPr kumimoji="1" sz="1200" kern="1200">
+        <a:solidFill>
+          <a:schemeClr val="tx1"/>
+        </a:solidFill>
+        <a:latin typeface="+mn-lt"/>
+        <a:ea typeface="+mn-ea"/>
+        <a:cs typeface="+mn-cs"/>
+      </a:defRPr>
+    </a:lvl6pPr>
+    <a:lvl7pPr marL="2743200" algn="l" defTabSz="914400" rtl="0" eaLnBrk="1" latinLnBrk="0" hangingPunct="1">
+      <a:defRPr kumimoji="1" sz="1200" kern="1200">
+        <a:solidFill>
+          <a:schemeClr val="tx1"/>
+        </a:solidFill>
+        <a:latin typeface="+mn-lt"/>
+        <a:ea typeface="+mn-ea"/>
+        <a:cs typeface="+mn-cs"/>
+      </a:defRPr>
+    </a:lvl7pPr>
+    <a:lvl8pPr marL="3200400" algn="l" defTabSz="914400" rtl="0" eaLnBrk="1" latinLnBrk="0" hangingPunct="1">
+      <a:defRPr kumimoji="1" sz="1200" kern="1200">
+        <a:solidFill>
+          <a:schemeClr val="tx1"/>
+        </a:solidFill>
+        <a:latin typeface="+mn-lt"/>
+        <a:ea typeface="+mn-ea"/>
+        <a:cs typeface="+mn-cs"/>
+      </a:defRPr>
+    </a:lvl8pPr>
+    <a:lvl9pPr marL="3657600" algn="l" defTabSz="914400" rtl="0" eaLnBrk="1" latinLnBrk="0" hangingPunct="1">
+      <a:defRPr kumimoji="1" sz="1200" kern="1200">
+        <a:solidFill>
+          <a:schemeClr val="tx1"/>
+        </a:solidFill>
+        <a:latin typeface="+mn-lt"/>
+        <a:ea typeface="+mn-ea"/>
+        <a:cs typeface="+mn-cs"/>
+      </a:defRPr>
+    </a:lvl9pPr>
+  </p:notesStyle>
+</p:notesMaster>
+</file>
+
+<file path=ppt/notesSlides/notesSlide1.xml><?xml version="1.0" encoding="utf-8"?>
+<p:notes xmlns:a="http://schemas.openxmlformats.org/drawingml/2006/main" xmlns:r="http://schemas.openxmlformats.org/officeDocument/2006/relationships" xmlns:p="http://schemas.openxmlformats.org/presentationml/2006/main">
+  <p:cSld>
+    <p:spTree>
+      <p:nvGrpSpPr>
+        <p:cNvPr id="1" name=""/>
+        <p:cNvGrpSpPr/>
+        <p:nvPr/>
+      </p:nvGrpSpPr>
+      <p:grpSpPr>
+        <a:xfrm>
+          <a:off x="0" y="0"/>
+          <a:ext cx="0" cy="0"/>
+          <a:chOff x="0" y="0"/>
+          <a:chExt cx="0" cy="0"/>
+        </a:xfrm>
+      </p:grpSpPr>
+      <p:sp>
+        <p:nvSpPr>
+          <p:cNvPr id="2" name="スライド イメージ プレースホルダー 1"/>
+          <p:cNvSpPr>
+            <a:spLocks noGrp="1" noRot="1" noChangeAspect="1"/>
+          </p:cNvSpPr>
+          <p:nvPr>
+            <p:ph type="sldImg"/>
+          </p:nvPr>
+        </p:nvSpPr>
+        <p:spPr/>
+      </p:sp>
+      <p:sp>
+        <p:nvSpPr>
+          <p:cNvPr id="3" name="ノート プレースホルダー 2"/>
+          <p:cNvSpPr>
+            <a:spLocks noGrp="1"/>
+          </p:cNvSpPr>
+          <p:nvPr>
+            <p:ph type="body" idx="1"/>
+          </p:nvPr>
+        </p:nvSpPr>
+        <p:spPr/>
+        <p:txBody>
+          <a:bodyPr/>
+          <a:lstStyle/>
+          <a:p>
+            <a:endParaRPr kumimoji="1" lang="ja-JP" altLang="en-US" dirty="0"/>
+          </a:p>
+        </p:txBody>
+      </p:sp>
+      <p:sp>
+        <p:nvSpPr>
+          <p:cNvPr id="4" name="スライド番号プレースホルダー 3"/>
+          <p:cNvSpPr>
+            <a:spLocks noGrp="1"/>
+          </p:cNvSpPr>
+          <p:nvPr>
+            <p:ph type="sldNum" sz="quarter" idx="10"/>
+          </p:nvPr>
+        </p:nvSpPr>
+        <p:spPr/>
+        <p:txBody>
+          <a:bodyPr/>
+          <a:lstStyle/>
+          <a:p>
+            <a:fld id="{4F43D516-64A0-404A-B937-F9D53C104CBF}" type="slidenum">
+              <a:rPr kumimoji="1" lang="ja-JP" altLang="en-US" smtClean="0"/>
+              <a:t>29</a:t>
+            </a:fld>
+            <a:endParaRPr kumimoji="1" lang="ja-JP" altLang="en-US"/>
+          </a:p>
+        </p:txBody>
+      </p:sp>
+    </p:spTree>
+    <p:extLst>
+      <p:ext uri="{BB962C8B-B14F-4D97-AF65-F5344CB8AC3E}">
+        <p14:creationId xmlns:p14="http://schemas.microsoft.com/office/powerpoint/2010/main" val="3509859848"/>
+      </p:ext>
+    </p:extLst>
+  </p:cSld>
+  <p:clrMapOvr>
+    <a:masterClrMapping/>
+  </p:clrMapOvr>
+</p:notes>
 </file>
 
 <file path=ppt/slideLayouts/slideLayout1.xml><?xml version="1.0" encoding="utf-8"?>
@@ -3321,7 +3796,15 @@
           <a:bodyPr/>
           <a:lstStyle/>
           <a:p>
-            <a:endParaRPr kumimoji="1" lang="ja-JP" altLang="en-US"/>
+            <a:r>
+              <a:rPr kumimoji="1" lang="en-US" altLang="ja-JP" dirty="0" smtClean="0"/>
+              <a:t>B4</a:t>
+            </a:r>
+            <a:r>
+              <a:rPr kumimoji="1" lang="ja-JP" altLang="en-US" dirty="0" smtClean="0"/>
+              <a:t>グループ</a:t>
+            </a:r>
+            <a:endParaRPr kumimoji="1" lang="ja-JP" altLang="en-US" dirty="0"/>
           </a:p>
         </p:txBody>
       </p:sp>
@@ -3378,20 +3861,12 @@
           <a:lstStyle/>
           <a:p>
             <a:r>
-              <a:rPr kumimoji="1" lang="en-US" altLang="ja-JP" dirty="0" smtClean="0"/>
-              <a:t>4</a:t>
-            </a:r>
-            <a:r>
               <a:rPr lang="en-US" altLang="ja-JP" dirty="0" smtClean="0"/>
-              <a:t>.1 </a:t>
-            </a:r>
-            <a:r>
-              <a:rPr lang="en-US" altLang="ja-JP" dirty="0" err="1" smtClean="0"/>
-              <a:t>make_sample</a:t>
+              <a:t>4.</a:t>
             </a:r>
             <a:r>
               <a:rPr lang="ja-JP" altLang="en-US" dirty="0" smtClean="0"/>
-              <a:t>関数の出力</a:t>
+              <a:t>出力結果</a:t>
             </a:r>
             <a:endParaRPr kumimoji="1" lang="ja-JP" altLang="en-US" dirty="0"/>
           </a:p>
@@ -3399,75 +3874,125 @@
       </p:sp>
       <p:sp>
         <p:nvSpPr>
-          <p:cNvPr id="15" name="テキスト ボックス 14"/>
-          <p:cNvSpPr txBox="1"/>
-          <p:nvPr/>
-        </p:nvSpPr>
-        <p:spPr>
-          <a:xfrm>
-            <a:off x="1535112" y="6302701"/>
-            <a:ext cx="6073775" cy="523220"/>
-          </a:xfrm>
-          <a:prstGeom prst="rect">
-            <a:avLst/>
-          </a:prstGeom>
-          <a:noFill/>
-        </p:spPr>
-        <p:txBody>
-          <a:bodyPr wrap="square" rtlCol="0">
-            <a:spAutoFit/>
-          </a:bodyPr>
-          <a:lstStyle/>
-          <a:p>
-            <a:r>
-              <a:rPr kumimoji="1" lang="ja-JP" altLang="en-US" sz="2800" dirty="0" smtClean="0"/>
-              <a:t>既知の</a:t>
-            </a:r>
-            <a:r>
-              <a:rPr lang="en-US" altLang="ja-JP" sz="2800" dirty="0" smtClean="0"/>
-              <a:t>HMM</a:t>
-            </a:r>
-            <a:r>
-              <a:rPr lang="ja-JP" altLang="en-US" sz="2800" dirty="0" smtClean="0"/>
-              <a:t>から、天気と行動を出力</a:t>
-            </a:r>
-            <a:endParaRPr kumimoji="1" lang="ja-JP" altLang="en-US" sz="2800" dirty="0"/>
-          </a:p>
-        </p:txBody>
-      </p:sp>
-      <p:pic>
-        <p:nvPicPr>
-          <p:cNvPr id="6" name="コンテンツ プレースホルダー 5"/>
-          <p:cNvPicPr>
-            <a:picLocks noGrp="1" noChangeAspect="1"/>
-          </p:cNvPicPr>
+          <p:cNvPr id="3" name="コンテンツ プレースホルダー 2"/>
+          <p:cNvSpPr>
+            <a:spLocks noGrp="1"/>
+          </p:cNvSpPr>
           <p:nvPr>
             <p:ph idx="1"/>
           </p:nvPr>
-        </p:nvPicPr>
-        <p:blipFill>
-          <a:blip r:embed="rId2">
-            <a:extLst>
-              <a:ext uri="{28A0092B-C50C-407E-A947-70E740481C1C}">
-                <a14:useLocalDpi xmlns:a14="http://schemas.microsoft.com/office/drawing/2010/main" val="0"/>
-              </a:ext>
-            </a:extLst>
-          </a:blip>
-          <a:stretch>
-            <a:fillRect/>
-          </a:stretch>
-        </p:blipFill>
+        </p:nvSpPr>
         <p:spPr>
           <a:xfrm>
-            <a:off x="579619" y="1751888"/>
-            <a:ext cx="7984759" cy="4550813"/>
+            <a:off x="628650" y="1825625"/>
+            <a:ext cx="8190885" cy="4351338"/>
           </a:xfrm>
         </p:spPr>
-      </p:pic>
+        <p:txBody>
+          <a:bodyPr/>
+          <a:lstStyle/>
+          <a:p>
+            <a:r>
+              <a:rPr lang="en-US" altLang="ja-JP" dirty="0" smtClean="0"/>
+              <a:t>enshu_h</a:t>
+            </a:r>
+            <a:r>
+              <a:rPr kumimoji="1" lang="en-US" altLang="ja-JP" dirty="0" smtClean="0"/>
+              <a:t>mm.py</a:t>
+            </a:r>
+            <a:r>
+              <a:rPr kumimoji="1" lang="ja-JP" altLang="en-US" dirty="0" smtClean="0"/>
+              <a:t>を実行する</a:t>
+            </a:r>
+            <a:endParaRPr kumimoji="1" lang="en-US" altLang="ja-JP" dirty="0" smtClean="0"/>
+          </a:p>
+          <a:p>
+            <a:endParaRPr lang="en-US" altLang="ja-JP" dirty="0"/>
+          </a:p>
+          <a:p>
+            <a:r>
+              <a:rPr kumimoji="1" lang="en-US" altLang="ja-JP" dirty="0" smtClean="0"/>
+              <a:t>3</a:t>
+            </a:r>
+            <a:r>
+              <a:rPr kumimoji="1" lang="ja-JP" altLang="en-US" dirty="0" err="1" smtClean="0"/>
+              <a:t>つの</a:t>
+            </a:r>
+            <a:r>
+              <a:rPr kumimoji="1" lang="ja-JP" altLang="en-US" dirty="0" smtClean="0"/>
+              <a:t>関数の結果が出力される</a:t>
+            </a:r>
+            <a:endParaRPr kumimoji="1" lang="en-US" altLang="ja-JP" dirty="0" smtClean="0"/>
+          </a:p>
+          <a:p>
+            <a:pPr lvl="1"/>
+            <a:r>
+              <a:rPr lang="en-US" altLang="ja-JP" dirty="0" err="1"/>
+              <a:t>m</a:t>
+            </a:r>
+            <a:r>
+              <a:rPr kumimoji="1" lang="en-US" altLang="ja-JP" dirty="0" err="1" smtClean="0"/>
+              <a:t>ake_sample</a:t>
+            </a:r>
+            <a:r>
+              <a:rPr kumimoji="1" lang="ja-JP" altLang="en-US" dirty="0" smtClean="0"/>
+              <a:t>関数</a:t>
+            </a:r>
+            <a:endParaRPr lang="en-US" altLang="ja-JP" dirty="0"/>
+          </a:p>
+          <a:p>
+            <a:pPr lvl="1"/>
+            <a:r>
+              <a:rPr kumimoji="1" lang="en-US" altLang="ja-JP" dirty="0" smtClean="0"/>
+              <a:t>Predict</a:t>
+            </a:r>
+            <a:r>
+              <a:rPr kumimoji="1" lang="ja-JP" altLang="en-US" dirty="0" smtClean="0"/>
+              <a:t>関数</a:t>
+            </a:r>
+            <a:endParaRPr kumimoji="1" lang="en-US" altLang="ja-JP" dirty="0" smtClean="0"/>
+          </a:p>
+          <a:p>
+            <a:pPr lvl="1"/>
+            <a:r>
+              <a:rPr lang="en-US" altLang="ja-JP" dirty="0" smtClean="0"/>
+              <a:t>Estimate</a:t>
+            </a:r>
+            <a:r>
+              <a:rPr lang="ja-JP" altLang="en-US" dirty="0" smtClean="0"/>
+              <a:t>関数</a:t>
+            </a:r>
+            <a:endParaRPr lang="en-US" altLang="ja-JP" dirty="0" smtClean="0"/>
+          </a:p>
+          <a:p>
+            <a:r>
+              <a:rPr lang="ja-JP" altLang="en-US" spc="-150" dirty="0" smtClean="0"/>
+              <a:t>サンプルのパラメータと推定したパラメータを比較</a:t>
+            </a:r>
+            <a:endParaRPr lang="en-US" altLang="ja-JP" spc="-150" dirty="0"/>
+          </a:p>
+          <a:p>
+            <a:pPr lvl="1"/>
+            <a:r>
+              <a:rPr lang="en-US" altLang="ja-JP" dirty="0" err="1" smtClean="0"/>
+              <a:t>show_param</a:t>
+            </a:r>
+            <a:r>
+              <a:rPr lang="ja-JP" altLang="en-US" dirty="0" smtClean="0"/>
+              <a:t>関数</a:t>
+            </a:r>
+            <a:endParaRPr kumimoji="1" lang="en-US" altLang="ja-JP" dirty="0" smtClean="0"/>
+          </a:p>
+          <a:p>
+            <a:pPr lvl="1"/>
+            <a:endParaRPr kumimoji="1" lang="ja-JP" altLang="en-US" dirty="0"/>
+          </a:p>
+        </p:txBody>
+      </p:sp>
     </p:spTree>
     <p:extLst>
       <p:ext uri="{BB962C8B-B14F-4D97-AF65-F5344CB8AC3E}">
-        <p14:creationId xmlns:p14="http://schemas.microsoft.com/office/powerpoint/2010/main" val="128172818"/>
+        <p14:creationId xmlns:p14="http://schemas.microsoft.com/office/powerpoint/2010/main" val="3448370416"/>
       </p:ext>
     </p:extLst>
   </p:cSld>
@@ -3518,6 +4043,145 @@
           <a:p>
             <a:r>
               <a:rPr kumimoji="1" lang="en-US" altLang="ja-JP" dirty="0" smtClean="0"/>
+              <a:t>4</a:t>
+            </a:r>
+            <a:r>
+              <a:rPr lang="en-US" altLang="ja-JP" dirty="0" smtClean="0"/>
+              <a:t>.1 </a:t>
+            </a:r>
+            <a:r>
+              <a:rPr lang="en-US" altLang="ja-JP" dirty="0" err="1" smtClean="0"/>
+              <a:t>make_sample</a:t>
+            </a:r>
+            <a:r>
+              <a:rPr lang="ja-JP" altLang="en-US" dirty="0" smtClean="0"/>
+              <a:t>関数の出力</a:t>
+            </a:r>
+            <a:endParaRPr kumimoji="1" lang="ja-JP" altLang="en-US" dirty="0"/>
+          </a:p>
+        </p:txBody>
+      </p:sp>
+      <p:sp>
+        <p:nvSpPr>
+          <p:cNvPr id="15" name="テキスト ボックス 14"/>
+          <p:cNvSpPr txBox="1"/>
+          <p:nvPr/>
+        </p:nvSpPr>
+        <p:spPr>
+          <a:xfrm>
+            <a:off x="1535112" y="6302701"/>
+            <a:ext cx="6073775" cy="523220"/>
+          </a:xfrm>
+          <a:prstGeom prst="rect">
+            <a:avLst/>
+          </a:prstGeom>
+          <a:noFill/>
+        </p:spPr>
+        <p:txBody>
+          <a:bodyPr wrap="square" rtlCol="0">
+            <a:spAutoFit/>
+          </a:bodyPr>
+          <a:lstStyle/>
+          <a:p>
+            <a:r>
+              <a:rPr kumimoji="1" lang="ja-JP" altLang="en-US" sz="2800" dirty="0" smtClean="0"/>
+              <a:t>既知の</a:t>
+            </a:r>
+            <a:r>
+              <a:rPr lang="en-US" altLang="ja-JP" sz="2800" dirty="0" smtClean="0"/>
+              <a:t>HMM</a:t>
+            </a:r>
+            <a:r>
+              <a:rPr lang="ja-JP" altLang="en-US" sz="2800" dirty="0" smtClean="0"/>
+              <a:t>から、天気と行動を出力</a:t>
+            </a:r>
+            <a:endParaRPr kumimoji="1" lang="ja-JP" altLang="en-US" sz="2800" dirty="0"/>
+          </a:p>
+        </p:txBody>
+      </p:sp>
+      <p:pic>
+        <p:nvPicPr>
+          <p:cNvPr id="3" name="図 2"/>
+          <p:cNvPicPr>
+            <a:picLocks noChangeAspect="1"/>
+          </p:cNvPicPr>
+          <p:nvPr/>
+        </p:nvPicPr>
+        <p:blipFill rotWithShape="1">
+          <a:blip r:embed="rId2">
+            <a:extLst>
+              <a:ext uri="{28A0092B-C50C-407E-A947-70E740481C1C}">
+                <a14:useLocalDpi xmlns:a14="http://schemas.microsoft.com/office/drawing/2010/main" val="0"/>
+              </a:ext>
+            </a:extLst>
+          </a:blip>
+          <a:srcRect t="7580"/>
+          <a:stretch/>
+        </p:blipFill>
+        <p:spPr>
+          <a:xfrm>
+            <a:off x="628650" y="1690690"/>
+            <a:ext cx="7935731" cy="4612012"/>
+          </a:xfrm>
+          <a:prstGeom prst="rect">
+            <a:avLst/>
+          </a:prstGeom>
+        </p:spPr>
+      </p:pic>
+    </p:spTree>
+    <p:extLst>
+      <p:ext uri="{BB962C8B-B14F-4D97-AF65-F5344CB8AC3E}">
+        <p14:creationId xmlns:p14="http://schemas.microsoft.com/office/powerpoint/2010/main" val="128172818"/>
+      </p:ext>
+    </p:extLst>
+  </p:cSld>
+  <p:clrMapOvr>
+    <a:masterClrMapping/>
+  </p:clrMapOvr>
+  <p:timing>
+    <p:tnLst>
+      <p:par>
+        <p:cTn id="1" dur="indefinite" restart="never" nodeType="tmRoot"/>
+      </p:par>
+    </p:tnLst>
+  </p:timing>
+</p:sld>
+</file>
+
+<file path=ppt/slides/slide12.xml><?xml version="1.0" encoding="utf-8"?>
+<p:sld xmlns:a="http://schemas.openxmlformats.org/drawingml/2006/main" xmlns:r="http://schemas.openxmlformats.org/officeDocument/2006/relationships" xmlns:p="http://schemas.openxmlformats.org/presentationml/2006/main">
+  <p:cSld>
+    <p:spTree>
+      <p:nvGrpSpPr>
+        <p:cNvPr id="1" name=""/>
+        <p:cNvGrpSpPr/>
+        <p:nvPr/>
+      </p:nvGrpSpPr>
+      <p:grpSpPr>
+        <a:xfrm>
+          <a:off x="0" y="0"/>
+          <a:ext cx="0" cy="0"/>
+          <a:chOff x="0" y="0"/>
+          <a:chExt cx="0" cy="0"/>
+        </a:xfrm>
+      </p:grpSpPr>
+      <p:sp>
+        <p:nvSpPr>
+          <p:cNvPr id="2" name="タイトル 1"/>
+          <p:cNvSpPr>
+            <a:spLocks noGrp="1"/>
+          </p:cNvSpPr>
+          <p:nvPr>
+            <p:ph type="title"/>
+          </p:nvPr>
+        </p:nvSpPr>
+        <p:spPr/>
+        <p:txBody>
+          <a:bodyPr/>
+          <a:lstStyle/>
+          <a:p>
+            <a:r>
+              <a:rPr kumimoji="1" lang="en-US" altLang="ja-JP" dirty="0" smtClean="0"/>
               <a:t>4.1</a:t>
             </a:r>
             <a:r>
@@ -3649,7 +4313,7 @@
             </a:br>
             <a:r>
               <a:rPr lang="ja-JP" altLang="en-US" dirty="0" smtClean="0"/>
-              <a:t>繰り返す</a:t>
+              <a:t>遷移を繰り返す</a:t>
             </a:r>
             <a:endParaRPr lang="en-US" altLang="ja-JP" dirty="0" smtClean="0"/>
           </a:p>
@@ -4079,7 +4743,7 @@
 </p:sld>
 </file>
 
-<file path=ppt/slides/slide12.xml><?xml version="1.0" encoding="utf-8"?>
+<file path=ppt/slides/slide13.xml><?xml version="1.0" encoding="utf-8"?>
 <p:sld xmlns:a="http://schemas.openxmlformats.org/drawingml/2006/main" xmlns:r="http://schemas.openxmlformats.org/officeDocument/2006/relationships" xmlns:p="http://schemas.openxmlformats.org/presentationml/2006/main">
   <p:cSld>
     <p:spTree>
@@ -4156,35 +4820,6 @@
           </a:xfrm>
         </p:spPr>
       </p:pic>
-      <p:pic>
-        <p:nvPicPr>
-          <p:cNvPr id="5" name="コンテンツ プレースホルダー 3"/>
-          <p:cNvPicPr>
-            <a:picLocks noChangeAspect="1"/>
-          </p:cNvPicPr>
-          <p:nvPr/>
-        </p:nvPicPr>
-        <p:blipFill rotWithShape="1">
-          <a:blip r:embed="rId3">
-            <a:extLst>
-              <a:ext uri="{28A0092B-C50C-407E-A947-70E740481C1C}">
-                <a14:useLocalDpi xmlns:a14="http://schemas.microsoft.com/office/drawing/2010/main" val="0"/>
-              </a:ext>
-            </a:extLst>
-          </a:blip>
-          <a:srcRect l="-1" t="14341" r="97" b="77093"/>
-          <a:stretch/>
-        </p:blipFill>
-        <p:spPr>
-          <a:xfrm>
-            <a:off x="628650" y="1335089"/>
-            <a:ext cx="7025898" cy="355600"/>
-          </a:xfrm>
-          <a:prstGeom prst="rect">
-            <a:avLst/>
-          </a:prstGeom>
-        </p:spPr>
-      </p:pic>
       <p:cxnSp>
         <p:nvCxnSpPr>
           <p:cNvPr id="7" name="直線矢印コネクタ 6"/>
@@ -4192,9 +4827,9 @@
           <p:nvPr/>
         </p:nvCxnSpPr>
         <p:spPr>
-          <a:xfrm flipH="1">
-            <a:off x="3378200" y="2959100"/>
-            <a:ext cx="1193800" cy="482600"/>
+          <a:xfrm>
+            <a:off x="4572000" y="2959100"/>
+            <a:ext cx="1121980" cy="446252"/>
           </a:xfrm>
           <a:prstGeom prst="straightConnector1">
             <a:avLst/>
@@ -4229,8 +4864,8 @@
         </p:nvCxnSpPr>
         <p:spPr>
           <a:xfrm flipH="1">
-            <a:off x="2197100" y="4321968"/>
-            <a:ext cx="622300" cy="846932"/>
+            <a:off x="2311400" y="4174797"/>
+            <a:ext cx="3382580" cy="1125071"/>
           </a:xfrm>
           <a:prstGeom prst="straightConnector1">
             <a:avLst/>
@@ -4266,7 +4901,7 @@
         </p:nvSpPr>
         <p:spPr>
           <a:xfrm>
-            <a:off x="2667000" y="3536948"/>
+            <a:off x="5693980" y="3584245"/>
             <a:ext cx="850900" cy="590552"/>
           </a:xfrm>
           <a:prstGeom prst="rect">
@@ -4355,6 +4990,35 @@
           </a:p>
         </p:txBody>
       </p:sp>
+      <p:pic>
+        <p:nvPicPr>
+          <p:cNvPr id="10" name="図 9"/>
+          <p:cNvPicPr>
+            <a:picLocks noChangeAspect="1"/>
+          </p:cNvPicPr>
+          <p:nvPr/>
+        </p:nvPicPr>
+        <p:blipFill rotWithShape="1">
+          <a:blip r:embed="rId3">
+            <a:extLst>
+              <a:ext uri="{28A0092B-C50C-407E-A947-70E740481C1C}">
+                <a14:useLocalDpi xmlns:a14="http://schemas.microsoft.com/office/drawing/2010/main" val="0"/>
+              </a:ext>
+            </a:extLst>
+          </a:blip>
+          <a:srcRect t="13469" b="77524"/>
+          <a:stretch/>
+        </p:blipFill>
+        <p:spPr>
+          <a:xfrm>
+            <a:off x="628650" y="1317144"/>
+            <a:ext cx="7231830" cy="373545"/>
+          </a:xfrm>
+          <a:prstGeom prst="rect">
+            <a:avLst/>
+          </a:prstGeom>
+        </p:spPr>
+      </p:pic>
     </p:spTree>
     <p:extLst>
       <p:ext uri="{BB962C8B-B14F-4D97-AF65-F5344CB8AC3E}">
@@ -4578,7 +5242,7 @@
 </p:sld>
 </file>
 
-<file path=ppt/slides/slide13.xml><?xml version="1.0" encoding="utf-8"?>
+<file path=ppt/slides/slide14.xml><?xml version="1.0" encoding="utf-8"?>
 <p:sld xmlns:a="http://schemas.openxmlformats.org/drawingml/2006/main" xmlns:r="http://schemas.openxmlformats.org/officeDocument/2006/relationships" xmlns:p="http://schemas.openxmlformats.org/presentationml/2006/main">
   <p:cSld>
     <p:spTree>
@@ -4663,8 +5327,8 @@
         </p:nvCxnSpPr>
         <p:spPr>
           <a:xfrm flipH="1">
-            <a:off x="2273300" y="4247752"/>
-            <a:ext cx="3365500" cy="1069182"/>
+            <a:off x="2175641" y="4445876"/>
+            <a:ext cx="567559" cy="693683"/>
           </a:xfrm>
           <a:prstGeom prst="straightConnector1">
             <a:avLst/>
@@ -4692,35 +5356,6 @@
           </a:fontRef>
         </p:style>
       </p:cxnSp>
-      <p:pic>
-        <p:nvPicPr>
-          <p:cNvPr id="8" name="コンテンツ プレースホルダー 3"/>
-          <p:cNvPicPr>
-            <a:picLocks noChangeAspect="1"/>
-          </p:cNvPicPr>
-          <p:nvPr/>
-        </p:nvPicPr>
-        <p:blipFill rotWithShape="1">
-          <a:blip r:embed="rId3">
-            <a:extLst>
-              <a:ext uri="{28A0092B-C50C-407E-A947-70E740481C1C}">
-                <a14:useLocalDpi xmlns:a14="http://schemas.microsoft.com/office/drawing/2010/main" val="0"/>
-              </a:ext>
-            </a:extLst>
-          </a:blip>
-          <a:srcRect t="21836" r="227" b="69293"/>
-          <a:stretch/>
-        </p:blipFill>
-        <p:spPr>
-          <a:xfrm>
-            <a:off x="628650" y="1322785"/>
-            <a:ext cx="7016816" cy="368300"/>
-          </a:xfrm>
-          <a:prstGeom prst="rect">
-            <a:avLst/>
-          </a:prstGeom>
-        </p:spPr>
-      </p:pic>
       <p:sp>
         <p:nvSpPr>
           <p:cNvPr id="9" name="正方形/長方形 8"/>
@@ -4729,7 +5364,7 @@
         </p:nvSpPr>
         <p:spPr>
           <a:xfrm>
-            <a:off x="5638800" y="3562348"/>
+            <a:off x="2610260" y="3561952"/>
             <a:ext cx="850900" cy="590552"/>
           </a:xfrm>
           <a:prstGeom prst="rect">
@@ -4776,9 +5411,9 @@
           <p:nvPr/>
         </p:nvCxnSpPr>
         <p:spPr>
-          <a:xfrm flipV="1">
-            <a:off x="3619500" y="3670300"/>
-            <a:ext cx="1905000" cy="12700"/>
+          <a:xfrm flipH="1">
+            <a:off x="3657600" y="3715339"/>
+            <a:ext cx="1828800" cy="0"/>
           </a:xfrm>
           <a:prstGeom prst="straightConnector1">
             <a:avLst/>
@@ -4862,7 +5497,7 @@
         </p:nvSpPr>
         <p:spPr>
           <a:xfrm>
-            <a:off x="2654300" y="3568300"/>
+            <a:off x="5638800" y="3561952"/>
             <a:ext cx="850900" cy="590552"/>
           </a:xfrm>
           <a:prstGeom prst="frame">
@@ -4906,6 +5541,35 @@
           </a:p>
         </p:txBody>
       </p:sp>
+      <p:pic>
+        <p:nvPicPr>
+          <p:cNvPr id="11" name="図 10"/>
+          <p:cNvPicPr>
+            <a:picLocks noChangeAspect="1"/>
+          </p:cNvPicPr>
+          <p:nvPr/>
+        </p:nvPicPr>
+        <p:blipFill rotWithShape="1">
+          <a:blip r:embed="rId3">
+            <a:extLst>
+              <a:ext uri="{28A0092B-C50C-407E-A947-70E740481C1C}">
+                <a14:useLocalDpi xmlns:a14="http://schemas.microsoft.com/office/drawing/2010/main" val="0"/>
+              </a:ext>
+            </a:extLst>
+          </a:blip>
+          <a:srcRect t="22130" b="70248"/>
+          <a:stretch/>
+        </p:blipFill>
+        <p:spPr>
+          <a:xfrm>
+            <a:off x="628650" y="1388273"/>
+            <a:ext cx="7618450" cy="332974"/>
+          </a:xfrm>
+          <a:prstGeom prst="rect">
+            <a:avLst/>
+          </a:prstGeom>
+        </p:spPr>
+      </p:pic>
     </p:spTree>
     <p:extLst>
       <p:ext uri="{BB962C8B-B14F-4D97-AF65-F5344CB8AC3E}">
@@ -5129,7 +5793,7 @@
 </p:sld>
 </file>
 
-<file path=ppt/slides/slide14.xml><?xml version="1.0" encoding="utf-8"?>
+<file path=ppt/slides/slide15.xml><?xml version="1.0" encoding="utf-8"?>
 <p:sld xmlns:a="http://schemas.openxmlformats.org/drawingml/2006/main" xmlns:r="http://schemas.openxmlformats.org/officeDocument/2006/relationships" xmlns:p="http://schemas.openxmlformats.org/presentationml/2006/main">
   <p:cSld>
     <p:spTree>
@@ -5213,9 +5877,9 @@
           <p:nvPr/>
         </p:nvCxnSpPr>
         <p:spPr>
-          <a:xfrm flipH="1">
-            <a:off x="4884420" y="4404360"/>
-            <a:ext cx="982980" cy="1409700"/>
+          <a:xfrm>
+            <a:off x="3513593" y="4152900"/>
+            <a:ext cx="3282831" cy="1183328"/>
           </a:xfrm>
           <a:prstGeom prst="straightConnector1">
             <a:avLst/>
@@ -5251,7 +5915,7 @@
         </p:nvSpPr>
         <p:spPr>
           <a:xfrm>
-            <a:off x="5638800" y="3562348"/>
+            <a:off x="2662693" y="3562348"/>
             <a:ext cx="850900" cy="590552"/>
           </a:xfrm>
           <a:prstGeom prst="rect">
@@ -5299,7 +5963,7 @@
         </p:nvSpPr>
         <p:spPr>
           <a:xfrm>
-            <a:off x="4146550" y="5972332"/>
+            <a:off x="6903002" y="5336228"/>
             <a:ext cx="850900" cy="590552"/>
           </a:xfrm>
           <a:prstGeom prst="rect">
@@ -5340,35 +6004,6 @@
           </a:p>
         </p:txBody>
       </p:sp>
-      <p:pic>
-        <p:nvPicPr>
-          <p:cNvPr id="11" name="コンテンツ プレースホルダー 3"/>
-          <p:cNvPicPr>
-            <a:picLocks noChangeAspect="1"/>
-          </p:cNvPicPr>
-          <p:nvPr/>
-        </p:nvPicPr>
-        <p:blipFill rotWithShape="1">
-          <a:blip r:embed="rId3">
-            <a:extLst>
-              <a:ext uri="{28A0092B-C50C-407E-A947-70E740481C1C}">
-                <a14:useLocalDpi xmlns:a14="http://schemas.microsoft.com/office/drawing/2010/main" val="0"/>
-              </a:ext>
-            </a:extLst>
-          </a:blip>
-          <a:srcRect l="-1" t="29331" r="459" b="61491"/>
-          <a:stretch/>
-        </p:blipFill>
-        <p:spPr>
-          <a:xfrm>
-            <a:off x="628650" y="1309689"/>
-            <a:ext cx="7000498" cy="381000"/>
-          </a:xfrm>
-          <a:prstGeom prst="rect">
-            <a:avLst/>
-          </a:prstGeom>
-        </p:spPr>
-      </p:pic>
       <p:grpSp>
         <p:nvGrpSpPr>
           <p:cNvPr id="54" name="グループ化 53"/>
@@ -5376,9 +6011,9 @@
           <p:nvPr/>
         </p:nvGrpSpPr>
         <p:grpSpPr>
-          <a:xfrm>
-            <a:off x="6521146" y="3616566"/>
-            <a:ext cx="600759" cy="625234"/>
+          <a:xfrm flipH="1" flipV="1">
+            <a:off x="2093843" y="3562348"/>
+            <a:ext cx="568850" cy="659072"/>
             <a:chOff x="6521146" y="3616566"/>
             <a:chExt cx="600759" cy="625234"/>
           </a:xfrm>
@@ -5486,7 +6121,7 @@
         </p:nvSpPr>
         <p:spPr>
           <a:xfrm>
-            <a:off x="5638800" y="3562348"/>
+            <a:off x="2662693" y="3562348"/>
             <a:ext cx="850900" cy="590552"/>
           </a:xfrm>
           <a:prstGeom prst="frame">
@@ -5530,6 +6165,35 @@
           </a:p>
         </p:txBody>
       </p:sp>
+      <p:pic>
+        <p:nvPicPr>
+          <p:cNvPr id="13" name="図 12"/>
+          <p:cNvPicPr>
+            <a:picLocks noChangeAspect="1"/>
+          </p:cNvPicPr>
+          <p:nvPr/>
+        </p:nvPicPr>
+        <p:blipFill rotWithShape="1">
+          <a:blip r:embed="rId3">
+            <a:extLst>
+              <a:ext uri="{28A0092B-C50C-407E-A947-70E740481C1C}">
+                <a14:useLocalDpi xmlns:a14="http://schemas.microsoft.com/office/drawing/2010/main" val="0"/>
+              </a:ext>
+            </a:extLst>
+          </a:blip>
+          <a:srcRect t="28712" b="62627"/>
+          <a:stretch/>
+        </p:blipFill>
+        <p:spPr>
+          <a:xfrm>
+            <a:off x="628650" y="1341715"/>
+            <a:ext cx="7026376" cy="348974"/>
+          </a:xfrm>
+          <a:prstGeom prst="rect">
+            <a:avLst/>
+          </a:prstGeom>
+        </p:spPr>
+      </p:pic>
     </p:spTree>
     <p:extLst>
       <p:ext uri="{BB962C8B-B14F-4D97-AF65-F5344CB8AC3E}">
@@ -5753,7 +6417,7 @@
 </p:sld>
 </file>
 
-<file path=ppt/slides/slide15.xml><?xml version="1.0" encoding="utf-8"?>
+<file path=ppt/slides/slide16.xml><?xml version="1.0" encoding="utf-8"?>
 <p:sld xmlns:a="http://schemas.openxmlformats.org/drawingml/2006/main" xmlns:r="http://schemas.openxmlformats.org/officeDocument/2006/relationships" xmlns:p="http://schemas.openxmlformats.org/presentationml/2006/main">
   <p:cSld>
     <p:spTree>
@@ -5770,40 +6434,9 @@
           <a:chExt cx="0" cy="0"/>
         </a:xfrm>
       </p:grpSpPr>
-      <p:sp>
-        <p:nvSpPr>
-          <p:cNvPr id="2" name="タイトル 1"/>
-          <p:cNvSpPr>
-            <a:spLocks noGrp="1"/>
-          </p:cNvSpPr>
-          <p:nvPr>
-            <p:ph type="title"/>
-          </p:nvPr>
-        </p:nvSpPr>
-        <p:spPr/>
-        <p:txBody>
-          <a:bodyPr/>
-          <a:lstStyle/>
-          <a:p>
-            <a:r>
-              <a:rPr lang="en-US" altLang="ja-JP" dirty="0" smtClean="0"/>
-              <a:t>4.1 </a:t>
-            </a:r>
-            <a:r>
-              <a:rPr lang="en-US" altLang="ja-JP" dirty="0" err="1"/>
-              <a:t>make_sample</a:t>
-            </a:r>
-            <a:r>
-              <a:rPr lang="ja-JP" altLang="en-US" dirty="0"/>
-              <a:t>関数の出力</a:t>
-            </a:r>
-            <a:endParaRPr kumimoji="1" lang="ja-JP" altLang="en-US" dirty="0"/>
-          </a:p>
-        </p:txBody>
-      </p:sp>
       <p:pic>
         <p:nvPicPr>
-          <p:cNvPr id="4" name="コンテンツ プレースホルダー 3"/>
+          <p:cNvPr id="10" name="図 9"/>
           <p:cNvPicPr>
             <a:picLocks noChangeAspect="1"/>
           </p:cNvPicPr>
@@ -5817,13 +6450,13 @@
               </a:ext>
             </a:extLst>
           </a:blip>
-          <a:srcRect t="8527" r="4572"/>
+          <a:srcRect t="6350"/>
           <a:stretch/>
         </p:blipFill>
         <p:spPr>
           <a:xfrm>
-            <a:off x="296489" y="2294734"/>
-            <a:ext cx="4246281" cy="2603500"/>
+            <a:off x="326853" y="1798314"/>
+            <a:ext cx="4502777" cy="3099920"/>
           </a:xfrm>
           <a:prstGeom prst="rect">
             <a:avLst/>
@@ -5832,14 +6465,45 @@
       </p:pic>
       <p:sp>
         <p:nvSpPr>
+          <p:cNvPr id="2" name="タイトル 1"/>
+          <p:cNvSpPr>
+            <a:spLocks noGrp="1"/>
+          </p:cNvSpPr>
+          <p:nvPr>
+            <p:ph type="title"/>
+          </p:nvPr>
+        </p:nvSpPr>
+        <p:spPr/>
+        <p:txBody>
+          <a:bodyPr/>
+          <a:lstStyle/>
+          <a:p>
+            <a:r>
+              <a:rPr lang="en-US" altLang="ja-JP" dirty="0" smtClean="0"/>
+              <a:t>4.1 </a:t>
+            </a:r>
+            <a:r>
+              <a:rPr lang="en-US" altLang="ja-JP" dirty="0" err="1"/>
+              <a:t>make_sample</a:t>
+            </a:r>
+            <a:r>
+              <a:rPr lang="ja-JP" altLang="en-US" dirty="0"/>
+              <a:t>関数の出力</a:t>
+            </a:r>
+            <a:endParaRPr kumimoji="1" lang="ja-JP" altLang="en-US" dirty="0"/>
+          </a:p>
+        </p:txBody>
+      </p:sp>
+      <p:sp>
+        <p:nvSpPr>
           <p:cNvPr id="5" name="楕円 4"/>
           <p:cNvSpPr/>
           <p:nvPr/>
         </p:nvSpPr>
         <p:spPr>
           <a:xfrm>
-            <a:off x="2314855" y="2338388"/>
-            <a:ext cx="1243013" cy="2366961"/>
+            <a:off x="2443136" y="1934818"/>
+            <a:ext cx="1243013" cy="2809528"/>
           </a:xfrm>
           <a:prstGeom prst="ellipse">
             <a:avLst/>
@@ -5915,7 +6579,7 @@
         </p:nvSpPr>
         <p:spPr>
           <a:xfrm>
-            <a:off x="3863738" y="3190875"/>
+            <a:off x="4498424" y="3149887"/>
             <a:ext cx="1130300" cy="666750"/>
           </a:xfrm>
           <a:prstGeom prst="rightArrow">
@@ -6060,11 +6724,11 @@
             <a:pPr algn="ctr"/>
             <a:r>
               <a:rPr lang="ja-JP" altLang="en-US" sz="2400" dirty="0" smtClean="0"/>
-              <a:t>・復号化</a:t>
-            </a:r>
-            <a:r>
-              <a:rPr lang="ja-JP" altLang="en-US" sz="2400" dirty="0"/>
-              <a:t>問題</a:t>
+              <a:t>・</a:t>
+            </a:r>
+            <a:r>
+              <a:rPr lang="ja-JP" altLang="en-US" sz="2400" dirty="0" smtClean="0"/>
+              <a:t>復号問題</a:t>
             </a:r>
             <a:endParaRPr kumimoji="1" lang="en-US" altLang="ja-JP" sz="2400" dirty="0" smtClean="0"/>
           </a:p>
@@ -6106,7 +6770,7 @@
 </p:sld>
 </file>
 
-<file path=ppt/slides/slide16.xml><?xml version="1.0" encoding="utf-8"?>
+<file path=ppt/slides/slide17.xml><?xml version="1.0" encoding="utf-8"?>
 <p:sld xmlns:a="http://schemas.openxmlformats.org/drawingml/2006/main" xmlns:r="http://schemas.openxmlformats.org/officeDocument/2006/relationships" xmlns:p="http://schemas.openxmlformats.org/presentationml/2006/main">
   <p:cSld>
     <p:spTree>
@@ -6194,7 +6858,7 @@
       </p:sp>
       <p:pic>
         <p:nvPicPr>
-          <p:cNvPr id="2" name="図 1"/>
+          <p:cNvPr id="3" name="図 2"/>
           <p:cNvPicPr>
             <a:picLocks noChangeAspect="1"/>
           </p:cNvPicPr>
@@ -6214,8 +6878,8 @@
         </p:blipFill>
         <p:spPr>
           <a:xfrm>
-            <a:off x="1408691" y="1979198"/>
-            <a:ext cx="6326617" cy="4034993"/>
+            <a:off x="1408691" y="1979199"/>
+            <a:ext cx="6326617" cy="4034992"/>
           </a:xfrm>
           <a:prstGeom prst="rect">
             <a:avLst/>
@@ -6226,150 +6890,6 @@
     <p:extLst>
       <p:ext uri="{BB962C8B-B14F-4D97-AF65-F5344CB8AC3E}">
         <p14:creationId xmlns:p14="http://schemas.microsoft.com/office/powerpoint/2010/main" val="1465885809"/>
-      </p:ext>
-    </p:extLst>
-  </p:cSld>
-  <p:clrMapOvr>
-    <a:masterClrMapping/>
-  </p:clrMapOvr>
-  <p:timing>
-    <p:tnLst>
-      <p:par>
-        <p:cTn id="1" dur="indefinite" restart="never" nodeType="tmRoot"/>
-      </p:par>
-    </p:tnLst>
-  </p:timing>
-</p:sld>
-</file>
-
-<file path=ppt/slides/slide17.xml><?xml version="1.0" encoding="utf-8"?>
-<p:sld xmlns:a="http://schemas.openxmlformats.org/drawingml/2006/main" xmlns:r="http://schemas.openxmlformats.org/officeDocument/2006/relationships" xmlns:p="http://schemas.openxmlformats.org/presentationml/2006/main">
-  <p:cSld>
-    <p:spTree>
-      <p:nvGrpSpPr>
-        <p:cNvPr id="1" name=""/>
-        <p:cNvGrpSpPr/>
-        <p:nvPr/>
-      </p:nvGrpSpPr>
-      <p:grpSpPr>
-        <a:xfrm>
-          <a:off x="0" y="0"/>
-          <a:ext cx="0" cy="0"/>
-          <a:chOff x="0" y="0"/>
-          <a:chExt cx="0" cy="0"/>
-        </a:xfrm>
-      </p:grpSpPr>
-      <p:sp>
-        <p:nvSpPr>
-          <p:cNvPr id="2" name="タイトル 1"/>
-          <p:cNvSpPr>
-            <a:spLocks noGrp="1"/>
-          </p:cNvSpPr>
-          <p:nvPr>
-            <p:ph type="title"/>
-          </p:nvPr>
-        </p:nvSpPr>
-        <p:spPr/>
-        <p:txBody>
-          <a:bodyPr/>
-          <a:lstStyle/>
-          <a:p>
-            <a:r>
-              <a:rPr lang="en-US" altLang="ja-JP" dirty="0" smtClean="0"/>
-              <a:t>4.2 </a:t>
-            </a:r>
-            <a:r>
-              <a:rPr lang="en-US" altLang="ja-JP" dirty="0"/>
-              <a:t>Predict</a:t>
-            </a:r>
-            <a:r>
-              <a:rPr lang="ja-JP" altLang="en-US" dirty="0"/>
-              <a:t>関数の出力</a:t>
-            </a:r>
-            <a:endParaRPr kumimoji="1" lang="ja-JP" altLang="en-US" dirty="0"/>
-          </a:p>
-        </p:txBody>
-      </p:sp>
-      <p:sp>
-        <p:nvSpPr>
-          <p:cNvPr id="3" name="コンテンツ プレースホルダー 2"/>
-          <p:cNvSpPr>
-            <a:spLocks noGrp="1"/>
-          </p:cNvSpPr>
-          <p:nvPr>
-            <p:ph idx="1"/>
-          </p:nvPr>
-        </p:nvSpPr>
-        <p:spPr/>
-        <p:txBody>
-          <a:bodyPr/>
-          <a:lstStyle/>
-          <a:p>
-            <a:r>
-              <a:rPr lang="ja-JP" altLang="en-US" dirty="0" smtClean="0"/>
-              <a:t>ボブの行動から</a:t>
-            </a:r>
-            <a:r>
-              <a:rPr kumimoji="1" lang="ja-JP" altLang="en-US" dirty="0" smtClean="0"/>
-              <a:t>天気を推定</a:t>
-            </a:r>
-            <a:endParaRPr kumimoji="1" lang="en-US" altLang="ja-JP" dirty="0" smtClean="0"/>
-          </a:p>
-          <a:p>
-            <a:pPr lvl="1"/>
-            <a:r>
-              <a:rPr lang="ja-JP" altLang="en-US" dirty="0" smtClean="0"/>
-              <a:t>ビタビアルゴリズムにより復号化</a:t>
-            </a:r>
-            <a:endParaRPr lang="en-US" altLang="ja-JP" dirty="0" smtClean="0"/>
-          </a:p>
-          <a:p>
-            <a:pPr lvl="1"/>
-            <a:r>
-              <a:rPr lang="ja-JP" altLang="en-US" dirty="0" smtClean="0"/>
-              <a:t>観測系列にサンプルデータを使用</a:t>
-            </a:r>
-            <a:endParaRPr lang="en-US" altLang="ja-JP" dirty="0" smtClean="0"/>
-          </a:p>
-          <a:p>
-            <a:endParaRPr kumimoji="1" lang="en-US" altLang="ja-JP" dirty="0" smtClean="0"/>
-          </a:p>
-          <a:p>
-            <a:r>
-              <a:rPr lang="ja-JP" altLang="en-US" dirty="0" smtClean="0"/>
-              <a:t>サンプルデータの天気の推移と</a:t>
-            </a:r>
-            <a:r>
-              <a:rPr lang="en-US" altLang="ja-JP" dirty="0" smtClean="0"/>
-              <a:t/>
-            </a:r>
-            <a:br>
-              <a:rPr lang="en-US" altLang="ja-JP" dirty="0" smtClean="0"/>
-            </a:br>
-            <a:r>
-              <a:rPr lang="ja-JP" altLang="en-US" dirty="0" smtClean="0"/>
-              <a:t>推定した天気の推移を比較</a:t>
-            </a:r>
-            <a:endParaRPr kumimoji="1" lang="en-US" altLang="ja-JP" dirty="0" smtClean="0"/>
-          </a:p>
-          <a:p>
-            <a:endParaRPr lang="en-US" altLang="ja-JP" dirty="0" smtClean="0"/>
-          </a:p>
-          <a:p>
-            <a:endParaRPr lang="en-US" altLang="ja-JP" dirty="0"/>
-          </a:p>
-          <a:p>
-            <a:endParaRPr kumimoji="1" lang="en-US" altLang="ja-JP" dirty="0" smtClean="0"/>
-          </a:p>
-          <a:p>
-            <a:endParaRPr kumimoji="1" lang="ja-JP" altLang="en-US" dirty="0"/>
-          </a:p>
-        </p:txBody>
-      </p:sp>
-    </p:spTree>
-    <p:extLst>
-      <p:ext uri="{BB962C8B-B14F-4D97-AF65-F5344CB8AC3E}">
-        <p14:creationId xmlns:p14="http://schemas.microsoft.com/office/powerpoint/2010/main" val="2076524974"/>
       </p:ext>
     </p:extLst>
   </p:cSld>
@@ -6403,17 +6923,159 @@
           <a:chExt cx="0" cy="0"/>
         </a:xfrm>
       </p:grpSpPr>
-      <p:pic>
-        <p:nvPicPr>
-          <p:cNvPr id="17" name="コンテンツ プレースホルダー 5"/>
-          <p:cNvPicPr>
-            <a:picLocks noGrp="1" noChangeAspect="1"/>
-          </p:cNvPicPr>
+      <p:sp>
+        <p:nvSpPr>
+          <p:cNvPr id="2" name="タイトル 1"/>
+          <p:cNvSpPr>
+            <a:spLocks noGrp="1"/>
+          </p:cNvSpPr>
+          <p:nvPr>
+            <p:ph type="title"/>
+          </p:nvPr>
+        </p:nvSpPr>
+        <p:spPr/>
+        <p:txBody>
+          <a:bodyPr/>
+          <a:lstStyle/>
+          <a:p>
+            <a:r>
+              <a:rPr lang="en-US" altLang="ja-JP" dirty="0" smtClean="0"/>
+              <a:t>4.2 </a:t>
+            </a:r>
+            <a:r>
+              <a:rPr lang="en-US" altLang="ja-JP" dirty="0"/>
+              <a:t>Predict</a:t>
+            </a:r>
+            <a:r>
+              <a:rPr lang="ja-JP" altLang="en-US" dirty="0"/>
+              <a:t>関数の出力</a:t>
+            </a:r>
+            <a:endParaRPr kumimoji="1" lang="ja-JP" altLang="en-US" dirty="0"/>
+          </a:p>
+        </p:txBody>
+      </p:sp>
+      <p:sp>
+        <p:nvSpPr>
+          <p:cNvPr id="3" name="コンテンツ プレースホルダー 2"/>
+          <p:cNvSpPr>
+            <a:spLocks noGrp="1"/>
+          </p:cNvSpPr>
           <p:nvPr>
             <p:ph idx="1"/>
           </p:nvPr>
+        </p:nvSpPr>
+        <p:spPr/>
+        <p:txBody>
+          <a:bodyPr/>
+          <a:lstStyle/>
+          <a:p>
+            <a:r>
+              <a:rPr lang="ja-JP" altLang="en-US" dirty="0" smtClean="0"/>
+              <a:t>ボブの行動から</a:t>
+            </a:r>
+            <a:r>
+              <a:rPr kumimoji="1" lang="ja-JP" altLang="en-US" dirty="0" smtClean="0"/>
+              <a:t>天気を推定</a:t>
+            </a:r>
+            <a:endParaRPr kumimoji="1" lang="en-US" altLang="ja-JP" dirty="0" smtClean="0"/>
+          </a:p>
+          <a:p>
+            <a:pPr lvl="1"/>
+            <a:r>
+              <a:rPr lang="ja-JP" altLang="en-US" dirty="0" smtClean="0"/>
+              <a:t>ビタビアルゴリズムにより復号化</a:t>
+            </a:r>
+            <a:endParaRPr lang="en-US" altLang="ja-JP" dirty="0" smtClean="0"/>
+          </a:p>
+          <a:p>
+            <a:pPr lvl="1"/>
+            <a:r>
+              <a:rPr lang="ja-JP" altLang="en-US" dirty="0" smtClean="0"/>
+              <a:t>観測系列にサンプルデータを使用</a:t>
+            </a:r>
+            <a:endParaRPr lang="en-US" altLang="ja-JP" dirty="0" smtClean="0"/>
+          </a:p>
+          <a:p>
+            <a:endParaRPr kumimoji="1" lang="en-US" altLang="ja-JP" dirty="0" smtClean="0"/>
+          </a:p>
+          <a:p>
+            <a:r>
+              <a:rPr lang="ja-JP" altLang="en-US" dirty="0" smtClean="0"/>
+              <a:t>サンプルデータの天気の推移と</a:t>
+            </a:r>
+            <a:r>
+              <a:rPr lang="en-US" altLang="ja-JP" dirty="0" smtClean="0"/>
+              <a:t/>
+            </a:r>
+            <a:br>
+              <a:rPr lang="en-US" altLang="ja-JP" dirty="0" smtClean="0"/>
+            </a:br>
+            <a:r>
+              <a:rPr lang="ja-JP" altLang="en-US" dirty="0" smtClean="0"/>
+              <a:t>推定した天気の推移を比較</a:t>
+            </a:r>
+            <a:endParaRPr kumimoji="1" lang="en-US" altLang="ja-JP" dirty="0" smtClean="0"/>
+          </a:p>
+          <a:p>
+            <a:endParaRPr lang="en-US" altLang="ja-JP" dirty="0" smtClean="0"/>
+          </a:p>
+          <a:p>
+            <a:endParaRPr lang="en-US" altLang="ja-JP" dirty="0"/>
+          </a:p>
+          <a:p>
+            <a:endParaRPr kumimoji="1" lang="en-US" altLang="ja-JP" dirty="0" smtClean="0"/>
+          </a:p>
+          <a:p>
+            <a:endParaRPr kumimoji="1" lang="ja-JP" altLang="en-US" dirty="0"/>
+          </a:p>
+        </p:txBody>
+      </p:sp>
+    </p:spTree>
+    <p:extLst>
+      <p:ext uri="{BB962C8B-B14F-4D97-AF65-F5344CB8AC3E}">
+        <p14:creationId xmlns:p14="http://schemas.microsoft.com/office/powerpoint/2010/main" val="2076524974"/>
+      </p:ext>
+    </p:extLst>
+  </p:cSld>
+  <p:clrMapOvr>
+    <a:masterClrMapping/>
+  </p:clrMapOvr>
+  <p:timing>
+    <p:tnLst>
+      <p:par>
+        <p:cTn id="1" dur="indefinite" restart="never" nodeType="tmRoot"/>
+      </p:par>
+    </p:tnLst>
+  </p:timing>
+</p:sld>
+</file>
+
+<file path=ppt/slides/slide19.xml><?xml version="1.0" encoding="utf-8"?>
+<p:sld xmlns:a="http://schemas.openxmlformats.org/drawingml/2006/main" xmlns:r="http://schemas.openxmlformats.org/officeDocument/2006/relationships" xmlns:p="http://schemas.openxmlformats.org/presentationml/2006/main">
+  <p:cSld>
+    <p:spTree>
+      <p:nvGrpSpPr>
+        <p:cNvPr id="1" name=""/>
+        <p:cNvGrpSpPr/>
+        <p:nvPr/>
+      </p:nvGrpSpPr>
+      <p:grpSpPr>
+        <a:xfrm>
+          <a:off x="0" y="0"/>
+          <a:ext cx="0" cy="0"/>
+          <a:chOff x="0" y="0"/>
+          <a:chExt cx="0" cy="0"/>
+        </a:xfrm>
+      </p:grpSpPr>
+      <p:pic>
+        <p:nvPicPr>
+          <p:cNvPr id="18" name="図 17"/>
+          <p:cNvPicPr>
+            <a:picLocks noChangeAspect="1"/>
+          </p:cNvPicPr>
+          <p:nvPr/>
         </p:nvPicPr>
-        <p:blipFill>
+        <p:blipFill rotWithShape="1">
           <a:blip r:embed="rId2">
             <a:extLst>
               <a:ext uri="{28A0092B-C50C-407E-A947-70E740481C1C}">
@@ -6421,20 +7083,22 @@
               </a:ext>
             </a:extLst>
           </a:blip>
-          <a:stretch>
-            <a:fillRect/>
-          </a:stretch>
+          <a:srcRect t="7580"/>
+          <a:stretch/>
         </p:blipFill>
         <p:spPr>
           <a:xfrm>
-            <a:off x="325174" y="2294734"/>
-            <a:ext cx="4163338" cy="2603500"/>
+            <a:off x="235021" y="2332178"/>
+            <a:ext cx="4158169" cy="2603199"/>
           </a:xfrm>
+          <a:prstGeom prst="rect">
+            <a:avLst/>
+          </a:prstGeom>
         </p:spPr>
       </p:pic>
       <p:pic>
         <p:nvPicPr>
-          <p:cNvPr id="16" name="図 15"/>
+          <p:cNvPr id="15" name="図 14"/>
           <p:cNvPicPr>
             <a:picLocks noChangeAspect="1"/>
           </p:cNvPicPr>
@@ -6454,8 +7118,8 @@
         </p:blipFill>
         <p:spPr>
           <a:xfrm>
-            <a:off x="4721484" y="2294734"/>
-            <a:ext cx="4158169" cy="2578094"/>
+            <a:off x="4766325" y="2301523"/>
+            <a:ext cx="4158169" cy="2596711"/>
           </a:xfrm>
           <a:prstGeom prst="rect">
             <a:avLst/>
@@ -6501,7 +7165,7 @@
         </p:nvSpPr>
         <p:spPr>
           <a:xfrm>
-            <a:off x="967068" y="2413004"/>
+            <a:off x="873265" y="2413003"/>
             <a:ext cx="1243013" cy="2366961"/>
           </a:xfrm>
           <a:prstGeom prst="ellipse">
@@ -6665,8 +7329,8 @@
         </p:nvSpPr>
         <p:spPr>
           <a:xfrm>
-            <a:off x="2210081" y="3263109"/>
-            <a:ext cx="4402481" cy="666750"/>
+            <a:off x="2116278" y="3263109"/>
+            <a:ext cx="4496284" cy="666750"/>
           </a:xfrm>
           <a:prstGeom prst="rightArrow">
             <a:avLst/>
@@ -6779,40 +7443,40 @@
           <a:p>
             <a:pPr algn="ctr"/>
             <a:r>
-              <a:rPr kumimoji="1" lang="ja-JP" altLang="en-US" dirty="0" smtClean="0"/>
+              <a:rPr kumimoji="1" lang="ja-JP" altLang="en-US" sz="2000" dirty="0" smtClean="0"/>
               <a:t>確率モデルに従うため</a:t>
             </a:r>
             <a:r>
-              <a:rPr kumimoji="1" lang="en-US" altLang="ja-JP" dirty="0" smtClean="0"/>
+              <a:rPr kumimoji="1" lang="en-US" altLang="ja-JP" sz="2000" dirty="0" smtClean="0"/>
               <a:t/>
             </a:r>
             <a:br>
-              <a:rPr kumimoji="1" lang="en-US" altLang="ja-JP" dirty="0" smtClean="0"/>
+              <a:rPr kumimoji="1" lang="en-US" altLang="ja-JP" sz="2000" dirty="0" smtClean="0"/>
             </a:br>
             <a:r>
-              <a:rPr kumimoji="1" lang="ja-JP" altLang="en-US" dirty="0" smtClean="0"/>
+              <a:rPr kumimoji="1" lang="ja-JP" altLang="en-US" sz="2000" dirty="0" smtClean="0"/>
               <a:t>出力される状態系列に</a:t>
             </a:r>
             <a:r>
-              <a:rPr kumimoji="1" lang="en-US" altLang="ja-JP" dirty="0" smtClean="0"/>
+              <a:rPr kumimoji="1" lang="en-US" altLang="ja-JP" sz="2000" dirty="0" smtClean="0"/>
               <a:t/>
             </a:r>
             <a:br>
-              <a:rPr kumimoji="1" lang="en-US" altLang="ja-JP" dirty="0" smtClean="0"/>
+              <a:rPr kumimoji="1" lang="en-US" altLang="ja-JP" sz="2000" dirty="0" smtClean="0"/>
             </a:br>
             <a:r>
-              <a:rPr lang="ja-JP" altLang="en-US" dirty="0"/>
+              <a:rPr lang="ja-JP" altLang="en-US" sz="2000" dirty="0"/>
               <a:t>多</a:t>
             </a:r>
             <a:r>
-              <a:rPr lang="ja-JP" altLang="en-US" dirty="0" smtClean="0"/>
+              <a:rPr lang="ja-JP" altLang="en-US" sz="2000" dirty="0" smtClean="0"/>
               <a:t>く</a:t>
             </a:r>
             <a:r>
-              <a:rPr kumimoji="1" lang="ja-JP" altLang="en-US" dirty="0" smtClean="0"/>
+              <a:rPr kumimoji="1" lang="ja-JP" altLang="en-US" sz="2000" dirty="0" smtClean="0"/>
               <a:t>のパターンがある</a:t>
             </a:r>
-            <a:endParaRPr kumimoji="1" lang="ja-JP" altLang="en-US" dirty="0"/>
+            <a:endParaRPr kumimoji="1" lang="ja-JP" altLang="en-US" sz="2000" dirty="0"/>
           </a:p>
         </p:txBody>
       </p:sp>
@@ -6858,21 +7522,29 @@
           <a:p>
             <a:pPr algn="ctr"/>
             <a:r>
-              <a:rPr kumimoji="1" lang="ja-JP" altLang="en-US" dirty="0" smtClean="0"/>
+              <a:rPr kumimoji="1" lang="ja-JP" altLang="en-US" sz="2000" dirty="0" smtClean="0"/>
               <a:t>観測系列に対する</a:t>
             </a:r>
             <a:r>
-              <a:rPr kumimoji="1" lang="en-US" altLang="ja-JP" dirty="0" smtClean="0"/>
+              <a:rPr kumimoji="1" lang="en-US" altLang="ja-JP" sz="2000" dirty="0" smtClean="0"/>
               <a:t/>
             </a:r>
             <a:br>
-              <a:rPr kumimoji="1" lang="en-US" altLang="ja-JP" dirty="0" smtClean="0"/>
+              <a:rPr kumimoji="1" lang="en-US" altLang="ja-JP" sz="2000" dirty="0" smtClean="0"/>
             </a:br>
             <a:r>
-              <a:rPr kumimoji="1" lang="ja-JP" altLang="en-US" dirty="0" smtClean="0"/>
-              <a:t>最尤状態系列となる</a:t>
-            </a:r>
-            <a:endParaRPr kumimoji="1" lang="ja-JP" altLang="en-US" dirty="0"/>
+              <a:rPr kumimoji="1" lang="ja-JP" altLang="en-US" sz="2000" dirty="0" smtClean="0"/>
+              <a:t>最尤</a:t>
+            </a:r>
+            <a:r>
+              <a:rPr kumimoji="1" lang="ja-JP" altLang="en-US" sz="2000" dirty="0" smtClean="0"/>
+              <a:t>状態遷移系列</a:t>
+            </a:r>
+            <a:r>
+              <a:rPr kumimoji="1" lang="ja-JP" altLang="en-US" sz="2000" dirty="0" smtClean="0"/>
+              <a:t>となる</a:t>
+            </a:r>
+            <a:endParaRPr kumimoji="1" lang="ja-JP" altLang="en-US" sz="2000" dirty="0"/>
           </a:p>
         </p:txBody>
       </p:sp>
@@ -6880,6 +7552,345 @@
     <p:extLst>
       <p:ext uri="{BB962C8B-B14F-4D97-AF65-F5344CB8AC3E}">
         <p14:creationId xmlns:p14="http://schemas.microsoft.com/office/powerpoint/2010/main" val="2375300738"/>
+      </p:ext>
+    </p:extLst>
+  </p:cSld>
+  <p:clrMapOvr>
+    <a:masterClrMapping/>
+  </p:clrMapOvr>
+  <p:timing>
+    <p:tnLst>
+      <p:par>
+        <p:cTn id="1" dur="indefinite" restart="never" nodeType="tmRoot">
+          <p:childTnLst>
+            <p:seq concurrent="1" nextAc="seek">
+              <p:cTn id="2" dur="indefinite" nodeType="mainSeq">
+                <p:childTnLst>
+                  <p:par>
+                    <p:cTn id="3" fill="hold">
+                      <p:stCondLst>
+                        <p:cond delay="indefinite"/>
+                      </p:stCondLst>
+                      <p:childTnLst>
+                        <p:par>
+                          <p:cTn id="4" fill="hold">
+                            <p:stCondLst>
+                              <p:cond delay="0"/>
+                            </p:stCondLst>
+                            <p:childTnLst>
+                              <p:par>
+                                <p:cTn id="5" presetID="10" presetClass="entr" presetSubtype="0" fill="hold" grpId="0" nodeType="clickEffect">
+                                  <p:stCondLst>
+                                    <p:cond delay="0"/>
+                                  </p:stCondLst>
+                                  <p:childTnLst>
+                                    <p:set>
+                                      <p:cBhvr>
+                                        <p:cTn id="6" dur="1" fill="hold">
+                                          <p:stCondLst>
+                                            <p:cond delay="0"/>
+                                          </p:stCondLst>
+                                        </p:cTn>
+                                        <p:tgtEl>
+                                          <p:spTgt spid="5"/>
+                                        </p:tgtEl>
+                                        <p:attrNameLst>
+                                          <p:attrName>style.visibility</p:attrName>
+                                        </p:attrNameLst>
+                                      </p:cBhvr>
+                                      <p:to>
+                                        <p:strVal val="visible"/>
+                                      </p:to>
+                                    </p:set>
+                                    <p:animEffect transition="in" filter="fade">
+                                      <p:cBhvr>
+                                        <p:cTn id="7" dur="500"/>
+                                        <p:tgtEl>
+                                          <p:spTgt spid="5"/>
+                                        </p:tgtEl>
+                                      </p:cBhvr>
+                                    </p:animEffect>
+                                  </p:childTnLst>
+                                </p:cTn>
+                              </p:par>
+                              <p:par>
+                                <p:cTn id="8" presetID="10" presetClass="entr" presetSubtype="0" fill="hold" grpId="0" nodeType="withEffect">
+                                  <p:stCondLst>
+                                    <p:cond delay="0"/>
+                                  </p:stCondLst>
+                                  <p:childTnLst>
+                                    <p:set>
+                                      <p:cBhvr>
+                                        <p:cTn id="9" dur="1" fill="hold">
+                                          <p:stCondLst>
+                                            <p:cond delay="0"/>
+                                          </p:stCondLst>
+                                        </p:cTn>
+                                        <p:tgtEl>
+                                          <p:spTgt spid="12"/>
+                                        </p:tgtEl>
+                                        <p:attrNameLst>
+                                          <p:attrName>style.visibility</p:attrName>
+                                        </p:attrNameLst>
+                                      </p:cBhvr>
+                                      <p:to>
+                                        <p:strVal val="visible"/>
+                                      </p:to>
+                                    </p:set>
+                                    <p:animEffect transition="in" filter="fade">
+                                      <p:cBhvr>
+                                        <p:cTn id="10" dur="500"/>
+                                        <p:tgtEl>
+                                          <p:spTgt spid="12"/>
+                                        </p:tgtEl>
+                                      </p:cBhvr>
+                                    </p:animEffect>
+                                  </p:childTnLst>
+                                </p:cTn>
+                              </p:par>
+                              <p:par>
+                                <p:cTn id="11" presetID="10" presetClass="entr" presetSubtype="0" fill="hold" grpId="0" nodeType="withEffect">
+                                  <p:stCondLst>
+                                    <p:cond delay="0"/>
+                                  </p:stCondLst>
+                                  <p:childTnLst>
+                                    <p:set>
+                                      <p:cBhvr>
+                                        <p:cTn id="12" dur="1" fill="hold">
+                                          <p:stCondLst>
+                                            <p:cond delay="0"/>
+                                          </p:stCondLst>
+                                        </p:cTn>
+                                        <p:tgtEl>
+                                          <p:spTgt spid="9"/>
+                                        </p:tgtEl>
+                                        <p:attrNameLst>
+                                          <p:attrName>style.visibility</p:attrName>
+                                        </p:attrNameLst>
+                                      </p:cBhvr>
+                                      <p:to>
+                                        <p:strVal val="visible"/>
+                                      </p:to>
+                                    </p:set>
+                                    <p:animEffect transition="in" filter="fade">
+                                      <p:cBhvr>
+                                        <p:cTn id="13" dur="500"/>
+                                        <p:tgtEl>
+                                          <p:spTgt spid="9"/>
+                                        </p:tgtEl>
+                                      </p:cBhvr>
+                                    </p:animEffect>
+                                  </p:childTnLst>
+                                </p:cTn>
+                              </p:par>
+                              <p:par>
+                                <p:cTn id="14" presetID="10" presetClass="entr" presetSubtype="0" fill="hold" grpId="0" nodeType="withEffect">
+                                  <p:stCondLst>
+                                    <p:cond delay="0"/>
+                                  </p:stCondLst>
+                                  <p:childTnLst>
+                                    <p:set>
+                                      <p:cBhvr>
+                                        <p:cTn id="15" dur="1" fill="hold">
+                                          <p:stCondLst>
+                                            <p:cond delay="0"/>
+                                          </p:stCondLst>
+                                        </p:cTn>
+                                        <p:tgtEl>
+                                          <p:spTgt spid="3"/>
+                                        </p:tgtEl>
+                                        <p:attrNameLst>
+                                          <p:attrName>style.visibility</p:attrName>
+                                        </p:attrNameLst>
+                                      </p:cBhvr>
+                                      <p:to>
+                                        <p:strVal val="visible"/>
+                                      </p:to>
+                                    </p:set>
+                                    <p:animEffect transition="in" filter="fade">
+                                      <p:cBhvr>
+                                        <p:cTn id="16" dur="500"/>
+                                        <p:tgtEl>
+                                          <p:spTgt spid="3"/>
+                                        </p:tgtEl>
+                                      </p:cBhvr>
+                                    </p:animEffect>
+                                  </p:childTnLst>
+                                </p:cTn>
+                              </p:par>
+                              <p:par>
+                                <p:cTn id="17" presetID="10" presetClass="entr" presetSubtype="0" fill="hold" grpId="0" nodeType="withEffect">
+                                  <p:stCondLst>
+                                    <p:cond delay="0"/>
+                                  </p:stCondLst>
+                                  <p:childTnLst>
+                                    <p:set>
+                                      <p:cBhvr>
+                                        <p:cTn id="18" dur="1" fill="hold">
+                                          <p:stCondLst>
+                                            <p:cond delay="0"/>
+                                          </p:stCondLst>
+                                        </p:cTn>
+                                        <p:tgtEl>
+                                          <p:spTgt spid="14"/>
+                                        </p:tgtEl>
+                                        <p:attrNameLst>
+                                          <p:attrName>style.visibility</p:attrName>
+                                        </p:attrNameLst>
+                                      </p:cBhvr>
+                                      <p:to>
+                                        <p:strVal val="visible"/>
+                                      </p:to>
+                                    </p:set>
+                                    <p:animEffect transition="in" filter="fade">
+                                      <p:cBhvr>
+                                        <p:cTn id="19" dur="500"/>
+                                        <p:tgtEl>
+                                          <p:spTgt spid="14"/>
+                                        </p:tgtEl>
+                                      </p:cBhvr>
+                                    </p:animEffect>
+                                  </p:childTnLst>
+                                </p:cTn>
+                              </p:par>
+                            </p:childTnLst>
+                          </p:cTn>
+                        </p:par>
+                      </p:childTnLst>
+                    </p:cTn>
+                  </p:par>
+                </p:childTnLst>
+              </p:cTn>
+              <p:prevCondLst>
+                <p:cond evt="onPrev" delay="0">
+                  <p:tgtEl>
+                    <p:sldTgt/>
+                  </p:tgtEl>
+                </p:cond>
+              </p:prevCondLst>
+              <p:nextCondLst>
+                <p:cond evt="onNext" delay="0">
+                  <p:tgtEl>
+                    <p:sldTgt/>
+                  </p:tgtEl>
+                </p:cond>
+              </p:nextCondLst>
+            </p:seq>
+          </p:childTnLst>
+        </p:cTn>
+      </p:par>
+    </p:tnLst>
+    <p:bldLst>
+      <p:bldP spid="5" grpId="0" animBg="1"/>
+      <p:bldP spid="9" grpId="0" animBg="1"/>
+      <p:bldP spid="12" grpId="0" animBg="1"/>
+      <p:bldP spid="3" grpId="0" animBg="1"/>
+      <p:bldP spid="14" grpId="0" animBg="1"/>
+    </p:bldLst>
+  </p:timing>
+</p:sld>
+</file>
+
+<file path=ppt/slides/slide2.xml><?xml version="1.0" encoding="utf-8"?>
+<p:sld xmlns:a="http://schemas.openxmlformats.org/drawingml/2006/main" xmlns:r="http://schemas.openxmlformats.org/officeDocument/2006/relationships" xmlns:p="http://schemas.openxmlformats.org/presentationml/2006/main">
+  <p:cSld>
+    <p:spTree>
+      <p:nvGrpSpPr>
+        <p:cNvPr id="1" name=""/>
+        <p:cNvGrpSpPr/>
+        <p:nvPr/>
+      </p:nvGrpSpPr>
+      <p:grpSpPr>
+        <a:xfrm>
+          <a:off x="0" y="0"/>
+          <a:ext cx="0" cy="0"/>
+          <a:chOff x="0" y="0"/>
+          <a:chExt cx="0" cy="0"/>
+        </a:xfrm>
+      </p:grpSpPr>
+      <p:sp>
+        <p:nvSpPr>
+          <p:cNvPr id="2" name="タイトル 1"/>
+          <p:cNvSpPr>
+            <a:spLocks noGrp="1"/>
+          </p:cNvSpPr>
+          <p:nvPr>
+            <p:ph type="title"/>
+          </p:nvPr>
+        </p:nvSpPr>
+        <p:spPr>
+          <a:xfrm>
+            <a:off x="628649" y="365126"/>
+            <a:ext cx="8251739" cy="1325563"/>
+          </a:xfrm>
+        </p:spPr>
+        <p:txBody>
+          <a:bodyPr/>
+          <a:lstStyle/>
+          <a:p>
+            <a:r>
+              <a:rPr kumimoji="1" lang="en-US" altLang="ja-JP" dirty="0" smtClean="0"/>
+              <a:t>1.enshu_hmm.py</a:t>
+            </a:r>
+            <a:r>
+              <a:rPr kumimoji="1" lang="ja-JP" altLang="en-US" dirty="0" smtClean="0"/>
+              <a:t>を開く</a:t>
+            </a:r>
+            <a:endParaRPr kumimoji="1" lang="ja-JP" altLang="en-US" dirty="0"/>
+          </a:p>
+        </p:txBody>
+      </p:sp>
+      <p:sp>
+        <p:nvSpPr>
+          <p:cNvPr id="3" name="コンテンツ プレースホルダー 2"/>
+          <p:cNvSpPr>
+            <a:spLocks noGrp="1"/>
+          </p:cNvSpPr>
+          <p:nvPr>
+            <p:ph idx="1"/>
+          </p:nvPr>
+        </p:nvSpPr>
+        <p:spPr/>
+        <p:txBody>
+          <a:bodyPr/>
+          <a:lstStyle/>
+          <a:p>
+            <a:r>
+              <a:rPr kumimoji="1" lang="en-US" altLang="ja-JP" dirty="0" smtClean="0"/>
+              <a:t>enshu_hmm.py </a:t>
+            </a:r>
+            <a:r>
+              <a:rPr kumimoji="1" lang="ja-JP" altLang="en-US" dirty="0" smtClean="0"/>
+              <a:t>を</a:t>
+            </a:r>
+            <a:r>
+              <a:rPr lang="ja-JP" altLang="en-US" dirty="0" smtClean="0"/>
+              <a:t>開く</a:t>
+            </a:r>
+            <a:endParaRPr kumimoji="1" lang="en-US" altLang="ja-JP" dirty="0" smtClean="0"/>
+          </a:p>
+          <a:p>
+            <a:pPr lvl="1"/>
+            <a:r>
+              <a:rPr lang="ja-JP" altLang="en-US" dirty="0" smtClean="0"/>
+              <a:t>ホームディレクトリ内の</a:t>
+            </a:r>
+            <a:r>
+              <a:rPr lang="en-US" altLang="ja-JP" dirty="0" err="1" smtClean="0"/>
+              <a:t>enshu</a:t>
+            </a:r>
+            <a:r>
+              <a:rPr lang="ja-JP" altLang="en-US" dirty="0" smtClean="0"/>
+              <a:t>フォルダ内に移動</a:t>
+            </a:r>
+            <a:endParaRPr lang="en-US" altLang="ja-JP" dirty="0" smtClean="0"/>
+          </a:p>
+        </p:txBody>
+      </p:sp>
+    </p:spTree>
+    <p:extLst>
+      <p:ext uri="{BB962C8B-B14F-4D97-AF65-F5344CB8AC3E}">
+        <p14:creationId xmlns:p14="http://schemas.microsoft.com/office/powerpoint/2010/main" val="2957011578"/>
       </p:ext>
     </p:extLst>
   </p:cSld>
@@ -6896,7 +7907,7 @@
 </p:sld>
 </file>
 
-<file path=ppt/slides/slide19.xml><?xml version="1.0" encoding="utf-8"?>
+<file path=ppt/slides/slide20.xml><?xml version="1.0" encoding="utf-8"?>
 <p:sld xmlns:a="http://schemas.openxmlformats.org/drawingml/2006/main" xmlns:r="http://schemas.openxmlformats.org/officeDocument/2006/relationships" xmlns:p="http://schemas.openxmlformats.org/presentationml/2006/main">
   <p:cSld>
     <p:spTree>
@@ -6992,13 +8003,13 @@
       </p:sp>
       <p:pic>
         <p:nvPicPr>
-          <p:cNvPr id="3" name="図 2"/>
+          <p:cNvPr id="2" name="図 1"/>
           <p:cNvPicPr>
             <a:picLocks noChangeAspect="1"/>
           </p:cNvPicPr>
           <p:nvPr/>
         </p:nvPicPr>
-        <p:blipFill rotWithShape="1">
+        <p:blipFill>
           <a:blip r:embed="rId2">
             <a:extLst>
               <a:ext uri="{28A0092B-C50C-407E-A947-70E740481C1C}">
@@ -7006,13 +8017,14 @@
               </a:ext>
             </a:extLst>
           </a:blip>
-          <a:srcRect r="23367" b="46920"/>
-          <a:stretch/>
+          <a:stretch>
+            <a:fillRect/>
+          </a:stretch>
         </p:blipFill>
         <p:spPr>
           <a:xfrm>
-            <a:off x="939874" y="1965533"/>
-            <a:ext cx="7264248" cy="4369247"/>
+            <a:off x="939874" y="1828111"/>
+            <a:ext cx="7264247" cy="4369247"/>
           </a:xfrm>
           <a:prstGeom prst="rect">
             <a:avLst/>
@@ -7039,118 +8051,7 @@
 </p:sld>
 </file>
 
-<file path=ppt/slides/slide2.xml><?xml version="1.0" encoding="utf-8"?>
-<p:sld xmlns:a="http://schemas.openxmlformats.org/drawingml/2006/main" xmlns:r="http://schemas.openxmlformats.org/officeDocument/2006/relationships" xmlns:p="http://schemas.openxmlformats.org/presentationml/2006/main">
-  <p:cSld>
-    <p:spTree>
-      <p:nvGrpSpPr>
-        <p:cNvPr id="1" name=""/>
-        <p:cNvGrpSpPr/>
-        <p:nvPr/>
-      </p:nvGrpSpPr>
-      <p:grpSpPr>
-        <a:xfrm>
-          <a:off x="0" y="0"/>
-          <a:ext cx="0" cy="0"/>
-          <a:chOff x="0" y="0"/>
-          <a:chExt cx="0" cy="0"/>
-        </a:xfrm>
-      </p:grpSpPr>
-      <p:sp>
-        <p:nvSpPr>
-          <p:cNvPr id="2" name="タイトル 1"/>
-          <p:cNvSpPr>
-            <a:spLocks noGrp="1"/>
-          </p:cNvSpPr>
-          <p:nvPr>
-            <p:ph type="title"/>
-          </p:nvPr>
-        </p:nvSpPr>
-        <p:spPr/>
-        <p:txBody>
-          <a:bodyPr/>
-          <a:lstStyle/>
-          <a:p>
-            <a:r>
-              <a:rPr kumimoji="1" lang="en-US" altLang="ja-JP" dirty="0" smtClean="0"/>
-              <a:t>1.hmm.py</a:t>
-            </a:r>
-            <a:r>
-              <a:rPr kumimoji="1" lang="ja-JP" altLang="en-US" dirty="0" smtClean="0"/>
-              <a:t>をエディタで開く</a:t>
-            </a:r>
-            <a:endParaRPr kumimoji="1" lang="ja-JP" altLang="en-US" dirty="0"/>
-          </a:p>
-        </p:txBody>
-      </p:sp>
-      <p:sp>
-        <p:nvSpPr>
-          <p:cNvPr id="3" name="コンテンツ プレースホルダー 2"/>
-          <p:cNvSpPr>
-            <a:spLocks noGrp="1"/>
-          </p:cNvSpPr>
-          <p:nvPr>
-            <p:ph idx="1"/>
-          </p:nvPr>
-        </p:nvSpPr>
-        <p:spPr/>
-        <p:txBody>
-          <a:bodyPr/>
-          <a:lstStyle/>
-          <a:p>
-            <a:r>
-              <a:rPr kumimoji="1" lang="en-US" altLang="ja-JP" dirty="0" smtClean="0"/>
-              <a:t>hmm.py </a:t>
-            </a:r>
-            <a:r>
-              <a:rPr kumimoji="1" lang="ja-JP" altLang="en-US" dirty="0" err="1" smtClean="0"/>
-              <a:t>を保</a:t>
-            </a:r>
-            <a:r>
-              <a:rPr kumimoji="1" lang="ja-JP" altLang="en-US" dirty="0" smtClean="0"/>
-              <a:t>存している場所</a:t>
-            </a:r>
-            <a:r>
-              <a:rPr kumimoji="1" lang="en-US" altLang="ja-JP" dirty="0" smtClean="0"/>
-              <a:t>(</a:t>
-            </a:r>
-            <a:r>
-              <a:rPr kumimoji="1" lang="ja-JP" altLang="en-US" dirty="0" smtClean="0"/>
-              <a:t>画像で</a:t>
-            </a:r>
-            <a:r>
-              <a:rPr kumimoji="1" lang="en-US" altLang="ja-JP" dirty="0" smtClean="0"/>
-              <a:t>?)</a:t>
-            </a:r>
-            <a:r>
-              <a:rPr kumimoji="1" lang="ja-JP" altLang="en-US" smtClean="0"/>
-              <a:t>表示</a:t>
-            </a:r>
-            <a:endParaRPr kumimoji="1" lang="ja-JP" altLang="en-US" dirty="0"/>
-          </a:p>
-        </p:txBody>
-      </p:sp>
-    </p:spTree>
-    <p:extLst>
-      <p:ext uri="{BB962C8B-B14F-4D97-AF65-F5344CB8AC3E}">
-        <p14:creationId xmlns:p14="http://schemas.microsoft.com/office/powerpoint/2010/main" val="2957011578"/>
-      </p:ext>
-    </p:extLst>
-  </p:cSld>
-  <p:clrMapOvr>
-    <a:masterClrMapping/>
-  </p:clrMapOvr>
-  <p:timing>
-    <p:tnLst>
-      <p:par>
-        <p:cTn id="1" dur="indefinite" restart="never" nodeType="tmRoot"/>
-      </p:par>
-    </p:tnLst>
-  </p:timing>
-</p:sld>
-</file>
-
-<file path=ppt/slides/slide20.xml><?xml version="1.0" encoding="utf-8"?>
+<file path=ppt/slides/slide21.xml><?xml version="1.0" encoding="utf-8"?>
 <p:sld xmlns:a="http://schemas.openxmlformats.org/drawingml/2006/main" xmlns:r="http://schemas.openxmlformats.org/officeDocument/2006/relationships" xmlns:p="http://schemas.openxmlformats.org/presentationml/2006/main">
   <p:cSld>
     <p:spTree>
@@ -8126,7 +9027,7 @@
 </p:sld>
 </file>
 
-<file path=ppt/slides/slide21.xml><?xml version="1.0" encoding="utf-8"?>
+<file path=ppt/slides/slide22.xml><?xml version="1.0" encoding="utf-8"?>
 <p:sld xmlns:a="http://schemas.openxmlformats.org/drawingml/2006/main" xmlns:r="http://schemas.openxmlformats.org/officeDocument/2006/relationships" xmlns:p="http://schemas.openxmlformats.org/presentationml/2006/main">
   <p:cSld>
     <p:spTree>
@@ -8201,6 +9102,10 @@
               <a:t>make_sample</a:t>
             </a:r>
             <a:r>
+              <a:rPr lang="ja-JP" altLang="en-US" dirty="0" smtClean="0"/>
+              <a:t>関数</a:t>
+            </a:r>
+            <a:r>
               <a:rPr kumimoji="1" lang="ja-JP" altLang="en-US" dirty="0" smtClean="0"/>
               <a:t>からの</a:t>
             </a:r>
@@ -8232,7 +9137,11 @@
             </a:br>
             <a:r>
               <a:rPr lang="ja-JP" altLang="en-US" dirty="0" smtClean="0"/>
-              <a:t>として学習</a:t>
+              <a:t>と</a:t>
+            </a:r>
+            <a:r>
+              <a:rPr lang="ja-JP" altLang="en-US" dirty="0" smtClean="0"/>
+              <a:t>してパラメータを学習</a:t>
             </a:r>
             <a:endParaRPr lang="en-US" altLang="ja-JP" dirty="0" smtClean="0"/>
           </a:p>
@@ -9970,7 +10879,7 @@
 </p:sld>
 </file>
 
-<file path=ppt/slides/slide22.xml><?xml version="1.0" encoding="utf-8"?>
+<file path=ppt/slides/slide23.xml><?xml version="1.0" encoding="utf-8"?>
 <p:sld xmlns:a="http://schemas.openxmlformats.org/drawingml/2006/main" xmlns:r="http://schemas.openxmlformats.org/officeDocument/2006/relationships" xmlns:p="http://schemas.openxmlformats.org/presentationml/2006/main">
   <p:cSld>
     <p:spTree>
@@ -10020,15 +10929,13 @@
       </p:sp>
       <p:pic>
         <p:nvPicPr>
-          <p:cNvPr id="4" name="コンテンツ プレースホルダー 3"/>
+          <p:cNvPr id="7" name="図 6"/>
           <p:cNvPicPr>
-            <a:picLocks noGrp="1" noChangeAspect="1"/>
+            <a:picLocks noChangeAspect="1"/>
           </p:cNvPicPr>
-          <p:nvPr>
-            <p:ph idx="1"/>
-          </p:nvPr>
+          <p:nvPr/>
         </p:nvPicPr>
-        <p:blipFill rotWithShape="1">
+        <p:blipFill>
           <a:blip r:embed="rId2">
             <a:extLst>
               <a:ext uri="{28A0092B-C50C-407E-A947-70E740481C1C}">
@@ -10036,16 +10943,59 @@
               </a:ext>
             </a:extLst>
           </a:blip>
-          <a:srcRect l="-84" t="54671"/>
-          <a:stretch/>
+          <a:stretch>
+            <a:fillRect/>
+          </a:stretch>
         </p:blipFill>
         <p:spPr>
           <a:xfrm>
-            <a:off x="1113446" y="1989792"/>
-            <a:ext cx="6917108" cy="3770073"/>
+            <a:off x="123926" y="2438400"/>
+            <a:ext cx="8888270" cy="2529858"/>
           </a:xfrm>
+          <a:prstGeom prst="rect">
+            <a:avLst/>
+          </a:prstGeom>
         </p:spPr>
       </p:pic>
+      <p:sp>
+        <p:nvSpPr>
+          <p:cNvPr id="9" name="テキスト ボックス 8"/>
+          <p:cNvSpPr txBox="1"/>
+          <p:nvPr/>
+        </p:nvSpPr>
+        <p:spPr>
+          <a:xfrm>
+            <a:off x="1391473" y="5083656"/>
+            <a:ext cx="6353175" cy="523220"/>
+          </a:xfrm>
+          <a:prstGeom prst="rect">
+            <a:avLst/>
+          </a:prstGeom>
+          <a:noFill/>
+        </p:spPr>
+        <p:txBody>
+          <a:bodyPr wrap="square" rtlCol="0">
+            <a:spAutoFit/>
+          </a:bodyPr>
+          <a:lstStyle/>
+          <a:p>
+            <a:pPr algn="ctr"/>
+            <a:r>
+              <a:rPr lang="ja-JP" altLang="en-US" sz="2800" dirty="0" smtClean="0"/>
+              <a:t>二つの</a:t>
+            </a:r>
+            <a:r>
+              <a:rPr lang="en-US" altLang="ja-JP" sz="2800" dirty="0" smtClean="0"/>
+              <a:t>HMM</a:t>
+            </a:r>
+            <a:r>
+              <a:rPr lang="ja-JP" altLang="en-US" sz="2800" dirty="0" smtClean="0"/>
+              <a:t>の各パラメータを出力</a:t>
+            </a:r>
+            <a:endParaRPr lang="ja-JP" altLang="en-US" sz="2800" dirty="0"/>
+          </a:p>
+        </p:txBody>
+      </p:sp>
     </p:spTree>
     <p:extLst>
       <p:ext uri="{BB962C8B-B14F-4D97-AF65-F5344CB8AC3E}">
@@ -10066,7 +11016,7 @@
 </p:sld>
 </file>
 
-<file path=ppt/slides/slide23.xml><?xml version="1.0" encoding="utf-8"?>
+<file path=ppt/slides/slide24.xml><?xml version="1.0" encoding="utf-8"?>
 <p:sld xmlns:a="http://schemas.openxmlformats.org/drawingml/2006/main" xmlns:r="http://schemas.openxmlformats.org/officeDocument/2006/relationships" xmlns:p="http://schemas.openxmlformats.org/presentationml/2006/main">
   <p:cSld>
     <p:spTree>
@@ -11187,163 +12137,6 @@
 </p:sld>
 </file>
 
-<file path=ppt/slides/slide24.xml><?xml version="1.0" encoding="utf-8"?>
-<p:sld xmlns:a="http://schemas.openxmlformats.org/drawingml/2006/main" xmlns:r="http://schemas.openxmlformats.org/officeDocument/2006/relationships" xmlns:p="http://schemas.openxmlformats.org/presentationml/2006/main">
-  <p:cSld>
-    <p:spTree>
-      <p:nvGrpSpPr>
-        <p:cNvPr id="1" name=""/>
-        <p:cNvGrpSpPr/>
-        <p:nvPr/>
-      </p:nvGrpSpPr>
-      <p:grpSpPr>
-        <a:xfrm>
-          <a:off x="0" y="0"/>
-          <a:ext cx="0" cy="0"/>
-          <a:chOff x="0" y="0"/>
-          <a:chExt cx="0" cy="0"/>
-        </a:xfrm>
-      </p:grpSpPr>
-      <p:sp>
-        <p:nvSpPr>
-          <p:cNvPr id="2" name="タイトル 1"/>
-          <p:cNvSpPr>
-            <a:spLocks noGrp="1"/>
-          </p:cNvSpPr>
-          <p:nvPr>
-            <p:ph type="title"/>
-          </p:nvPr>
-        </p:nvSpPr>
-        <p:spPr/>
-        <p:txBody>
-          <a:bodyPr/>
-          <a:lstStyle/>
-          <a:p>
-            <a:r>
-              <a:rPr lang="ja-JP" altLang="en-US" dirty="0"/>
-              <a:t>課題</a:t>
-            </a:r>
-            <a:endParaRPr kumimoji="1" lang="ja-JP" altLang="en-US" dirty="0"/>
-          </a:p>
-        </p:txBody>
-      </p:sp>
-      <p:sp>
-        <p:nvSpPr>
-          <p:cNvPr id="3" name="コンテンツ プレースホルダー 2"/>
-          <p:cNvSpPr>
-            <a:spLocks noGrp="1"/>
-          </p:cNvSpPr>
-          <p:nvPr>
-            <p:ph idx="1"/>
-          </p:nvPr>
-        </p:nvSpPr>
-        <p:spPr/>
-        <p:txBody>
-          <a:bodyPr/>
-          <a:lstStyle/>
-          <a:p>
-            <a:r>
-              <a:rPr kumimoji="1" lang="ja-JP" altLang="en-US" dirty="0" smtClean="0"/>
-              <a:t>配布した資料の統計情報より</a:t>
-            </a:r>
-            <a:r>
-              <a:rPr kumimoji="1" lang="en-US" altLang="ja-JP" dirty="0" smtClean="0"/>
-              <a:t>,</a:t>
-            </a:r>
-            <a:r>
-              <a:rPr kumimoji="1" lang="ja-JP" altLang="en-US" dirty="0" smtClean="0"/>
-              <a:t>パラメータを計算</a:t>
-            </a:r>
-            <a:endParaRPr kumimoji="1" lang="en-US" altLang="ja-JP" dirty="0" smtClean="0"/>
-          </a:p>
-          <a:p>
-            <a:endParaRPr lang="en-US" altLang="ja-JP" dirty="0"/>
-          </a:p>
-          <a:p>
-            <a:pPr lvl="1"/>
-            <a:r>
-              <a:rPr lang="ja-JP" altLang="en-US" dirty="0" smtClean="0"/>
-              <a:t>晴→晴</a:t>
-            </a:r>
-            <a:r>
-              <a:rPr lang="en-US" altLang="ja-JP" dirty="0" smtClean="0"/>
-              <a:t>, </a:t>
-            </a:r>
-            <a:r>
-              <a:rPr lang="ja-JP" altLang="en-US" dirty="0" smtClean="0"/>
-              <a:t> 晴→雨</a:t>
-            </a:r>
-            <a:r>
-              <a:rPr lang="en-US" altLang="ja-JP" dirty="0" smtClean="0"/>
-              <a:t>,  </a:t>
-            </a:r>
-            <a:r>
-              <a:rPr lang="ja-JP" altLang="en-US" dirty="0" smtClean="0"/>
-              <a:t>雨→晴</a:t>
-            </a:r>
-            <a:r>
-              <a:rPr lang="en-US" altLang="ja-JP" dirty="0" smtClean="0"/>
-              <a:t>,  </a:t>
-            </a:r>
-            <a:r>
-              <a:rPr lang="ja-JP" altLang="en-US" dirty="0" smtClean="0"/>
-              <a:t>雨→雨</a:t>
-            </a:r>
-            <a:endParaRPr lang="en-US" altLang="ja-JP" dirty="0" smtClean="0"/>
-          </a:p>
-          <a:p>
-            <a:pPr lvl="1"/>
-            <a:r>
-              <a:rPr kumimoji="1" lang="ja-JP" altLang="en-US" dirty="0" smtClean="0"/>
-              <a:t>晴のとき</a:t>
-            </a:r>
-            <a:r>
-              <a:rPr kumimoji="1" lang="en-US" altLang="ja-JP" dirty="0" smtClean="0"/>
-              <a:t>,</a:t>
-            </a:r>
-            <a:r>
-              <a:rPr kumimoji="1" lang="ja-JP" altLang="en-US" dirty="0" smtClean="0"/>
-              <a:t>雨のとき の各行動の確率</a:t>
-            </a:r>
-            <a:endParaRPr kumimoji="1" lang="en-US" altLang="ja-JP" dirty="0" smtClean="0"/>
-          </a:p>
-          <a:p>
-            <a:pPr marL="457200" lvl="1" indent="0">
-              <a:buNone/>
-            </a:pPr>
-            <a:r>
-              <a:rPr lang="en-US" altLang="ja-JP" dirty="0" smtClean="0"/>
-              <a:t>						</a:t>
-            </a:r>
-            <a:r>
-              <a:rPr lang="ja-JP" altLang="en-US" dirty="0" smtClean="0"/>
-              <a:t>を計算</a:t>
-            </a:r>
-            <a:endParaRPr lang="en-US" altLang="ja-JP" dirty="0"/>
-          </a:p>
-          <a:p>
-            <a:pPr lvl="1"/>
-            <a:endParaRPr kumimoji="1" lang="en-US" altLang="ja-JP" dirty="0" smtClean="0"/>
-          </a:p>
-          <a:p>
-            <a:pPr lvl="1"/>
-            <a:endParaRPr kumimoji="1" lang="ja-JP" altLang="en-US" dirty="0"/>
-          </a:p>
-        </p:txBody>
-      </p:sp>
-    </p:spTree>
-    <p:extLst>
-      <p:ext uri="{BB962C8B-B14F-4D97-AF65-F5344CB8AC3E}">
-        <p14:creationId xmlns:p14="http://schemas.microsoft.com/office/powerpoint/2010/main" val="220274891"/>
-      </p:ext>
-    </p:extLst>
-  </p:cSld>
-  <p:clrMapOvr>
-    <a:masterClrMapping/>
-  </p:clrMapOvr>
-</p:sld>
-</file>
-
 <file path=ppt/slides/slide25.xml><?xml version="1.0" encoding="utf-8"?>
 <p:sld xmlns:a="http://schemas.openxmlformats.org/drawingml/2006/main" xmlns:r="http://schemas.openxmlformats.org/officeDocument/2006/relationships" xmlns:p="http://schemas.openxmlformats.org/presentationml/2006/main">
   <p:cSld>
@@ -11378,7 +12171,7 @@
           <a:p>
             <a:r>
               <a:rPr lang="ja-JP" altLang="en-US" dirty="0"/>
-              <a:t>課題</a:t>
+              <a:t>実習</a:t>
             </a:r>
             <a:endParaRPr kumimoji="1" lang="ja-JP" altLang="en-US" dirty="0"/>
           </a:p>
@@ -11491,13 +12284,673 @@
     </p:spTree>
     <p:extLst>
       <p:ext uri="{BB962C8B-B14F-4D97-AF65-F5344CB8AC3E}">
-        <p14:creationId xmlns:p14="http://schemas.microsoft.com/office/powerpoint/2010/main" val="977452899"/>
+        <p14:creationId xmlns:p14="http://schemas.microsoft.com/office/powerpoint/2010/main" val="220274891"/>
       </p:ext>
     </p:extLst>
   </p:cSld>
   <p:clrMapOvr>
     <a:masterClrMapping/>
   </p:clrMapOvr>
+  <p:timing>
+    <p:tnLst>
+      <p:par>
+        <p:cTn id="1" dur="indefinite" restart="never" nodeType="tmRoot"/>
+      </p:par>
+    </p:tnLst>
+  </p:timing>
+</p:sld>
+</file>
+
+<file path=ppt/slides/slide26.xml><?xml version="1.0" encoding="utf-8"?>
+<p:sld xmlns:a="http://schemas.openxmlformats.org/drawingml/2006/main" xmlns:r="http://schemas.openxmlformats.org/officeDocument/2006/relationships" xmlns:p="http://schemas.openxmlformats.org/presentationml/2006/main">
+  <p:cSld>
+    <p:spTree>
+      <p:nvGrpSpPr>
+        <p:cNvPr id="1" name=""/>
+        <p:cNvGrpSpPr/>
+        <p:nvPr/>
+      </p:nvGrpSpPr>
+      <p:grpSpPr>
+        <a:xfrm>
+          <a:off x="0" y="0"/>
+          <a:ext cx="0" cy="0"/>
+          <a:chOff x="0" y="0"/>
+          <a:chExt cx="0" cy="0"/>
+        </a:xfrm>
+      </p:grpSpPr>
+      <p:sp>
+        <p:nvSpPr>
+          <p:cNvPr id="2" name="タイトル 1"/>
+          <p:cNvSpPr>
+            <a:spLocks noGrp="1"/>
+          </p:cNvSpPr>
+          <p:nvPr>
+            <p:ph type="title"/>
+          </p:nvPr>
+        </p:nvSpPr>
+        <p:spPr/>
+        <p:txBody>
+          <a:bodyPr/>
+          <a:lstStyle/>
+          <a:p>
+            <a:r>
+              <a:rPr kumimoji="1" lang="ja-JP" altLang="en-US" dirty="0" smtClean="0"/>
+              <a:t>プログラムを動かす</a:t>
+            </a:r>
+            <a:endParaRPr kumimoji="1" lang="ja-JP" altLang="en-US" dirty="0"/>
+          </a:p>
+        </p:txBody>
+      </p:sp>
+      <p:sp>
+        <p:nvSpPr>
+          <p:cNvPr id="3" name="コンテンツ プレースホルダー 2"/>
+          <p:cNvSpPr>
+            <a:spLocks noGrp="1"/>
+          </p:cNvSpPr>
+          <p:nvPr>
+            <p:ph idx="1"/>
+          </p:nvPr>
+        </p:nvSpPr>
+        <p:spPr>
+          <a:xfrm>
+            <a:off x="628650" y="1825625"/>
+            <a:ext cx="8274050" cy="4351338"/>
+          </a:xfrm>
+        </p:spPr>
+        <p:txBody>
+          <a:bodyPr/>
+          <a:lstStyle/>
+          <a:p>
+            <a:r>
+              <a:rPr kumimoji="1" lang="ja-JP" altLang="en-US" dirty="0" smtClean="0"/>
+              <a:t>計算したパラメータをプログラムに</a:t>
+            </a:r>
+            <a:r>
+              <a:rPr lang="ja-JP" altLang="en-US" dirty="0"/>
+              <a:t>書き込</a:t>
+            </a:r>
+            <a:r>
+              <a:rPr lang="ja-JP" altLang="en-US" dirty="0" smtClean="0"/>
+              <a:t>む</a:t>
+            </a:r>
+            <a:r>
+              <a:rPr kumimoji="1" lang="ja-JP" altLang="en-US" dirty="0" smtClean="0"/>
+              <a:t>実行</a:t>
+            </a:r>
+            <a:endParaRPr kumimoji="1" lang="ja-JP" altLang="en-US" dirty="0"/>
+          </a:p>
+        </p:txBody>
+      </p:sp>
+      <p:pic>
+        <p:nvPicPr>
+          <p:cNvPr id="4" name="図 3"/>
+          <p:cNvPicPr>
+            <a:picLocks noChangeAspect="1"/>
+          </p:cNvPicPr>
+          <p:nvPr/>
+        </p:nvPicPr>
+        <p:blipFill>
+          <a:blip r:embed="rId2">
+            <a:extLst>
+              <a:ext uri="{28A0092B-C50C-407E-A947-70E740481C1C}">
+                <a14:useLocalDpi xmlns:a14="http://schemas.microsoft.com/office/drawing/2010/main" val="0"/>
+              </a:ext>
+            </a:extLst>
+          </a:blip>
+          <a:stretch>
+            <a:fillRect/>
+          </a:stretch>
+        </p:blipFill>
+        <p:spPr>
+          <a:xfrm>
+            <a:off x="1185686" y="3678105"/>
+            <a:ext cx="7600505" cy="2782329"/>
+          </a:xfrm>
+          <a:prstGeom prst="rect">
+            <a:avLst/>
+          </a:prstGeom>
+        </p:spPr>
+      </p:pic>
+      <p:sp>
+        <p:nvSpPr>
+          <p:cNvPr id="5" name="テキスト ボックス 4"/>
+          <p:cNvSpPr txBox="1"/>
+          <p:nvPr/>
+        </p:nvSpPr>
+        <p:spPr>
+          <a:xfrm>
+            <a:off x="1135507" y="2440527"/>
+            <a:ext cx="7650684" cy="954107"/>
+          </a:xfrm>
+          <a:prstGeom prst="rect">
+            <a:avLst/>
+          </a:prstGeom>
+          <a:noFill/>
+        </p:spPr>
+        <p:txBody>
+          <a:bodyPr wrap="none" rtlCol="0">
+            <a:spAutoFit/>
+          </a:bodyPr>
+          <a:lstStyle/>
+          <a:p>
+            <a:r>
+              <a:rPr lang="en-US" altLang="ja-JP" sz="2800" dirty="0" smtClean="0"/>
+              <a:t>- kadai.py</a:t>
+            </a:r>
+            <a:r>
+              <a:rPr lang="ja-JP" altLang="en-US" sz="2800" dirty="0" smtClean="0"/>
+              <a:t>の関数 </a:t>
+            </a:r>
+            <a:r>
+              <a:rPr lang="en-US" altLang="ja-JP" sz="2800" dirty="0" err="1" smtClean="0"/>
+              <a:t>def_param</a:t>
+            </a:r>
+            <a:r>
+              <a:rPr lang="en-US" altLang="ja-JP" sz="2800" dirty="0" smtClean="0"/>
+              <a:t> </a:t>
+            </a:r>
+            <a:r>
+              <a:rPr lang="ja-JP" altLang="en-US" sz="2800" dirty="0" smtClean="0"/>
+              <a:t>内の確率を書き込む</a:t>
+            </a:r>
+            <a:endParaRPr lang="en-US" altLang="ja-JP" sz="2800" dirty="0" smtClean="0"/>
+          </a:p>
+          <a:p>
+            <a:r>
+              <a:rPr lang="en-US" altLang="ja-JP" sz="2800" dirty="0" smtClean="0"/>
+              <a:t>- </a:t>
+            </a:r>
+            <a:r>
+              <a:rPr lang="en-US" altLang="ja-JP" sz="2800" dirty="0" smtClean="0">
+                <a:solidFill>
+                  <a:srgbClr val="FF0000"/>
+                </a:solidFill>
+              </a:rPr>
+              <a:t>$python kadai.py</a:t>
+            </a:r>
+            <a:r>
+              <a:rPr lang="en-US" altLang="ja-JP" sz="2800" dirty="0" smtClean="0"/>
+              <a:t>   </a:t>
+            </a:r>
+            <a:r>
+              <a:rPr lang="ja-JP" altLang="en-US" sz="2800" dirty="0" smtClean="0"/>
+              <a:t>で実行</a:t>
+            </a:r>
+            <a:endParaRPr lang="en-US" altLang="ja-JP" sz="2800" dirty="0"/>
+          </a:p>
+        </p:txBody>
+      </p:sp>
+    </p:spTree>
+    <p:extLst>
+      <p:ext uri="{BB962C8B-B14F-4D97-AF65-F5344CB8AC3E}">
+        <p14:creationId xmlns:p14="http://schemas.microsoft.com/office/powerpoint/2010/main" val="618947437"/>
+      </p:ext>
+    </p:extLst>
+  </p:cSld>
+  <p:clrMapOvr>
+    <a:masterClrMapping/>
+  </p:clrMapOvr>
+  <p:timing>
+    <p:tnLst>
+      <p:par>
+        <p:cTn id="1" dur="indefinite" restart="never" nodeType="tmRoot"/>
+      </p:par>
+    </p:tnLst>
+  </p:timing>
+</p:sld>
+</file>
+
+<file path=ppt/slides/slide27.xml><?xml version="1.0" encoding="utf-8"?>
+<p:sld xmlns:a="http://schemas.openxmlformats.org/drawingml/2006/main" xmlns:r="http://schemas.openxmlformats.org/officeDocument/2006/relationships" xmlns:p="http://schemas.openxmlformats.org/presentationml/2006/main">
+  <p:cSld>
+    <p:spTree>
+      <p:nvGrpSpPr>
+        <p:cNvPr id="1" name=""/>
+        <p:cNvGrpSpPr/>
+        <p:nvPr/>
+      </p:nvGrpSpPr>
+      <p:grpSpPr>
+        <a:xfrm>
+          <a:off x="0" y="0"/>
+          <a:ext cx="0" cy="0"/>
+          <a:chOff x="0" y="0"/>
+          <a:chExt cx="0" cy="0"/>
+        </a:xfrm>
+      </p:grpSpPr>
+      <p:sp>
+        <p:nvSpPr>
+          <p:cNvPr id="2" name="タイトル 1"/>
+          <p:cNvSpPr>
+            <a:spLocks noGrp="1"/>
+          </p:cNvSpPr>
+          <p:nvPr>
+            <p:ph type="title"/>
+          </p:nvPr>
+        </p:nvSpPr>
+        <p:spPr/>
+        <p:txBody>
+          <a:bodyPr/>
+          <a:lstStyle/>
+          <a:p>
+            <a:r>
+              <a:rPr kumimoji="1" lang="ja-JP" altLang="en-US" dirty="0" smtClean="0"/>
+              <a:t>統計情報のパラメータを推定</a:t>
+            </a:r>
+            <a:endParaRPr kumimoji="1" lang="ja-JP" altLang="en-US" dirty="0"/>
+          </a:p>
+        </p:txBody>
+      </p:sp>
+      <p:sp>
+        <p:nvSpPr>
+          <p:cNvPr id="3" name="コンテンツ プレースホルダー 2"/>
+          <p:cNvSpPr>
+            <a:spLocks noGrp="1"/>
+          </p:cNvSpPr>
+          <p:nvPr>
+            <p:ph idx="1"/>
+          </p:nvPr>
+        </p:nvSpPr>
+        <p:spPr/>
+        <p:txBody>
+          <a:bodyPr/>
+          <a:lstStyle/>
+          <a:p>
+            <a:pPr algn="dist"/>
+            <a:r>
+              <a:rPr lang="ja-JP" altLang="en-US" spc="-150" dirty="0" smtClean="0"/>
+              <a:t>手計算のパラメータと推定したパラメータを比較</a:t>
+            </a:r>
+            <a:endParaRPr kumimoji="1" lang="en-US" altLang="ja-JP" spc="-150" dirty="0" smtClean="0"/>
+          </a:p>
+          <a:p>
+            <a:endParaRPr kumimoji="1" lang="en-US" altLang="ja-JP" dirty="0" smtClean="0"/>
+          </a:p>
+          <a:p>
+            <a:r>
+              <a:rPr lang="ja-JP" altLang="en-US" dirty="0" smtClean="0"/>
+              <a:t>各パラメータが近い値を示せば</a:t>
+            </a:r>
+            <a:r>
+              <a:rPr lang="en-US" altLang="ja-JP" dirty="0" smtClean="0"/>
+              <a:t>OK</a:t>
+            </a:r>
+          </a:p>
+          <a:p>
+            <a:endParaRPr kumimoji="1" lang="en-US" altLang="ja-JP" dirty="0" smtClean="0"/>
+          </a:p>
+          <a:p>
+            <a:r>
+              <a:rPr kumimoji="1" lang="en-US" altLang="ja-JP" dirty="0" smtClean="0"/>
+              <a:t>(</a:t>
+            </a:r>
+            <a:r>
+              <a:rPr kumimoji="1" lang="ja-JP" altLang="en-US" dirty="0" smtClean="0"/>
+              <a:t>学習なので</a:t>
+            </a:r>
+            <a:r>
+              <a:rPr kumimoji="1" lang="en-US" altLang="ja-JP" dirty="0" smtClean="0"/>
+              <a:t>,</a:t>
+            </a:r>
+            <a:r>
+              <a:rPr kumimoji="1" lang="ja-JP" altLang="en-US" dirty="0" smtClean="0"/>
+              <a:t>データ数やデータの偏りで数値が変わります</a:t>
+            </a:r>
+            <a:r>
+              <a:rPr kumimoji="1" lang="en-US" altLang="ja-JP" dirty="0" smtClean="0"/>
+              <a:t>)</a:t>
+            </a:r>
+            <a:endParaRPr kumimoji="1" lang="ja-JP" altLang="en-US" dirty="0"/>
+          </a:p>
+        </p:txBody>
+      </p:sp>
+    </p:spTree>
+    <p:extLst>
+      <p:ext uri="{BB962C8B-B14F-4D97-AF65-F5344CB8AC3E}">
+        <p14:creationId xmlns:p14="http://schemas.microsoft.com/office/powerpoint/2010/main" val="286147332"/>
+      </p:ext>
+    </p:extLst>
+  </p:cSld>
+  <p:clrMapOvr>
+    <a:masterClrMapping/>
+  </p:clrMapOvr>
+  <p:timing>
+    <p:tnLst>
+      <p:par>
+        <p:cTn id="1" dur="indefinite" restart="never" nodeType="tmRoot"/>
+      </p:par>
+    </p:tnLst>
+  </p:timing>
+</p:sld>
+</file>
+
+<file path=ppt/slides/slide28.xml><?xml version="1.0" encoding="utf-8"?>
+<p:sld xmlns:a="http://schemas.openxmlformats.org/drawingml/2006/main" xmlns:r="http://schemas.openxmlformats.org/officeDocument/2006/relationships" xmlns:p="http://schemas.openxmlformats.org/presentationml/2006/main">
+  <p:cSld>
+    <p:spTree>
+      <p:nvGrpSpPr>
+        <p:cNvPr id="1" name=""/>
+        <p:cNvGrpSpPr/>
+        <p:nvPr/>
+      </p:nvGrpSpPr>
+      <p:grpSpPr>
+        <a:xfrm>
+          <a:off x="0" y="0"/>
+          <a:ext cx="0" cy="0"/>
+          <a:chOff x="0" y="0"/>
+          <a:chExt cx="0" cy="0"/>
+        </a:xfrm>
+      </p:grpSpPr>
+      <p:sp>
+        <p:nvSpPr>
+          <p:cNvPr id="2" name="タイトル 1"/>
+          <p:cNvSpPr>
+            <a:spLocks noGrp="1"/>
+          </p:cNvSpPr>
+          <p:nvPr>
+            <p:ph type="title"/>
+          </p:nvPr>
+        </p:nvSpPr>
+        <p:spPr/>
+        <p:txBody>
+          <a:bodyPr/>
+          <a:lstStyle/>
+          <a:p>
+            <a:r>
+              <a:rPr kumimoji="1" lang="ja-JP" altLang="en-US" dirty="0" smtClean="0"/>
+              <a:t>評価問題によるモデルの識別</a:t>
+            </a:r>
+            <a:endParaRPr kumimoji="1" lang="ja-JP" altLang="en-US" dirty="0"/>
+          </a:p>
+        </p:txBody>
+      </p:sp>
+      <p:sp>
+        <p:nvSpPr>
+          <p:cNvPr id="3" name="コンテンツ プレースホルダー 2"/>
+          <p:cNvSpPr>
+            <a:spLocks noGrp="1"/>
+          </p:cNvSpPr>
+          <p:nvPr>
+            <p:ph idx="1"/>
+          </p:nvPr>
+        </p:nvSpPr>
+        <p:spPr/>
+        <p:txBody>
+          <a:bodyPr/>
+          <a:lstStyle/>
+          <a:p>
+            <a:r>
+              <a:rPr kumimoji="1" lang="en-US" altLang="ja-JP" dirty="0" smtClean="0"/>
+              <a:t> </a:t>
+            </a:r>
+            <a:r>
+              <a:rPr kumimoji="1" lang="en-US" altLang="ja-JP" dirty="0" smtClean="0">
+                <a:solidFill>
+                  <a:srgbClr val="FF0000"/>
+                </a:solidFill>
+              </a:rPr>
+              <a:t>$ python identification.py   </a:t>
+            </a:r>
+            <a:r>
+              <a:rPr kumimoji="1" lang="ja-JP" altLang="en-US" dirty="0" smtClean="0"/>
+              <a:t>で実行</a:t>
+            </a:r>
+            <a:endParaRPr kumimoji="1" lang="en-US" altLang="ja-JP" dirty="0" smtClean="0"/>
+          </a:p>
+          <a:p>
+            <a:endParaRPr lang="en-US" altLang="ja-JP" dirty="0"/>
+          </a:p>
+          <a:p>
+            <a:r>
+              <a:rPr kumimoji="1" lang="ja-JP" altLang="en-US" dirty="0" smtClean="0"/>
+              <a:t>評価問題によって</a:t>
+            </a:r>
+            <a:r>
+              <a:rPr kumimoji="1" lang="en-US" altLang="ja-JP" dirty="0" smtClean="0"/>
+              <a:t>,2</a:t>
+            </a:r>
+            <a:r>
+              <a:rPr kumimoji="1" lang="ja-JP" altLang="en-US" dirty="0" smtClean="0"/>
+              <a:t>種類のモデル</a:t>
+            </a:r>
+            <a:r>
+              <a:rPr kumimoji="1" lang="en-US" altLang="ja-JP" dirty="0" smtClean="0"/>
+              <a:t>(</a:t>
+            </a:r>
+            <a:r>
+              <a:rPr kumimoji="1" lang="ja-JP" altLang="en-US" dirty="0" smtClean="0"/>
+              <a:t>雨が</a:t>
+            </a:r>
+            <a:r>
+              <a:rPr lang="ja-JP" altLang="en-US" dirty="0"/>
+              <a:t>多</a:t>
+            </a:r>
+            <a:r>
+              <a:rPr lang="ja-JP" altLang="en-US" dirty="0" smtClean="0"/>
+              <a:t>い</a:t>
+            </a:r>
+            <a:r>
+              <a:rPr kumimoji="1" lang="ja-JP" altLang="en-US" dirty="0" smtClean="0"/>
+              <a:t>地域・晴れが多い地域</a:t>
+            </a:r>
+            <a:r>
+              <a:rPr kumimoji="1" lang="en-US" altLang="ja-JP" dirty="0" smtClean="0"/>
+              <a:t>)</a:t>
+            </a:r>
+            <a:r>
+              <a:rPr kumimoji="1" lang="ja-JP" altLang="en-US" dirty="0" err="1" smtClean="0"/>
+              <a:t>を識</a:t>
+            </a:r>
+            <a:r>
+              <a:rPr kumimoji="1" lang="ja-JP" altLang="en-US" dirty="0" smtClean="0"/>
+              <a:t>別</a:t>
+            </a:r>
+            <a:endParaRPr kumimoji="1" lang="ja-JP" altLang="en-US" dirty="0"/>
+          </a:p>
+        </p:txBody>
+      </p:sp>
+    </p:spTree>
+    <p:extLst>
+      <p:ext uri="{BB962C8B-B14F-4D97-AF65-F5344CB8AC3E}">
+        <p14:creationId xmlns:p14="http://schemas.microsoft.com/office/powerpoint/2010/main" val="2362127363"/>
+      </p:ext>
+    </p:extLst>
+  </p:cSld>
+  <p:clrMapOvr>
+    <a:masterClrMapping/>
+  </p:clrMapOvr>
+  <p:timing>
+    <p:tnLst>
+      <p:par>
+        <p:cTn id="1" dur="indefinite" restart="never" nodeType="tmRoot"/>
+      </p:par>
+    </p:tnLst>
+  </p:timing>
+</p:sld>
+</file>
+
+<file path=ppt/slides/slide29.xml><?xml version="1.0" encoding="utf-8"?>
+<p:sld xmlns:a="http://schemas.openxmlformats.org/drawingml/2006/main" xmlns:r="http://schemas.openxmlformats.org/officeDocument/2006/relationships" xmlns:p="http://schemas.openxmlformats.org/presentationml/2006/main">
+  <p:cSld>
+    <p:spTree>
+      <p:nvGrpSpPr>
+        <p:cNvPr id="1" name=""/>
+        <p:cNvGrpSpPr/>
+        <p:nvPr/>
+      </p:nvGrpSpPr>
+      <p:grpSpPr>
+        <a:xfrm>
+          <a:off x="0" y="0"/>
+          <a:ext cx="0" cy="0"/>
+          <a:chOff x="0" y="0"/>
+          <a:chExt cx="0" cy="0"/>
+        </a:xfrm>
+      </p:grpSpPr>
+      <p:sp>
+        <p:nvSpPr>
+          <p:cNvPr id="2" name="タイトル 1"/>
+          <p:cNvSpPr>
+            <a:spLocks noGrp="1"/>
+          </p:cNvSpPr>
+          <p:nvPr>
+            <p:ph type="title"/>
+          </p:nvPr>
+        </p:nvSpPr>
+        <p:spPr/>
+        <p:txBody>
+          <a:bodyPr/>
+          <a:lstStyle/>
+          <a:p>
+            <a:r>
+              <a:rPr lang="ja-JP" altLang="en-US" dirty="0"/>
+              <a:t>評価問題によるモデルの識別</a:t>
+            </a:r>
+            <a:endParaRPr kumimoji="1" lang="ja-JP" altLang="en-US" dirty="0"/>
+          </a:p>
+        </p:txBody>
+      </p:sp>
+      <p:pic>
+        <p:nvPicPr>
+          <p:cNvPr id="5" name="図 4"/>
+          <p:cNvPicPr>
+            <a:picLocks noChangeAspect="1"/>
+          </p:cNvPicPr>
+          <p:nvPr/>
+        </p:nvPicPr>
+        <p:blipFill rotWithShape="1">
+          <a:blip r:embed="rId3">
+            <a:extLst>
+              <a:ext uri="{28A0092B-C50C-407E-A947-70E740481C1C}">
+                <a14:useLocalDpi xmlns:a14="http://schemas.microsoft.com/office/drawing/2010/main" val="0"/>
+              </a:ext>
+            </a:extLst>
+          </a:blip>
+          <a:srcRect l="182" t="7523"/>
+          <a:stretch/>
+        </p:blipFill>
+        <p:spPr>
+          <a:xfrm>
+            <a:off x="-10361" y="2426459"/>
+            <a:ext cx="9154361" cy="3101505"/>
+          </a:xfrm>
+          <a:prstGeom prst="rect">
+            <a:avLst/>
+          </a:prstGeom>
+        </p:spPr>
+      </p:pic>
+      <p:sp>
+        <p:nvSpPr>
+          <p:cNvPr id="6" name="コンテンツ プレースホルダー 5"/>
+          <p:cNvSpPr>
+            <a:spLocks noGrp="1"/>
+          </p:cNvSpPr>
+          <p:nvPr>
+            <p:ph idx="1"/>
+          </p:nvPr>
+        </p:nvSpPr>
+        <p:spPr/>
+        <p:txBody>
+          <a:bodyPr/>
+          <a:lstStyle/>
+          <a:p>
+            <a:r>
+              <a:rPr lang="en-US" altLang="ja-JP" dirty="0"/>
+              <a:t> </a:t>
+            </a:r>
+            <a:r>
+              <a:rPr lang="en-US" altLang="ja-JP" dirty="0">
+                <a:solidFill>
+                  <a:srgbClr val="FF0000"/>
+                </a:solidFill>
+              </a:rPr>
+              <a:t>$ python identification.py   </a:t>
+            </a:r>
+            <a:r>
+              <a:rPr lang="ja-JP" altLang="en-US" dirty="0"/>
+              <a:t>で実行</a:t>
+            </a:r>
+            <a:endParaRPr lang="en-US" altLang="ja-JP" dirty="0"/>
+          </a:p>
+          <a:p>
+            <a:endParaRPr kumimoji="1" lang="ja-JP" altLang="en-US" dirty="0"/>
+          </a:p>
+        </p:txBody>
+      </p:sp>
+      <p:sp>
+        <p:nvSpPr>
+          <p:cNvPr id="8" name="四角形吹き出し 7"/>
+          <p:cNvSpPr/>
+          <p:nvPr/>
+        </p:nvSpPr>
+        <p:spPr>
+          <a:xfrm>
+            <a:off x="628650" y="5938211"/>
+            <a:ext cx="2851265" cy="839586"/>
+          </a:xfrm>
+          <a:prstGeom prst="wedgeRectCallout">
+            <a:avLst>
+              <a:gd name="adj1" fmla="val -37177"/>
+              <a:gd name="adj2" fmla="val -114480"/>
+            </a:avLst>
+          </a:prstGeom>
+        </p:spPr>
+        <p:style>
+          <a:lnRef idx="2">
+            <a:schemeClr val="accent1">
+              <a:shade val="50000"/>
+            </a:schemeClr>
+          </a:lnRef>
+          <a:fillRef idx="1">
+            <a:schemeClr val="accent1"/>
+          </a:fillRef>
+          <a:effectRef idx="0">
+            <a:schemeClr val="accent1"/>
+          </a:effectRef>
+          <a:fontRef idx="minor">
+            <a:schemeClr val="lt1"/>
+          </a:fontRef>
+        </p:style>
+        <p:txBody>
+          <a:bodyPr rtlCol="0" anchor="ctr"/>
+          <a:lstStyle/>
+          <a:p>
+            <a:pPr algn="ctr"/>
+            <a:r>
+              <a:rPr kumimoji="1" lang="en-US" altLang="ja-JP" sz="2800" dirty="0" smtClean="0"/>
+              <a:t>1</a:t>
+            </a:r>
+            <a:r>
+              <a:rPr kumimoji="1" lang="ja-JP" altLang="en-US" sz="2800" dirty="0" smtClean="0"/>
+              <a:t>か</a:t>
+            </a:r>
+            <a:r>
+              <a:rPr kumimoji="1" lang="en-US" altLang="ja-JP" sz="2800" dirty="0" smtClean="0"/>
+              <a:t>2</a:t>
+            </a:r>
+            <a:r>
+              <a:rPr kumimoji="1" lang="ja-JP" altLang="en-US" sz="2800" dirty="0" smtClean="0"/>
+              <a:t>を入力</a:t>
+            </a:r>
+            <a:endParaRPr kumimoji="1" lang="ja-JP" altLang="en-US" sz="2800" dirty="0"/>
+          </a:p>
+        </p:txBody>
+      </p:sp>
+    </p:spTree>
+    <p:extLst>
+      <p:ext uri="{BB962C8B-B14F-4D97-AF65-F5344CB8AC3E}">
+        <p14:creationId xmlns:p14="http://schemas.microsoft.com/office/powerpoint/2010/main" val="3291891947"/>
+      </p:ext>
+    </p:extLst>
+  </p:cSld>
+  <p:clrMapOvr>
+    <a:masterClrMapping/>
+  </p:clrMapOvr>
+  <p:timing>
+    <p:tnLst>
+      <p:par>
+        <p:cTn id="1" dur="indefinite" restart="never" nodeType="tmRoot"/>
+      </p:par>
+    </p:tnLst>
+  </p:timing>
 </p:sld>
 </file>
 
@@ -11535,7 +12988,7 @@
           <a:p>
             <a:r>
               <a:rPr kumimoji="1" lang="en-US" altLang="ja-JP" dirty="0" smtClean="0"/>
-              <a:t>2.hmm.py</a:t>
+              <a:t>2.enshu_hmm.py</a:t>
             </a:r>
             <a:r>
               <a:rPr kumimoji="1" lang="ja-JP" altLang="en-US" dirty="0" smtClean="0"/>
@@ -11634,6 +13087,1494 @@
 </p:sld>
 </file>
 
+<file path=ppt/slides/slide30.xml><?xml version="1.0" encoding="utf-8"?>
+<p:sld xmlns:a="http://schemas.openxmlformats.org/drawingml/2006/main" xmlns:r="http://schemas.openxmlformats.org/officeDocument/2006/relationships" xmlns:p="http://schemas.openxmlformats.org/presentationml/2006/main">
+  <p:cSld>
+    <p:spTree>
+      <p:nvGrpSpPr>
+        <p:cNvPr id="1" name=""/>
+        <p:cNvGrpSpPr/>
+        <p:nvPr/>
+      </p:nvGrpSpPr>
+      <p:grpSpPr>
+        <a:xfrm>
+          <a:off x="0" y="0"/>
+          <a:ext cx="0" cy="0"/>
+          <a:chOff x="0" y="0"/>
+          <a:chExt cx="0" cy="0"/>
+        </a:xfrm>
+      </p:grpSpPr>
+      <p:sp>
+        <p:nvSpPr>
+          <p:cNvPr id="2" name="タイトル 1"/>
+          <p:cNvSpPr>
+            <a:spLocks noGrp="1"/>
+          </p:cNvSpPr>
+          <p:nvPr>
+            <p:ph type="title"/>
+          </p:nvPr>
+        </p:nvSpPr>
+        <p:spPr/>
+        <p:txBody>
+          <a:bodyPr/>
+          <a:lstStyle/>
+          <a:p>
+            <a:r>
+              <a:rPr lang="ja-JP" altLang="en-US" dirty="0"/>
+              <a:t>評価問題によるモデルの識別</a:t>
+            </a:r>
+            <a:endParaRPr kumimoji="1" lang="ja-JP" altLang="en-US" dirty="0"/>
+          </a:p>
+        </p:txBody>
+      </p:sp>
+      <p:sp>
+        <p:nvSpPr>
+          <p:cNvPr id="3" name="コンテンツ プレースホルダー 2"/>
+          <p:cNvSpPr>
+            <a:spLocks noGrp="1"/>
+          </p:cNvSpPr>
+          <p:nvPr>
+            <p:ph idx="1"/>
+          </p:nvPr>
+        </p:nvSpPr>
+        <p:spPr/>
+        <p:txBody>
+          <a:bodyPr/>
+          <a:lstStyle/>
+          <a:p>
+            <a:r>
+              <a:rPr lang="en-US" altLang="ja-JP" dirty="0"/>
+              <a:t> </a:t>
+            </a:r>
+            <a:r>
+              <a:rPr lang="en-US" altLang="ja-JP" dirty="0">
+                <a:solidFill>
+                  <a:srgbClr val="FF0000"/>
+                </a:solidFill>
+              </a:rPr>
+              <a:t>$ python identification.py   </a:t>
+            </a:r>
+            <a:r>
+              <a:rPr lang="ja-JP" altLang="en-US" dirty="0"/>
+              <a:t>で実行</a:t>
+            </a:r>
+            <a:endParaRPr lang="en-US" altLang="ja-JP" dirty="0"/>
+          </a:p>
+          <a:p>
+            <a:endParaRPr kumimoji="1" lang="ja-JP" altLang="en-US" dirty="0"/>
+          </a:p>
+        </p:txBody>
+      </p:sp>
+      <p:pic>
+        <p:nvPicPr>
+          <p:cNvPr id="4" name="図 3"/>
+          <p:cNvPicPr>
+            <a:picLocks noChangeAspect="1"/>
+          </p:cNvPicPr>
+          <p:nvPr/>
+        </p:nvPicPr>
+        <p:blipFill>
+          <a:blip r:embed="rId2">
+            <a:extLst>
+              <a:ext uri="{28A0092B-C50C-407E-A947-70E740481C1C}">
+                <a14:useLocalDpi xmlns:a14="http://schemas.microsoft.com/office/drawing/2010/main" val="0"/>
+              </a:ext>
+            </a:extLst>
+          </a:blip>
+          <a:stretch>
+            <a:fillRect/>
+          </a:stretch>
+        </p:blipFill>
+        <p:spPr>
+          <a:xfrm>
+            <a:off x="406185" y="2489661"/>
+            <a:ext cx="8331629" cy="3448570"/>
+          </a:xfrm>
+          <a:prstGeom prst="rect">
+            <a:avLst/>
+          </a:prstGeom>
+        </p:spPr>
+      </p:pic>
+      <p:sp>
+        <p:nvSpPr>
+          <p:cNvPr id="5" name="楕円 4"/>
+          <p:cNvSpPr/>
+          <p:nvPr/>
+        </p:nvSpPr>
+        <p:spPr>
+          <a:xfrm>
+            <a:off x="1151791" y="5451231"/>
+            <a:ext cx="527539" cy="621936"/>
+          </a:xfrm>
+          <a:prstGeom prst="ellipse">
+            <a:avLst/>
+          </a:prstGeom>
+          <a:solidFill>
+            <a:schemeClr val="accent1">
+              <a:alpha val="0"/>
+            </a:schemeClr>
+          </a:solidFill>
+          <a:ln w="66675">
+            <a:solidFill>
+              <a:srgbClr val="FF0000"/>
+            </a:solidFill>
+          </a:ln>
+        </p:spPr>
+        <p:style>
+          <a:lnRef idx="2">
+            <a:schemeClr val="accent1">
+              <a:shade val="50000"/>
+            </a:schemeClr>
+          </a:lnRef>
+          <a:fillRef idx="1">
+            <a:schemeClr val="accent1"/>
+          </a:fillRef>
+          <a:effectRef idx="0">
+            <a:schemeClr val="accent1"/>
+          </a:effectRef>
+          <a:fontRef idx="minor">
+            <a:schemeClr val="lt1"/>
+          </a:fontRef>
+        </p:style>
+        <p:txBody>
+          <a:bodyPr rtlCol="0" anchor="ctr"/>
+          <a:lstStyle/>
+          <a:p>
+            <a:pPr algn="ctr"/>
+            <a:endParaRPr kumimoji="1" lang="ja-JP" altLang="en-US"/>
+          </a:p>
+        </p:txBody>
+      </p:sp>
+      <p:sp>
+        <p:nvSpPr>
+          <p:cNvPr id="6" name="四角形吹き出し 5"/>
+          <p:cNvSpPr/>
+          <p:nvPr/>
+        </p:nvSpPr>
+        <p:spPr>
+          <a:xfrm>
+            <a:off x="490629" y="6276335"/>
+            <a:ext cx="8247185" cy="546101"/>
+          </a:xfrm>
+          <a:prstGeom prst="wedgeRectCallout">
+            <a:avLst>
+              <a:gd name="adj1" fmla="val -36673"/>
+              <a:gd name="adj2" fmla="val -106552"/>
+            </a:avLst>
+          </a:prstGeom>
+        </p:spPr>
+        <p:style>
+          <a:lnRef idx="2">
+            <a:schemeClr val="accent1">
+              <a:shade val="50000"/>
+            </a:schemeClr>
+          </a:lnRef>
+          <a:fillRef idx="1">
+            <a:schemeClr val="accent1"/>
+          </a:fillRef>
+          <a:effectRef idx="0">
+            <a:schemeClr val="accent1"/>
+          </a:effectRef>
+          <a:fontRef idx="minor">
+            <a:schemeClr val="lt1"/>
+          </a:fontRef>
+        </p:style>
+        <p:txBody>
+          <a:bodyPr rtlCol="0" anchor="ctr"/>
+          <a:lstStyle/>
+          <a:p>
+            <a:pPr algn="ctr"/>
+            <a:r>
+              <a:rPr kumimoji="1" lang="ja-JP" altLang="en-US" sz="2400" dirty="0" smtClean="0"/>
+              <a:t>選択した番号が出力されれば</a:t>
+            </a:r>
+            <a:r>
+              <a:rPr kumimoji="1" lang="en-US" altLang="ja-JP" sz="2400" dirty="0" smtClean="0"/>
+              <a:t>OK   (</a:t>
+            </a:r>
+            <a:r>
+              <a:rPr kumimoji="1" lang="ja-JP" altLang="en-US" sz="2400" dirty="0" smtClean="0"/>
+              <a:t>出ない場合もあります</a:t>
+            </a:r>
+            <a:r>
+              <a:rPr kumimoji="1" lang="en-US" altLang="ja-JP" sz="2400" dirty="0" smtClean="0"/>
+              <a:t>)</a:t>
+            </a:r>
+            <a:endParaRPr kumimoji="1" lang="ja-JP" altLang="en-US" sz="2400" dirty="0"/>
+          </a:p>
+        </p:txBody>
+      </p:sp>
+    </p:spTree>
+    <p:extLst>
+      <p:ext uri="{BB962C8B-B14F-4D97-AF65-F5344CB8AC3E}">
+        <p14:creationId xmlns:p14="http://schemas.microsoft.com/office/powerpoint/2010/main" val="2430852941"/>
+      </p:ext>
+    </p:extLst>
+  </p:cSld>
+  <p:clrMapOvr>
+    <a:masterClrMapping/>
+  </p:clrMapOvr>
+  <p:timing>
+    <p:tnLst>
+      <p:par>
+        <p:cTn id="1" dur="indefinite" restart="never" nodeType="tmRoot"/>
+      </p:par>
+    </p:tnLst>
+  </p:timing>
+</p:sld>
+</file>
+
+<file path=ppt/slides/slide31.xml><?xml version="1.0" encoding="utf-8"?>
+<p:sld xmlns:a="http://schemas.openxmlformats.org/drawingml/2006/main" xmlns:r="http://schemas.openxmlformats.org/officeDocument/2006/relationships" xmlns:p="http://schemas.openxmlformats.org/presentationml/2006/main">
+  <p:cSld>
+    <p:spTree>
+      <p:nvGrpSpPr>
+        <p:cNvPr id="1" name=""/>
+        <p:cNvGrpSpPr/>
+        <p:nvPr/>
+      </p:nvGrpSpPr>
+      <p:grpSpPr>
+        <a:xfrm>
+          <a:off x="0" y="0"/>
+          <a:ext cx="0" cy="0"/>
+          <a:chOff x="0" y="0"/>
+          <a:chExt cx="0" cy="0"/>
+        </a:xfrm>
+      </p:grpSpPr>
+      <p:sp>
+        <p:nvSpPr>
+          <p:cNvPr id="2" name="タイトル 1"/>
+          <p:cNvSpPr>
+            <a:spLocks noGrp="1"/>
+          </p:cNvSpPr>
+          <p:nvPr>
+            <p:ph type="title"/>
+          </p:nvPr>
+        </p:nvSpPr>
+        <p:spPr/>
+        <p:txBody>
+          <a:bodyPr/>
+          <a:lstStyle/>
+          <a:p>
+            <a:r>
+              <a:rPr lang="ja-JP" altLang="en-US" dirty="0"/>
+              <a:t>評価問題によるモデルの識別</a:t>
+            </a:r>
+            <a:endParaRPr kumimoji="1" lang="ja-JP" altLang="en-US" dirty="0"/>
+          </a:p>
+        </p:txBody>
+      </p:sp>
+      <p:sp>
+        <p:nvSpPr>
+          <p:cNvPr id="14" name="正方形/長方形 13"/>
+          <p:cNvSpPr/>
+          <p:nvPr/>
+        </p:nvSpPr>
+        <p:spPr>
+          <a:xfrm>
+            <a:off x="201304" y="2005782"/>
+            <a:ext cx="4370696" cy="3217008"/>
+          </a:xfrm>
+          <a:prstGeom prst="rect">
+            <a:avLst/>
+          </a:prstGeom>
+          <a:solidFill>
+            <a:schemeClr val="accent5">
+              <a:lumMod val="20000"/>
+              <a:lumOff val="80000"/>
+            </a:schemeClr>
+          </a:solidFill>
+          <a:ln>
+            <a:noFill/>
+          </a:ln>
+        </p:spPr>
+        <p:style>
+          <a:lnRef idx="2">
+            <a:schemeClr val="accent1">
+              <a:shade val="50000"/>
+            </a:schemeClr>
+          </a:lnRef>
+          <a:fillRef idx="1">
+            <a:schemeClr val="accent1"/>
+          </a:fillRef>
+          <a:effectRef idx="0">
+            <a:schemeClr val="accent1"/>
+          </a:effectRef>
+          <a:fontRef idx="minor">
+            <a:schemeClr val="lt1"/>
+          </a:fontRef>
+        </p:style>
+        <p:txBody>
+          <a:bodyPr rtlCol="0" anchor="ctr"/>
+          <a:lstStyle/>
+          <a:p>
+            <a:pPr algn="ctr"/>
+            <a:endParaRPr kumimoji="1" lang="ja-JP" altLang="en-US"/>
+          </a:p>
+        </p:txBody>
+      </p:sp>
+      <p:sp>
+        <p:nvSpPr>
+          <p:cNvPr id="15" name="正方形/長方形 14"/>
+          <p:cNvSpPr/>
+          <p:nvPr/>
+        </p:nvSpPr>
+        <p:spPr>
+          <a:xfrm>
+            <a:off x="4572000" y="2005781"/>
+            <a:ext cx="4370697" cy="3217010"/>
+          </a:xfrm>
+          <a:prstGeom prst="rect">
+            <a:avLst/>
+          </a:prstGeom>
+          <a:solidFill>
+            <a:schemeClr val="accent2">
+              <a:lumMod val="40000"/>
+              <a:lumOff val="60000"/>
+            </a:schemeClr>
+          </a:solidFill>
+          <a:ln>
+            <a:noFill/>
+          </a:ln>
+        </p:spPr>
+        <p:style>
+          <a:lnRef idx="2">
+            <a:schemeClr val="accent1">
+              <a:shade val="50000"/>
+            </a:schemeClr>
+          </a:lnRef>
+          <a:fillRef idx="1">
+            <a:schemeClr val="accent1"/>
+          </a:fillRef>
+          <a:effectRef idx="0">
+            <a:schemeClr val="accent1"/>
+          </a:effectRef>
+          <a:fontRef idx="minor">
+            <a:schemeClr val="lt1"/>
+          </a:fontRef>
+        </p:style>
+        <p:txBody>
+          <a:bodyPr rtlCol="0" anchor="ctr"/>
+          <a:lstStyle/>
+          <a:p>
+            <a:pPr algn="ctr"/>
+            <a:endParaRPr kumimoji="1" lang="ja-JP" altLang="en-US"/>
+          </a:p>
+        </p:txBody>
+      </p:sp>
+      <p:pic>
+        <p:nvPicPr>
+          <p:cNvPr id="16" name="コンテンツ プレースホルダー 4"/>
+          <p:cNvPicPr>
+            <a:picLocks noChangeAspect="1"/>
+          </p:cNvPicPr>
+          <p:nvPr/>
+        </p:nvPicPr>
+        <p:blipFill>
+          <a:blip r:embed="rId2">
+            <a:extLst>
+              <a:ext uri="{28A0092B-C50C-407E-A947-70E740481C1C}">
+                <a14:useLocalDpi xmlns:a14="http://schemas.microsoft.com/office/drawing/2010/main" val="0"/>
+              </a:ext>
+            </a:extLst>
+          </a:blip>
+          <a:stretch>
+            <a:fillRect/>
+          </a:stretch>
+        </p:blipFill>
+        <p:spPr>
+          <a:xfrm>
+            <a:off x="582565" y="2344994"/>
+            <a:ext cx="3608173" cy="2782575"/>
+          </a:xfrm>
+          <a:prstGeom prst="rect">
+            <a:avLst/>
+          </a:prstGeom>
+        </p:spPr>
+      </p:pic>
+      <p:pic>
+        <p:nvPicPr>
+          <p:cNvPr id="17" name="コンテンツ プレースホルダー 4"/>
+          <p:cNvPicPr>
+            <a:picLocks noChangeAspect="1"/>
+          </p:cNvPicPr>
+          <p:nvPr/>
+        </p:nvPicPr>
+        <p:blipFill>
+          <a:blip r:embed="rId2">
+            <a:extLst>
+              <a:ext uri="{28A0092B-C50C-407E-A947-70E740481C1C}">
+                <a14:useLocalDpi xmlns:a14="http://schemas.microsoft.com/office/drawing/2010/main" val="0"/>
+              </a:ext>
+            </a:extLst>
+          </a:blip>
+          <a:stretch>
+            <a:fillRect/>
+          </a:stretch>
+        </p:blipFill>
+        <p:spPr>
+          <a:xfrm>
+            <a:off x="4990916" y="2316003"/>
+            <a:ext cx="3645767" cy="2811566"/>
+          </a:xfrm>
+          <a:prstGeom prst="rect">
+            <a:avLst/>
+          </a:prstGeom>
+        </p:spPr>
+      </p:pic>
+      <p:sp>
+        <p:nvSpPr>
+          <p:cNvPr id="18" name="正方形/長方形 17"/>
+          <p:cNvSpPr/>
+          <p:nvPr/>
+        </p:nvSpPr>
+        <p:spPr>
+          <a:xfrm>
+            <a:off x="863153" y="1650916"/>
+            <a:ext cx="3046999" cy="654305"/>
+          </a:xfrm>
+          <a:prstGeom prst="rect">
+            <a:avLst/>
+          </a:prstGeom>
+          <a:solidFill>
+            <a:schemeClr val="accent5">
+              <a:lumMod val="75000"/>
+            </a:schemeClr>
+          </a:solidFill>
+          <a:ln>
+            <a:noFill/>
+          </a:ln>
+        </p:spPr>
+        <p:style>
+          <a:lnRef idx="2">
+            <a:schemeClr val="accent1">
+              <a:shade val="50000"/>
+            </a:schemeClr>
+          </a:lnRef>
+          <a:fillRef idx="1">
+            <a:schemeClr val="accent1"/>
+          </a:fillRef>
+          <a:effectRef idx="0">
+            <a:schemeClr val="accent1"/>
+          </a:effectRef>
+          <a:fontRef idx="minor">
+            <a:schemeClr val="lt1"/>
+          </a:fontRef>
+        </p:style>
+        <p:txBody>
+          <a:bodyPr rtlCol="0" anchor="ctr"/>
+          <a:lstStyle/>
+          <a:p>
+            <a:pPr algn="ctr"/>
+            <a:r>
+              <a:rPr lang="ja-JP" altLang="en-US" sz="2400" dirty="0"/>
+              <a:t>雨</a:t>
+            </a:r>
+            <a:r>
+              <a:rPr lang="ja-JP" altLang="en-US" sz="2400" dirty="0" smtClean="0"/>
+              <a:t>が降りやすい</a:t>
+            </a:r>
+            <a:endParaRPr lang="en-US" altLang="ja-JP" sz="2400" dirty="0" smtClean="0"/>
+          </a:p>
+          <a:p>
+            <a:pPr algn="ctr"/>
+            <a:r>
+              <a:rPr lang="ja-JP" altLang="en-US" sz="2400" dirty="0" smtClean="0"/>
+              <a:t>地域の</a:t>
+            </a:r>
+            <a:r>
+              <a:rPr kumimoji="1" lang="en-US" altLang="ja-JP" sz="2400" dirty="0" smtClean="0"/>
+              <a:t>HMM</a:t>
+            </a:r>
+            <a:endParaRPr kumimoji="1" lang="ja-JP" altLang="en-US" sz="2400" dirty="0"/>
+          </a:p>
+        </p:txBody>
+      </p:sp>
+      <p:sp>
+        <p:nvSpPr>
+          <p:cNvPr id="19" name="正方形/長方形 18"/>
+          <p:cNvSpPr/>
+          <p:nvPr/>
+        </p:nvSpPr>
+        <p:spPr>
+          <a:xfrm>
+            <a:off x="5589684" y="1650917"/>
+            <a:ext cx="2448233" cy="654305"/>
+          </a:xfrm>
+          <a:prstGeom prst="rect">
+            <a:avLst/>
+          </a:prstGeom>
+          <a:solidFill>
+            <a:schemeClr val="accent2">
+              <a:lumMod val="50000"/>
+            </a:schemeClr>
+          </a:solidFill>
+          <a:ln>
+            <a:noFill/>
+          </a:ln>
+        </p:spPr>
+        <p:style>
+          <a:lnRef idx="2">
+            <a:schemeClr val="accent1">
+              <a:shade val="50000"/>
+            </a:schemeClr>
+          </a:lnRef>
+          <a:fillRef idx="1">
+            <a:schemeClr val="accent1"/>
+          </a:fillRef>
+          <a:effectRef idx="0">
+            <a:schemeClr val="accent1"/>
+          </a:effectRef>
+          <a:fontRef idx="minor">
+            <a:schemeClr val="lt1"/>
+          </a:fontRef>
+        </p:style>
+        <p:txBody>
+          <a:bodyPr rtlCol="0" anchor="ctr"/>
+          <a:lstStyle/>
+          <a:p>
+            <a:pPr algn="ctr"/>
+            <a:r>
+              <a:rPr kumimoji="1" lang="ja-JP" altLang="en-US" sz="2400" dirty="0" smtClean="0"/>
+              <a:t>晴れやすい</a:t>
+            </a:r>
+            <a:endParaRPr kumimoji="1" lang="en-US" altLang="ja-JP" sz="2400" dirty="0" smtClean="0"/>
+          </a:p>
+          <a:p>
+            <a:pPr algn="ctr"/>
+            <a:r>
+              <a:rPr lang="ja-JP" altLang="en-US" sz="2400" dirty="0" smtClean="0"/>
+              <a:t>地域の</a:t>
+            </a:r>
+            <a:r>
+              <a:rPr kumimoji="1" lang="en-US" altLang="ja-JP" sz="2400" dirty="0" smtClean="0"/>
+              <a:t>HMM</a:t>
+            </a:r>
+            <a:endParaRPr kumimoji="1" lang="ja-JP" altLang="en-US" sz="2400" dirty="0"/>
+          </a:p>
+        </p:txBody>
+      </p:sp>
+      <p:pic>
+        <p:nvPicPr>
+          <p:cNvPr id="20" name="図 19"/>
+          <p:cNvPicPr>
+            <a:picLocks noChangeAspect="1"/>
+          </p:cNvPicPr>
+          <p:nvPr/>
+        </p:nvPicPr>
+        <p:blipFill rotWithShape="1">
+          <a:blip r:embed="rId3">
+            <a:extLst>
+              <a:ext uri="{28A0092B-C50C-407E-A947-70E740481C1C}">
+                <a14:useLocalDpi xmlns:a14="http://schemas.microsoft.com/office/drawing/2010/main" val="0"/>
+              </a:ext>
+            </a:extLst>
+          </a:blip>
+          <a:srcRect l="182" t="66339" b="24573"/>
+          <a:stretch/>
+        </p:blipFill>
+        <p:spPr>
+          <a:xfrm>
+            <a:off x="201303" y="6318421"/>
+            <a:ext cx="8741393" cy="304800"/>
+          </a:xfrm>
+          <a:prstGeom prst="rect">
+            <a:avLst/>
+          </a:prstGeom>
+        </p:spPr>
+      </p:pic>
+      <p:sp>
+        <p:nvSpPr>
+          <p:cNvPr id="21" name="下矢印 20"/>
+          <p:cNvSpPr/>
+          <p:nvPr/>
+        </p:nvSpPr>
+        <p:spPr>
+          <a:xfrm rot="10800000">
+            <a:off x="2305357" y="5282781"/>
+            <a:ext cx="717928" cy="880222"/>
+          </a:xfrm>
+          <a:prstGeom prst="downArrow">
+            <a:avLst>
+              <a:gd name="adj1" fmla="val 50000"/>
+              <a:gd name="adj2" fmla="val 72856"/>
+            </a:avLst>
+          </a:prstGeom>
+          <a:solidFill>
+            <a:schemeClr val="accent5">
+              <a:lumMod val="50000"/>
+            </a:schemeClr>
+          </a:solidFill>
+          <a:ln>
+            <a:noFill/>
+          </a:ln>
+        </p:spPr>
+        <p:style>
+          <a:lnRef idx="2">
+            <a:schemeClr val="accent1">
+              <a:shade val="50000"/>
+            </a:schemeClr>
+          </a:lnRef>
+          <a:fillRef idx="1">
+            <a:schemeClr val="accent1"/>
+          </a:fillRef>
+          <a:effectRef idx="0">
+            <a:schemeClr val="accent1"/>
+          </a:effectRef>
+          <a:fontRef idx="minor">
+            <a:schemeClr val="lt1"/>
+          </a:fontRef>
+        </p:style>
+        <p:txBody>
+          <a:bodyPr rtlCol="0" anchor="ctr"/>
+          <a:lstStyle/>
+          <a:p>
+            <a:pPr algn="ctr"/>
+            <a:endParaRPr kumimoji="1" lang="ja-JP" altLang="en-US"/>
+          </a:p>
+        </p:txBody>
+      </p:sp>
+      <p:sp>
+        <p:nvSpPr>
+          <p:cNvPr id="22" name="下矢印 21"/>
+          <p:cNvSpPr/>
+          <p:nvPr/>
+        </p:nvSpPr>
+        <p:spPr>
+          <a:xfrm rot="10800000">
+            <a:off x="6069315" y="5282780"/>
+            <a:ext cx="718661" cy="880223"/>
+          </a:xfrm>
+          <a:prstGeom prst="downArrow">
+            <a:avLst>
+              <a:gd name="adj1" fmla="val 50000"/>
+              <a:gd name="adj2" fmla="val 72856"/>
+            </a:avLst>
+          </a:prstGeom>
+          <a:solidFill>
+            <a:schemeClr val="accent2">
+              <a:lumMod val="50000"/>
+            </a:schemeClr>
+          </a:solidFill>
+          <a:ln>
+            <a:noFill/>
+          </a:ln>
+        </p:spPr>
+        <p:style>
+          <a:lnRef idx="2">
+            <a:schemeClr val="accent1">
+              <a:shade val="50000"/>
+            </a:schemeClr>
+          </a:lnRef>
+          <a:fillRef idx="1">
+            <a:schemeClr val="accent1"/>
+          </a:fillRef>
+          <a:effectRef idx="0">
+            <a:schemeClr val="accent1"/>
+          </a:effectRef>
+          <a:fontRef idx="minor">
+            <a:schemeClr val="lt1"/>
+          </a:fontRef>
+        </p:style>
+        <p:txBody>
+          <a:bodyPr rtlCol="0" anchor="ctr"/>
+          <a:lstStyle/>
+          <a:p>
+            <a:pPr algn="ctr"/>
+            <a:endParaRPr kumimoji="1" lang="ja-JP" altLang="en-US"/>
+          </a:p>
+        </p:txBody>
+      </p:sp>
+      <p:sp>
+        <p:nvSpPr>
+          <p:cNvPr id="25" name="星 10 24"/>
+          <p:cNvSpPr/>
+          <p:nvPr/>
+        </p:nvSpPr>
+        <p:spPr>
+          <a:xfrm>
+            <a:off x="3577945" y="5409934"/>
+            <a:ext cx="1988107" cy="848495"/>
+          </a:xfrm>
+          <a:prstGeom prst="star10">
+            <a:avLst>
+              <a:gd name="adj" fmla="val 50000"/>
+              <a:gd name="hf" fmla="val 105146"/>
+            </a:avLst>
+          </a:prstGeom>
+          <a:ln>
+            <a:noFill/>
+          </a:ln>
+        </p:spPr>
+        <p:style>
+          <a:lnRef idx="2">
+            <a:schemeClr val="accent1">
+              <a:shade val="50000"/>
+            </a:schemeClr>
+          </a:lnRef>
+          <a:fillRef idx="1">
+            <a:schemeClr val="accent1"/>
+          </a:fillRef>
+          <a:effectRef idx="0">
+            <a:schemeClr val="accent1"/>
+          </a:effectRef>
+          <a:fontRef idx="minor">
+            <a:schemeClr val="lt1"/>
+          </a:fontRef>
+        </p:style>
+        <p:txBody>
+          <a:bodyPr rtlCol="0" anchor="ctr"/>
+          <a:lstStyle/>
+          <a:p>
+            <a:pPr algn="ctr"/>
+            <a:r>
+              <a:rPr kumimoji="1" lang="ja-JP" altLang="en-US" sz="2400" b="1" dirty="0" smtClean="0"/>
+              <a:t>尤度計算</a:t>
+            </a:r>
+            <a:endParaRPr kumimoji="1" lang="ja-JP" altLang="en-US" sz="2400" b="1" dirty="0"/>
+          </a:p>
+        </p:txBody>
+      </p:sp>
+      <p:sp>
+        <p:nvSpPr>
+          <p:cNvPr id="29" name="正方形/長方形 28"/>
+          <p:cNvSpPr/>
+          <p:nvPr/>
+        </p:nvSpPr>
+        <p:spPr>
+          <a:xfrm>
+            <a:off x="7095494" y="2816749"/>
+            <a:ext cx="601931" cy="264663"/>
+          </a:xfrm>
+          <a:prstGeom prst="rect">
+            <a:avLst/>
+          </a:prstGeom>
+          <a:solidFill>
+            <a:schemeClr val="accent2">
+              <a:lumMod val="75000"/>
+            </a:schemeClr>
+          </a:solidFill>
+          <a:ln>
+            <a:noFill/>
+          </a:ln>
+        </p:spPr>
+        <p:style>
+          <a:lnRef idx="2">
+            <a:schemeClr val="accent1">
+              <a:shade val="50000"/>
+            </a:schemeClr>
+          </a:lnRef>
+          <a:fillRef idx="1">
+            <a:schemeClr val="accent1"/>
+          </a:fillRef>
+          <a:effectRef idx="0">
+            <a:schemeClr val="accent1"/>
+          </a:effectRef>
+          <a:fontRef idx="minor">
+            <a:schemeClr val="lt1"/>
+          </a:fontRef>
+        </p:style>
+        <p:txBody>
+          <a:bodyPr rtlCol="0" anchor="ctr"/>
+          <a:lstStyle/>
+          <a:p>
+            <a:pPr algn="ctr"/>
+            <a:r>
+              <a:rPr kumimoji="1" lang="en-US" altLang="ja-JP" dirty="0" smtClean="0">
+                <a:solidFill>
+                  <a:schemeClr val="bg1"/>
+                </a:solidFill>
+              </a:rPr>
+              <a:t>0.9</a:t>
+            </a:r>
+            <a:endParaRPr kumimoji="1" lang="ja-JP" altLang="en-US" dirty="0">
+              <a:solidFill>
+                <a:schemeClr val="bg1"/>
+              </a:solidFill>
+            </a:endParaRPr>
+          </a:p>
+        </p:txBody>
+      </p:sp>
+      <p:sp>
+        <p:nvSpPr>
+          <p:cNvPr id="40" name="正方形/長方形 39"/>
+          <p:cNvSpPr/>
+          <p:nvPr/>
+        </p:nvSpPr>
+        <p:spPr>
+          <a:xfrm>
+            <a:off x="5960809" y="2816750"/>
+            <a:ext cx="578035" cy="243639"/>
+          </a:xfrm>
+          <a:prstGeom prst="rect">
+            <a:avLst/>
+          </a:prstGeom>
+          <a:solidFill>
+            <a:schemeClr val="accent2">
+              <a:lumMod val="75000"/>
+            </a:schemeClr>
+          </a:solidFill>
+          <a:ln>
+            <a:noFill/>
+          </a:ln>
+        </p:spPr>
+        <p:style>
+          <a:lnRef idx="2">
+            <a:schemeClr val="accent1">
+              <a:shade val="50000"/>
+            </a:schemeClr>
+          </a:lnRef>
+          <a:fillRef idx="1">
+            <a:schemeClr val="accent1"/>
+          </a:fillRef>
+          <a:effectRef idx="0">
+            <a:schemeClr val="accent1"/>
+          </a:effectRef>
+          <a:fontRef idx="minor">
+            <a:schemeClr val="lt1"/>
+          </a:fontRef>
+        </p:style>
+        <p:txBody>
+          <a:bodyPr rtlCol="0" anchor="ctr"/>
+          <a:lstStyle/>
+          <a:p>
+            <a:pPr algn="ctr"/>
+            <a:r>
+              <a:rPr kumimoji="1" lang="en-US" altLang="ja-JP" dirty="0" smtClean="0">
+                <a:solidFill>
+                  <a:schemeClr val="bg1"/>
+                </a:solidFill>
+              </a:rPr>
+              <a:t>0.1</a:t>
+            </a:r>
+            <a:endParaRPr kumimoji="1" lang="ja-JP" altLang="en-US" dirty="0">
+              <a:solidFill>
+                <a:schemeClr val="bg1"/>
+              </a:solidFill>
+            </a:endParaRPr>
+          </a:p>
+        </p:txBody>
+      </p:sp>
+      <p:sp>
+        <p:nvSpPr>
+          <p:cNvPr id="41" name="正方形/長方形 40"/>
+          <p:cNvSpPr/>
+          <p:nvPr/>
+        </p:nvSpPr>
+        <p:spPr>
+          <a:xfrm>
+            <a:off x="6570419" y="3092438"/>
+            <a:ext cx="525075" cy="236475"/>
+          </a:xfrm>
+          <a:prstGeom prst="rect">
+            <a:avLst/>
+          </a:prstGeom>
+          <a:solidFill>
+            <a:schemeClr val="accent2">
+              <a:lumMod val="75000"/>
+            </a:schemeClr>
+          </a:solidFill>
+          <a:ln>
+            <a:noFill/>
+          </a:ln>
+        </p:spPr>
+        <p:style>
+          <a:lnRef idx="2">
+            <a:schemeClr val="accent1">
+              <a:shade val="50000"/>
+            </a:schemeClr>
+          </a:lnRef>
+          <a:fillRef idx="1">
+            <a:schemeClr val="accent1"/>
+          </a:fillRef>
+          <a:effectRef idx="0">
+            <a:schemeClr val="accent1"/>
+          </a:effectRef>
+          <a:fontRef idx="minor">
+            <a:schemeClr val="lt1"/>
+          </a:fontRef>
+        </p:style>
+        <p:txBody>
+          <a:bodyPr rtlCol="0" anchor="ctr"/>
+          <a:lstStyle/>
+          <a:p>
+            <a:pPr algn="ctr"/>
+            <a:r>
+              <a:rPr kumimoji="1" lang="en-US" altLang="ja-JP" dirty="0" smtClean="0">
+                <a:solidFill>
+                  <a:schemeClr val="bg1"/>
+                </a:solidFill>
+              </a:rPr>
+              <a:t>0.9</a:t>
+            </a:r>
+            <a:endParaRPr kumimoji="1" lang="ja-JP" altLang="en-US" dirty="0">
+              <a:solidFill>
+                <a:schemeClr val="bg1"/>
+              </a:solidFill>
+            </a:endParaRPr>
+          </a:p>
+        </p:txBody>
+      </p:sp>
+      <p:sp>
+        <p:nvSpPr>
+          <p:cNvPr id="42" name="正方形/長方形 41"/>
+          <p:cNvSpPr/>
+          <p:nvPr/>
+        </p:nvSpPr>
+        <p:spPr>
+          <a:xfrm>
+            <a:off x="6551261" y="3589712"/>
+            <a:ext cx="525075" cy="236475"/>
+          </a:xfrm>
+          <a:prstGeom prst="rect">
+            <a:avLst/>
+          </a:prstGeom>
+          <a:solidFill>
+            <a:schemeClr val="accent2">
+              <a:lumMod val="75000"/>
+            </a:schemeClr>
+          </a:solidFill>
+          <a:ln>
+            <a:noFill/>
+          </a:ln>
+        </p:spPr>
+        <p:style>
+          <a:lnRef idx="2">
+            <a:schemeClr val="accent1">
+              <a:shade val="50000"/>
+            </a:schemeClr>
+          </a:lnRef>
+          <a:fillRef idx="1">
+            <a:schemeClr val="accent1"/>
+          </a:fillRef>
+          <a:effectRef idx="0">
+            <a:schemeClr val="accent1"/>
+          </a:effectRef>
+          <a:fontRef idx="minor">
+            <a:schemeClr val="lt1"/>
+          </a:fontRef>
+        </p:style>
+        <p:txBody>
+          <a:bodyPr rtlCol="0" anchor="ctr"/>
+          <a:lstStyle/>
+          <a:p>
+            <a:pPr algn="ctr"/>
+            <a:r>
+              <a:rPr lang="en-US" altLang="ja-JP" dirty="0" smtClean="0">
+                <a:solidFill>
+                  <a:schemeClr val="bg1"/>
+                </a:solidFill>
+              </a:rPr>
+              <a:t>0.1</a:t>
+            </a:r>
+            <a:endParaRPr kumimoji="1" lang="ja-JP" altLang="en-US" dirty="0">
+              <a:solidFill>
+                <a:schemeClr val="bg1"/>
+              </a:solidFill>
+            </a:endParaRPr>
+          </a:p>
+        </p:txBody>
+      </p:sp>
+      <p:sp>
+        <p:nvSpPr>
+          <p:cNvPr id="43" name="正方形/長方形 42"/>
+          <p:cNvSpPr/>
+          <p:nvPr/>
+        </p:nvSpPr>
+        <p:spPr>
+          <a:xfrm>
+            <a:off x="4905594" y="3204725"/>
+            <a:ext cx="525075" cy="236475"/>
+          </a:xfrm>
+          <a:prstGeom prst="rect">
+            <a:avLst/>
+          </a:prstGeom>
+          <a:solidFill>
+            <a:schemeClr val="accent2">
+              <a:lumMod val="75000"/>
+            </a:schemeClr>
+          </a:solidFill>
+          <a:ln>
+            <a:noFill/>
+          </a:ln>
+        </p:spPr>
+        <p:style>
+          <a:lnRef idx="2">
+            <a:schemeClr val="accent1">
+              <a:shade val="50000"/>
+            </a:schemeClr>
+          </a:lnRef>
+          <a:fillRef idx="1">
+            <a:schemeClr val="accent1"/>
+          </a:fillRef>
+          <a:effectRef idx="0">
+            <a:schemeClr val="accent1"/>
+          </a:effectRef>
+          <a:fontRef idx="minor">
+            <a:schemeClr val="lt1"/>
+          </a:fontRef>
+        </p:style>
+        <p:txBody>
+          <a:bodyPr rtlCol="0" anchor="ctr"/>
+          <a:lstStyle/>
+          <a:p>
+            <a:pPr algn="ctr"/>
+            <a:r>
+              <a:rPr kumimoji="1" lang="en-US" altLang="ja-JP" dirty="0" smtClean="0">
+                <a:solidFill>
+                  <a:schemeClr val="bg1"/>
+                </a:solidFill>
+              </a:rPr>
+              <a:t>0.1</a:t>
+            </a:r>
+            <a:endParaRPr kumimoji="1" lang="ja-JP" altLang="en-US" dirty="0">
+              <a:solidFill>
+                <a:schemeClr val="bg1"/>
+              </a:solidFill>
+            </a:endParaRPr>
+          </a:p>
+        </p:txBody>
+      </p:sp>
+      <p:sp>
+        <p:nvSpPr>
+          <p:cNvPr id="44" name="正方形/長方形 43"/>
+          <p:cNvSpPr/>
+          <p:nvPr/>
+        </p:nvSpPr>
+        <p:spPr>
+          <a:xfrm>
+            <a:off x="8196930" y="3210675"/>
+            <a:ext cx="525075" cy="236475"/>
+          </a:xfrm>
+          <a:prstGeom prst="rect">
+            <a:avLst/>
+          </a:prstGeom>
+          <a:solidFill>
+            <a:schemeClr val="accent2">
+              <a:lumMod val="75000"/>
+            </a:schemeClr>
+          </a:solidFill>
+          <a:ln>
+            <a:noFill/>
+          </a:ln>
+        </p:spPr>
+        <p:style>
+          <a:lnRef idx="2">
+            <a:schemeClr val="accent1">
+              <a:shade val="50000"/>
+            </a:schemeClr>
+          </a:lnRef>
+          <a:fillRef idx="1">
+            <a:schemeClr val="accent1"/>
+          </a:fillRef>
+          <a:effectRef idx="0">
+            <a:schemeClr val="accent1"/>
+          </a:effectRef>
+          <a:fontRef idx="minor">
+            <a:schemeClr val="lt1"/>
+          </a:fontRef>
+        </p:style>
+        <p:txBody>
+          <a:bodyPr rtlCol="0" anchor="ctr"/>
+          <a:lstStyle/>
+          <a:p>
+            <a:pPr algn="ctr"/>
+            <a:r>
+              <a:rPr kumimoji="1" lang="en-US" altLang="ja-JP" dirty="0" smtClean="0">
+                <a:solidFill>
+                  <a:schemeClr val="bg1"/>
+                </a:solidFill>
+              </a:rPr>
+              <a:t>0.9</a:t>
+            </a:r>
+            <a:endParaRPr kumimoji="1" lang="ja-JP" altLang="en-US" dirty="0">
+              <a:solidFill>
+                <a:schemeClr val="bg1"/>
+              </a:solidFill>
+            </a:endParaRPr>
+          </a:p>
+        </p:txBody>
+      </p:sp>
+      <p:sp>
+        <p:nvSpPr>
+          <p:cNvPr id="45" name="正方形/長方形 44"/>
+          <p:cNvSpPr/>
+          <p:nvPr/>
+        </p:nvSpPr>
+        <p:spPr>
+          <a:xfrm>
+            <a:off x="2656116" y="2816749"/>
+            <a:ext cx="601931" cy="264663"/>
+          </a:xfrm>
+          <a:prstGeom prst="rect">
+            <a:avLst/>
+          </a:prstGeom>
+          <a:solidFill>
+            <a:schemeClr val="tx2">
+              <a:lumMod val="75000"/>
+            </a:schemeClr>
+          </a:solidFill>
+          <a:ln>
+            <a:noFill/>
+          </a:ln>
+        </p:spPr>
+        <p:style>
+          <a:lnRef idx="2">
+            <a:schemeClr val="accent1">
+              <a:shade val="50000"/>
+            </a:schemeClr>
+          </a:lnRef>
+          <a:fillRef idx="1">
+            <a:schemeClr val="accent1"/>
+          </a:fillRef>
+          <a:effectRef idx="0">
+            <a:schemeClr val="accent1"/>
+          </a:effectRef>
+          <a:fontRef idx="minor">
+            <a:schemeClr val="lt1"/>
+          </a:fontRef>
+        </p:style>
+        <p:txBody>
+          <a:bodyPr rtlCol="0" anchor="ctr"/>
+          <a:lstStyle/>
+          <a:p>
+            <a:pPr algn="ctr"/>
+            <a:r>
+              <a:rPr kumimoji="1" lang="en-US" altLang="ja-JP" dirty="0" smtClean="0">
+                <a:solidFill>
+                  <a:schemeClr val="bg1"/>
+                </a:solidFill>
+              </a:rPr>
+              <a:t>0.1</a:t>
+            </a:r>
+            <a:endParaRPr kumimoji="1" lang="ja-JP" altLang="en-US" dirty="0">
+              <a:solidFill>
+                <a:schemeClr val="bg1"/>
+              </a:solidFill>
+            </a:endParaRPr>
+          </a:p>
+        </p:txBody>
+      </p:sp>
+      <p:sp>
+        <p:nvSpPr>
+          <p:cNvPr id="46" name="正方形/長方形 45"/>
+          <p:cNvSpPr/>
+          <p:nvPr/>
+        </p:nvSpPr>
+        <p:spPr>
+          <a:xfrm>
+            <a:off x="1521431" y="2816750"/>
+            <a:ext cx="578035" cy="243639"/>
+          </a:xfrm>
+          <a:prstGeom prst="rect">
+            <a:avLst/>
+          </a:prstGeom>
+          <a:solidFill>
+            <a:schemeClr val="tx2">
+              <a:lumMod val="75000"/>
+            </a:schemeClr>
+          </a:solidFill>
+          <a:ln>
+            <a:noFill/>
+          </a:ln>
+        </p:spPr>
+        <p:style>
+          <a:lnRef idx="2">
+            <a:schemeClr val="accent1">
+              <a:shade val="50000"/>
+            </a:schemeClr>
+          </a:lnRef>
+          <a:fillRef idx="1">
+            <a:schemeClr val="accent1"/>
+          </a:fillRef>
+          <a:effectRef idx="0">
+            <a:schemeClr val="accent1"/>
+          </a:effectRef>
+          <a:fontRef idx="minor">
+            <a:schemeClr val="lt1"/>
+          </a:fontRef>
+        </p:style>
+        <p:txBody>
+          <a:bodyPr rtlCol="0" anchor="ctr"/>
+          <a:lstStyle/>
+          <a:p>
+            <a:pPr algn="ctr"/>
+            <a:r>
+              <a:rPr kumimoji="1" lang="en-US" altLang="ja-JP" dirty="0" smtClean="0">
+                <a:solidFill>
+                  <a:schemeClr val="bg1"/>
+                </a:solidFill>
+              </a:rPr>
+              <a:t>0.9</a:t>
+            </a:r>
+            <a:endParaRPr kumimoji="1" lang="ja-JP" altLang="en-US" dirty="0">
+              <a:solidFill>
+                <a:schemeClr val="bg1"/>
+              </a:solidFill>
+            </a:endParaRPr>
+          </a:p>
+        </p:txBody>
+      </p:sp>
+      <p:sp>
+        <p:nvSpPr>
+          <p:cNvPr id="47" name="正方形/長方形 46"/>
+          <p:cNvSpPr/>
+          <p:nvPr/>
+        </p:nvSpPr>
+        <p:spPr>
+          <a:xfrm>
+            <a:off x="2131041" y="3092438"/>
+            <a:ext cx="525075" cy="236475"/>
+          </a:xfrm>
+          <a:prstGeom prst="rect">
+            <a:avLst/>
+          </a:prstGeom>
+          <a:solidFill>
+            <a:schemeClr val="tx2">
+              <a:lumMod val="75000"/>
+            </a:schemeClr>
+          </a:solidFill>
+          <a:ln>
+            <a:noFill/>
+          </a:ln>
+        </p:spPr>
+        <p:style>
+          <a:lnRef idx="2">
+            <a:schemeClr val="accent1">
+              <a:shade val="50000"/>
+            </a:schemeClr>
+          </a:lnRef>
+          <a:fillRef idx="1">
+            <a:schemeClr val="accent1"/>
+          </a:fillRef>
+          <a:effectRef idx="0">
+            <a:schemeClr val="accent1"/>
+          </a:effectRef>
+          <a:fontRef idx="minor">
+            <a:schemeClr val="lt1"/>
+          </a:fontRef>
+        </p:style>
+        <p:txBody>
+          <a:bodyPr rtlCol="0" anchor="ctr"/>
+          <a:lstStyle/>
+          <a:p>
+            <a:pPr algn="ctr"/>
+            <a:r>
+              <a:rPr kumimoji="1" lang="en-US" altLang="ja-JP" dirty="0" smtClean="0">
+                <a:solidFill>
+                  <a:schemeClr val="bg1"/>
+                </a:solidFill>
+              </a:rPr>
+              <a:t>0.1</a:t>
+            </a:r>
+            <a:endParaRPr kumimoji="1" lang="ja-JP" altLang="en-US" dirty="0">
+              <a:solidFill>
+                <a:schemeClr val="bg1"/>
+              </a:solidFill>
+            </a:endParaRPr>
+          </a:p>
+        </p:txBody>
+      </p:sp>
+      <p:sp>
+        <p:nvSpPr>
+          <p:cNvPr id="48" name="正方形/長方形 47"/>
+          <p:cNvSpPr/>
+          <p:nvPr/>
+        </p:nvSpPr>
+        <p:spPr>
+          <a:xfrm>
+            <a:off x="2111883" y="3589712"/>
+            <a:ext cx="525075" cy="236475"/>
+          </a:xfrm>
+          <a:prstGeom prst="rect">
+            <a:avLst/>
+          </a:prstGeom>
+          <a:solidFill>
+            <a:schemeClr val="tx2">
+              <a:lumMod val="75000"/>
+            </a:schemeClr>
+          </a:solidFill>
+          <a:ln>
+            <a:noFill/>
+          </a:ln>
+        </p:spPr>
+        <p:style>
+          <a:lnRef idx="2">
+            <a:schemeClr val="accent1">
+              <a:shade val="50000"/>
+            </a:schemeClr>
+          </a:lnRef>
+          <a:fillRef idx="1">
+            <a:schemeClr val="accent1"/>
+          </a:fillRef>
+          <a:effectRef idx="0">
+            <a:schemeClr val="accent1"/>
+          </a:effectRef>
+          <a:fontRef idx="minor">
+            <a:schemeClr val="lt1"/>
+          </a:fontRef>
+        </p:style>
+        <p:txBody>
+          <a:bodyPr rtlCol="0" anchor="ctr"/>
+          <a:lstStyle/>
+          <a:p>
+            <a:pPr algn="ctr"/>
+            <a:r>
+              <a:rPr lang="en-US" altLang="ja-JP" dirty="0" smtClean="0">
+                <a:solidFill>
+                  <a:schemeClr val="bg1"/>
+                </a:solidFill>
+              </a:rPr>
+              <a:t>0.9</a:t>
+            </a:r>
+            <a:endParaRPr kumimoji="1" lang="ja-JP" altLang="en-US" dirty="0">
+              <a:solidFill>
+                <a:schemeClr val="bg1"/>
+              </a:solidFill>
+            </a:endParaRPr>
+          </a:p>
+        </p:txBody>
+      </p:sp>
+      <p:sp>
+        <p:nvSpPr>
+          <p:cNvPr id="49" name="正方形/長方形 48"/>
+          <p:cNvSpPr/>
+          <p:nvPr/>
+        </p:nvSpPr>
+        <p:spPr>
+          <a:xfrm>
+            <a:off x="466216" y="3204725"/>
+            <a:ext cx="525075" cy="236475"/>
+          </a:xfrm>
+          <a:prstGeom prst="rect">
+            <a:avLst/>
+          </a:prstGeom>
+          <a:solidFill>
+            <a:schemeClr val="tx2">
+              <a:lumMod val="75000"/>
+            </a:schemeClr>
+          </a:solidFill>
+          <a:ln>
+            <a:noFill/>
+          </a:ln>
+        </p:spPr>
+        <p:style>
+          <a:lnRef idx="2">
+            <a:schemeClr val="accent1">
+              <a:shade val="50000"/>
+            </a:schemeClr>
+          </a:lnRef>
+          <a:fillRef idx="1">
+            <a:schemeClr val="accent1"/>
+          </a:fillRef>
+          <a:effectRef idx="0">
+            <a:schemeClr val="accent1"/>
+          </a:effectRef>
+          <a:fontRef idx="minor">
+            <a:schemeClr val="lt1"/>
+          </a:fontRef>
+        </p:style>
+        <p:txBody>
+          <a:bodyPr rtlCol="0" anchor="ctr"/>
+          <a:lstStyle/>
+          <a:p>
+            <a:pPr algn="ctr"/>
+            <a:r>
+              <a:rPr kumimoji="1" lang="en-US" altLang="ja-JP" dirty="0" smtClean="0">
+                <a:solidFill>
+                  <a:schemeClr val="bg1"/>
+                </a:solidFill>
+              </a:rPr>
+              <a:t>0.9</a:t>
+            </a:r>
+            <a:endParaRPr kumimoji="1" lang="ja-JP" altLang="en-US" dirty="0">
+              <a:solidFill>
+                <a:schemeClr val="bg1"/>
+              </a:solidFill>
+            </a:endParaRPr>
+          </a:p>
+        </p:txBody>
+      </p:sp>
+      <p:sp>
+        <p:nvSpPr>
+          <p:cNvPr id="50" name="正方形/長方形 49"/>
+          <p:cNvSpPr/>
+          <p:nvPr/>
+        </p:nvSpPr>
+        <p:spPr>
+          <a:xfrm>
+            <a:off x="3757552" y="3210675"/>
+            <a:ext cx="525075" cy="236475"/>
+          </a:xfrm>
+          <a:prstGeom prst="rect">
+            <a:avLst/>
+          </a:prstGeom>
+          <a:solidFill>
+            <a:schemeClr val="tx2">
+              <a:lumMod val="75000"/>
+            </a:schemeClr>
+          </a:solidFill>
+          <a:ln>
+            <a:noFill/>
+          </a:ln>
+        </p:spPr>
+        <p:style>
+          <a:lnRef idx="2">
+            <a:schemeClr val="accent1">
+              <a:shade val="50000"/>
+            </a:schemeClr>
+          </a:lnRef>
+          <a:fillRef idx="1">
+            <a:schemeClr val="accent1"/>
+          </a:fillRef>
+          <a:effectRef idx="0">
+            <a:schemeClr val="accent1"/>
+          </a:effectRef>
+          <a:fontRef idx="minor">
+            <a:schemeClr val="lt1"/>
+          </a:fontRef>
+        </p:style>
+        <p:txBody>
+          <a:bodyPr rtlCol="0" anchor="ctr"/>
+          <a:lstStyle/>
+          <a:p>
+            <a:pPr algn="ctr"/>
+            <a:r>
+              <a:rPr kumimoji="1" lang="en-US" altLang="ja-JP" dirty="0" smtClean="0">
+                <a:solidFill>
+                  <a:schemeClr val="bg1"/>
+                </a:solidFill>
+              </a:rPr>
+              <a:t>0.1</a:t>
+            </a:r>
+            <a:endParaRPr kumimoji="1" lang="ja-JP" altLang="en-US" dirty="0">
+              <a:solidFill>
+                <a:schemeClr val="bg1"/>
+              </a:solidFill>
+            </a:endParaRPr>
+          </a:p>
+        </p:txBody>
+      </p:sp>
+    </p:spTree>
+    <p:extLst>
+      <p:ext uri="{BB962C8B-B14F-4D97-AF65-F5344CB8AC3E}">
+        <p14:creationId xmlns:p14="http://schemas.microsoft.com/office/powerpoint/2010/main" val="3457633331"/>
+      </p:ext>
+    </p:extLst>
+  </p:cSld>
+  <p:clrMapOvr>
+    <a:masterClrMapping/>
+  </p:clrMapOvr>
+  <p:timing>
+    <p:tnLst>
+      <p:par>
+        <p:cTn id="1" dur="indefinite" restart="never" nodeType="tmRoot"/>
+      </p:par>
+    </p:tnLst>
+  </p:timing>
+</p:sld>
+</file>
+
 <file path=ppt/slides/slide4.xml><?xml version="1.0" encoding="utf-8"?>
 <p:sld xmlns:a="http://schemas.openxmlformats.org/drawingml/2006/main" xmlns:r="http://schemas.openxmlformats.org/officeDocument/2006/relationships" xmlns:p="http://schemas.openxmlformats.org/presentationml/2006/main">
   <p:cSld>
@@ -11653,33 +14594,6 @@
       </p:grpSpPr>
       <p:sp>
         <p:nvSpPr>
-          <p:cNvPr id="2" name="タイトル 1"/>
-          <p:cNvSpPr>
-            <a:spLocks noGrp="1"/>
-          </p:cNvSpPr>
-          <p:nvPr>
-            <p:ph type="title"/>
-          </p:nvPr>
-        </p:nvSpPr>
-        <p:spPr/>
-        <p:txBody>
-          <a:bodyPr/>
-          <a:lstStyle/>
-          <a:p>
-            <a:r>
-              <a:rPr kumimoji="1" lang="en-US" altLang="ja-JP" dirty="0" smtClean="0"/>
-              <a:t>2.hmm.py</a:t>
-            </a:r>
-            <a:r>
-              <a:rPr kumimoji="1" lang="ja-JP" altLang="en-US" dirty="0" smtClean="0"/>
-              <a:t>について</a:t>
-            </a:r>
-            <a:endParaRPr kumimoji="1" lang="ja-JP" altLang="en-US" dirty="0"/>
-          </a:p>
-        </p:txBody>
-      </p:sp>
-      <p:sp>
-        <p:nvSpPr>
           <p:cNvPr id="3" name="コンテンツ プレースホルダー 2"/>
           <p:cNvSpPr>
             <a:spLocks noGrp="1"/>
@@ -11761,6 +14675,33 @@
           </a:p>
           <a:p>
             <a:pPr lvl="1"/>
+            <a:endParaRPr kumimoji="1" lang="ja-JP" altLang="en-US" dirty="0"/>
+          </a:p>
+        </p:txBody>
+      </p:sp>
+      <p:sp>
+        <p:nvSpPr>
+          <p:cNvPr id="4" name="タイトル 3"/>
+          <p:cNvSpPr>
+            <a:spLocks noGrp="1"/>
+          </p:cNvSpPr>
+          <p:nvPr>
+            <p:ph type="title"/>
+          </p:nvPr>
+        </p:nvSpPr>
+        <p:spPr/>
+        <p:txBody>
+          <a:bodyPr/>
+          <a:lstStyle/>
+          <a:p>
+            <a:r>
+              <a:rPr lang="en-US" altLang="ja-JP" dirty="0"/>
+              <a:t>2.enshu_hmm.py</a:t>
+            </a:r>
+            <a:r>
+              <a:rPr lang="ja-JP" altLang="en-US" dirty="0"/>
+              <a:t>について</a:t>
+            </a:r>
             <a:endParaRPr kumimoji="1" lang="ja-JP" altLang="en-US" dirty="0"/>
           </a:p>
         </p:txBody>
@@ -11818,11 +14759,11 @@
           <a:lstStyle/>
           <a:p>
             <a:r>
-              <a:rPr kumimoji="1" lang="en-US" altLang="ja-JP" dirty="0" smtClean="0"/>
-              <a:t>2.hmm.py</a:t>
-            </a:r>
-            <a:r>
-              <a:rPr kumimoji="1" lang="ja-JP" altLang="en-US" dirty="0" smtClean="0"/>
+              <a:rPr lang="en-US" altLang="ja-JP" dirty="0"/>
+              <a:t>2.enshu_hmm.py</a:t>
+            </a:r>
+            <a:r>
+              <a:rPr lang="ja-JP" altLang="en-US" dirty="0"/>
               <a:t>について</a:t>
             </a:r>
             <a:endParaRPr kumimoji="1" lang="ja-JP" altLang="en-US" dirty="0"/>
@@ -12005,11 +14946,11 @@
           <a:lstStyle/>
           <a:p>
             <a:r>
-              <a:rPr kumimoji="1" lang="en-US" altLang="ja-JP" dirty="0" smtClean="0"/>
-              <a:t>2.hmm.py</a:t>
-            </a:r>
-            <a:r>
-              <a:rPr kumimoji="1" lang="ja-JP" altLang="en-US" dirty="0" smtClean="0"/>
+              <a:rPr lang="en-US" altLang="ja-JP" dirty="0"/>
+              <a:t>2.enshu_hmm.py</a:t>
+            </a:r>
+            <a:r>
+              <a:rPr lang="ja-JP" altLang="en-US" dirty="0"/>
               <a:t>について</a:t>
             </a:r>
             <a:endParaRPr kumimoji="1" lang="ja-JP" altLang="en-US" dirty="0"/>
@@ -12049,19 +14990,9 @@
             <a:endParaRPr kumimoji="1" lang="en-US" altLang="ja-JP" dirty="0" smtClean="0"/>
           </a:p>
           <a:p>
-            <a:pPr lvl="1"/>
-            <a:endParaRPr lang="en-US" altLang="ja-JP" dirty="0"/>
-          </a:p>
-          <a:p>
-            <a:pPr lvl="1"/>
-            <a:r>
-              <a:rPr kumimoji="1" lang="ja-JP" altLang="en-US" dirty="0" smtClean="0"/>
-              <a:t>ビタビアルゴリズムを用い</a:t>
-            </a:r>
-            <a:r>
-              <a:rPr lang="ja-JP" altLang="en-US" dirty="0"/>
-              <a:t>る</a:t>
-            </a:r>
+            <a:pPr marL="457200" lvl="1" indent="0">
+              <a:buNone/>
+            </a:pPr>
             <a:endParaRPr kumimoji="1" lang="en-US" altLang="ja-JP" dirty="0" smtClean="0"/>
           </a:p>
           <a:p>
@@ -12114,10 +15045,1378 @@
           </a:p>
         </p:txBody>
       </p:sp>
+      <mc:AlternateContent xmlns:mc="http://schemas.openxmlformats.org/markup-compatibility/2006" xmlns:a14="http://schemas.microsoft.com/office/drawing/2010/main">
+        <mc:Choice Requires="a14">
+          <p:graphicFrame>
+            <p:nvGraphicFramePr>
+              <p:cNvPr id="4" name="表 3"/>
+              <p:cNvGraphicFramePr>
+                <a:graphicFrameLocks noGrp="1"/>
+              </p:cNvGraphicFramePr>
+              <p:nvPr>
+                <p:extLst/>
+              </p:nvPr>
+            </p:nvGraphicFramePr>
+            <p:xfrm>
+              <a:off x="5000624" y="4940299"/>
+              <a:ext cx="4143376" cy="1371600"/>
+            </p:xfrm>
+            <a:graphic>
+              <a:graphicData uri="http://schemas.openxmlformats.org/drawingml/2006/table">
+                <a:tbl>
+                  <a:tblPr firstRow="1" bandRow="1">
+                    <a:tableStyleId>{5202B0CA-FC54-4496-8BCA-5EF66A818D29}</a:tableStyleId>
+                  </a:tblPr>
+                  <a:tblGrid>
+                    <a:gridCol w="1476376">
+                      <a:extLst>
+                        <a:ext uri="{9D8B030D-6E8A-4147-A177-3AD203B41FA5}">
+                          <a16:colId xmlns:a16="http://schemas.microsoft.com/office/drawing/2014/main" val="4162305903"/>
+                        </a:ext>
+                      </a:extLst>
+                    </a:gridCol>
+                    <a:gridCol w="828675">
+                      <a:extLst>
+                        <a:ext uri="{9D8B030D-6E8A-4147-A177-3AD203B41FA5}">
+                          <a16:colId xmlns:a16="http://schemas.microsoft.com/office/drawing/2014/main" val="1004922152"/>
+                        </a:ext>
+                      </a:extLst>
+                    </a:gridCol>
+                    <a:gridCol w="800100">
+                      <a:extLst>
+                        <a:ext uri="{9D8B030D-6E8A-4147-A177-3AD203B41FA5}">
+                          <a16:colId xmlns:a16="http://schemas.microsoft.com/office/drawing/2014/main" val="2922253563"/>
+                        </a:ext>
+                      </a:extLst>
+                    </a:gridCol>
+                    <a:gridCol w="1038225">
+                      <a:extLst>
+                        <a:ext uri="{9D8B030D-6E8A-4147-A177-3AD203B41FA5}">
+                          <a16:colId xmlns:a16="http://schemas.microsoft.com/office/drawing/2014/main" val="3000470594"/>
+                        </a:ext>
+                      </a:extLst>
+                    </a:gridCol>
+                  </a:tblGrid>
+                  <a:tr h="409575">
+                    <a:tc>
+                      <a:txBody>
+                        <a:bodyPr/>
+                        <a:lstStyle/>
+                        <a:p>
+                          <a:pPr algn="ctr"/>
+                          <a:r>
+                            <a:rPr kumimoji="1" lang="ja-JP" altLang="en-US" sz="2400" b="0" dirty="0" smtClean="0"/>
+                            <a:t>時刻</a:t>
+                          </a:r>
+                          <a:endParaRPr kumimoji="1" lang="ja-JP" altLang="en-US" sz="2400" b="0" dirty="0"/>
+                        </a:p>
+                      </a:txBody>
+                      <a:tcPr/>
+                    </a:tc>
+                    <a:tc>
+                      <a:txBody>
+                        <a:bodyPr/>
+                        <a:lstStyle/>
+                        <a:p>
+                          <a:pPr algn="ctr"/>
+                          <a14:m>
+                            <m:oMathPara xmlns:m="http://schemas.openxmlformats.org/officeDocument/2006/math">
+                              <m:oMathParaPr>
+                                <m:jc m:val="centerGroup"/>
+                              </m:oMathParaPr>
+                              <m:oMath xmlns:m="http://schemas.openxmlformats.org/officeDocument/2006/math">
+                                <m:sSub>
+                                  <m:sSubPr>
+                                    <m:ctrlPr>
+                                      <a:rPr kumimoji="1" lang="en-US" altLang="ja-JP" sz="2400" b="0" i="1" smtClean="0">
+                                        <a:latin typeface="Cambria Math" panose="02040503050406030204" pitchFamily="18" charset="0"/>
+                                      </a:rPr>
+                                    </m:ctrlPr>
+                                  </m:sSubPr>
+                                  <m:e>
+                                    <m:r>
+                                      <a:rPr kumimoji="1" lang="en-US" altLang="ja-JP" sz="2400" b="0" i="1" smtClean="0">
+                                        <a:latin typeface="Cambria Math" panose="02040503050406030204" pitchFamily="18" charset="0"/>
+                                      </a:rPr>
+                                      <m:t>𝑡</m:t>
+                                    </m:r>
+                                  </m:e>
+                                  <m:sub>
+                                    <m:r>
+                                      <a:rPr kumimoji="1" lang="en-US" altLang="ja-JP" sz="2400" b="0" i="1" smtClean="0">
+                                        <a:latin typeface="Cambria Math" panose="02040503050406030204" pitchFamily="18" charset="0"/>
+                                      </a:rPr>
+                                      <m:t>1</m:t>
+                                    </m:r>
+                                  </m:sub>
+                                </m:sSub>
+                              </m:oMath>
+                            </m:oMathPara>
+                          </a14:m>
+                          <a:endParaRPr kumimoji="1" lang="ja-JP" altLang="en-US" sz="2400" b="0" dirty="0"/>
+                        </a:p>
+                      </a:txBody>
+                      <a:tcPr/>
+                    </a:tc>
+                    <a:tc>
+                      <a:txBody>
+                        <a:bodyPr/>
+                        <a:lstStyle/>
+                        <a:p>
+                          <a:pPr algn="ctr"/>
+                          <a14:m>
+                            <m:oMathPara xmlns:m="http://schemas.openxmlformats.org/officeDocument/2006/math">
+                              <m:oMathParaPr>
+                                <m:jc m:val="centerGroup"/>
+                              </m:oMathParaPr>
+                              <m:oMath xmlns:m="http://schemas.openxmlformats.org/officeDocument/2006/math">
+                                <m:sSub>
+                                  <m:sSubPr>
+                                    <m:ctrlPr>
+                                      <a:rPr kumimoji="1" lang="en-US" altLang="ja-JP" sz="2400" b="0" i="1" smtClean="0">
+                                        <a:latin typeface="Cambria Math" panose="02040503050406030204" pitchFamily="18" charset="0"/>
+                                      </a:rPr>
+                                    </m:ctrlPr>
+                                  </m:sSubPr>
+                                  <m:e>
+                                    <m:r>
+                                      <a:rPr kumimoji="1" lang="en-US" altLang="ja-JP" sz="2400" b="0" i="1" smtClean="0">
+                                        <a:latin typeface="Cambria Math" panose="02040503050406030204" pitchFamily="18" charset="0"/>
+                                      </a:rPr>
+                                      <m:t>𝑡</m:t>
+                                    </m:r>
+                                  </m:e>
+                                  <m:sub>
+                                    <m:r>
+                                      <a:rPr kumimoji="1" lang="en-US" altLang="ja-JP" sz="2400" b="0" i="1" smtClean="0">
+                                        <a:latin typeface="Cambria Math" panose="02040503050406030204" pitchFamily="18" charset="0"/>
+                                      </a:rPr>
+                                      <m:t>2</m:t>
+                                    </m:r>
+                                  </m:sub>
+                                </m:sSub>
+                              </m:oMath>
+                            </m:oMathPara>
+                          </a14:m>
+                          <a:endParaRPr kumimoji="1" lang="ja-JP" altLang="en-US" sz="2400" b="0" dirty="0"/>
+                        </a:p>
+                      </a:txBody>
+                      <a:tcPr/>
+                    </a:tc>
+                    <a:tc>
+                      <a:txBody>
+                        <a:bodyPr/>
+                        <a:lstStyle/>
+                        <a:p>
+                          <a:pPr algn="ctr"/>
+                          <a14:m>
+                            <m:oMathPara xmlns:m="http://schemas.openxmlformats.org/officeDocument/2006/math">
+                              <m:oMathParaPr>
+                                <m:jc m:val="centerGroup"/>
+                              </m:oMathParaPr>
+                              <m:oMath xmlns:m="http://schemas.openxmlformats.org/officeDocument/2006/math">
+                                <m:sSub>
+                                  <m:sSubPr>
+                                    <m:ctrlPr>
+                                      <a:rPr kumimoji="1" lang="en-US" altLang="ja-JP" sz="2400" b="0" i="1" smtClean="0">
+                                        <a:latin typeface="Cambria Math" panose="02040503050406030204" pitchFamily="18" charset="0"/>
+                                      </a:rPr>
+                                    </m:ctrlPr>
+                                  </m:sSubPr>
+                                  <m:e>
+                                    <m:r>
+                                      <a:rPr kumimoji="1" lang="en-US" altLang="ja-JP" sz="2400" b="0" i="1" smtClean="0">
+                                        <a:latin typeface="Cambria Math" panose="02040503050406030204" pitchFamily="18" charset="0"/>
+                                      </a:rPr>
+                                      <m:t>𝑡</m:t>
+                                    </m:r>
+                                  </m:e>
+                                  <m:sub>
+                                    <m:r>
+                                      <a:rPr kumimoji="1" lang="en-US" altLang="ja-JP" sz="2400" b="0" i="1" smtClean="0">
+                                        <a:latin typeface="Cambria Math" panose="02040503050406030204" pitchFamily="18" charset="0"/>
+                                      </a:rPr>
+                                      <m:t>3</m:t>
+                                    </m:r>
+                                  </m:sub>
+                                </m:sSub>
+                              </m:oMath>
+                            </m:oMathPara>
+                          </a14:m>
+                          <a:endParaRPr kumimoji="1" lang="ja-JP" altLang="en-US" sz="2400" b="0" dirty="0"/>
+                        </a:p>
+                      </a:txBody>
+                      <a:tcPr/>
+                    </a:tc>
+                    <a:extLst>
+                      <a:ext uri="{0D108BD9-81ED-4DB2-BD59-A6C34878D82A}">
+                        <a16:rowId xmlns:a16="http://schemas.microsoft.com/office/drawing/2014/main" val="2172275830"/>
+                      </a:ext>
+                    </a:extLst>
+                  </a:tr>
+                  <a:tr h="273050">
+                    <a:tc>
+                      <a:txBody>
+                        <a:bodyPr/>
+                        <a:lstStyle/>
+                        <a:p>
+                          <a:pPr algn="ctr"/>
+                          <a:r>
+                            <a:rPr kumimoji="1" lang="ja-JP" altLang="en-US" sz="2000" dirty="0" smtClean="0"/>
+                            <a:t>観測系列</a:t>
+                          </a:r>
+                          <a:endParaRPr kumimoji="1" lang="ja-JP" altLang="en-US" sz="2000" b="0" dirty="0"/>
+                        </a:p>
+                      </a:txBody>
+                      <a:tcPr/>
+                    </a:tc>
+                    <a:tc>
+                      <a:txBody>
+                        <a:bodyPr/>
+                        <a:lstStyle/>
+                        <a:p>
+                          <a:pPr algn="ctr"/>
+                          <a:r>
+                            <a:rPr kumimoji="1" lang="ja-JP" altLang="en-US" sz="2400" dirty="0" smtClean="0"/>
+                            <a:t>散歩</a:t>
+                          </a:r>
+                          <a:endParaRPr kumimoji="1" lang="ja-JP" altLang="en-US" sz="2400" b="0" dirty="0"/>
+                        </a:p>
+                      </a:txBody>
+                      <a:tcPr/>
+                    </a:tc>
+                    <a:tc>
+                      <a:txBody>
+                        <a:bodyPr/>
+                        <a:lstStyle/>
+                        <a:p>
+                          <a:pPr algn="ctr"/>
+                          <a:r>
+                            <a:rPr kumimoji="1" lang="ja-JP" altLang="en-US" sz="2400" dirty="0" smtClean="0"/>
+                            <a:t>掃除</a:t>
+                          </a:r>
+                          <a:endParaRPr kumimoji="1" lang="ja-JP" altLang="en-US" sz="2400" b="0" dirty="0"/>
+                        </a:p>
+                      </a:txBody>
+                      <a:tcPr/>
+                    </a:tc>
+                    <a:tc>
+                      <a:txBody>
+                        <a:bodyPr/>
+                        <a:lstStyle/>
+                        <a:p>
+                          <a:pPr algn="ctr"/>
+                          <a:r>
+                            <a:rPr kumimoji="1" lang="ja-JP" altLang="en-US" sz="2000" dirty="0" smtClean="0"/>
+                            <a:t>買い物</a:t>
+                          </a:r>
+                          <a:endParaRPr kumimoji="1" lang="ja-JP" altLang="en-US" sz="2000" b="0" dirty="0"/>
+                        </a:p>
+                      </a:txBody>
+                      <a:tcPr/>
+                    </a:tc>
+                    <a:extLst>
+                      <a:ext uri="{0D108BD9-81ED-4DB2-BD59-A6C34878D82A}">
+                        <a16:rowId xmlns:a16="http://schemas.microsoft.com/office/drawing/2014/main" val="3265965916"/>
+                      </a:ext>
+                    </a:extLst>
+                  </a:tr>
+                  <a:tr h="273050">
+                    <a:tc>
+                      <a:txBody>
+                        <a:bodyPr/>
+                        <a:lstStyle/>
+                        <a:p>
+                          <a:pPr algn="ctr"/>
+                          <a:r>
+                            <a:rPr kumimoji="1" lang="ja-JP" altLang="en-US" sz="1600" dirty="0" smtClean="0"/>
+                            <a:t>状態遷移系列</a:t>
+                          </a:r>
+                          <a:endParaRPr kumimoji="1" lang="ja-JP" altLang="en-US" sz="1600" b="0" dirty="0"/>
+                        </a:p>
+                      </a:txBody>
+                      <a:tcPr/>
+                    </a:tc>
+                    <a:tc>
+                      <a:txBody>
+                        <a:bodyPr/>
+                        <a:lstStyle/>
+                        <a:p>
+                          <a:pPr algn="ctr"/>
+                          <a:r>
+                            <a:rPr kumimoji="1" lang="ja-JP" altLang="en-US" sz="2400" b="1" dirty="0" smtClean="0">
+                              <a:solidFill>
+                                <a:srgbClr val="C00000"/>
+                              </a:solidFill>
+                            </a:rPr>
+                            <a:t>晴れ</a:t>
+                          </a:r>
+                          <a:endParaRPr kumimoji="1" lang="ja-JP" altLang="en-US" sz="2400" b="1" dirty="0">
+                            <a:solidFill>
+                              <a:srgbClr val="C00000"/>
+                            </a:solidFill>
+                          </a:endParaRPr>
+                        </a:p>
+                      </a:txBody>
+                      <a:tcPr/>
+                    </a:tc>
+                    <a:tc>
+                      <a:txBody>
+                        <a:bodyPr/>
+                        <a:lstStyle/>
+                        <a:p>
+                          <a:pPr algn="ctr"/>
+                          <a:r>
+                            <a:rPr kumimoji="1" lang="ja-JP" altLang="en-US" sz="2400" b="1" dirty="0" smtClean="0">
+                              <a:solidFill>
+                                <a:srgbClr val="C00000"/>
+                              </a:solidFill>
+                            </a:rPr>
+                            <a:t>雨</a:t>
+                          </a:r>
+                          <a:endParaRPr kumimoji="1" lang="ja-JP" altLang="en-US" sz="2400" b="1" dirty="0">
+                            <a:solidFill>
+                              <a:srgbClr val="C00000"/>
+                            </a:solidFill>
+                          </a:endParaRPr>
+                        </a:p>
+                      </a:txBody>
+                      <a:tcPr/>
+                    </a:tc>
+                    <a:tc>
+                      <a:txBody>
+                        <a:bodyPr/>
+                        <a:lstStyle/>
+                        <a:p>
+                          <a:pPr algn="ctr"/>
+                          <a:r>
+                            <a:rPr kumimoji="1" lang="ja-JP" altLang="en-US" sz="2400" b="1" dirty="0" smtClean="0">
+                              <a:solidFill>
+                                <a:srgbClr val="C00000"/>
+                              </a:solidFill>
+                            </a:rPr>
+                            <a:t>雨</a:t>
+                          </a:r>
+                          <a:endParaRPr kumimoji="1" lang="ja-JP" altLang="en-US" sz="2400" b="1" dirty="0">
+                            <a:solidFill>
+                              <a:srgbClr val="C00000"/>
+                            </a:solidFill>
+                          </a:endParaRPr>
+                        </a:p>
+                      </a:txBody>
+                      <a:tcPr/>
+                    </a:tc>
+                    <a:extLst>
+                      <a:ext uri="{0D108BD9-81ED-4DB2-BD59-A6C34878D82A}">
+                        <a16:rowId xmlns:a16="http://schemas.microsoft.com/office/drawing/2014/main" val="1497227747"/>
+                      </a:ext>
+                    </a:extLst>
+                  </a:tr>
+                </a:tbl>
+              </a:graphicData>
+            </a:graphic>
+          </p:graphicFrame>
+        </mc:Choice>
+        <mc:Fallback xmlns="">
+          <p:graphicFrame>
+            <p:nvGraphicFramePr>
+              <p:cNvPr id="4" name="表 3"/>
+              <p:cNvGraphicFramePr>
+                <a:graphicFrameLocks noGrp="1"/>
+              </p:cNvGraphicFramePr>
+              <p:nvPr>
+                <p:extLst>
+                  <p:ext uri="{D42A27DB-BD31-4B8C-83A1-F6EECF244321}">
+                    <p14:modId xmlns:p14="http://schemas.microsoft.com/office/powerpoint/2010/main" val="4211012125"/>
+                  </p:ext>
+                </p:extLst>
+              </p:nvPr>
+            </p:nvGraphicFramePr>
+            <p:xfrm>
+              <a:off x="5000624" y="4940299"/>
+              <a:ext cx="4143376" cy="1371600"/>
+            </p:xfrm>
+            <a:graphic>
+              <a:graphicData uri="http://schemas.openxmlformats.org/drawingml/2006/table">
+                <a:tbl>
+                  <a:tblPr firstRow="1" bandRow="1">
+                    <a:tableStyleId>{5202B0CA-FC54-4496-8BCA-5EF66A818D29}</a:tableStyleId>
+                  </a:tblPr>
+                  <a:tblGrid>
+                    <a:gridCol w="1476376">
+                      <a:extLst>
+                        <a:ext uri="{9D8B030D-6E8A-4147-A177-3AD203B41FA5}">
+                          <a16:colId xmlns:a16="http://schemas.microsoft.com/office/drawing/2014/main" val="4162305903"/>
+                        </a:ext>
+                      </a:extLst>
+                    </a:gridCol>
+                    <a:gridCol w="828675">
+                      <a:extLst>
+                        <a:ext uri="{9D8B030D-6E8A-4147-A177-3AD203B41FA5}">
+                          <a16:colId xmlns:a16="http://schemas.microsoft.com/office/drawing/2014/main" val="1004922152"/>
+                        </a:ext>
+                      </a:extLst>
+                    </a:gridCol>
+                    <a:gridCol w="800100">
+                      <a:extLst>
+                        <a:ext uri="{9D8B030D-6E8A-4147-A177-3AD203B41FA5}">
+                          <a16:colId xmlns:a16="http://schemas.microsoft.com/office/drawing/2014/main" val="2922253563"/>
+                        </a:ext>
+                      </a:extLst>
+                    </a:gridCol>
+                    <a:gridCol w="1038225">
+                      <a:extLst>
+                        <a:ext uri="{9D8B030D-6E8A-4147-A177-3AD203B41FA5}">
+                          <a16:colId xmlns:a16="http://schemas.microsoft.com/office/drawing/2014/main" val="3000470594"/>
+                        </a:ext>
+                      </a:extLst>
+                    </a:gridCol>
+                  </a:tblGrid>
+                  <a:tr h="457200">
+                    <a:tc>
+                      <a:txBody>
+                        <a:bodyPr/>
+                        <a:lstStyle/>
+                        <a:p>
+                          <a:pPr algn="ctr"/>
+                          <a:r>
+                            <a:rPr kumimoji="1" lang="ja-JP" altLang="en-US" sz="2400" b="0" dirty="0" smtClean="0"/>
+                            <a:t>時刻</a:t>
+                          </a:r>
+                          <a:endParaRPr kumimoji="1" lang="ja-JP" altLang="en-US" sz="2400" b="0" dirty="0"/>
+                        </a:p>
+                      </a:txBody>
+                      <a:tcPr/>
+                    </a:tc>
+                    <a:tc>
+                      <a:txBody>
+                        <a:bodyPr/>
+                        <a:lstStyle/>
+                        <a:p>
+                          <a:endParaRPr lang="ja-JP"/>
+                        </a:p>
+                      </a:txBody>
+                      <a:tcPr>
+                        <a:blipFill>
+                          <a:blip r:embed="rId2"/>
+                          <a:stretch>
+                            <a:fillRect l="-177941" t="-10667" r="-222059" b="-230667"/>
+                          </a:stretch>
+                        </a:blipFill>
+                      </a:tcPr>
+                    </a:tc>
+                    <a:tc>
+                      <a:txBody>
+                        <a:bodyPr/>
+                        <a:lstStyle/>
+                        <a:p>
+                          <a:endParaRPr lang="ja-JP"/>
+                        </a:p>
+                      </a:txBody>
+                      <a:tcPr>
+                        <a:blipFill>
+                          <a:blip r:embed="rId2"/>
+                          <a:stretch>
+                            <a:fillRect l="-286364" t="-10667" r="-128788" b="-230667"/>
+                          </a:stretch>
+                        </a:blipFill>
+                      </a:tcPr>
+                    </a:tc>
+                    <a:tc>
+                      <a:txBody>
+                        <a:bodyPr/>
+                        <a:lstStyle/>
+                        <a:p>
+                          <a:endParaRPr lang="ja-JP"/>
+                        </a:p>
+                      </a:txBody>
+                      <a:tcPr>
+                        <a:blipFill>
+                          <a:blip r:embed="rId2"/>
+                          <a:stretch>
+                            <a:fillRect l="-300000" t="-10667" b="-230667"/>
+                          </a:stretch>
+                        </a:blipFill>
+                      </a:tcPr>
+                    </a:tc>
+                    <a:extLst>
+                      <a:ext uri="{0D108BD9-81ED-4DB2-BD59-A6C34878D82A}">
+                        <a16:rowId xmlns:a16="http://schemas.microsoft.com/office/drawing/2014/main" val="2172275830"/>
+                      </a:ext>
+                    </a:extLst>
+                  </a:tr>
+                  <a:tr h="457200">
+                    <a:tc>
+                      <a:txBody>
+                        <a:bodyPr/>
+                        <a:lstStyle/>
+                        <a:p>
+                          <a:pPr algn="ctr"/>
+                          <a:r>
+                            <a:rPr kumimoji="1" lang="ja-JP" altLang="en-US" sz="2000" dirty="0" smtClean="0"/>
+                            <a:t>観測系列</a:t>
+                          </a:r>
+                          <a:endParaRPr kumimoji="1" lang="ja-JP" altLang="en-US" sz="2000" b="0" dirty="0"/>
+                        </a:p>
+                      </a:txBody>
+                      <a:tcPr/>
+                    </a:tc>
+                    <a:tc>
+                      <a:txBody>
+                        <a:bodyPr/>
+                        <a:lstStyle/>
+                        <a:p>
+                          <a:pPr algn="ctr"/>
+                          <a:r>
+                            <a:rPr kumimoji="1" lang="ja-JP" altLang="en-US" sz="2400" dirty="0" smtClean="0"/>
+                            <a:t>散歩</a:t>
+                          </a:r>
+                          <a:endParaRPr kumimoji="1" lang="ja-JP" altLang="en-US" sz="2400" b="0" dirty="0"/>
+                        </a:p>
+                      </a:txBody>
+                      <a:tcPr/>
+                    </a:tc>
+                    <a:tc>
+                      <a:txBody>
+                        <a:bodyPr/>
+                        <a:lstStyle/>
+                        <a:p>
+                          <a:pPr algn="ctr"/>
+                          <a:r>
+                            <a:rPr kumimoji="1" lang="ja-JP" altLang="en-US" sz="2400" dirty="0" smtClean="0"/>
+                            <a:t>掃除</a:t>
+                          </a:r>
+                          <a:endParaRPr kumimoji="1" lang="ja-JP" altLang="en-US" sz="2400" b="0" dirty="0"/>
+                        </a:p>
+                      </a:txBody>
+                      <a:tcPr/>
+                    </a:tc>
+                    <a:tc>
+                      <a:txBody>
+                        <a:bodyPr/>
+                        <a:lstStyle/>
+                        <a:p>
+                          <a:pPr algn="ctr"/>
+                          <a:r>
+                            <a:rPr kumimoji="1" lang="ja-JP" altLang="en-US" sz="2000" dirty="0" smtClean="0"/>
+                            <a:t>買い物</a:t>
+                          </a:r>
+                          <a:endParaRPr kumimoji="1" lang="ja-JP" altLang="en-US" sz="2000" b="0" dirty="0"/>
+                        </a:p>
+                      </a:txBody>
+                      <a:tcPr/>
+                    </a:tc>
+                    <a:extLst>
+                      <a:ext uri="{0D108BD9-81ED-4DB2-BD59-A6C34878D82A}">
+                        <a16:rowId xmlns:a16="http://schemas.microsoft.com/office/drawing/2014/main" val="3265965916"/>
+                      </a:ext>
+                    </a:extLst>
+                  </a:tr>
+                  <a:tr h="457200">
+                    <a:tc>
+                      <a:txBody>
+                        <a:bodyPr/>
+                        <a:lstStyle/>
+                        <a:p>
+                          <a:pPr algn="ctr"/>
+                          <a:r>
+                            <a:rPr kumimoji="1" lang="ja-JP" altLang="en-US" sz="1600" dirty="0" smtClean="0"/>
+                            <a:t>状態遷移系列</a:t>
+                          </a:r>
+                          <a:endParaRPr kumimoji="1" lang="ja-JP" altLang="en-US" sz="1600" b="0" dirty="0"/>
+                        </a:p>
+                      </a:txBody>
+                      <a:tcPr/>
+                    </a:tc>
+                    <a:tc>
+                      <a:txBody>
+                        <a:bodyPr/>
+                        <a:lstStyle/>
+                        <a:p>
+                          <a:pPr algn="ctr"/>
+                          <a:r>
+                            <a:rPr kumimoji="1" lang="ja-JP" altLang="en-US" sz="2400" b="1" dirty="0" smtClean="0">
+                              <a:solidFill>
+                                <a:srgbClr val="C00000"/>
+                              </a:solidFill>
+                            </a:rPr>
+                            <a:t>晴れ</a:t>
+                          </a:r>
+                          <a:endParaRPr kumimoji="1" lang="ja-JP" altLang="en-US" sz="2400" b="1" dirty="0">
+                            <a:solidFill>
+                              <a:srgbClr val="C00000"/>
+                            </a:solidFill>
+                          </a:endParaRPr>
+                        </a:p>
+                      </a:txBody>
+                      <a:tcPr/>
+                    </a:tc>
+                    <a:tc>
+                      <a:txBody>
+                        <a:bodyPr/>
+                        <a:lstStyle/>
+                        <a:p>
+                          <a:pPr algn="ctr"/>
+                          <a:r>
+                            <a:rPr kumimoji="1" lang="ja-JP" altLang="en-US" sz="2400" b="1" dirty="0" smtClean="0">
+                              <a:solidFill>
+                                <a:srgbClr val="C00000"/>
+                              </a:solidFill>
+                            </a:rPr>
+                            <a:t>雨</a:t>
+                          </a:r>
+                          <a:endParaRPr kumimoji="1" lang="ja-JP" altLang="en-US" sz="2400" b="1" dirty="0">
+                            <a:solidFill>
+                              <a:srgbClr val="C00000"/>
+                            </a:solidFill>
+                          </a:endParaRPr>
+                        </a:p>
+                      </a:txBody>
+                      <a:tcPr/>
+                    </a:tc>
+                    <a:tc>
+                      <a:txBody>
+                        <a:bodyPr/>
+                        <a:lstStyle/>
+                        <a:p>
+                          <a:pPr algn="ctr"/>
+                          <a:r>
+                            <a:rPr kumimoji="1" lang="ja-JP" altLang="en-US" sz="2400" b="1" dirty="0" smtClean="0">
+                              <a:solidFill>
+                                <a:srgbClr val="C00000"/>
+                              </a:solidFill>
+                            </a:rPr>
+                            <a:t>雨</a:t>
+                          </a:r>
+                          <a:endParaRPr kumimoji="1" lang="ja-JP" altLang="en-US" sz="2400" b="1" dirty="0">
+                            <a:solidFill>
+                              <a:srgbClr val="C00000"/>
+                            </a:solidFill>
+                          </a:endParaRPr>
+                        </a:p>
+                      </a:txBody>
+                      <a:tcPr/>
+                    </a:tc>
+                    <a:extLst>
+                      <a:ext uri="{0D108BD9-81ED-4DB2-BD59-A6C34878D82A}">
+                        <a16:rowId xmlns:a16="http://schemas.microsoft.com/office/drawing/2014/main" val="1497227747"/>
+                      </a:ext>
+                    </a:extLst>
+                  </a:tr>
+                </a:tbl>
+              </a:graphicData>
+            </a:graphic>
+          </p:graphicFrame>
+        </mc:Fallback>
+      </mc:AlternateContent>
+      <p:sp>
+        <p:nvSpPr>
+          <p:cNvPr id="6" name="右矢印 5"/>
+          <p:cNvSpPr/>
+          <p:nvPr/>
+        </p:nvSpPr>
+        <p:spPr>
+          <a:xfrm>
+            <a:off x="4324350" y="5267325"/>
+            <a:ext cx="523875" cy="714375"/>
+          </a:xfrm>
+          <a:prstGeom prst="rightArrow">
+            <a:avLst/>
+          </a:prstGeom>
+        </p:spPr>
+        <p:style>
+          <a:lnRef idx="2">
+            <a:schemeClr val="accent1">
+              <a:shade val="50000"/>
+            </a:schemeClr>
+          </a:lnRef>
+          <a:fillRef idx="1">
+            <a:schemeClr val="accent1"/>
+          </a:fillRef>
+          <a:effectRef idx="0">
+            <a:schemeClr val="accent1"/>
+          </a:effectRef>
+          <a:fontRef idx="minor">
+            <a:schemeClr val="lt1"/>
+          </a:fontRef>
+        </p:style>
+        <p:txBody>
+          <a:bodyPr rtlCol="0" anchor="ctr"/>
+          <a:lstStyle/>
+          <a:p>
+            <a:pPr algn="ctr"/>
+            <a:endParaRPr kumimoji="1" lang="ja-JP" altLang="en-US"/>
+          </a:p>
+        </p:txBody>
+      </p:sp>
+      <mc:AlternateContent xmlns:mc="http://schemas.openxmlformats.org/markup-compatibility/2006" xmlns:a14="http://schemas.microsoft.com/office/drawing/2010/main">
+        <mc:Choice Requires="a14">
+          <p:graphicFrame>
+            <p:nvGraphicFramePr>
+              <p:cNvPr id="7" name="表 6"/>
+              <p:cNvGraphicFramePr>
+                <a:graphicFrameLocks noGrp="1"/>
+              </p:cNvGraphicFramePr>
+              <p:nvPr>
+                <p:extLst/>
+              </p:nvPr>
+            </p:nvGraphicFramePr>
+            <p:xfrm>
+              <a:off x="0" y="4940299"/>
+              <a:ext cx="4143376" cy="1371600"/>
+            </p:xfrm>
+            <a:graphic>
+              <a:graphicData uri="http://schemas.openxmlformats.org/drawingml/2006/table">
+                <a:tbl>
+                  <a:tblPr firstRow="1" bandRow="1">
+                    <a:tableStyleId>{5202B0CA-FC54-4496-8BCA-5EF66A818D29}</a:tableStyleId>
+                  </a:tblPr>
+                  <a:tblGrid>
+                    <a:gridCol w="1476376">
+                      <a:extLst>
+                        <a:ext uri="{9D8B030D-6E8A-4147-A177-3AD203B41FA5}">
+                          <a16:colId xmlns:a16="http://schemas.microsoft.com/office/drawing/2014/main" val="4162305903"/>
+                        </a:ext>
+                      </a:extLst>
+                    </a:gridCol>
+                    <a:gridCol w="828675">
+                      <a:extLst>
+                        <a:ext uri="{9D8B030D-6E8A-4147-A177-3AD203B41FA5}">
+                          <a16:colId xmlns:a16="http://schemas.microsoft.com/office/drawing/2014/main" val="1004922152"/>
+                        </a:ext>
+                      </a:extLst>
+                    </a:gridCol>
+                    <a:gridCol w="800100">
+                      <a:extLst>
+                        <a:ext uri="{9D8B030D-6E8A-4147-A177-3AD203B41FA5}">
+                          <a16:colId xmlns:a16="http://schemas.microsoft.com/office/drawing/2014/main" val="2922253563"/>
+                        </a:ext>
+                      </a:extLst>
+                    </a:gridCol>
+                    <a:gridCol w="1038225">
+                      <a:extLst>
+                        <a:ext uri="{9D8B030D-6E8A-4147-A177-3AD203B41FA5}">
+                          <a16:colId xmlns:a16="http://schemas.microsoft.com/office/drawing/2014/main" val="3000470594"/>
+                        </a:ext>
+                      </a:extLst>
+                    </a:gridCol>
+                  </a:tblGrid>
+                  <a:tr h="409575">
+                    <a:tc>
+                      <a:txBody>
+                        <a:bodyPr/>
+                        <a:lstStyle/>
+                        <a:p>
+                          <a:pPr algn="ctr"/>
+                          <a:r>
+                            <a:rPr kumimoji="1" lang="ja-JP" altLang="en-US" sz="2400" b="0" dirty="0" smtClean="0"/>
+                            <a:t>時刻</a:t>
+                          </a:r>
+                          <a:endParaRPr kumimoji="1" lang="ja-JP" altLang="en-US" sz="2400" b="0" dirty="0"/>
+                        </a:p>
+                      </a:txBody>
+                      <a:tcPr/>
+                    </a:tc>
+                    <a:tc>
+                      <a:txBody>
+                        <a:bodyPr/>
+                        <a:lstStyle/>
+                        <a:p>
+                          <a:pPr algn="ctr"/>
+                          <a14:m>
+                            <m:oMathPara xmlns:m="http://schemas.openxmlformats.org/officeDocument/2006/math">
+                              <m:oMathParaPr>
+                                <m:jc m:val="centerGroup"/>
+                              </m:oMathParaPr>
+                              <m:oMath xmlns:m="http://schemas.openxmlformats.org/officeDocument/2006/math">
+                                <m:sSub>
+                                  <m:sSubPr>
+                                    <m:ctrlPr>
+                                      <a:rPr kumimoji="1" lang="en-US" altLang="ja-JP" sz="2400" b="0" i="1" smtClean="0">
+                                        <a:latin typeface="Cambria Math" panose="02040503050406030204" pitchFamily="18" charset="0"/>
+                                      </a:rPr>
+                                    </m:ctrlPr>
+                                  </m:sSubPr>
+                                  <m:e>
+                                    <m:r>
+                                      <a:rPr kumimoji="1" lang="en-US" altLang="ja-JP" sz="2400" b="0" i="1" smtClean="0">
+                                        <a:latin typeface="Cambria Math" panose="02040503050406030204" pitchFamily="18" charset="0"/>
+                                      </a:rPr>
+                                      <m:t>𝑡</m:t>
+                                    </m:r>
+                                  </m:e>
+                                  <m:sub>
+                                    <m:r>
+                                      <a:rPr kumimoji="1" lang="en-US" altLang="ja-JP" sz="2400" b="0" i="1" smtClean="0">
+                                        <a:latin typeface="Cambria Math" panose="02040503050406030204" pitchFamily="18" charset="0"/>
+                                      </a:rPr>
+                                      <m:t>1</m:t>
+                                    </m:r>
+                                  </m:sub>
+                                </m:sSub>
+                              </m:oMath>
+                            </m:oMathPara>
+                          </a14:m>
+                          <a:endParaRPr kumimoji="1" lang="ja-JP" altLang="en-US" sz="2400" b="0" dirty="0"/>
+                        </a:p>
+                      </a:txBody>
+                      <a:tcPr/>
+                    </a:tc>
+                    <a:tc>
+                      <a:txBody>
+                        <a:bodyPr/>
+                        <a:lstStyle/>
+                        <a:p>
+                          <a:pPr algn="ctr"/>
+                          <a14:m>
+                            <m:oMathPara xmlns:m="http://schemas.openxmlformats.org/officeDocument/2006/math">
+                              <m:oMathParaPr>
+                                <m:jc m:val="centerGroup"/>
+                              </m:oMathParaPr>
+                              <m:oMath xmlns:m="http://schemas.openxmlformats.org/officeDocument/2006/math">
+                                <m:sSub>
+                                  <m:sSubPr>
+                                    <m:ctrlPr>
+                                      <a:rPr kumimoji="1" lang="en-US" altLang="ja-JP" sz="2400" b="0" i="1" smtClean="0">
+                                        <a:latin typeface="Cambria Math" panose="02040503050406030204" pitchFamily="18" charset="0"/>
+                                      </a:rPr>
+                                    </m:ctrlPr>
+                                  </m:sSubPr>
+                                  <m:e>
+                                    <m:r>
+                                      <a:rPr kumimoji="1" lang="en-US" altLang="ja-JP" sz="2400" b="0" i="1" smtClean="0">
+                                        <a:latin typeface="Cambria Math" panose="02040503050406030204" pitchFamily="18" charset="0"/>
+                                      </a:rPr>
+                                      <m:t>𝑡</m:t>
+                                    </m:r>
+                                  </m:e>
+                                  <m:sub>
+                                    <m:r>
+                                      <a:rPr kumimoji="1" lang="en-US" altLang="ja-JP" sz="2400" b="0" i="1" smtClean="0">
+                                        <a:latin typeface="Cambria Math" panose="02040503050406030204" pitchFamily="18" charset="0"/>
+                                      </a:rPr>
+                                      <m:t>2</m:t>
+                                    </m:r>
+                                  </m:sub>
+                                </m:sSub>
+                              </m:oMath>
+                            </m:oMathPara>
+                          </a14:m>
+                          <a:endParaRPr kumimoji="1" lang="ja-JP" altLang="en-US" sz="2400" b="0" dirty="0"/>
+                        </a:p>
+                      </a:txBody>
+                      <a:tcPr/>
+                    </a:tc>
+                    <a:tc>
+                      <a:txBody>
+                        <a:bodyPr/>
+                        <a:lstStyle/>
+                        <a:p>
+                          <a:pPr algn="ctr"/>
+                          <a14:m>
+                            <m:oMathPara xmlns:m="http://schemas.openxmlformats.org/officeDocument/2006/math">
+                              <m:oMathParaPr>
+                                <m:jc m:val="centerGroup"/>
+                              </m:oMathParaPr>
+                              <m:oMath xmlns:m="http://schemas.openxmlformats.org/officeDocument/2006/math">
+                                <m:sSub>
+                                  <m:sSubPr>
+                                    <m:ctrlPr>
+                                      <a:rPr kumimoji="1" lang="en-US" altLang="ja-JP" sz="2400" b="0" i="1" smtClean="0">
+                                        <a:latin typeface="Cambria Math" panose="02040503050406030204" pitchFamily="18" charset="0"/>
+                                      </a:rPr>
+                                    </m:ctrlPr>
+                                  </m:sSubPr>
+                                  <m:e>
+                                    <m:r>
+                                      <a:rPr kumimoji="1" lang="en-US" altLang="ja-JP" sz="2400" b="0" i="1" smtClean="0">
+                                        <a:latin typeface="Cambria Math" panose="02040503050406030204" pitchFamily="18" charset="0"/>
+                                      </a:rPr>
+                                      <m:t>𝑡</m:t>
+                                    </m:r>
+                                  </m:e>
+                                  <m:sub>
+                                    <m:r>
+                                      <a:rPr kumimoji="1" lang="en-US" altLang="ja-JP" sz="2400" b="0" i="1" smtClean="0">
+                                        <a:latin typeface="Cambria Math" panose="02040503050406030204" pitchFamily="18" charset="0"/>
+                                      </a:rPr>
+                                      <m:t>3</m:t>
+                                    </m:r>
+                                  </m:sub>
+                                </m:sSub>
+                              </m:oMath>
+                            </m:oMathPara>
+                          </a14:m>
+                          <a:endParaRPr kumimoji="1" lang="ja-JP" altLang="en-US" sz="2400" b="0" dirty="0"/>
+                        </a:p>
+                      </a:txBody>
+                      <a:tcPr/>
+                    </a:tc>
+                    <a:extLst>
+                      <a:ext uri="{0D108BD9-81ED-4DB2-BD59-A6C34878D82A}">
+                        <a16:rowId xmlns:a16="http://schemas.microsoft.com/office/drawing/2014/main" val="2172275830"/>
+                      </a:ext>
+                    </a:extLst>
+                  </a:tr>
+                  <a:tr h="273050">
+                    <a:tc>
+                      <a:txBody>
+                        <a:bodyPr/>
+                        <a:lstStyle/>
+                        <a:p>
+                          <a:pPr algn="ctr"/>
+                          <a:r>
+                            <a:rPr kumimoji="1" lang="ja-JP" altLang="en-US" sz="2000" dirty="0" smtClean="0"/>
+                            <a:t>観測系列</a:t>
+                          </a:r>
+                          <a:endParaRPr kumimoji="1" lang="ja-JP" altLang="en-US" sz="2000" b="0" dirty="0"/>
+                        </a:p>
+                      </a:txBody>
+                      <a:tcPr/>
+                    </a:tc>
+                    <a:tc>
+                      <a:txBody>
+                        <a:bodyPr/>
+                        <a:lstStyle/>
+                        <a:p>
+                          <a:pPr algn="ctr"/>
+                          <a:r>
+                            <a:rPr kumimoji="1" lang="ja-JP" altLang="en-US" sz="2400" dirty="0" smtClean="0"/>
+                            <a:t>散歩</a:t>
+                          </a:r>
+                          <a:endParaRPr kumimoji="1" lang="ja-JP" altLang="en-US" sz="2400" b="0" dirty="0"/>
+                        </a:p>
+                      </a:txBody>
+                      <a:tcPr/>
+                    </a:tc>
+                    <a:tc>
+                      <a:txBody>
+                        <a:bodyPr/>
+                        <a:lstStyle/>
+                        <a:p>
+                          <a:pPr algn="ctr"/>
+                          <a:r>
+                            <a:rPr kumimoji="1" lang="ja-JP" altLang="en-US" sz="2400" dirty="0" smtClean="0"/>
+                            <a:t>掃除</a:t>
+                          </a:r>
+                          <a:endParaRPr kumimoji="1" lang="ja-JP" altLang="en-US" sz="2400" b="0" dirty="0"/>
+                        </a:p>
+                      </a:txBody>
+                      <a:tcPr/>
+                    </a:tc>
+                    <a:tc>
+                      <a:txBody>
+                        <a:bodyPr/>
+                        <a:lstStyle/>
+                        <a:p>
+                          <a:pPr algn="ctr"/>
+                          <a:r>
+                            <a:rPr kumimoji="1" lang="ja-JP" altLang="en-US" sz="2000" dirty="0" smtClean="0"/>
+                            <a:t>買い物</a:t>
+                          </a:r>
+                          <a:endParaRPr kumimoji="1" lang="ja-JP" altLang="en-US" sz="2000" b="0" dirty="0"/>
+                        </a:p>
+                      </a:txBody>
+                      <a:tcPr/>
+                    </a:tc>
+                    <a:extLst>
+                      <a:ext uri="{0D108BD9-81ED-4DB2-BD59-A6C34878D82A}">
+                        <a16:rowId xmlns:a16="http://schemas.microsoft.com/office/drawing/2014/main" val="3265965916"/>
+                      </a:ext>
+                    </a:extLst>
+                  </a:tr>
+                  <a:tr h="273050">
+                    <a:tc>
+                      <a:txBody>
+                        <a:bodyPr/>
+                        <a:lstStyle/>
+                        <a:p>
+                          <a:pPr algn="ctr"/>
+                          <a:r>
+                            <a:rPr kumimoji="1" lang="ja-JP" altLang="en-US" sz="1600" dirty="0" smtClean="0"/>
+                            <a:t>状態遷移系列</a:t>
+                          </a:r>
+                          <a:endParaRPr kumimoji="1" lang="ja-JP" altLang="en-US" sz="1600" b="0" dirty="0"/>
+                        </a:p>
+                      </a:txBody>
+                      <a:tcPr/>
+                    </a:tc>
+                    <a:tc>
+                      <a:txBody>
+                        <a:bodyPr/>
+                        <a:lstStyle/>
+                        <a:p>
+                          <a:pPr algn="ctr"/>
+                          <a:r>
+                            <a:rPr kumimoji="1" lang="ja-JP" altLang="en-US" sz="2400" b="1" dirty="0" smtClean="0">
+                              <a:solidFill>
+                                <a:schemeClr val="tx1"/>
+                              </a:solidFill>
+                            </a:rPr>
+                            <a:t>？</a:t>
+                          </a:r>
+                          <a:endParaRPr kumimoji="1" lang="ja-JP" altLang="en-US" sz="2400" b="1" dirty="0">
+                            <a:solidFill>
+                              <a:schemeClr val="tx1"/>
+                            </a:solidFill>
+                          </a:endParaRPr>
+                        </a:p>
+                      </a:txBody>
+                      <a:tcPr/>
+                    </a:tc>
+                    <a:tc>
+                      <a:txBody>
+                        <a:bodyPr/>
+                        <a:lstStyle/>
+                        <a:p>
+                          <a:pPr algn="ctr"/>
+                          <a:r>
+                            <a:rPr kumimoji="1" lang="ja-JP" altLang="en-US" sz="2400" b="1" dirty="0" smtClean="0">
+                              <a:solidFill>
+                                <a:schemeClr val="tx1"/>
+                              </a:solidFill>
+                            </a:rPr>
+                            <a:t>？</a:t>
+                          </a:r>
+                          <a:endParaRPr kumimoji="1" lang="ja-JP" altLang="en-US" sz="2400" b="1" dirty="0">
+                            <a:solidFill>
+                              <a:schemeClr val="tx1"/>
+                            </a:solidFill>
+                          </a:endParaRPr>
+                        </a:p>
+                      </a:txBody>
+                      <a:tcPr/>
+                    </a:tc>
+                    <a:tc>
+                      <a:txBody>
+                        <a:bodyPr/>
+                        <a:lstStyle/>
+                        <a:p>
+                          <a:pPr algn="ctr"/>
+                          <a:r>
+                            <a:rPr kumimoji="1" lang="ja-JP" altLang="en-US" sz="2400" b="1" dirty="0" smtClean="0">
+                              <a:solidFill>
+                                <a:schemeClr val="tx1"/>
+                              </a:solidFill>
+                            </a:rPr>
+                            <a:t>？</a:t>
+                          </a:r>
+                          <a:endParaRPr kumimoji="1" lang="ja-JP" altLang="en-US" sz="2400" b="1" dirty="0">
+                            <a:solidFill>
+                              <a:schemeClr val="tx1"/>
+                            </a:solidFill>
+                          </a:endParaRPr>
+                        </a:p>
+                      </a:txBody>
+                      <a:tcPr/>
+                    </a:tc>
+                    <a:extLst>
+                      <a:ext uri="{0D108BD9-81ED-4DB2-BD59-A6C34878D82A}">
+                        <a16:rowId xmlns:a16="http://schemas.microsoft.com/office/drawing/2014/main" val="1497227747"/>
+                      </a:ext>
+                    </a:extLst>
+                  </a:tr>
+                </a:tbl>
+              </a:graphicData>
+            </a:graphic>
+          </p:graphicFrame>
+        </mc:Choice>
+        <mc:Fallback xmlns="">
+          <p:graphicFrame>
+            <p:nvGraphicFramePr>
+              <p:cNvPr id="7" name="表 6"/>
+              <p:cNvGraphicFramePr>
+                <a:graphicFrameLocks noGrp="1"/>
+              </p:cNvGraphicFramePr>
+              <p:nvPr>
+                <p:extLst>
+                  <p:ext uri="{D42A27DB-BD31-4B8C-83A1-F6EECF244321}">
+                    <p14:modId xmlns:p14="http://schemas.microsoft.com/office/powerpoint/2010/main" val="1483463800"/>
+                  </p:ext>
+                </p:extLst>
+              </p:nvPr>
+            </p:nvGraphicFramePr>
+            <p:xfrm>
+              <a:off x="0" y="4940299"/>
+              <a:ext cx="4143376" cy="1371600"/>
+            </p:xfrm>
+            <a:graphic>
+              <a:graphicData uri="http://schemas.openxmlformats.org/drawingml/2006/table">
+                <a:tbl>
+                  <a:tblPr firstRow="1" bandRow="1">
+                    <a:tableStyleId>{5202B0CA-FC54-4496-8BCA-5EF66A818D29}</a:tableStyleId>
+                  </a:tblPr>
+                  <a:tblGrid>
+                    <a:gridCol w="1476376">
+                      <a:extLst>
+                        <a:ext uri="{9D8B030D-6E8A-4147-A177-3AD203B41FA5}">
+                          <a16:colId xmlns:a16="http://schemas.microsoft.com/office/drawing/2014/main" val="4162305903"/>
+                        </a:ext>
+                      </a:extLst>
+                    </a:gridCol>
+                    <a:gridCol w="828675">
+                      <a:extLst>
+                        <a:ext uri="{9D8B030D-6E8A-4147-A177-3AD203B41FA5}">
+                          <a16:colId xmlns:a16="http://schemas.microsoft.com/office/drawing/2014/main" val="1004922152"/>
+                        </a:ext>
+                      </a:extLst>
+                    </a:gridCol>
+                    <a:gridCol w="800100">
+                      <a:extLst>
+                        <a:ext uri="{9D8B030D-6E8A-4147-A177-3AD203B41FA5}">
+                          <a16:colId xmlns:a16="http://schemas.microsoft.com/office/drawing/2014/main" val="2922253563"/>
+                        </a:ext>
+                      </a:extLst>
+                    </a:gridCol>
+                    <a:gridCol w="1038225">
+                      <a:extLst>
+                        <a:ext uri="{9D8B030D-6E8A-4147-A177-3AD203B41FA5}">
+                          <a16:colId xmlns:a16="http://schemas.microsoft.com/office/drawing/2014/main" val="3000470594"/>
+                        </a:ext>
+                      </a:extLst>
+                    </a:gridCol>
+                  </a:tblGrid>
+                  <a:tr h="457200">
+                    <a:tc>
+                      <a:txBody>
+                        <a:bodyPr/>
+                        <a:lstStyle/>
+                        <a:p>
+                          <a:pPr algn="ctr"/>
+                          <a:r>
+                            <a:rPr kumimoji="1" lang="ja-JP" altLang="en-US" sz="2400" b="0" dirty="0" smtClean="0"/>
+                            <a:t>時刻</a:t>
+                          </a:r>
+                          <a:endParaRPr kumimoji="1" lang="ja-JP" altLang="en-US" sz="2400" b="0" dirty="0"/>
+                        </a:p>
+                      </a:txBody>
+                      <a:tcPr/>
+                    </a:tc>
+                    <a:tc>
+                      <a:txBody>
+                        <a:bodyPr/>
+                        <a:lstStyle/>
+                        <a:p>
+                          <a:endParaRPr lang="ja-JP"/>
+                        </a:p>
+                      </a:txBody>
+                      <a:tcPr>
+                        <a:blipFill>
+                          <a:blip r:embed="rId3"/>
+                          <a:stretch>
+                            <a:fillRect l="-177941" t="-10667" r="-222059" b="-230667"/>
+                          </a:stretch>
+                        </a:blipFill>
+                      </a:tcPr>
+                    </a:tc>
+                    <a:tc>
+                      <a:txBody>
+                        <a:bodyPr/>
+                        <a:lstStyle/>
+                        <a:p>
+                          <a:endParaRPr lang="ja-JP"/>
+                        </a:p>
+                      </a:txBody>
+                      <a:tcPr>
+                        <a:blipFill>
+                          <a:blip r:embed="rId3"/>
+                          <a:stretch>
+                            <a:fillRect l="-286364" t="-10667" r="-128788" b="-230667"/>
+                          </a:stretch>
+                        </a:blipFill>
+                      </a:tcPr>
+                    </a:tc>
+                    <a:tc>
+                      <a:txBody>
+                        <a:bodyPr/>
+                        <a:lstStyle/>
+                        <a:p>
+                          <a:endParaRPr lang="ja-JP"/>
+                        </a:p>
+                      </a:txBody>
+                      <a:tcPr>
+                        <a:blipFill>
+                          <a:blip r:embed="rId3"/>
+                          <a:stretch>
+                            <a:fillRect l="-300000" t="-10667" b="-230667"/>
+                          </a:stretch>
+                        </a:blipFill>
+                      </a:tcPr>
+                    </a:tc>
+                    <a:extLst>
+                      <a:ext uri="{0D108BD9-81ED-4DB2-BD59-A6C34878D82A}">
+                        <a16:rowId xmlns:a16="http://schemas.microsoft.com/office/drawing/2014/main" val="2172275830"/>
+                      </a:ext>
+                    </a:extLst>
+                  </a:tr>
+                  <a:tr h="457200">
+                    <a:tc>
+                      <a:txBody>
+                        <a:bodyPr/>
+                        <a:lstStyle/>
+                        <a:p>
+                          <a:pPr algn="ctr"/>
+                          <a:r>
+                            <a:rPr kumimoji="1" lang="ja-JP" altLang="en-US" sz="2000" dirty="0" smtClean="0"/>
+                            <a:t>観測系列</a:t>
+                          </a:r>
+                          <a:endParaRPr kumimoji="1" lang="ja-JP" altLang="en-US" sz="2000" b="0" dirty="0"/>
+                        </a:p>
+                      </a:txBody>
+                      <a:tcPr/>
+                    </a:tc>
+                    <a:tc>
+                      <a:txBody>
+                        <a:bodyPr/>
+                        <a:lstStyle/>
+                        <a:p>
+                          <a:pPr algn="ctr"/>
+                          <a:r>
+                            <a:rPr kumimoji="1" lang="ja-JP" altLang="en-US" sz="2400" dirty="0" smtClean="0"/>
+                            <a:t>散歩</a:t>
+                          </a:r>
+                          <a:endParaRPr kumimoji="1" lang="ja-JP" altLang="en-US" sz="2400" b="0" dirty="0"/>
+                        </a:p>
+                      </a:txBody>
+                      <a:tcPr/>
+                    </a:tc>
+                    <a:tc>
+                      <a:txBody>
+                        <a:bodyPr/>
+                        <a:lstStyle/>
+                        <a:p>
+                          <a:pPr algn="ctr"/>
+                          <a:r>
+                            <a:rPr kumimoji="1" lang="ja-JP" altLang="en-US" sz="2400" dirty="0" smtClean="0"/>
+                            <a:t>掃除</a:t>
+                          </a:r>
+                          <a:endParaRPr kumimoji="1" lang="ja-JP" altLang="en-US" sz="2400" b="0" dirty="0"/>
+                        </a:p>
+                      </a:txBody>
+                      <a:tcPr/>
+                    </a:tc>
+                    <a:tc>
+                      <a:txBody>
+                        <a:bodyPr/>
+                        <a:lstStyle/>
+                        <a:p>
+                          <a:pPr algn="ctr"/>
+                          <a:r>
+                            <a:rPr kumimoji="1" lang="ja-JP" altLang="en-US" sz="2000" dirty="0" smtClean="0"/>
+                            <a:t>買い物</a:t>
+                          </a:r>
+                          <a:endParaRPr kumimoji="1" lang="ja-JP" altLang="en-US" sz="2000" b="0" dirty="0"/>
+                        </a:p>
+                      </a:txBody>
+                      <a:tcPr/>
+                    </a:tc>
+                    <a:extLst>
+                      <a:ext uri="{0D108BD9-81ED-4DB2-BD59-A6C34878D82A}">
+                        <a16:rowId xmlns:a16="http://schemas.microsoft.com/office/drawing/2014/main" val="3265965916"/>
+                      </a:ext>
+                    </a:extLst>
+                  </a:tr>
+                  <a:tr h="457200">
+                    <a:tc>
+                      <a:txBody>
+                        <a:bodyPr/>
+                        <a:lstStyle/>
+                        <a:p>
+                          <a:pPr algn="ctr"/>
+                          <a:r>
+                            <a:rPr kumimoji="1" lang="ja-JP" altLang="en-US" sz="1600" dirty="0" smtClean="0"/>
+                            <a:t>状態遷移系列</a:t>
+                          </a:r>
+                          <a:endParaRPr kumimoji="1" lang="ja-JP" altLang="en-US" sz="1600" b="0" dirty="0"/>
+                        </a:p>
+                      </a:txBody>
+                      <a:tcPr/>
+                    </a:tc>
+                    <a:tc>
+                      <a:txBody>
+                        <a:bodyPr/>
+                        <a:lstStyle/>
+                        <a:p>
+                          <a:pPr algn="ctr"/>
+                          <a:r>
+                            <a:rPr kumimoji="1" lang="ja-JP" altLang="en-US" sz="2400" b="1" dirty="0" smtClean="0">
+                              <a:solidFill>
+                                <a:schemeClr val="tx1"/>
+                              </a:solidFill>
+                            </a:rPr>
+                            <a:t>？</a:t>
+                          </a:r>
+                          <a:endParaRPr kumimoji="1" lang="ja-JP" altLang="en-US" sz="2400" b="1" dirty="0">
+                            <a:solidFill>
+                              <a:schemeClr val="tx1"/>
+                            </a:solidFill>
+                          </a:endParaRPr>
+                        </a:p>
+                      </a:txBody>
+                      <a:tcPr/>
+                    </a:tc>
+                    <a:tc>
+                      <a:txBody>
+                        <a:bodyPr/>
+                        <a:lstStyle/>
+                        <a:p>
+                          <a:pPr algn="ctr"/>
+                          <a:r>
+                            <a:rPr kumimoji="1" lang="ja-JP" altLang="en-US" sz="2400" b="1" dirty="0" smtClean="0">
+                              <a:solidFill>
+                                <a:schemeClr val="tx1"/>
+                              </a:solidFill>
+                            </a:rPr>
+                            <a:t>？</a:t>
+                          </a:r>
+                          <a:endParaRPr kumimoji="1" lang="ja-JP" altLang="en-US" sz="2400" b="1" dirty="0">
+                            <a:solidFill>
+                              <a:schemeClr val="tx1"/>
+                            </a:solidFill>
+                          </a:endParaRPr>
+                        </a:p>
+                      </a:txBody>
+                      <a:tcPr/>
+                    </a:tc>
+                    <a:tc>
+                      <a:txBody>
+                        <a:bodyPr/>
+                        <a:lstStyle/>
+                        <a:p>
+                          <a:pPr algn="ctr"/>
+                          <a:r>
+                            <a:rPr kumimoji="1" lang="ja-JP" altLang="en-US" sz="2400" b="1" dirty="0" smtClean="0">
+                              <a:solidFill>
+                                <a:schemeClr val="tx1"/>
+                              </a:solidFill>
+                            </a:rPr>
+                            <a:t>？</a:t>
+                          </a:r>
+                          <a:endParaRPr kumimoji="1" lang="ja-JP" altLang="en-US" sz="2400" b="1" dirty="0">
+                            <a:solidFill>
+                              <a:schemeClr val="tx1"/>
+                            </a:solidFill>
+                          </a:endParaRPr>
+                        </a:p>
+                      </a:txBody>
+                      <a:tcPr/>
+                    </a:tc>
+                    <a:extLst>
+                      <a:ext uri="{0D108BD9-81ED-4DB2-BD59-A6C34878D82A}">
+                        <a16:rowId xmlns:a16="http://schemas.microsoft.com/office/drawing/2014/main" val="1497227747"/>
+                      </a:ext>
+                    </a:extLst>
+                  </a:tr>
+                </a:tbl>
+              </a:graphicData>
+            </a:graphic>
+          </p:graphicFrame>
+        </mc:Fallback>
+      </mc:AlternateContent>
     </p:spTree>
     <p:extLst>
       <p:ext uri="{BB962C8B-B14F-4D97-AF65-F5344CB8AC3E}">
-        <p14:creationId xmlns:p14="http://schemas.microsoft.com/office/powerpoint/2010/main" val="3602440044"/>
+        <p14:creationId xmlns:p14="http://schemas.microsoft.com/office/powerpoint/2010/main" val="2670578920"/>
       </p:ext>
     </p:extLst>
   </p:cSld>
@@ -12127,7 +16426,120 @@
   <p:timing>
     <p:tnLst>
       <p:par>
-        <p:cTn id="1" dur="indefinite" restart="never" nodeType="tmRoot"/>
+        <p:cTn id="1" dur="indefinite" restart="never" nodeType="tmRoot">
+          <p:childTnLst>
+            <p:seq concurrent="1" nextAc="seek">
+              <p:cTn id="2" dur="indefinite" nodeType="mainSeq">
+                <p:childTnLst>
+                  <p:par>
+                    <p:cTn id="3" fill="hold">
+                      <p:stCondLst>
+                        <p:cond delay="indefinite"/>
+                      </p:stCondLst>
+                      <p:childTnLst>
+                        <p:par>
+                          <p:cTn id="4" fill="hold">
+                            <p:stCondLst>
+                              <p:cond delay="0"/>
+                            </p:stCondLst>
+                            <p:childTnLst>
+                              <p:par>
+                                <p:cTn id="5" presetID="1" presetClass="entr" presetSubtype="0" fill="hold" nodeType="clickEffect">
+                                  <p:stCondLst>
+                                    <p:cond delay="0"/>
+                                  </p:stCondLst>
+                                  <p:childTnLst>
+                                    <p:set>
+                                      <p:cBhvr>
+                                        <p:cTn id="6" dur="1" fill="hold">
+                                          <p:stCondLst>
+                                            <p:cond delay="0"/>
+                                          </p:stCondLst>
+                                        </p:cTn>
+                                        <p:tgtEl>
+                                          <p:spTgt spid="4"/>
+                                        </p:tgtEl>
+                                        <p:attrNameLst>
+                                          <p:attrName>style.visibility</p:attrName>
+                                        </p:attrNameLst>
+                                      </p:cBhvr>
+                                      <p:to>
+                                        <p:strVal val="visible"/>
+                                      </p:to>
+                                    </p:set>
+                                  </p:childTnLst>
+                                </p:cTn>
+                              </p:par>
+                            </p:childTnLst>
+                          </p:cTn>
+                        </p:par>
+                      </p:childTnLst>
+                    </p:cTn>
+                  </p:par>
+                  <p:par>
+                    <p:cTn id="7" fill="hold">
+                      <p:stCondLst>
+                        <p:cond delay="indefinite"/>
+                      </p:stCondLst>
+                      <p:childTnLst>
+                        <p:par>
+                          <p:cTn id="8" fill="hold">
+                            <p:stCondLst>
+                              <p:cond delay="0"/>
+                            </p:stCondLst>
+                            <p:childTnLst>
+                              <p:par>
+                                <p:cTn id="9" presetID="1" presetClass="entr" presetSubtype="0" fill="hold" nodeType="clickEffect">
+                                  <p:stCondLst>
+                                    <p:cond delay="0"/>
+                                  </p:stCondLst>
+                                  <p:childTnLst>
+                                    <p:set>
+                                      <p:cBhvr>
+                                        <p:cTn id="10" dur="1" fill="hold">
+                                          <p:stCondLst>
+                                            <p:cond delay="0"/>
+                                          </p:stCondLst>
+                                        </p:cTn>
+                                        <p:tgtEl>
+                                          <p:spTgt spid="7"/>
+                                        </p:tgtEl>
+                                        <p:attrNameLst>
+                                          <p:attrName>style.visibility</p:attrName>
+                                        </p:attrNameLst>
+                                      </p:cBhvr>
+                                      <p:to>
+                                        <p:strVal val="visible"/>
+                                      </p:to>
+                                    </p:set>
+                                  </p:childTnLst>
+                                </p:cTn>
+                              </p:par>
+                            </p:childTnLst>
+                          </p:cTn>
+                        </p:par>
+                      </p:childTnLst>
+                    </p:cTn>
+                  </p:par>
+                </p:childTnLst>
+              </p:cTn>
+              <p:prevCondLst>
+                <p:cond evt="onPrev" delay="0">
+                  <p:tgtEl>
+                    <p:sldTgt/>
+                  </p:tgtEl>
+                </p:cond>
+              </p:prevCondLst>
+              <p:nextCondLst>
+                <p:cond evt="onNext" delay="0">
+                  <p:tgtEl>
+                    <p:sldTgt/>
+                  </p:tgtEl>
+                </p:cond>
+              </p:nextCondLst>
+            </p:seq>
+          </p:childTnLst>
+        </p:cTn>
       </p:par>
     </p:tnLst>
   </p:timing>
@@ -12167,11 +16579,11 @@
           <a:lstStyle/>
           <a:p>
             <a:r>
-              <a:rPr kumimoji="1" lang="en-US" altLang="ja-JP" dirty="0" smtClean="0"/>
-              <a:t>2.hmm.py</a:t>
-            </a:r>
-            <a:r>
-              <a:rPr kumimoji="1" lang="ja-JP" altLang="en-US" dirty="0" smtClean="0"/>
+              <a:rPr lang="en-US" altLang="ja-JP" dirty="0"/>
+              <a:t>2.enshu_hmm.py</a:t>
+            </a:r>
+            <a:r>
+              <a:rPr lang="ja-JP" altLang="en-US" dirty="0"/>
               <a:t>について</a:t>
             </a:r>
             <a:endParaRPr kumimoji="1" lang="ja-JP" altLang="en-US" dirty="0"/>
@@ -12217,18 +16629,10 @@
               <a:rPr lang="ja-JP" altLang="en-US" dirty="0" smtClean="0"/>
               <a:t>のパラメータの推定を行う関数</a:t>
             </a:r>
-            <a:endParaRPr lang="en-US" altLang="ja-JP" dirty="0" smtClean="0"/>
+            <a:endParaRPr lang="en-US" altLang="ja-JP" dirty="0"/>
           </a:p>
           <a:p>
             <a:pPr lvl="1"/>
-            <a:endParaRPr lang="en-US" altLang="ja-JP" dirty="0"/>
-          </a:p>
-          <a:p>
-            <a:pPr lvl="1"/>
-            <a:r>
-              <a:rPr lang="ja-JP" altLang="en-US" dirty="0" smtClean="0"/>
-              <a:t>バウムウェルチアルゴリズムを用いる</a:t>
-            </a:r>
             <a:endParaRPr lang="en-US" altLang="ja-JP" dirty="0" smtClean="0"/>
           </a:p>
           <a:p>
@@ -12297,10 +16701,787 @@
           </a:p>
         </p:txBody>
       </p:sp>
+      <p:pic>
+        <p:nvPicPr>
+          <p:cNvPr id="4" name="コンテンツ プレースホルダー 4"/>
+          <p:cNvPicPr>
+            <a:picLocks noChangeAspect="1"/>
+          </p:cNvPicPr>
+          <p:nvPr/>
+        </p:nvPicPr>
+        <p:blipFill>
+          <a:blip r:embed="rId2">
+            <a:extLst>
+              <a:ext uri="{28A0092B-C50C-407E-A947-70E740481C1C}">
+                <a14:useLocalDpi xmlns:a14="http://schemas.microsoft.com/office/drawing/2010/main" val="0"/>
+              </a:ext>
+            </a:extLst>
+          </a:blip>
+          <a:stretch>
+            <a:fillRect/>
+          </a:stretch>
+        </p:blipFill>
+        <p:spPr>
+          <a:xfrm>
+            <a:off x="1104314" y="3711576"/>
+            <a:ext cx="6935372" cy="2917824"/>
+          </a:xfrm>
+          <a:prstGeom prst="rect">
+            <a:avLst/>
+          </a:prstGeom>
+        </p:spPr>
+      </p:pic>
+      <p:grpSp>
+        <p:nvGrpSpPr>
+          <p:cNvPr id="7" name="グループ化 6"/>
+          <p:cNvGrpSpPr/>
+          <p:nvPr/>
+        </p:nvGrpSpPr>
+        <p:grpSpPr>
+          <a:xfrm>
+            <a:off x="1986791" y="4253623"/>
+            <a:ext cx="5282938" cy="1601109"/>
+            <a:chOff x="1496376" y="1189919"/>
+            <a:chExt cx="6218477" cy="1533486"/>
+          </a:xfrm>
+        </p:grpSpPr>
+        <p:sp>
+          <p:nvSpPr>
+            <p:cNvPr id="8" name="正方形/長方形 7"/>
+            <p:cNvSpPr/>
+            <p:nvPr/>
+          </p:nvSpPr>
+          <p:spPr>
+            <a:xfrm>
+              <a:off x="3506506" y="1218767"/>
+              <a:ext cx="512379" cy="307428"/>
+            </a:xfrm>
+            <a:prstGeom prst="rect">
+              <a:avLst/>
+            </a:prstGeom>
+            <a:solidFill>
+              <a:schemeClr val="accent5">
+                <a:lumMod val="20000"/>
+                <a:lumOff val="80000"/>
+              </a:schemeClr>
+            </a:solidFill>
+            <a:ln>
+              <a:noFill/>
+            </a:ln>
+          </p:spPr>
+          <p:style>
+            <a:lnRef idx="2">
+              <a:schemeClr val="accent1">
+                <a:shade val="50000"/>
+              </a:schemeClr>
+            </a:lnRef>
+            <a:fillRef idx="1">
+              <a:schemeClr val="accent1"/>
+            </a:fillRef>
+            <a:effectRef idx="0">
+              <a:schemeClr val="accent1"/>
+            </a:effectRef>
+            <a:fontRef idx="minor">
+              <a:schemeClr val="lt1"/>
+            </a:fontRef>
+          </p:style>
+          <p:txBody>
+            <a:bodyPr rtlCol="0" anchor="ctr"/>
+            <a:lstStyle/>
+            <a:p>
+              <a:pPr algn="ctr"/>
+              <a:r>
+                <a:rPr kumimoji="1" lang="ja-JP" altLang="en-US" dirty="0" smtClean="0">
+                  <a:solidFill>
+                    <a:srgbClr val="002060"/>
+                  </a:solidFill>
+                </a:rPr>
+                <a:t>？</a:t>
+              </a:r>
+              <a:endParaRPr kumimoji="1" lang="ja-JP" altLang="en-US" dirty="0">
+                <a:solidFill>
+                  <a:srgbClr val="002060"/>
+                </a:solidFill>
+              </a:endParaRPr>
+            </a:p>
+          </p:txBody>
+        </p:sp>
+        <p:sp>
+          <p:nvSpPr>
+            <p:cNvPr id="9" name="正方形/長方形 8"/>
+            <p:cNvSpPr/>
+            <p:nvPr/>
+          </p:nvSpPr>
+          <p:spPr>
+            <a:xfrm>
+              <a:off x="5200546" y="1189919"/>
+              <a:ext cx="512379" cy="307428"/>
+            </a:xfrm>
+            <a:prstGeom prst="rect">
+              <a:avLst/>
+            </a:prstGeom>
+            <a:solidFill>
+              <a:schemeClr val="accent5">
+                <a:lumMod val="20000"/>
+                <a:lumOff val="80000"/>
+              </a:schemeClr>
+            </a:solidFill>
+            <a:ln>
+              <a:noFill/>
+            </a:ln>
+          </p:spPr>
+          <p:style>
+            <a:lnRef idx="2">
+              <a:schemeClr val="accent1">
+                <a:shade val="50000"/>
+              </a:schemeClr>
+            </a:lnRef>
+            <a:fillRef idx="1">
+              <a:schemeClr val="accent1"/>
+            </a:fillRef>
+            <a:effectRef idx="0">
+              <a:schemeClr val="accent1"/>
+            </a:effectRef>
+            <a:fontRef idx="minor">
+              <a:schemeClr val="lt1"/>
+            </a:fontRef>
+          </p:style>
+          <p:txBody>
+            <a:bodyPr rtlCol="0" anchor="ctr"/>
+            <a:lstStyle/>
+            <a:p>
+              <a:pPr algn="ctr"/>
+              <a:r>
+                <a:rPr kumimoji="1" lang="ja-JP" altLang="en-US" dirty="0" smtClean="0">
+                  <a:solidFill>
+                    <a:srgbClr val="002060"/>
+                  </a:solidFill>
+                </a:rPr>
+                <a:t>？</a:t>
+              </a:r>
+              <a:endParaRPr kumimoji="1" lang="ja-JP" altLang="en-US" dirty="0">
+                <a:solidFill>
+                  <a:srgbClr val="002060"/>
+                </a:solidFill>
+              </a:endParaRPr>
+            </a:p>
+          </p:txBody>
+        </p:sp>
+        <p:sp>
+          <p:nvSpPr>
+            <p:cNvPr id="10" name="正方形/長方形 9"/>
+            <p:cNvSpPr/>
+            <p:nvPr/>
+          </p:nvSpPr>
+          <p:spPr>
+            <a:xfrm>
+              <a:off x="1496376" y="1809335"/>
+              <a:ext cx="512379" cy="307428"/>
+            </a:xfrm>
+            <a:prstGeom prst="rect">
+              <a:avLst/>
+            </a:prstGeom>
+            <a:solidFill>
+              <a:schemeClr val="accent5">
+                <a:lumMod val="20000"/>
+                <a:lumOff val="80000"/>
+              </a:schemeClr>
+            </a:solidFill>
+            <a:ln>
+              <a:noFill/>
+            </a:ln>
+          </p:spPr>
+          <p:style>
+            <a:lnRef idx="2">
+              <a:schemeClr val="accent1">
+                <a:shade val="50000"/>
+              </a:schemeClr>
+            </a:lnRef>
+            <a:fillRef idx="1">
+              <a:schemeClr val="accent1"/>
+            </a:fillRef>
+            <a:effectRef idx="0">
+              <a:schemeClr val="accent1"/>
+            </a:effectRef>
+            <a:fontRef idx="minor">
+              <a:schemeClr val="lt1"/>
+            </a:fontRef>
+          </p:style>
+          <p:txBody>
+            <a:bodyPr rtlCol="0" anchor="ctr"/>
+            <a:lstStyle/>
+            <a:p>
+              <a:pPr algn="ctr"/>
+              <a:r>
+                <a:rPr kumimoji="1" lang="ja-JP" altLang="en-US" dirty="0" smtClean="0">
+                  <a:solidFill>
+                    <a:srgbClr val="002060"/>
+                  </a:solidFill>
+                </a:rPr>
+                <a:t>？</a:t>
+              </a:r>
+              <a:endParaRPr kumimoji="1" lang="ja-JP" altLang="en-US" dirty="0">
+                <a:solidFill>
+                  <a:srgbClr val="002060"/>
+                </a:solidFill>
+              </a:endParaRPr>
+            </a:p>
+          </p:txBody>
+        </p:sp>
+        <p:sp>
+          <p:nvSpPr>
+            <p:cNvPr id="11" name="正方形/長方形 10"/>
+            <p:cNvSpPr/>
+            <p:nvPr/>
+          </p:nvSpPr>
+          <p:spPr>
+            <a:xfrm>
+              <a:off x="4252712" y="1436884"/>
+              <a:ext cx="512379" cy="307428"/>
+            </a:xfrm>
+            <a:prstGeom prst="rect">
+              <a:avLst/>
+            </a:prstGeom>
+            <a:solidFill>
+              <a:schemeClr val="accent5">
+                <a:lumMod val="20000"/>
+                <a:lumOff val="80000"/>
+              </a:schemeClr>
+            </a:solidFill>
+            <a:ln>
+              <a:noFill/>
+            </a:ln>
+          </p:spPr>
+          <p:style>
+            <a:lnRef idx="2">
+              <a:schemeClr val="accent1">
+                <a:shade val="50000"/>
+              </a:schemeClr>
+            </a:lnRef>
+            <a:fillRef idx="1">
+              <a:schemeClr val="accent1"/>
+            </a:fillRef>
+            <a:effectRef idx="0">
+              <a:schemeClr val="accent1"/>
+            </a:effectRef>
+            <a:fontRef idx="minor">
+              <a:schemeClr val="lt1"/>
+            </a:fontRef>
+          </p:style>
+          <p:txBody>
+            <a:bodyPr rtlCol="0" anchor="ctr"/>
+            <a:lstStyle/>
+            <a:p>
+              <a:pPr algn="ctr"/>
+              <a:r>
+                <a:rPr kumimoji="1" lang="ja-JP" altLang="en-US" dirty="0" smtClean="0">
+                  <a:solidFill>
+                    <a:srgbClr val="002060"/>
+                  </a:solidFill>
+                </a:rPr>
+                <a:t>？</a:t>
+              </a:r>
+              <a:endParaRPr kumimoji="1" lang="ja-JP" altLang="en-US" dirty="0">
+                <a:solidFill>
+                  <a:srgbClr val="002060"/>
+                </a:solidFill>
+              </a:endParaRPr>
+            </a:p>
+          </p:txBody>
+        </p:sp>
+        <p:sp>
+          <p:nvSpPr>
+            <p:cNvPr id="12" name="正方形/長方形 11"/>
+            <p:cNvSpPr/>
+            <p:nvPr/>
+          </p:nvSpPr>
+          <p:spPr>
+            <a:xfrm>
+              <a:off x="4252712" y="1785265"/>
+              <a:ext cx="512379" cy="307428"/>
+            </a:xfrm>
+            <a:prstGeom prst="rect">
+              <a:avLst/>
+            </a:prstGeom>
+            <a:solidFill>
+              <a:schemeClr val="accent5">
+                <a:lumMod val="20000"/>
+                <a:lumOff val="80000"/>
+              </a:schemeClr>
+            </a:solidFill>
+            <a:ln>
+              <a:noFill/>
+            </a:ln>
+          </p:spPr>
+          <p:style>
+            <a:lnRef idx="2">
+              <a:schemeClr val="accent1">
+                <a:shade val="50000"/>
+              </a:schemeClr>
+            </a:lnRef>
+            <a:fillRef idx="1">
+              <a:schemeClr val="accent1"/>
+            </a:fillRef>
+            <a:effectRef idx="0">
+              <a:schemeClr val="accent1"/>
+            </a:effectRef>
+            <a:fontRef idx="minor">
+              <a:schemeClr val="lt1"/>
+            </a:fontRef>
+          </p:style>
+          <p:txBody>
+            <a:bodyPr rtlCol="0" anchor="ctr"/>
+            <a:lstStyle/>
+            <a:p>
+              <a:pPr algn="ctr"/>
+              <a:r>
+                <a:rPr kumimoji="1" lang="ja-JP" altLang="en-US" dirty="0" smtClean="0">
+                  <a:solidFill>
+                    <a:srgbClr val="002060"/>
+                  </a:solidFill>
+                </a:rPr>
+                <a:t>？</a:t>
+              </a:r>
+              <a:endParaRPr kumimoji="1" lang="ja-JP" altLang="en-US" dirty="0">
+                <a:solidFill>
+                  <a:srgbClr val="002060"/>
+                </a:solidFill>
+              </a:endParaRPr>
+            </a:p>
+          </p:txBody>
+        </p:sp>
+        <p:sp>
+          <p:nvSpPr>
+            <p:cNvPr id="13" name="正方形/長方形 12"/>
+            <p:cNvSpPr/>
+            <p:nvPr/>
+          </p:nvSpPr>
+          <p:spPr>
+            <a:xfrm>
+              <a:off x="7202474" y="1704926"/>
+              <a:ext cx="512379" cy="307428"/>
+            </a:xfrm>
+            <a:prstGeom prst="rect">
+              <a:avLst/>
+            </a:prstGeom>
+            <a:solidFill>
+              <a:schemeClr val="accent5">
+                <a:lumMod val="20000"/>
+                <a:lumOff val="80000"/>
+              </a:schemeClr>
+            </a:solidFill>
+            <a:ln>
+              <a:noFill/>
+            </a:ln>
+          </p:spPr>
+          <p:style>
+            <a:lnRef idx="2">
+              <a:schemeClr val="accent1">
+                <a:shade val="50000"/>
+              </a:schemeClr>
+            </a:lnRef>
+            <a:fillRef idx="1">
+              <a:schemeClr val="accent1"/>
+            </a:fillRef>
+            <a:effectRef idx="0">
+              <a:schemeClr val="accent1"/>
+            </a:effectRef>
+            <a:fontRef idx="minor">
+              <a:schemeClr val="lt1"/>
+            </a:fontRef>
+          </p:style>
+          <p:txBody>
+            <a:bodyPr rtlCol="0" anchor="ctr"/>
+            <a:lstStyle/>
+            <a:p>
+              <a:pPr algn="ctr"/>
+              <a:r>
+                <a:rPr kumimoji="1" lang="ja-JP" altLang="en-US" dirty="0" smtClean="0">
+                  <a:solidFill>
+                    <a:srgbClr val="002060"/>
+                  </a:solidFill>
+                </a:rPr>
+                <a:t>？</a:t>
+              </a:r>
+              <a:endParaRPr kumimoji="1" lang="ja-JP" altLang="en-US" dirty="0">
+                <a:solidFill>
+                  <a:srgbClr val="002060"/>
+                </a:solidFill>
+              </a:endParaRPr>
+            </a:p>
+          </p:txBody>
+        </p:sp>
+        <p:sp>
+          <p:nvSpPr>
+            <p:cNvPr id="14" name="正方形/長方形 13"/>
+            <p:cNvSpPr/>
+            <p:nvPr/>
+          </p:nvSpPr>
+          <p:spPr>
+            <a:xfrm>
+              <a:off x="1720859" y="2173183"/>
+              <a:ext cx="456463" cy="267474"/>
+            </a:xfrm>
+            <a:prstGeom prst="rect">
+              <a:avLst/>
+            </a:prstGeom>
+            <a:solidFill>
+              <a:schemeClr val="accent5">
+                <a:lumMod val="20000"/>
+                <a:lumOff val="80000"/>
+              </a:schemeClr>
+            </a:solidFill>
+            <a:ln>
+              <a:noFill/>
+            </a:ln>
+          </p:spPr>
+          <p:style>
+            <a:lnRef idx="2">
+              <a:schemeClr val="accent1">
+                <a:shade val="50000"/>
+              </a:schemeClr>
+            </a:lnRef>
+            <a:fillRef idx="1">
+              <a:schemeClr val="accent1"/>
+            </a:fillRef>
+            <a:effectRef idx="0">
+              <a:schemeClr val="accent1"/>
+            </a:effectRef>
+            <a:fontRef idx="minor">
+              <a:schemeClr val="lt1"/>
+            </a:fontRef>
+          </p:style>
+          <p:txBody>
+            <a:bodyPr rtlCol="0" anchor="ctr"/>
+            <a:lstStyle/>
+            <a:p>
+              <a:pPr algn="ctr"/>
+              <a:r>
+                <a:rPr kumimoji="1" lang="ja-JP" altLang="en-US" dirty="0" smtClean="0">
+                  <a:solidFill>
+                    <a:srgbClr val="002060"/>
+                  </a:solidFill>
+                </a:rPr>
+                <a:t>？</a:t>
+              </a:r>
+              <a:endParaRPr kumimoji="1" lang="ja-JP" altLang="en-US" dirty="0">
+                <a:solidFill>
+                  <a:srgbClr val="002060"/>
+                </a:solidFill>
+              </a:endParaRPr>
+            </a:p>
+          </p:txBody>
+        </p:sp>
+        <p:sp>
+          <p:nvSpPr>
+            <p:cNvPr id="15" name="正方形/長方形 14"/>
+            <p:cNvSpPr/>
+            <p:nvPr/>
+          </p:nvSpPr>
+          <p:spPr>
+            <a:xfrm>
+              <a:off x="3680003" y="2042683"/>
+              <a:ext cx="512379" cy="307428"/>
+            </a:xfrm>
+            <a:prstGeom prst="rect">
+              <a:avLst/>
+            </a:prstGeom>
+            <a:solidFill>
+              <a:schemeClr val="accent5">
+                <a:lumMod val="20000"/>
+                <a:lumOff val="80000"/>
+              </a:schemeClr>
+            </a:solidFill>
+            <a:ln>
+              <a:noFill/>
+            </a:ln>
+          </p:spPr>
+          <p:style>
+            <a:lnRef idx="2">
+              <a:schemeClr val="accent1">
+                <a:shade val="50000"/>
+              </a:schemeClr>
+            </a:lnRef>
+            <a:fillRef idx="1">
+              <a:schemeClr val="accent1"/>
+            </a:fillRef>
+            <a:effectRef idx="0">
+              <a:schemeClr val="accent1"/>
+            </a:effectRef>
+            <a:fontRef idx="minor">
+              <a:schemeClr val="lt1"/>
+            </a:fontRef>
+          </p:style>
+          <p:txBody>
+            <a:bodyPr rtlCol="0" anchor="ctr"/>
+            <a:lstStyle/>
+            <a:p>
+              <a:pPr algn="ctr"/>
+              <a:r>
+                <a:rPr kumimoji="1" lang="ja-JP" altLang="en-US" dirty="0" smtClean="0">
+                  <a:solidFill>
+                    <a:srgbClr val="002060"/>
+                  </a:solidFill>
+                </a:rPr>
+                <a:t>？</a:t>
+              </a:r>
+              <a:endParaRPr kumimoji="1" lang="ja-JP" altLang="en-US" dirty="0">
+                <a:solidFill>
+                  <a:srgbClr val="002060"/>
+                </a:solidFill>
+              </a:endParaRPr>
+            </a:p>
+          </p:txBody>
+        </p:sp>
+        <p:sp>
+          <p:nvSpPr>
+            <p:cNvPr id="16" name="正方形/長方形 15"/>
+            <p:cNvSpPr/>
+            <p:nvPr/>
+          </p:nvSpPr>
+          <p:spPr>
+            <a:xfrm>
+              <a:off x="3506506" y="2415977"/>
+              <a:ext cx="512379" cy="307428"/>
+            </a:xfrm>
+            <a:prstGeom prst="rect">
+              <a:avLst/>
+            </a:prstGeom>
+            <a:solidFill>
+              <a:schemeClr val="accent5">
+                <a:lumMod val="20000"/>
+                <a:lumOff val="80000"/>
+              </a:schemeClr>
+            </a:solidFill>
+            <a:ln>
+              <a:noFill/>
+            </a:ln>
+          </p:spPr>
+          <p:style>
+            <a:lnRef idx="2">
+              <a:schemeClr val="accent1">
+                <a:shade val="50000"/>
+              </a:schemeClr>
+            </a:lnRef>
+            <a:fillRef idx="1">
+              <a:schemeClr val="accent1"/>
+            </a:fillRef>
+            <a:effectRef idx="0">
+              <a:schemeClr val="accent1"/>
+            </a:effectRef>
+            <a:fontRef idx="minor">
+              <a:schemeClr val="lt1"/>
+            </a:fontRef>
+          </p:style>
+          <p:txBody>
+            <a:bodyPr rtlCol="0" anchor="ctr"/>
+            <a:lstStyle/>
+            <a:p>
+              <a:pPr algn="ctr"/>
+              <a:r>
+                <a:rPr kumimoji="1" lang="ja-JP" altLang="en-US" dirty="0" smtClean="0">
+                  <a:solidFill>
+                    <a:srgbClr val="002060"/>
+                  </a:solidFill>
+                </a:rPr>
+                <a:t>？</a:t>
+              </a:r>
+              <a:endParaRPr kumimoji="1" lang="ja-JP" altLang="en-US" dirty="0">
+                <a:solidFill>
+                  <a:srgbClr val="002060"/>
+                </a:solidFill>
+              </a:endParaRPr>
+            </a:p>
+          </p:txBody>
+        </p:sp>
+        <p:sp>
+          <p:nvSpPr>
+            <p:cNvPr id="17" name="正方形/長方形 16"/>
+            <p:cNvSpPr/>
+            <p:nvPr/>
+          </p:nvSpPr>
+          <p:spPr>
+            <a:xfrm>
+              <a:off x="5077537" y="2401947"/>
+              <a:ext cx="512379" cy="307428"/>
+            </a:xfrm>
+            <a:prstGeom prst="rect">
+              <a:avLst/>
+            </a:prstGeom>
+            <a:solidFill>
+              <a:schemeClr val="accent5">
+                <a:lumMod val="20000"/>
+                <a:lumOff val="80000"/>
+              </a:schemeClr>
+            </a:solidFill>
+            <a:ln>
+              <a:noFill/>
+            </a:ln>
+          </p:spPr>
+          <p:style>
+            <a:lnRef idx="2">
+              <a:schemeClr val="accent1">
+                <a:shade val="50000"/>
+              </a:schemeClr>
+            </a:lnRef>
+            <a:fillRef idx="1">
+              <a:schemeClr val="accent1"/>
+            </a:fillRef>
+            <a:effectRef idx="0">
+              <a:schemeClr val="accent1"/>
+            </a:effectRef>
+            <a:fontRef idx="minor">
+              <a:schemeClr val="lt1"/>
+            </a:fontRef>
+          </p:style>
+          <p:txBody>
+            <a:bodyPr rtlCol="0" anchor="ctr"/>
+            <a:lstStyle/>
+            <a:p>
+              <a:pPr algn="ctr"/>
+              <a:r>
+                <a:rPr kumimoji="1" lang="ja-JP" altLang="en-US" dirty="0" smtClean="0">
+                  <a:solidFill>
+                    <a:srgbClr val="002060"/>
+                  </a:solidFill>
+                </a:rPr>
+                <a:t>？</a:t>
+              </a:r>
+              <a:endParaRPr kumimoji="1" lang="ja-JP" altLang="en-US" dirty="0">
+                <a:solidFill>
+                  <a:srgbClr val="002060"/>
+                </a:solidFill>
+              </a:endParaRPr>
+            </a:p>
+          </p:txBody>
+        </p:sp>
+        <p:sp>
+          <p:nvSpPr>
+            <p:cNvPr id="18" name="正方形/長方形 17"/>
+            <p:cNvSpPr/>
+            <p:nvPr/>
+          </p:nvSpPr>
+          <p:spPr>
+            <a:xfrm>
+              <a:off x="5018654" y="2079297"/>
+              <a:ext cx="512379" cy="307428"/>
+            </a:xfrm>
+            <a:prstGeom prst="rect">
+              <a:avLst/>
+            </a:prstGeom>
+            <a:solidFill>
+              <a:schemeClr val="accent5">
+                <a:lumMod val="20000"/>
+                <a:lumOff val="80000"/>
+              </a:schemeClr>
+            </a:solidFill>
+            <a:ln>
+              <a:noFill/>
+            </a:ln>
+          </p:spPr>
+          <p:style>
+            <a:lnRef idx="2">
+              <a:schemeClr val="accent1">
+                <a:shade val="50000"/>
+              </a:schemeClr>
+            </a:lnRef>
+            <a:fillRef idx="1">
+              <a:schemeClr val="accent1"/>
+            </a:fillRef>
+            <a:effectRef idx="0">
+              <a:schemeClr val="accent1"/>
+            </a:effectRef>
+            <a:fontRef idx="minor">
+              <a:schemeClr val="lt1"/>
+            </a:fontRef>
+          </p:style>
+          <p:txBody>
+            <a:bodyPr rtlCol="0" anchor="ctr"/>
+            <a:lstStyle/>
+            <a:p>
+              <a:pPr algn="ctr"/>
+              <a:r>
+                <a:rPr kumimoji="1" lang="ja-JP" altLang="en-US" dirty="0" smtClean="0">
+                  <a:solidFill>
+                    <a:srgbClr val="002060"/>
+                  </a:solidFill>
+                </a:rPr>
+                <a:t>？</a:t>
+              </a:r>
+              <a:endParaRPr kumimoji="1" lang="ja-JP" altLang="en-US" dirty="0">
+                <a:solidFill>
+                  <a:srgbClr val="002060"/>
+                </a:solidFill>
+              </a:endParaRPr>
+            </a:p>
+          </p:txBody>
+        </p:sp>
+        <p:sp>
+          <p:nvSpPr>
+            <p:cNvPr id="19" name="正方形/長方形 18"/>
+            <p:cNvSpPr/>
+            <p:nvPr/>
+          </p:nvSpPr>
+          <p:spPr>
+            <a:xfrm>
+              <a:off x="6896859" y="2094518"/>
+              <a:ext cx="512379" cy="307428"/>
+            </a:xfrm>
+            <a:prstGeom prst="rect">
+              <a:avLst/>
+            </a:prstGeom>
+            <a:solidFill>
+              <a:schemeClr val="accent5">
+                <a:lumMod val="20000"/>
+                <a:lumOff val="80000"/>
+              </a:schemeClr>
+            </a:solidFill>
+            <a:ln>
+              <a:noFill/>
+            </a:ln>
+          </p:spPr>
+          <p:style>
+            <a:lnRef idx="2">
+              <a:schemeClr val="accent1">
+                <a:shade val="50000"/>
+              </a:schemeClr>
+            </a:lnRef>
+            <a:fillRef idx="1">
+              <a:schemeClr val="accent1"/>
+            </a:fillRef>
+            <a:effectRef idx="0">
+              <a:schemeClr val="accent1"/>
+            </a:effectRef>
+            <a:fontRef idx="minor">
+              <a:schemeClr val="lt1"/>
+            </a:fontRef>
+          </p:style>
+          <p:txBody>
+            <a:bodyPr rtlCol="0" anchor="ctr"/>
+            <a:lstStyle/>
+            <a:p>
+              <a:pPr algn="ctr"/>
+              <a:r>
+                <a:rPr kumimoji="1" lang="ja-JP" altLang="en-US" dirty="0" smtClean="0">
+                  <a:solidFill>
+                    <a:srgbClr val="002060"/>
+                  </a:solidFill>
+                </a:rPr>
+                <a:t>？</a:t>
+              </a:r>
+              <a:endParaRPr kumimoji="1" lang="ja-JP" altLang="en-US" dirty="0">
+                <a:solidFill>
+                  <a:srgbClr val="002060"/>
+                </a:solidFill>
+              </a:endParaRPr>
+            </a:p>
+          </p:txBody>
+        </p:sp>
+      </p:grpSp>
     </p:spTree>
     <p:extLst>
       <p:ext uri="{BB962C8B-B14F-4D97-AF65-F5344CB8AC3E}">
-        <p14:creationId xmlns:p14="http://schemas.microsoft.com/office/powerpoint/2010/main" val="1097716689"/>
+        <p14:creationId xmlns:p14="http://schemas.microsoft.com/office/powerpoint/2010/main" val="2407840695"/>
       </p:ext>
     </p:extLst>
   </p:cSld>
@@ -12350,12 +17531,12 @@
           <a:lstStyle/>
           <a:p>
             <a:r>
-              <a:rPr kumimoji="1" lang="en-US" altLang="ja-JP" dirty="0" smtClean="0"/>
-              <a:t>3.hmm.py</a:t>
-            </a:r>
-            <a:r>
-              <a:rPr kumimoji="1" lang="ja-JP" altLang="en-US" dirty="0" smtClean="0"/>
-              <a:t>の実行</a:t>
+              <a:rPr lang="en-US" altLang="ja-JP" dirty="0"/>
+              <a:t>2.enshu_hmm.py</a:t>
+            </a:r>
+            <a:r>
+              <a:rPr lang="ja-JP" altLang="en-US" dirty="0"/>
+              <a:t>について</a:t>
             </a:r>
             <a:endParaRPr kumimoji="1" lang="ja-JP" altLang="en-US" dirty="0"/>
           </a:p>
@@ -12376,68 +17557,81 @@
           <a:bodyPr/>
           <a:lstStyle/>
           <a:p>
-            <a:pPr marL="0" indent="0">
-              <a:buNone/>
-            </a:pPr>
+            <a:r>
+              <a:rPr lang="ja-JP" altLang="en-US" dirty="0"/>
+              <a:t>関数 </a:t>
+            </a:r>
+            <a:r>
+              <a:rPr lang="en-US" altLang="ja-JP" dirty="0" err="1" smtClean="0"/>
+              <a:t>show_param</a:t>
+            </a:r>
+            <a:endParaRPr lang="en-US" altLang="ja-JP" dirty="0"/>
+          </a:p>
+          <a:p>
+            <a:pPr lvl="1"/>
             <a:r>
               <a:rPr lang="en-US" altLang="ja-JP" dirty="0" smtClean="0"/>
-              <a:t>1.</a:t>
-            </a:r>
-            <a:r>
-              <a:rPr lang="en-US" altLang="ja-JP" dirty="0"/>
-              <a:t> hmm.py</a:t>
-            </a:r>
+              <a:t>HMM</a:t>
+            </a:r>
+            <a:r>
+              <a:rPr lang="ja-JP" altLang="en-US" dirty="0" smtClean="0"/>
+              <a:t>のパラメータを表示する関数</a:t>
+            </a:r>
+            <a:endParaRPr lang="en-US" altLang="ja-JP" dirty="0" smtClean="0"/>
+          </a:p>
+          <a:p>
+            <a:pPr lvl="1"/>
+            <a:endParaRPr lang="en-US" altLang="ja-JP" dirty="0"/>
+          </a:p>
+          <a:p>
+            <a:pPr lvl="1"/>
             <a:r>
               <a:rPr lang="ja-JP" altLang="en-US" dirty="0"/>
-              <a:t>が存在するフォルダに移動</a:t>
-            </a:r>
-          </a:p>
-          <a:p>
-            <a:pPr marL="0" indent="0">
-              <a:buNone/>
-            </a:pPr>
+              <a:t>関数 </a:t>
+            </a:r>
+            <a:r>
+              <a:rPr lang="en-US" altLang="ja-JP" dirty="0" err="1" smtClean="0"/>
+              <a:t>def_param</a:t>
+            </a:r>
             <a:r>
               <a:rPr lang="en-US" altLang="ja-JP" dirty="0" smtClean="0"/>
-              <a:t>2.</a:t>
+              <a:t>   </a:t>
             </a:r>
             <a:r>
               <a:rPr lang="ja-JP" altLang="en-US" dirty="0" smtClean="0"/>
-              <a:t>コマンド「</a:t>
-            </a:r>
-            <a:r>
-              <a:rPr lang="en-US" altLang="ja-JP" dirty="0" smtClean="0">
-                <a:solidFill>
-                  <a:srgbClr val="FF0000"/>
-                </a:solidFill>
-              </a:rPr>
-              <a:t>python hmm.py</a:t>
+              <a:t>で設定したパラメータ</a:t>
+            </a:r>
+            <a:endParaRPr lang="en-US" altLang="ja-JP" dirty="0" smtClean="0"/>
+          </a:p>
+          <a:p>
+            <a:pPr lvl="1"/>
+            <a:r>
+              <a:rPr lang="ja-JP" altLang="en-US" dirty="0"/>
+              <a:t>関数 </a:t>
+            </a:r>
+            <a:r>
+              <a:rPr lang="en-US" altLang="ja-JP" dirty="0" smtClean="0"/>
+              <a:t>Estimate   </a:t>
             </a:r>
             <a:r>
               <a:rPr lang="ja-JP" altLang="en-US" dirty="0" smtClean="0"/>
-              <a:t>」を</a:t>
-            </a:r>
-            <a:r>
-              <a:rPr lang="ja-JP" altLang="en-US" dirty="0" smtClean="0"/>
-              <a:t>実行</a:t>
-            </a:r>
-            <a:endParaRPr lang="en-US" altLang="ja-JP" dirty="0" smtClean="0"/>
-          </a:p>
-          <a:p>
-            <a:pPr marL="0" indent="0">
-              <a:buNone/>
-            </a:pPr>
-            <a:r>
-              <a:rPr lang="en-US" altLang="ja-JP"/>
-              <a:t>	</a:t>
-            </a:r>
-            <a:endParaRPr lang="en-US" altLang="ja-JP" dirty="0" smtClean="0"/>
+              <a:t>で設定したパラメータ   を表示</a:t>
+            </a:r>
+            <a:endParaRPr lang="en-US" altLang="ja-JP" dirty="0"/>
+          </a:p>
+          <a:p>
+            <a:pPr lvl="1"/>
+            <a:endParaRPr lang="en-US" altLang="ja-JP" dirty="0"/>
+          </a:p>
+          <a:p>
+            <a:endParaRPr kumimoji="1" lang="ja-JP" altLang="en-US" dirty="0"/>
           </a:p>
         </p:txBody>
       </p:sp>
     </p:spTree>
     <p:extLst>
       <p:ext uri="{BB962C8B-B14F-4D97-AF65-F5344CB8AC3E}">
-        <p14:creationId xmlns:p14="http://schemas.microsoft.com/office/powerpoint/2010/main" val="1948350273"/>
+        <p14:creationId xmlns:p14="http://schemas.microsoft.com/office/powerpoint/2010/main" val="210411996"/>
       </p:ext>
     </p:extLst>
   </p:cSld>
@@ -12487,12 +17681,12 @@
           <a:lstStyle/>
           <a:p>
             <a:r>
-              <a:rPr lang="en-US" altLang="ja-JP" dirty="0" smtClean="0"/>
-              <a:t>4.</a:t>
-            </a:r>
-            <a:r>
-              <a:rPr lang="ja-JP" altLang="en-US" dirty="0" smtClean="0"/>
-              <a:t>出力結果</a:t>
+              <a:rPr kumimoji="1" lang="en-US" altLang="ja-JP" dirty="0" smtClean="0"/>
+              <a:t>3.enshu_hmm.py</a:t>
+            </a:r>
+            <a:r>
+              <a:rPr kumimoji="1" lang="ja-JP" altLang="en-US" dirty="0" smtClean="0"/>
+              <a:t>の実行</a:t>
             </a:r>
             <a:endParaRPr kumimoji="1" lang="ja-JP" altLang="en-US" dirty="0"/>
           </a:p>
@@ -12508,117 +17702,247 @@
             <p:ph idx="1"/>
           </p:nvPr>
         </p:nvSpPr>
+        <p:spPr/>
+        <p:txBody>
+          <a:bodyPr>
+            <a:normAutofit/>
+          </a:bodyPr>
+          <a:lstStyle/>
+          <a:p>
+            <a:pPr marL="0" indent="0">
+              <a:buNone/>
+            </a:pPr>
+            <a:r>
+              <a:rPr lang="en-US" altLang="ja-JP" dirty="0" smtClean="0"/>
+              <a:t>1.</a:t>
+            </a:r>
+            <a:r>
+              <a:rPr lang="en-US" altLang="ja-JP" dirty="0"/>
+              <a:t> </a:t>
+            </a:r>
+            <a:r>
+              <a:rPr lang="en-US" altLang="ja-JP" dirty="0" smtClean="0"/>
+              <a:t>enshu_hmm.py</a:t>
+            </a:r>
+            <a:r>
+              <a:rPr lang="ja-JP" altLang="en-US" dirty="0"/>
+              <a:t>が存在するフォルダに移動</a:t>
+            </a:r>
+          </a:p>
+          <a:p>
+            <a:pPr marL="0" indent="0">
+              <a:buNone/>
+            </a:pPr>
+            <a:r>
+              <a:rPr lang="en-US" altLang="ja-JP" dirty="0" smtClean="0"/>
+              <a:t>2.</a:t>
+            </a:r>
+            <a:r>
+              <a:rPr lang="ja-JP" altLang="en-US" dirty="0" smtClean="0"/>
+              <a:t>コマンド「</a:t>
+            </a:r>
+            <a:r>
+              <a:rPr lang="en-US" altLang="ja-JP" dirty="0" smtClean="0">
+                <a:solidFill>
+                  <a:srgbClr val="FF0000"/>
+                </a:solidFill>
+              </a:rPr>
+              <a:t>python </a:t>
+            </a:r>
+            <a:r>
+              <a:rPr lang="en-US" altLang="ja-JP" dirty="0" smtClean="0">
+                <a:solidFill>
+                  <a:srgbClr val="FF0000"/>
+                </a:solidFill>
+              </a:rPr>
+              <a:t>enshu</a:t>
+            </a:r>
+            <a:r>
+              <a:rPr lang="en-US" altLang="ja-JP" dirty="0">
+                <a:solidFill>
+                  <a:srgbClr val="FF0000"/>
+                </a:solidFill>
+              </a:rPr>
+              <a:t>_</a:t>
+            </a:r>
+            <a:r>
+              <a:rPr lang="en-US" altLang="ja-JP" dirty="0" smtClean="0">
+                <a:solidFill>
+                  <a:srgbClr val="FF0000"/>
+                </a:solidFill>
+              </a:rPr>
+              <a:t>hmm.py</a:t>
+            </a:r>
+            <a:r>
+              <a:rPr lang="ja-JP" altLang="en-US" dirty="0" smtClean="0"/>
+              <a:t>」を</a:t>
+            </a:r>
+            <a:r>
+              <a:rPr lang="ja-JP" altLang="en-US" dirty="0" smtClean="0"/>
+              <a:t>実行</a:t>
+            </a:r>
+            <a:endParaRPr lang="en-US" altLang="ja-JP" dirty="0" smtClean="0"/>
+          </a:p>
+          <a:p>
+            <a:pPr marL="0" indent="0">
+              <a:buNone/>
+            </a:pPr>
+            <a:r>
+              <a:rPr lang="en-US" altLang="ja-JP" dirty="0"/>
+              <a:t>	</a:t>
+            </a:r>
+            <a:endParaRPr lang="en-US" altLang="ja-JP" dirty="0" smtClean="0"/>
+          </a:p>
+          <a:p>
+            <a:pPr marL="0" indent="0">
+              <a:buNone/>
+            </a:pPr>
+            <a:endParaRPr lang="en-US" altLang="ja-JP" dirty="0"/>
+          </a:p>
+          <a:p>
+            <a:pPr marL="0" indent="0">
+              <a:buNone/>
+            </a:pPr>
+            <a:r>
+              <a:rPr lang="ja-JP" altLang="en-US" sz="2400" dirty="0" smtClean="0"/>
+              <a:t>もし実行しても表記が</a:t>
+            </a:r>
+            <a:endParaRPr lang="en-US" altLang="ja-JP" sz="2400" dirty="0"/>
+          </a:p>
+          <a:p>
+            <a:pPr marL="0" indent="0">
+              <a:buNone/>
+            </a:pPr>
+            <a:r>
+              <a:rPr lang="en-US" altLang="ja-JP" dirty="0" smtClean="0"/>
+              <a:t>	</a:t>
+            </a:r>
+            <a:endParaRPr lang="en-US" altLang="ja-JP" dirty="0" smtClean="0"/>
+          </a:p>
+        </p:txBody>
+      </p:sp>
+      <p:pic>
+        <p:nvPicPr>
+          <p:cNvPr id="8" name="図 7"/>
+          <p:cNvPicPr>
+            <a:picLocks noChangeAspect="1"/>
+          </p:cNvPicPr>
+          <p:nvPr/>
+        </p:nvPicPr>
+        <p:blipFill rotWithShape="1">
+          <a:blip r:embed="rId2">
+            <a:extLst>
+              <a:ext uri="{28A0092B-C50C-407E-A947-70E740481C1C}">
+                <a14:useLocalDpi xmlns:a14="http://schemas.microsoft.com/office/drawing/2010/main" val="0"/>
+              </a:ext>
+            </a:extLst>
+          </a:blip>
+          <a:srcRect t="4025" r="42243" b="86381"/>
+          <a:stretch/>
+        </p:blipFill>
         <p:spPr>
           <a:xfrm>
-            <a:off x="628650" y="1825625"/>
-            <a:ext cx="8190885" cy="4351338"/>
+            <a:off x="628648" y="4516092"/>
+            <a:ext cx="7886700" cy="789293"/>
           </a:xfrm>
+          <a:prstGeom prst="rect">
+            <a:avLst/>
+          </a:prstGeom>
+        </p:spPr>
+      </p:pic>
+      <p:sp>
+        <p:nvSpPr>
+          <p:cNvPr id="9" name="テキスト ボックス 8"/>
+          <p:cNvSpPr txBox="1"/>
+          <p:nvPr/>
+        </p:nvSpPr>
+        <p:spPr>
+          <a:xfrm>
+            <a:off x="628648" y="5623898"/>
+            <a:ext cx="7886700" cy="461665"/>
+          </a:xfrm>
+          <a:prstGeom prst="rect">
+            <a:avLst/>
+          </a:prstGeom>
+          <a:noFill/>
         </p:spPr>
         <p:txBody>
-          <a:bodyPr/>
+          <a:bodyPr wrap="square" rtlCol="0">
+            <a:spAutoFit/>
+          </a:bodyPr>
           <a:lstStyle/>
           <a:p>
             <a:r>
-              <a:rPr lang="en-US" altLang="ja-JP" dirty="0"/>
-              <a:t>h</a:t>
-            </a:r>
-            <a:r>
-              <a:rPr kumimoji="1" lang="en-US" altLang="ja-JP" dirty="0" smtClean="0"/>
-              <a:t>mm.py</a:t>
-            </a:r>
-            <a:r>
-              <a:rPr kumimoji="1" lang="ja-JP" altLang="en-US" dirty="0" smtClean="0"/>
-              <a:t>を実行する</a:t>
-            </a:r>
-            <a:endParaRPr kumimoji="1" lang="en-US" altLang="ja-JP" dirty="0" smtClean="0"/>
-          </a:p>
-          <a:p>
-            <a:endParaRPr lang="en-US" altLang="ja-JP" dirty="0"/>
-          </a:p>
-          <a:p>
-            <a:r>
-              <a:rPr kumimoji="1" lang="en-US" altLang="ja-JP" dirty="0" smtClean="0"/>
-              <a:t>3</a:t>
-            </a:r>
-            <a:r>
-              <a:rPr kumimoji="1" lang="ja-JP" altLang="en-US" dirty="0" err="1" smtClean="0"/>
-              <a:t>つの</a:t>
-            </a:r>
-            <a:r>
-              <a:rPr kumimoji="1" lang="ja-JP" altLang="en-US" dirty="0" smtClean="0"/>
-              <a:t>関数の結果が出力される</a:t>
-            </a:r>
-            <a:endParaRPr kumimoji="1" lang="en-US" altLang="ja-JP" dirty="0" smtClean="0"/>
-          </a:p>
-          <a:p>
-            <a:pPr lvl="1"/>
-            <a:r>
-              <a:rPr lang="en-US" altLang="ja-JP" dirty="0" err="1"/>
-              <a:t>m</a:t>
-            </a:r>
-            <a:r>
-              <a:rPr kumimoji="1" lang="en-US" altLang="ja-JP" dirty="0" err="1" smtClean="0"/>
-              <a:t>ake_sample</a:t>
-            </a:r>
-            <a:r>
-              <a:rPr kumimoji="1" lang="ja-JP" altLang="en-US" dirty="0" smtClean="0"/>
-              <a:t>関数</a:t>
-            </a:r>
-            <a:endParaRPr lang="en-US" altLang="ja-JP" dirty="0"/>
-          </a:p>
-          <a:p>
-            <a:pPr lvl="1"/>
-            <a:r>
-              <a:rPr kumimoji="1" lang="en-US" altLang="ja-JP" dirty="0" smtClean="0"/>
-              <a:t>Predict</a:t>
-            </a:r>
-            <a:r>
-              <a:rPr kumimoji="1" lang="ja-JP" altLang="en-US" dirty="0" smtClean="0"/>
-              <a:t>関数</a:t>
-            </a:r>
-            <a:endParaRPr kumimoji="1" lang="en-US" altLang="ja-JP" dirty="0" smtClean="0"/>
-          </a:p>
-          <a:p>
-            <a:pPr lvl="1"/>
-            <a:r>
-              <a:rPr lang="en-US" altLang="ja-JP" dirty="0" smtClean="0"/>
-              <a:t>Estimate</a:t>
-            </a:r>
-            <a:r>
-              <a:rPr lang="ja-JP" altLang="en-US" dirty="0" smtClean="0"/>
-              <a:t>関数</a:t>
-            </a:r>
-            <a:endParaRPr lang="en-US" altLang="ja-JP" dirty="0" smtClean="0"/>
-          </a:p>
-          <a:p>
-            <a:r>
-              <a:rPr lang="ja-JP" altLang="en-US" spc="-150" dirty="0" smtClean="0"/>
-              <a:t>サンプルのパラメータと推定したパラメータを比較</a:t>
-            </a:r>
-            <a:endParaRPr lang="en-US" altLang="ja-JP" spc="-150" dirty="0"/>
-          </a:p>
-          <a:p>
-            <a:pPr lvl="1"/>
-            <a:r>
-              <a:rPr lang="en-US" altLang="ja-JP" dirty="0" err="1" smtClean="0"/>
-              <a:t>show_param</a:t>
-            </a:r>
-            <a:r>
-              <a:rPr lang="ja-JP" altLang="en-US" dirty="0" smtClean="0"/>
-              <a:t>関数</a:t>
-            </a:r>
-            <a:endParaRPr kumimoji="1" lang="en-US" altLang="ja-JP" dirty="0" smtClean="0"/>
-          </a:p>
-          <a:p>
-            <a:pPr lvl="1"/>
-            <a:endParaRPr kumimoji="1" lang="ja-JP" altLang="en-US" dirty="0"/>
+              <a:rPr kumimoji="1" lang="ja-JP" altLang="en-US" sz="2400" dirty="0" err="1" smtClean="0"/>
+              <a:t>のような</a:t>
+            </a:r>
+            <a:r>
+              <a:rPr kumimoji="1" lang="ja-JP" altLang="en-US" sz="2400" dirty="0" smtClean="0"/>
+              <a:t>場合</a:t>
+            </a:r>
+            <a:r>
+              <a:rPr kumimoji="1" lang="en-US" altLang="ja-JP" sz="2400" dirty="0" smtClean="0"/>
+              <a:t>, </a:t>
+            </a:r>
+            <a:r>
+              <a:rPr kumimoji="1" lang="ja-JP" altLang="en-US" sz="2400" dirty="0" smtClean="0"/>
+              <a:t>「</a:t>
+            </a:r>
+            <a:r>
+              <a:rPr kumimoji="1" lang="en-US" altLang="ja-JP" sz="2400" dirty="0" smtClean="0"/>
+              <a:t>python3 enshu_hmm.py</a:t>
+            </a:r>
+            <a:r>
+              <a:rPr kumimoji="1" lang="ja-JP" altLang="en-US" sz="2400" dirty="0" smtClean="0"/>
+              <a:t>」</a:t>
+            </a:r>
+            <a:r>
+              <a:rPr lang="ja-JP" altLang="en-US" sz="2400" dirty="0" smtClean="0"/>
+              <a:t>で実行</a:t>
+            </a:r>
+            <a:endParaRPr kumimoji="1" lang="ja-JP" altLang="en-US" sz="2400" dirty="0"/>
           </a:p>
         </p:txBody>
       </p:sp>
+      <p:cxnSp>
+        <p:nvCxnSpPr>
+          <p:cNvPr id="11" name="直線コネクタ 10"/>
+          <p:cNvCxnSpPr/>
+          <p:nvPr/>
+        </p:nvCxnSpPr>
+        <p:spPr>
+          <a:xfrm flipV="1">
+            <a:off x="1895410" y="4894974"/>
+            <a:ext cx="5517931" cy="15765"/>
+          </a:xfrm>
+          <a:prstGeom prst="line">
+            <a:avLst/>
+          </a:prstGeom>
+          <a:ln w="12700">
+            <a:solidFill>
+              <a:srgbClr val="FF0000"/>
+            </a:solidFill>
+          </a:ln>
+        </p:spPr>
+        <p:style>
+          <a:lnRef idx="1">
+            <a:schemeClr val="accent1"/>
+          </a:lnRef>
+          <a:fillRef idx="0">
+            <a:schemeClr val="accent1"/>
+          </a:fillRef>
+          <a:effectRef idx="0">
+            <a:schemeClr val="accent1"/>
+          </a:effectRef>
+          <a:fontRef idx="minor">
+            <a:schemeClr val="tx1"/>
+          </a:fontRef>
+        </p:style>
+      </p:cxnSp>
     </p:spTree>
     <p:extLst>
       <p:ext uri="{BB962C8B-B14F-4D97-AF65-F5344CB8AC3E}">
-        <p14:creationId xmlns:p14="http://schemas.microsoft.com/office/powerpoint/2010/main" val="3448370416"/>
+        <p14:creationId xmlns:p14="http://schemas.microsoft.com/office/powerpoint/2010/main" val="1948350273"/>
       </p:ext>
     </p:extLst>
   </p:cSld>
@@ -12894,4 +18218,265 @@
     </a:ext>
   </a:extLst>
 </a:theme>
+</file>
+
+<file path=ppt/theme/theme2.xml><?xml version="1.0" encoding="utf-8"?>
+<a:theme xmlns:a="http://schemas.openxmlformats.org/drawingml/2006/main" name="Office テーマ">
+  <a:themeElements>
+    <a:clrScheme name="Office">
+      <a:dk1>
+        <a:sysClr val="windowText" lastClr="000000"/>
+      </a:dk1>
+      <a:lt1>
+        <a:sysClr val="window" lastClr="FFFFFF"/>
+      </a:lt1>
+      <a:dk2>
+        <a:srgbClr val="44546A"/>
+      </a:dk2>
+      <a:lt2>
+        <a:srgbClr val="E7E6E6"/>
+      </a:lt2>
+      <a:accent1>
+        <a:srgbClr val="5B9BD5"/>
+      </a:accent1>
+      <a:accent2>
+        <a:srgbClr val="ED7D31"/>
+      </a:accent2>
+      <a:accent3>
+        <a:srgbClr val="A5A5A5"/>
+      </a:accent3>
+      <a:accent4>
+        <a:srgbClr val="FFC000"/>
+      </a:accent4>
+      <a:accent5>
+        <a:srgbClr val="4472C4"/>
+      </a:accent5>
+      <a:accent6>
+        <a:srgbClr val="70AD47"/>
+      </a:accent6>
+      <a:hlink>
+        <a:srgbClr val="0563C1"/>
+      </a:hlink>
+      <a:folHlink>
+        <a:srgbClr val="954F72"/>
+      </a:folHlink>
+    </a:clrScheme>
+    <a:fontScheme name="Office">
+      <a:majorFont>
+        <a:latin typeface="游ゴシック Light" panose="020F0302020204030204"/>
+        <a:ea typeface=""/>
+        <a:cs typeface=""/>
+        <a:font script="Jpan" typeface="游ゴシック Light"/>
+        <a:font script="Hang" typeface="맑은 고딕"/>
+        <a:font script="Hans" typeface="等线 Light"/>
+        <a:font script="Hant" typeface="新細明體"/>
+        <a:font script="Arab" typeface="Times New Roman"/>
+        <a:font script="Hebr" typeface="Times New Roman"/>
+        <a:font script="Thai" typeface="Angsana New"/>
+        <a:font script="Ethi" typeface="Nyala"/>
+        <a:font script="Beng" typeface="Vrinda"/>
+        <a:font script="Gujr" typeface="Shruti"/>
+        <a:font script="Khmr" typeface="MoolBoran"/>
+        <a:font script="Knda" typeface="Tunga"/>
+        <a:font script="Guru" typeface="Raavi"/>
+        <a:font script="Cans" typeface="Euphemia"/>
+        <a:font script="Cher" typeface="Plantagenet Cherokee"/>
+        <a:font script="Yiii" typeface="Microsoft Yi Baiti"/>
+        <a:font script="Tibt" typeface="Microsoft Himalaya"/>
+        <a:font script="Thaa" typeface="MV Boli"/>
+        <a:font script="Deva" typeface="Mangal"/>
+        <a:font script="Telu" typeface="Gautami"/>
+        <a:font script="Taml" typeface="Latha"/>
+        <a:font script="Syrc" typeface="Estrangelo Edessa"/>
+        <a:font script="Orya" typeface="Kalinga"/>
+        <a:font script="Mlym" typeface="Kartika"/>
+        <a:font script="Laoo" typeface="DokChampa"/>
+        <a:font script="Sinh" typeface="Iskoola Pota"/>
+        <a:font script="Mong" typeface="Mongolian Baiti"/>
+        <a:font script="Viet" typeface="Times New Roman"/>
+        <a:font script="Uigh" typeface="Microsoft Uighur"/>
+        <a:font script="Geor" typeface="Sylfaen"/>
+      </a:majorFont>
+      <a:minorFont>
+        <a:latin typeface="游ゴシック" panose="020F0502020204030204"/>
+        <a:ea typeface=""/>
+        <a:cs typeface=""/>
+        <a:font script="Jpan" typeface="游ゴシック"/>
+        <a:font script="Hang" typeface="맑은 고딕"/>
+        <a:font script="Hans" typeface="等线"/>
+        <a:font script="Hant" typeface="新細明體"/>
+        <a:font script="Arab" typeface="Arial"/>
+        <a:font script="Hebr" typeface="Arial"/>
+        <a:font script="Thai" typeface="Cordia New"/>
+        <a:font script="Ethi" typeface="Nyala"/>
+        <a:font script="Beng" typeface="Vrinda"/>
+        <a:font script="Gujr" typeface="Shruti"/>
+        <a:font script="Khmr" typeface="DaunPenh"/>
+        <a:font script="Knda" typeface="Tunga"/>
+        <a:font script="Guru" typeface="Raavi"/>
+        <a:font script="Cans" typeface="Euphemia"/>
+        <a:font script="Cher" typeface="Plantagenet Cherokee"/>
+        <a:font script="Yiii" typeface="Microsoft Yi Baiti"/>
+        <a:font script="Tibt" typeface="Microsoft Himalaya"/>
+        <a:font script="Thaa" typeface="MV Boli"/>
+        <a:font script="Deva" typeface="Mangal"/>
+        <a:font script="Telu" typeface="Gautami"/>
+        <a:font script="Taml" typeface="Latha"/>
+        <a:font script="Syrc" typeface="Estrangelo Edessa"/>
+        <a:font script="Orya" typeface="Kalinga"/>
+        <a:font script="Mlym" typeface="Kartika"/>
+        <a:font script="Laoo" typeface="DokChampa"/>
+        <a:font script="Sinh" typeface="Iskoola Pota"/>
+        <a:font script="Mong" typeface="Mongolian Baiti"/>
+        <a:font script="Viet" typeface="Arial"/>
+        <a:font script="Uigh" typeface="Microsoft Uighur"/>
+        <a:font script="Geor" typeface="Sylfaen"/>
+      </a:minorFont>
+    </a:fontScheme>
+    <a:fmtScheme name="Office">
+      <a:fillStyleLst>
+        <a:solidFill>
+          <a:schemeClr val="phClr"/>
+        </a:solidFill>
+        <a:gradFill rotWithShape="1">
+          <a:gsLst>
+            <a:gs pos="0">
+              <a:schemeClr val="phClr">
+                <a:lumMod val="110000"/>
+                <a:satMod val="105000"/>
+                <a:tint val="67000"/>
+              </a:schemeClr>
+            </a:gs>
+            <a:gs pos="50000">
+              <a:schemeClr val="phClr">
+                <a:lumMod val="105000"/>
+                <a:satMod val="103000"/>
+                <a:tint val="73000"/>
+              </a:schemeClr>
+            </a:gs>
+            <a:gs pos="100000">
+              <a:schemeClr val="phClr">
+                <a:lumMod val="105000"/>
+                <a:satMod val="109000"/>
+                <a:tint val="81000"/>
+              </a:schemeClr>
+            </a:gs>
+          </a:gsLst>
+          <a:lin ang="5400000" scaled="0"/>
+        </a:gradFill>
+        <a:gradFill rotWithShape="1">
+          <a:gsLst>
+            <a:gs pos="0">
+              <a:schemeClr val="phClr">
+                <a:satMod val="103000"/>
+                <a:lumMod val="102000"/>
+                <a:tint val="94000"/>
+              </a:schemeClr>
+            </a:gs>
+            <a:gs pos="50000">
+              <a:schemeClr val="phClr">
+                <a:satMod val="110000"/>
+                <a:lumMod val="100000"/>
+                <a:shade val="100000"/>
+              </a:schemeClr>
+            </a:gs>
+            <a:gs pos="100000">
+              <a:schemeClr val="phClr">
+                <a:lumMod val="99000"/>
+                <a:satMod val="120000"/>
+                <a:shade val="78000"/>
+              </a:schemeClr>
+            </a:gs>
+          </a:gsLst>
+          <a:lin ang="5400000" scaled="0"/>
+        </a:gradFill>
+      </a:fillStyleLst>
+      <a:lnStyleLst>
+        <a:ln w="6350" cap="flat" cmpd="sng" algn="ctr">
+          <a:solidFill>
+            <a:schemeClr val="phClr"/>
+          </a:solidFill>
+          <a:prstDash val="solid"/>
+          <a:miter lim="800000"/>
+        </a:ln>
+        <a:ln w="12700" cap="flat" cmpd="sng" algn="ctr">
+          <a:solidFill>
+            <a:schemeClr val="phClr"/>
+          </a:solidFill>
+          <a:prstDash val="solid"/>
+          <a:miter lim="800000"/>
+        </a:ln>
+        <a:ln w="19050" cap="flat" cmpd="sng" algn="ctr">
+          <a:solidFill>
+            <a:schemeClr val="phClr"/>
+          </a:solidFill>
+          <a:prstDash val="solid"/>
+          <a:miter lim="800000"/>
+        </a:ln>
+      </a:lnStyleLst>
+      <a:effectStyleLst>
+        <a:effectStyle>
+          <a:effectLst/>
+        </a:effectStyle>
+        <a:effectStyle>
+          <a:effectLst/>
+        </a:effectStyle>
+        <a:effectStyle>
+          <a:effectLst>
+            <a:outerShdw blurRad="57150" dist="19050" dir="5400000" algn="ctr" rotWithShape="0">
+              <a:srgbClr val="000000">
+                <a:alpha val="63000"/>
+              </a:srgbClr>
+            </a:outerShdw>
+          </a:effectLst>
+        </a:effectStyle>
+      </a:effectStyleLst>
+      <a:bgFillStyleLst>
+        <a:solidFill>
+          <a:schemeClr val="phClr"/>
+        </a:solidFill>
+        <a:solidFill>
+          <a:schemeClr val="phClr">
+            <a:tint val="95000"/>
+            <a:satMod val="170000"/>
+          </a:schemeClr>
+        </a:solidFill>
+        <a:gradFill rotWithShape="1">
+          <a:gsLst>
+            <a:gs pos="0">
+              <a:schemeClr val="phClr">
+                <a:tint val="93000"/>
+                <a:satMod val="150000"/>
+                <a:shade val="98000"/>
+                <a:lumMod val="102000"/>
+              </a:schemeClr>
+            </a:gs>
+            <a:gs pos="50000">
+              <a:schemeClr val="phClr">
+                <a:tint val="98000"/>
+                <a:satMod val="130000"/>
+                <a:shade val="90000"/>
+                <a:lumMod val="103000"/>
+              </a:schemeClr>
+            </a:gs>
+            <a:gs pos="100000">
+              <a:schemeClr val="phClr">
+                <a:shade val="63000"/>
+                <a:satMod val="120000"/>
+              </a:schemeClr>
+            </a:gs>
+          </a:gsLst>
+          <a:lin ang="5400000" scaled="0"/>
+        </a:gradFill>
+      </a:bgFillStyleLst>
+    </a:fmtScheme>
+  </a:themeElements>
+  <a:objectDefaults/>
+  <a:extraClrSchemeLst/>
+  <a:extLst>
+    <a:ext uri="{05A4C25C-085E-4340-85A3-A5531E510DB2}">
+      <thm15:themeFamily xmlns:thm15="http://schemas.microsoft.com/office/thememl/2012/main" name="Office Theme" id="{62F939B6-93AF-4DB8-9C6B-D6C7DFDC589F}" vid="{4A3C46E8-61CC-4603-A589-7422A47A8E4A}"/>
+    </a:ext>
+  </a:extLst>
+</a:theme>
 </file>
--- a/輪講実習.pptx
+++ b/輪講実習.pptx
@@ -227,7 +227,7 @@
           <a:p>
             <a:fld id="{0EB0646D-0A5E-44F6-ABAC-4D5D0DC413B7}" type="datetimeFigureOut">
               <a:rPr kumimoji="1" lang="ja-JP" altLang="en-US" smtClean="0"/>
-              <a:t>2017/11/11</a:t>
+              <a:t>2017/11/12</a:t>
             </a:fld>
             <a:endParaRPr kumimoji="1" lang="ja-JP" altLang="en-US"/>
           </a:p>
@@ -742,7 +742,7 @@
           <a:p>
             <a:fld id="{53BAA5EE-D9F1-4933-8391-6C246DDBCADF}" type="datetimeFigureOut">
               <a:rPr kumimoji="1" lang="ja-JP" altLang="en-US" smtClean="0"/>
-              <a:t>2017/11/10</a:t>
+              <a:t>2017/11/12</a:t>
             </a:fld>
             <a:endParaRPr kumimoji="1" lang="ja-JP" altLang="en-US"/>
           </a:p>
@@ -944,7 +944,7 @@
           <a:p>
             <a:fld id="{53BAA5EE-D9F1-4933-8391-6C246DDBCADF}" type="datetimeFigureOut">
               <a:rPr kumimoji="1" lang="ja-JP" altLang="en-US" smtClean="0"/>
-              <a:t>2017/11/10</a:t>
+              <a:t>2017/11/12</a:t>
             </a:fld>
             <a:endParaRPr kumimoji="1" lang="ja-JP" altLang="en-US"/>
           </a:p>
@@ -1156,7 +1156,7 @@
           <a:p>
             <a:fld id="{53BAA5EE-D9F1-4933-8391-6C246DDBCADF}" type="datetimeFigureOut">
               <a:rPr kumimoji="1" lang="ja-JP" altLang="en-US" smtClean="0"/>
-              <a:t>2017/11/10</a:t>
+              <a:t>2017/11/12</a:t>
             </a:fld>
             <a:endParaRPr kumimoji="1" lang="ja-JP" altLang="en-US"/>
           </a:p>
@@ -1358,7 +1358,7 @@
           <a:p>
             <a:fld id="{53BAA5EE-D9F1-4933-8391-6C246DDBCADF}" type="datetimeFigureOut">
               <a:rPr kumimoji="1" lang="ja-JP" altLang="en-US" smtClean="0"/>
-              <a:t>2017/11/10</a:t>
+              <a:t>2017/11/12</a:t>
             </a:fld>
             <a:endParaRPr kumimoji="1" lang="ja-JP" altLang="en-US"/>
           </a:p>
@@ -1602,7 +1602,7 @@
           <a:p>
             <a:fld id="{53BAA5EE-D9F1-4933-8391-6C246DDBCADF}" type="datetimeFigureOut">
               <a:rPr kumimoji="1" lang="ja-JP" altLang="en-US" smtClean="0"/>
-              <a:t>2017/11/10</a:t>
+              <a:t>2017/11/12</a:t>
             </a:fld>
             <a:endParaRPr kumimoji="1" lang="ja-JP" altLang="en-US"/>
           </a:p>
@@ -1898,7 +1898,7 @@
           <a:p>
             <a:fld id="{53BAA5EE-D9F1-4933-8391-6C246DDBCADF}" type="datetimeFigureOut">
               <a:rPr kumimoji="1" lang="ja-JP" altLang="en-US" smtClean="0"/>
-              <a:t>2017/11/10</a:t>
+              <a:t>2017/11/12</a:t>
             </a:fld>
             <a:endParaRPr kumimoji="1" lang="ja-JP" altLang="en-US"/>
           </a:p>
@@ -2329,7 +2329,7 @@
           <a:p>
             <a:fld id="{53BAA5EE-D9F1-4933-8391-6C246DDBCADF}" type="datetimeFigureOut">
               <a:rPr kumimoji="1" lang="ja-JP" altLang="en-US" smtClean="0"/>
-              <a:t>2017/11/10</a:t>
+              <a:t>2017/11/12</a:t>
             </a:fld>
             <a:endParaRPr kumimoji="1" lang="ja-JP" altLang="en-US"/>
           </a:p>
@@ -2447,7 +2447,7 @@
           <a:p>
             <a:fld id="{53BAA5EE-D9F1-4933-8391-6C246DDBCADF}" type="datetimeFigureOut">
               <a:rPr kumimoji="1" lang="ja-JP" altLang="en-US" smtClean="0"/>
-              <a:t>2017/11/10</a:t>
+              <a:t>2017/11/12</a:t>
             </a:fld>
             <a:endParaRPr kumimoji="1" lang="ja-JP" altLang="en-US"/>
           </a:p>
@@ -2542,7 +2542,7 @@
           <a:p>
             <a:fld id="{53BAA5EE-D9F1-4933-8391-6C246DDBCADF}" type="datetimeFigureOut">
               <a:rPr kumimoji="1" lang="ja-JP" altLang="en-US" smtClean="0"/>
-              <a:t>2017/11/10</a:t>
+              <a:t>2017/11/12</a:t>
             </a:fld>
             <a:endParaRPr kumimoji="1" lang="ja-JP" altLang="en-US"/>
           </a:p>
@@ -2851,7 +2851,7 @@
           <a:p>
             <a:fld id="{53BAA5EE-D9F1-4933-8391-6C246DDBCADF}" type="datetimeFigureOut">
               <a:rPr kumimoji="1" lang="ja-JP" altLang="en-US" smtClean="0"/>
-              <a:t>2017/11/10</a:t>
+              <a:t>2017/11/12</a:t>
             </a:fld>
             <a:endParaRPr kumimoji="1" lang="ja-JP" altLang="en-US"/>
           </a:p>
@@ -3108,7 +3108,7 @@
           <a:p>
             <a:fld id="{53BAA5EE-D9F1-4933-8391-6C246DDBCADF}" type="datetimeFigureOut">
               <a:rPr kumimoji="1" lang="ja-JP" altLang="en-US" smtClean="0"/>
-              <a:t>2017/11/10</a:t>
+              <a:t>2017/11/12</a:t>
             </a:fld>
             <a:endParaRPr kumimoji="1" lang="ja-JP" altLang="en-US"/>
           </a:p>
@@ -3353,7 +3353,7 @@
           <a:p>
             <a:fld id="{53BAA5EE-D9F1-4933-8391-6C246DDBCADF}" type="datetimeFigureOut">
               <a:rPr kumimoji="1" lang="ja-JP" altLang="en-US" smtClean="0"/>
-              <a:t>2017/11/10</a:t>
+              <a:t>2017/11/12</a:t>
             </a:fld>
             <a:endParaRPr kumimoji="1" lang="ja-JP" altLang="en-US"/>
           </a:p>
@@ -4365,7 +4365,7 @@
           </a:prstGeom>
           <a:ln w="76200">
             <a:solidFill>
-              <a:srgbClr val="FF0000"/>
+              <a:srgbClr val="C00000"/>
             </a:solidFill>
             <a:tailEnd type="triangle"/>
           </a:ln>
@@ -4464,8 +4464,8 @@
         </p:nvSpPr>
         <p:spPr>
           <a:xfrm>
-            <a:off x="3289300" y="6007101"/>
-            <a:ext cx="800100" cy="354808"/>
+            <a:off x="3289300" y="5947576"/>
+            <a:ext cx="800100" cy="414333"/>
           </a:xfrm>
           <a:prstGeom prst="downArrow">
             <a:avLst/>
@@ -4836,7 +4836,7 @@
           </a:prstGeom>
           <a:ln w="76200">
             <a:solidFill>
-              <a:srgbClr val="FF0000"/>
+              <a:srgbClr val="C00000"/>
             </a:solidFill>
             <a:tailEnd type="triangle"/>
           </a:ln>
@@ -5420,7 +5420,7 @@
           </a:prstGeom>
           <a:ln w="76200">
             <a:solidFill>
-              <a:srgbClr val="FF0000"/>
+              <a:srgbClr val="C00000"/>
             </a:solidFill>
             <a:tailEnd type="triangle"/>
           </a:ln>
@@ -6037,7 +6037,7 @@
             </a:prstGeom>
             <a:ln w="57150">
               <a:solidFill>
-                <a:srgbClr val="FF0000"/>
+                <a:srgbClr val="C00000"/>
               </a:solidFill>
             </a:ln>
           </p:spPr>
@@ -6083,7 +6083,7 @@
             </a:solidFill>
             <a:ln>
               <a:solidFill>
-                <a:srgbClr val="FF0000"/>
+                <a:srgbClr val="C00000"/>
               </a:solidFill>
             </a:ln>
           </p:spPr>
@@ -6724,11 +6724,7 @@
             <a:pPr algn="ctr"/>
             <a:r>
               <a:rPr lang="ja-JP" altLang="en-US" sz="2400" dirty="0" smtClean="0"/>
-              <a:t>・</a:t>
-            </a:r>
-            <a:r>
-              <a:rPr lang="ja-JP" altLang="en-US" sz="2400" dirty="0" smtClean="0"/>
-              <a:t>復号問題</a:t>
+              <a:t>・復号問題</a:t>
             </a:r>
             <a:endParaRPr kumimoji="1" lang="en-US" altLang="ja-JP" sz="2400" dirty="0" smtClean="0"/>
           </a:p>
@@ -7534,15 +7530,7 @@
             </a:br>
             <a:r>
               <a:rPr kumimoji="1" lang="ja-JP" altLang="en-US" sz="2000" dirty="0" smtClean="0"/>
-              <a:t>最尤</a:t>
-            </a:r>
-            <a:r>
-              <a:rPr kumimoji="1" lang="ja-JP" altLang="en-US" sz="2000" dirty="0" smtClean="0"/>
-              <a:t>状態遷移系列</a:t>
-            </a:r>
-            <a:r>
-              <a:rPr kumimoji="1" lang="ja-JP" altLang="en-US" sz="2000" dirty="0" smtClean="0"/>
-              <a:t>となる</a:t>
+              <a:t>最尤状態遷移系列となる</a:t>
             </a:r>
             <a:endParaRPr kumimoji="1" lang="ja-JP" altLang="en-US" sz="2000" dirty="0"/>
           </a:p>
@@ -7873,15 +7861,27 @@
             <a:pPr lvl="1"/>
             <a:r>
               <a:rPr lang="ja-JP" altLang="en-US" dirty="0" smtClean="0"/>
-              <a:t>ホームディレクトリ内の</a:t>
+              <a:t>ホームディレクトリ内</a:t>
+            </a:r>
+            <a:r>
+              <a:rPr lang="ja-JP" altLang="en-US" dirty="0" smtClean="0"/>
+              <a:t>の</a:t>
             </a:r>
             <a:r>
               <a:rPr lang="en-US" altLang="ja-JP" dirty="0" err="1" smtClean="0"/>
-              <a:t>enshu</a:t>
+              <a:t>rinko</a:t>
             </a:r>
             <a:r>
               <a:rPr lang="ja-JP" altLang="en-US" dirty="0" smtClean="0"/>
-              <a:t>フォルダ内に移動</a:t>
+              <a:t>フォルダ内</a:t>
+            </a:r>
+            <a:r>
+              <a:rPr lang="ja-JP" altLang="en-US" dirty="0" smtClean="0"/>
+              <a:t>に</a:t>
+            </a:r>
+            <a:r>
+              <a:rPr lang="ja-JP" altLang="en-US" dirty="0" smtClean="0"/>
+              <a:t>移動</a:t>
             </a:r>
             <a:endParaRPr lang="en-US" altLang="ja-JP" dirty="0" smtClean="0"/>
           </a:p>
@@ -9137,11 +9137,7 @@
             </a:br>
             <a:r>
               <a:rPr lang="ja-JP" altLang="en-US" dirty="0" smtClean="0"/>
-              <a:t>と</a:t>
-            </a:r>
-            <a:r>
-              <a:rPr lang="ja-JP" altLang="en-US" dirty="0" smtClean="0"/>
-              <a:t>してパラメータを学習</a:t>
+              <a:t>としてパラメータを学習</a:t>
             </a:r>
             <a:endParaRPr lang="en-US" altLang="ja-JP" dirty="0" smtClean="0"/>
           </a:p>
@@ -12001,8 +11997,8 @@
         </p:nvSpPr>
         <p:spPr>
           <a:xfrm>
-            <a:off x="1162536" y="1631397"/>
-            <a:ext cx="2448233" cy="654305"/>
+            <a:off x="1162536" y="1540591"/>
+            <a:ext cx="2448233" cy="745111"/>
           </a:xfrm>
           <a:prstGeom prst="rect">
             <a:avLst/>
@@ -12057,8 +12053,8 @@
         </p:nvSpPr>
         <p:spPr>
           <a:xfrm>
-            <a:off x="5589684" y="1650917"/>
-            <a:ext cx="2448233" cy="654305"/>
+            <a:off x="5589684" y="1540591"/>
+            <a:ext cx="2448233" cy="764631"/>
           </a:xfrm>
           <a:prstGeom prst="rect">
             <a:avLst/>
@@ -12194,15 +12190,15 @@
           <a:p>
             <a:r>
               <a:rPr kumimoji="1" lang="ja-JP" altLang="en-US" dirty="0" smtClean="0"/>
-              <a:t>配布した資料の統計情報より</a:t>
-            </a:r>
-            <a:r>
-              <a:rPr kumimoji="1" lang="en-US" altLang="ja-JP" dirty="0" smtClean="0"/>
-              <a:t>,</a:t>
+              <a:t>配布した資料の統計情報</a:t>
             </a:r>
             <a:r>
               <a:rPr kumimoji="1" lang="ja-JP" altLang="en-US" dirty="0" smtClean="0"/>
-              <a:t>パラメータを計算</a:t>
+              <a:t>よりパラメータ</a:t>
+            </a:r>
+            <a:r>
+              <a:rPr kumimoji="1" lang="ja-JP" altLang="en-US" dirty="0" smtClean="0"/>
+              <a:t>を計算</a:t>
             </a:r>
             <a:endParaRPr kumimoji="1" lang="en-US" altLang="ja-JP" dirty="0" smtClean="0"/>
           </a:p>
@@ -12420,7 +12416,7 @@
         <p:spPr>
           <a:xfrm>
             <a:off x="1135507" y="2440527"/>
-            <a:ext cx="7650684" cy="954107"/>
+            <a:ext cx="7903189" cy="954107"/>
           </a:xfrm>
           <a:prstGeom prst="rect">
             <a:avLst/>
@@ -12463,14 +12459,10 @@
             <a:r>
               <a:rPr lang="en-US" altLang="ja-JP" sz="2800" dirty="0" smtClean="0">
                 <a:solidFill>
-                  <a:srgbClr val="FF0000"/>
+                  <a:srgbClr val="C00000"/>
                 </a:solidFill>
               </a:rPr>
-              <a:t>$python kadai.py</a:t>
-            </a:r>
-            <a:r>
-              <a:rPr lang="en-US" altLang="ja-JP" sz="2800" dirty="0" smtClean="0"/>
-              <a:t>   </a:t>
+              <a:t>$python kadai.py   </a:t>
             </a:r>
             <a:r>
               <a:rPr lang="ja-JP" altLang="en-US" sz="2800" dirty="0" smtClean="0"/>
@@ -12685,7 +12677,7 @@
             <a:r>
               <a:rPr kumimoji="1" lang="en-US" altLang="ja-JP" dirty="0" smtClean="0">
                 <a:solidFill>
-                  <a:srgbClr val="FF0000"/>
+                  <a:srgbClr val="C00000"/>
                 </a:solidFill>
               </a:rPr>
               <a:t>$ python identification.py   </a:t>
@@ -12700,17 +12692,38 @@
             <a:endParaRPr lang="en-US" altLang="ja-JP" dirty="0"/>
           </a:p>
           <a:p>
+            <a:pPr>
+              <a:lnSpc>
+                <a:spcPct val="150000"/>
+              </a:lnSpc>
+            </a:pPr>
             <a:r>
               <a:rPr kumimoji="1" lang="ja-JP" altLang="en-US" dirty="0" smtClean="0"/>
-              <a:t>評価問題によって</a:t>
-            </a:r>
+              <a:t>評価</a:t>
+            </a:r>
+            <a:r>
+              <a:rPr kumimoji="1" lang="ja-JP" altLang="en-US" dirty="0" smtClean="0"/>
+              <a:t>問題</a:t>
+            </a:r>
+            <a:endParaRPr lang="en-US" altLang="ja-JP" dirty="0"/>
+          </a:p>
+          <a:p>
+            <a:pPr lvl="1">
+              <a:lnSpc>
+                <a:spcPct val="150000"/>
+              </a:lnSpc>
+            </a:pPr>
             <a:r>
               <a:rPr kumimoji="1" lang="en-US" altLang="ja-JP" dirty="0" smtClean="0"/>
-              <a:t>,2</a:t>
+              <a:t>2</a:t>
             </a:r>
             <a:r>
               <a:rPr kumimoji="1" lang="ja-JP" altLang="en-US" dirty="0" smtClean="0"/>
-              <a:t>種類のモデル</a:t>
+              <a:t>種類の</a:t>
+            </a:r>
+            <a:r>
+              <a:rPr kumimoji="1" lang="ja-JP" altLang="en-US" dirty="0" smtClean="0"/>
+              <a:t>モデル</a:t>
             </a:r>
             <a:r>
               <a:rPr kumimoji="1" lang="en-US" altLang="ja-JP" dirty="0" smtClean="0"/>
@@ -12721,29 +12734,73 @@
               <a:t>雨が</a:t>
             </a:r>
             <a:r>
-              <a:rPr lang="ja-JP" altLang="en-US" dirty="0"/>
-              <a:t>多</a:t>
-            </a:r>
-            <a:r>
               <a:rPr lang="ja-JP" altLang="en-US" dirty="0" smtClean="0"/>
-              <a:t>い</a:t>
+              <a:t>多い</a:t>
+            </a:r>
+            <a:r>
+              <a:rPr lang="en-US" altLang="ja-JP" dirty="0"/>
+              <a:t>/</a:t>
             </a:r>
             <a:r>
               <a:rPr kumimoji="1" lang="ja-JP" altLang="en-US" dirty="0" smtClean="0"/>
-              <a:t>地域・晴れが多い地域</a:t>
+              <a:t>晴れ</a:t>
+            </a:r>
+            <a:r>
+              <a:rPr kumimoji="1" lang="ja-JP" altLang="en-US" dirty="0" smtClean="0"/>
+              <a:t>が多い地域</a:t>
             </a:r>
             <a:r>
               <a:rPr kumimoji="1" lang="en-US" altLang="ja-JP" dirty="0" smtClean="0"/>
               <a:t>)</a:t>
             </a:r>
             <a:r>
-              <a:rPr kumimoji="1" lang="ja-JP" altLang="en-US" dirty="0" err="1" smtClean="0"/>
-              <a:t>を識</a:t>
+              <a:rPr lang="ja-JP" altLang="en-US" dirty="0" smtClean="0"/>
+              <a:t>から</a:t>
+            </a:r>
+            <a:r>
+              <a:rPr lang="en-US" altLang="ja-JP" dirty="0" smtClean="0"/>
+              <a:t/>
+            </a:r>
+            <a:br>
+              <a:rPr lang="en-US" altLang="ja-JP" dirty="0" smtClean="0"/>
+            </a:br>
+            <a:r>
+              <a:rPr lang="ja-JP" altLang="en-US" dirty="0" smtClean="0"/>
+              <a:t>出力された観測系列の</a:t>
             </a:r>
             <a:r>
               <a:rPr kumimoji="1" lang="ja-JP" altLang="en-US" dirty="0" smtClean="0"/>
-              <a:t>別</a:t>
-            </a:r>
+              <a:t>尤度をそれぞれ求める</a:t>
+            </a:r>
+            <a:endParaRPr kumimoji="1" lang="en-US" altLang="ja-JP" dirty="0" smtClean="0"/>
+          </a:p>
+          <a:p>
+            <a:pPr lvl="1">
+              <a:lnSpc>
+                <a:spcPct val="150000"/>
+              </a:lnSpc>
+            </a:pPr>
+            <a:r>
+              <a:rPr lang="ja-JP" altLang="en-US" dirty="0" smtClean="0"/>
+              <a:t>尤度によって、観測系列がどちらのモデルから</a:t>
+            </a:r>
+            <a:r>
+              <a:rPr lang="en-US" altLang="ja-JP" dirty="0" smtClean="0"/>
+              <a:t/>
+            </a:r>
+            <a:br>
+              <a:rPr lang="en-US" altLang="ja-JP" dirty="0" smtClean="0"/>
+            </a:br>
+            <a:r>
+              <a:rPr lang="ja-JP" altLang="en-US" dirty="0" smtClean="0"/>
+              <a:t>出力されたものかを識別する</a:t>
+            </a:r>
+            <a:endParaRPr lang="en-US" altLang="ja-JP" dirty="0"/>
+          </a:p>
+          <a:p>
+            <a:endParaRPr kumimoji="1" lang="en-US" altLang="ja-JP" dirty="0" smtClean="0"/>
+          </a:p>
+          <a:p>
             <a:endParaRPr kumimoji="1" lang="ja-JP" altLang="en-US" dirty="0"/>
           </a:p>
         </p:txBody>
@@ -12859,7 +12916,7 @@
             <a:r>
               <a:rPr lang="en-US" altLang="ja-JP" dirty="0">
                 <a:solidFill>
-                  <a:srgbClr val="FF0000"/>
+                  <a:srgbClr val="C00000"/>
                 </a:solidFill>
               </a:rPr>
               <a:t>$ python identification.py   </a:t>
@@ -13149,7 +13206,7 @@
             <a:r>
               <a:rPr lang="en-US" altLang="ja-JP" dirty="0">
                 <a:solidFill>
-                  <a:srgbClr val="FF0000"/>
+                  <a:srgbClr val="C00000"/>
                 </a:solidFill>
               </a:rPr>
               <a:t>$ python identification.py   </a:t>
@@ -13210,13 +13267,13 @@
             <a:avLst/>
           </a:prstGeom>
           <a:solidFill>
-            <a:schemeClr val="accent1">
+            <a:srgbClr val="C00000">
               <a:alpha val="0"/>
-            </a:schemeClr>
+            </a:srgbClr>
           </a:solidFill>
           <a:ln w="66675">
             <a:solidFill>
-              <a:srgbClr val="FF0000"/>
+              <a:srgbClr val="C00000"/>
             </a:solidFill>
           </a:ln>
         </p:spPr>
@@ -13262,6 +13319,9 @@
               <a:gd name="adj2" fmla="val -106552"/>
             </a:avLst>
           </a:prstGeom>
+          <a:ln>
+            <a:noFill/>
+          </a:ln>
         </p:spPr>
         <p:style>
           <a:lnRef idx="2">
@@ -13530,8 +13590,8 @@
         </p:nvSpPr>
         <p:spPr>
           <a:xfrm>
-            <a:off x="863153" y="1650916"/>
-            <a:ext cx="3046999" cy="654305"/>
+            <a:off x="863153" y="1582310"/>
+            <a:ext cx="3046999" cy="722911"/>
           </a:xfrm>
           <a:prstGeom prst="rect">
             <a:avLst/>
@@ -13598,8 +13658,8 @@
         </p:nvSpPr>
         <p:spPr>
           <a:xfrm>
-            <a:off x="5589684" y="1650917"/>
-            <a:ext cx="2448233" cy="654305"/>
+            <a:off x="5589684" y="1582311"/>
+            <a:ext cx="2448233" cy="722912"/>
           </a:xfrm>
           <a:prstGeom prst="rect">
             <a:avLst/>
@@ -13691,8 +13751,8 @@
         </p:nvSpPr>
         <p:spPr>
           <a:xfrm rot="10800000">
-            <a:off x="2305357" y="5282781"/>
-            <a:ext cx="717928" cy="880222"/>
+            <a:off x="2305357" y="5282780"/>
+            <a:ext cx="717928" cy="1035639"/>
           </a:xfrm>
           <a:prstGeom prst="downArrow">
             <a:avLst>
@@ -13742,8 +13802,8 @@
         </p:nvSpPr>
         <p:spPr>
           <a:xfrm rot="10800000">
-            <a:off x="6069315" y="5282780"/>
-            <a:ext cx="718661" cy="880223"/>
+            <a:off x="6069314" y="5282779"/>
+            <a:ext cx="718661" cy="1035639"/>
           </a:xfrm>
           <a:prstGeom prst="downArrow">
             <a:avLst>
@@ -14985,7 +15045,11 @@
             <a:pPr lvl="1"/>
             <a:r>
               <a:rPr kumimoji="1" lang="ja-JP" altLang="en-US" dirty="0" smtClean="0"/>
-              <a:t>復号化問題を解いて最尤状態遷移系列を求める関数</a:t>
+              <a:t>復号問題</a:t>
+            </a:r>
+            <a:r>
+              <a:rPr kumimoji="1" lang="ja-JP" altLang="en-US" dirty="0" smtClean="0"/>
+              <a:t>を解いて最尤状態遷移系列を求める関数</a:t>
             </a:r>
             <a:endParaRPr kumimoji="1" lang="en-US" altLang="ja-JP" dirty="0" smtClean="0"/>
           </a:p>
@@ -15020,7 +15084,7 @@
             <a:r>
               <a:rPr kumimoji="1" lang="ja-JP" altLang="en-US" b="1" dirty="0" smtClean="0">
                 <a:solidFill>
-                  <a:srgbClr val="FF0000"/>
+                  <a:srgbClr val="C00000"/>
                 </a:solidFill>
               </a:rPr>
               <a:t>最尤状態遷移系列</a:t>
@@ -15717,12 +15781,18 @@
         </p:nvSpPr>
         <p:spPr>
           <a:xfrm>
-            <a:off x="4324350" y="5267325"/>
-            <a:ext cx="523875" cy="714375"/>
+            <a:off x="4143376" y="5267325"/>
+            <a:ext cx="857248" cy="714375"/>
           </a:xfrm>
           <a:prstGeom prst="rightArrow">
             <a:avLst/>
           </a:prstGeom>
+          <a:solidFill>
+            <a:srgbClr val="C00000"/>
+          </a:solidFill>
+          <a:ln>
+            <a:noFill/>
+          </a:ln>
         </p:spPr>
         <p:style>
           <a:lnRef idx="2">
@@ -16426,120 +16496,7 @@
   <p:timing>
     <p:tnLst>
       <p:par>
-        <p:cTn id="1" dur="indefinite" restart="never" nodeType="tmRoot">
-          <p:childTnLst>
-            <p:seq concurrent="1" nextAc="seek">
-              <p:cTn id="2" dur="indefinite" nodeType="mainSeq">
-                <p:childTnLst>
-                  <p:par>
-                    <p:cTn id="3" fill="hold">
-                      <p:stCondLst>
-                        <p:cond delay="indefinite"/>
-                      </p:stCondLst>
-                      <p:childTnLst>
-                        <p:par>
-                          <p:cTn id="4" fill="hold">
-                            <p:stCondLst>
-                              <p:cond delay="0"/>
-                            </p:stCondLst>
-                            <p:childTnLst>
-                              <p:par>
-                                <p:cTn id="5" presetID="1" presetClass="entr" presetSubtype="0" fill="hold" nodeType="clickEffect">
-                                  <p:stCondLst>
-                                    <p:cond delay="0"/>
-                                  </p:stCondLst>
-                                  <p:childTnLst>
-                                    <p:set>
-                                      <p:cBhvr>
-                                        <p:cTn id="6" dur="1" fill="hold">
-                                          <p:stCondLst>
-                                            <p:cond delay="0"/>
-                                          </p:stCondLst>
-                                        </p:cTn>
-                                        <p:tgtEl>
-                                          <p:spTgt spid="4"/>
-                                        </p:tgtEl>
-                                        <p:attrNameLst>
-                                          <p:attrName>style.visibility</p:attrName>
-                                        </p:attrNameLst>
-                                      </p:cBhvr>
-                                      <p:to>
-                                        <p:strVal val="visible"/>
-                                      </p:to>
-                                    </p:set>
-                                  </p:childTnLst>
-                                </p:cTn>
-                              </p:par>
-                            </p:childTnLst>
-                          </p:cTn>
-                        </p:par>
-                      </p:childTnLst>
-                    </p:cTn>
-                  </p:par>
-                  <p:par>
-                    <p:cTn id="7" fill="hold">
-                      <p:stCondLst>
-                        <p:cond delay="indefinite"/>
-                      </p:stCondLst>
-                      <p:childTnLst>
-                        <p:par>
-                          <p:cTn id="8" fill="hold">
-                            <p:stCondLst>
-                              <p:cond delay="0"/>
-                            </p:stCondLst>
-                            <p:childTnLst>
-                              <p:par>
-                                <p:cTn id="9" presetID="1" presetClass="entr" presetSubtype="0" fill="hold" nodeType="clickEffect">
-                                  <p:stCondLst>
-                                    <p:cond delay="0"/>
-                                  </p:stCondLst>
-                                  <p:childTnLst>
-                                    <p:set>
-                                      <p:cBhvr>
-                                        <p:cTn id="10" dur="1" fill="hold">
-                                          <p:stCondLst>
-                                            <p:cond delay="0"/>
-                                          </p:stCondLst>
-                                        </p:cTn>
-                                        <p:tgtEl>
-                                          <p:spTgt spid="7"/>
-                                        </p:tgtEl>
-                                        <p:attrNameLst>
-                                          <p:attrName>style.visibility</p:attrName>
-                                        </p:attrNameLst>
-                                      </p:cBhvr>
-                                      <p:to>
-                                        <p:strVal val="visible"/>
-                                      </p:to>
-                                    </p:set>
-                                  </p:childTnLst>
-                                </p:cTn>
-                              </p:par>
-                            </p:childTnLst>
-                          </p:cTn>
-                        </p:par>
-                      </p:childTnLst>
-                    </p:cTn>
-                  </p:par>
-                </p:childTnLst>
-              </p:cTn>
-              <p:prevCondLst>
-                <p:cond evt="onPrev" delay="0">
-                  <p:tgtEl>
-                    <p:sldTgt/>
-                  </p:tgtEl>
-                </p:cond>
-              </p:prevCondLst>
-              <p:nextCondLst>
-                <p:cond evt="onNext" delay="0">
-                  <p:tgtEl>
-                    <p:sldTgt/>
-                  </p:tgtEl>
-                </p:cond>
-              </p:nextCondLst>
-            </p:seq>
-          </p:childTnLst>
-        </p:cTn>
+        <p:cTn id="1" dur="indefinite" restart="never" nodeType="tmRoot"/>
       </p:par>
     </p:tnLst>
   </p:timing>
@@ -16676,7 +16633,7 @@
             <a:r>
               <a:rPr lang="en-US" altLang="ja-JP" b="1" dirty="0" smtClean="0">
                 <a:solidFill>
-                  <a:srgbClr val="FF0000"/>
+                  <a:srgbClr val="C00000"/>
                 </a:solidFill>
               </a:rPr>
               <a:t>HMM</a:t>
@@ -16684,7 +16641,7 @@
             <a:r>
               <a:rPr lang="ja-JP" altLang="en-US" b="1" dirty="0" smtClean="0">
                 <a:solidFill>
-                  <a:srgbClr val="FF0000"/>
+                  <a:srgbClr val="C00000"/>
                 </a:solidFill>
               </a:rPr>
               <a:t>のパラメータ</a:t>
@@ -17744,23 +17701,15 @@
             <a:r>
               <a:rPr lang="en-US" altLang="ja-JP" dirty="0" smtClean="0">
                 <a:solidFill>
-                  <a:srgbClr val="FF0000"/>
+                  <a:srgbClr val="C00000"/>
                 </a:solidFill>
               </a:rPr>
-              <a:t>python </a:t>
-            </a:r>
-            <a:r>
-              <a:rPr lang="en-US" altLang="ja-JP" dirty="0" smtClean="0">
-                <a:solidFill>
-                  <a:srgbClr val="FF0000"/>
-                </a:solidFill>
-              </a:rPr>
-              <a:t>enshu</a:t>
+              <a:t>python enshu</a:t>
             </a:r>
             <a:r>
               <a:rPr lang="en-US" altLang="ja-JP" dirty="0">
                 <a:solidFill>
-                  <a:srgbClr val="FF0000"/>
+                  <a:srgbClr val="C00000"/>
                 </a:solidFill>
               </a:rPr>
               <a:t>_</a:t>
@@ -17768,18 +17717,14 @@
             <a:r>
               <a:rPr lang="en-US" altLang="ja-JP" dirty="0" smtClean="0">
                 <a:solidFill>
-                  <a:srgbClr val="FF0000"/>
+                  <a:srgbClr val="C00000"/>
                 </a:solidFill>
               </a:rPr>
               <a:t>hmm.py</a:t>
             </a:r>
             <a:r>
               <a:rPr lang="ja-JP" altLang="en-US" dirty="0" smtClean="0"/>
-              <a:t>」を</a:t>
-            </a:r>
-            <a:r>
-              <a:rPr lang="ja-JP" altLang="en-US" dirty="0" smtClean="0"/>
-              <a:t>実行</a:t>
+              <a:t>」を実行</a:t>
             </a:r>
             <a:endParaRPr lang="en-US" altLang="ja-JP" dirty="0" smtClean="0"/>
           </a:p>
@@ -17817,7 +17762,6 @@
               <a:rPr lang="en-US" altLang="ja-JP" dirty="0" smtClean="0"/>
               <a:t>	</a:t>
             </a:r>
-            <a:endParaRPr lang="en-US" altLang="ja-JP" dirty="0" smtClean="0"/>
           </a:p>
         </p:txBody>
       </p:sp>
@@ -18000,76 +17944,16 @@
         <a:srgbClr val="954F72"/>
       </a:folHlink>
     </a:clrScheme>
-    <a:fontScheme name="Office テーマ">
+    <a:fontScheme name="基本フォント船坂">
       <a:majorFont>
-        <a:latin typeface="Calibri Light" panose="020F0302020204030204"/>
-        <a:ea typeface=""/>
+        <a:latin typeface="Segoe UI"/>
+        <a:ea typeface="メイリオ"/>
         <a:cs typeface=""/>
-        <a:font script="Jpan" typeface="游ゴシック Light"/>
-        <a:font script="Hang" typeface="맑은 고딕"/>
-        <a:font script="Hans" typeface="等线 Light"/>
-        <a:font script="Hant" typeface="新細明體"/>
-        <a:font script="Arab" typeface="Times New Roman"/>
-        <a:font script="Hebr" typeface="Times New Roman"/>
-        <a:font script="Thai" typeface="Angsana New"/>
-        <a:font script="Ethi" typeface="Nyala"/>
-        <a:font script="Beng" typeface="Vrinda"/>
-        <a:font script="Gujr" typeface="Shruti"/>
-        <a:font script="Khmr" typeface="MoolBoran"/>
-        <a:font script="Knda" typeface="Tunga"/>
-        <a:font script="Guru" typeface="Raavi"/>
-        <a:font script="Cans" typeface="Euphemia"/>
-        <a:font script="Cher" typeface="Plantagenet Cherokee"/>
-        <a:font script="Yiii" typeface="Microsoft Yi Baiti"/>
-        <a:font script="Tibt" typeface="Microsoft Himalaya"/>
-        <a:font script="Thaa" typeface="MV Boli"/>
-        <a:font script="Deva" typeface="Mangal"/>
-        <a:font script="Telu" typeface="Gautami"/>
-        <a:font script="Taml" typeface="Latha"/>
-        <a:font script="Syrc" typeface="Estrangelo Edessa"/>
-        <a:font script="Orya" typeface="Kalinga"/>
-        <a:font script="Mlym" typeface="Kartika"/>
-        <a:font script="Laoo" typeface="DokChampa"/>
-        <a:font script="Sinh" typeface="Iskoola Pota"/>
-        <a:font script="Mong" typeface="Mongolian Baiti"/>
-        <a:font script="Viet" typeface="Times New Roman"/>
-        <a:font script="Uigh" typeface="Microsoft Uighur"/>
-        <a:font script="Geor" typeface="Sylfaen"/>
       </a:majorFont>
       <a:minorFont>
-        <a:latin typeface="Calibri" panose="020F0502020204030204"/>
-        <a:ea typeface=""/>
+        <a:latin typeface="Segoe UI"/>
+        <a:ea typeface="メイリオ"/>
         <a:cs typeface=""/>
-        <a:font script="Jpan" typeface="游ゴシック"/>
-        <a:font script="Hang" typeface="맑은 고딕"/>
-        <a:font script="Hans" typeface="等线"/>
-        <a:font script="Hant" typeface="新細明體"/>
-        <a:font script="Arab" typeface="Arial"/>
-        <a:font script="Hebr" typeface="Arial"/>
-        <a:font script="Thai" typeface="Cordia New"/>
-        <a:font script="Ethi" typeface="Nyala"/>
-        <a:font script="Beng" typeface="Vrinda"/>
-        <a:font script="Gujr" typeface="Shruti"/>
-        <a:font script="Khmr" typeface="DaunPenh"/>
-        <a:font script="Knda" typeface="Tunga"/>
-        <a:font script="Guru" typeface="Raavi"/>
-        <a:font script="Cans" typeface="Euphemia"/>
-        <a:font script="Cher" typeface="Plantagenet Cherokee"/>
-        <a:font script="Yiii" typeface="Microsoft Yi Baiti"/>
-        <a:font script="Tibt" typeface="Microsoft Himalaya"/>
-        <a:font script="Thaa" typeface="MV Boli"/>
-        <a:font script="Deva" typeface="Mangal"/>
-        <a:font script="Telu" typeface="Gautami"/>
-        <a:font script="Taml" typeface="Latha"/>
-        <a:font script="Syrc" typeface="Estrangelo Edessa"/>
-        <a:font script="Orya" typeface="Kalinga"/>
-        <a:font script="Mlym" typeface="Kartika"/>
-        <a:font script="Laoo" typeface="DokChampa"/>
-        <a:font script="Sinh" typeface="Iskoola Pota"/>
-        <a:font script="Mong" typeface="Mongolian Baiti"/>
-        <a:font script="Viet" typeface="Arial"/>
-        <a:font script="Uigh" typeface="Microsoft Uighur"/>
-        <a:font script="Geor" typeface="Sylfaen"/>
       </a:minorFont>
     </a:fontScheme>
     <a:fmtScheme name="Office テーマ">

--- a/輪講実習.pptx
+++ b/輪講実習.pptx
@@ -5,7 +5,7 @@
     <p:sldMasterId id="2147483660" r:id="rId1"/>
   </p:sldMasterIdLst>
   <p:notesMasterIdLst>
-    <p:notesMasterId r:id="rId33"/>
+    <p:notesMasterId r:id="rId32"/>
   </p:notesMasterIdLst>
   <p:sldIdLst>
     <p:sldId id="256" r:id="rId2"/>
@@ -25,20 +25,19 @@
     <p:sldId id="268" r:id="rId16"/>
     <p:sldId id="278" r:id="rId17"/>
     <p:sldId id="269" r:id="rId18"/>
-    <p:sldId id="272" r:id="rId19"/>
-    <p:sldId id="274" r:id="rId20"/>
-    <p:sldId id="270" r:id="rId21"/>
-    <p:sldId id="276" r:id="rId22"/>
-    <p:sldId id="282" r:id="rId23"/>
-    <p:sldId id="280" r:id="rId24"/>
-    <p:sldId id="281" r:id="rId25"/>
-    <p:sldId id="283" r:id="rId26"/>
-    <p:sldId id="289" r:id="rId27"/>
-    <p:sldId id="290" r:id="rId28"/>
-    <p:sldId id="291" r:id="rId29"/>
-    <p:sldId id="292" r:id="rId30"/>
-    <p:sldId id="293" r:id="rId31"/>
-    <p:sldId id="294" r:id="rId32"/>
+    <p:sldId id="274" r:id="rId19"/>
+    <p:sldId id="270" r:id="rId20"/>
+    <p:sldId id="276" r:id="rId21"/>
+    <p:sldId id="282" r:id="rId22"/>
+    <p:sldId id="280" r:id="rId23"/>
+    <p:sldId id="281" r:id="rId24"/>
+    <p:sldId id="283" r:id="rId25"/>
+    <p:sldId id="289" r:id="rId26"/>
+    <p:sldId id="290" r:id="rId27"/>
+    <p:sldId id="291" r:id="rId28"/>
+    <p:sldId id="292" r:id="rId29"/>
+    <p:sldId id="293" r:id="rId30"/>
+    <p:sldId id="294" r:id="rId31"/>
   </p:sldIdLst>
   <p:sldSz cx="9144000" cy="6858000" type="screen4x3"/>
   <p:notesSz cx="6858000" cy="9144000"/>
@@ -590,9 +589,93 @@
           <a:bodyPr/>
           <a:lstStyle/>
           <a:p>
+            <a:fld id="{42DEF928-4489-442B-B4E2-6E33A2EA5512}" type="slidenum">
+              <a:rPr kumimoji="1" lang="ja-JP" altLang="en-US" smtClean="0"/>
+              <a:t>25</a:t>
+            </a:fld>
+            <a:endParaRPr kumimoji="1" lang="ja-JP" altLang="en-US"/>
+          </a:p>
+        </p:txBody>
+      </p:sp>
+    </p:spTree>
+    <p:extLst>
+      <p:ext uri="{BB962C8B-B14F-4D97-AF65-F5344CB8AC3E}">
+        <p14:creationId xmlns:p14="http://schemas.microsoft.com/office/powerpoint/2010/main" val="29812287"/>
+      </p:ext>
+    </p:extLst>
+  </p:cSld>
+  <p:clrMapOvr>
+    <a:masterClrMapping/>
+  </p:clrMapOvr>
+</p:notes>
+</file>
+
+<file path=ppt/notesSlides/notesSlide2.xml><?xml version="1.0" encoding="utf-8"?>
+<p:notes xmlns:a="http://schemas.openxmlformats.org/drawingml/2006/main" xmlns:r="http://schemas.openxmlformats.org/officeDocument/2006/relationships" xmlns:p="http://schemas.openxmlformats.org/presentationml/2006/main">
+  <p:cSld>
+    <p:spTree>
+      <p:nvGrpSpPr>
+        <p:cNvPr id="1" name=""/>
+        <p:cNvGrpSpPr/>
+        <p:nvPr/>
+      </p:nvGrpSpPr>
+      <p:grpSpPr>
+        <a:xfrm>
+          <a:off x="0" y="0"/>
+          <a:ext cx="0" cy="0"/>
+          <a:chOff x="0" y="0"/>
+          <a:chExt cx="0" cy="0"/>
+        </a:xfrm>
+      </p:grpSpPr>
+      <p:sp>
+        <p:nvSpPr>
+          <p:cNvPr id="2" name="スライド イメージ プレースホルダー 1"/>
+          <p:cNvSpPr>
+            <a:spLocks noGrp="1" noRot="1" noChangeAspect="1"/>
+          </p:cNvSpPr>
+          <p:nvPr>
+            <p:ph type="sldImg"/>
+          </p:nvPr>
+        </p:nvSpPr>
+        <p:spPr/>
+      </p:sp>
+      <p:sp>
+        <p:nvSpPr>
+          <p:cNvPr id="3" name="ノート プレースホルダー 2"/>
+          <p:cNvSpPr>
+            <a:spLocks noGrp="1"/>
+          </p:cNvSpPr>
+          <p:nvPr>
+            <p:ph type="body" idx="1"/>
+          </p:nvPr>
+        </p:nvSpPr>
+        <p:spPr/>
+        <p:txBody>
+          <a:bodyPr/>
+          <a:lstStyle/>
+          <a:p>
+            <a:endParaRPr kumimoji="1" lang="ja-JP" altLang="en-US" dirty="0"/>
+          </a:p>
+        </p:txBody>
+      </p:sp>
+      <p:sp>
+        <p:nvSpPr>
+          <p:cNvPr id="4" name="スライド番号プレースホルダー 3"/>
+          <p:cNvSpPr>
+            <a:spLocks noGrp="1"/>
+          </p:cNvSpPr>
+          <p:nvPr>
+            <p:ph type="sldNum" sz="quarter" idx="10"/>
+          </p:nvPr>
+        </p:nvSpPr>
+        <p:spPr/>
+        <p:txBody>
+          <a:bodyPr/>
+          <a:lstStyle/>
+          <a:p>
             <a:fld id="{4F43D516-64A0-404A-B937-F9D53C104CBF}" type="slidenum">
               <a:rPr kumimoji="1" lang="ja-JP" altLang="en-US" smtClean="0"/>
-              <a:t>29</a:t>
+              <a:t>28</a:t>
             </a:fld>
             <a:endParaRPr kumimoji="1" lang="ja-JP" altLang="en-US"/>
           </a:p>
@@ -6919,150 +7002,6 @@
           <a:chExt cx="0" cy="0"/>
         </a:xfrm>
       </p:grpSpPr>
-      <p:sp>
-        <p:nvSpPr>
-          <p:cNvPr id="2" name="タイトル 1"/>
-          <p:cNvSpPr>
-            <a:spLocks noGrp="1"/>
-          </p:cNvSpPr>
-          <p:nvPr>
-            <p:ph type="title"/>
-          </p:nvPr>
-        </p:nvSpPr>
-        <p:spPr/>
-        <p:txBody>
-          <a:bodyPr/>
-          <a:lstStyle/>
-          <a:p>
-            <a:r>
-              <a:rPr lang="en-US" altLang="ja-JP" dirty="0" smtClean="0"/>
-              <a:t>4.2 </a:t>
-            </a:r>
-            <a:r>
-              <a:rPr lang="en-US" altLang="ja-JP" dirty="0"/>
-              <a:t>Predict</a:t>
-            </a:r>
-            <a:r>
-              <a:rPr lang="ja-JP" altLang="en-US" dirty="0"/>
-              <a:t>関数の出力</a:t>
-            </a:r>
-            <a:endParaRPr kumimoji="1" lang="ja-JP" altLang="en-US" dirty="0"/>
-          </a:p>
-        </p:txBody>
-      </p:sp>
-      <p:sp>
-        <p:nvSpPr>
-          <p:cNvPr id="3" name="コンテンツ プレースホルダー 2"/>
-          <p:cNvSpPr>
-            <a:spLocks noGrp="1"/>
-          </p:cNvSpPr>
-          <p:nvPr>
-            <p:ph idx="1"/>
-          </p:nvPr>
-        </p:nvSpPr>
-        <p:spPr/>
-        <p:txBody>
-          <a:bodyPr/>
-          <a:lstStyle/>
-          <a:p>
-            <a:r>
-              <a:rPr lang="ja-JP" altLang="en-US" dirty="0" smtClean="0"/>
-              <a:t>ボブの行動から</a:t>
-            </a:r>
-            <a:r>
-              <a:rPr kumimoji="1" lang="ja-JP" altLang="en-US" dirty="0" smtClean="0"/>
-              <a:t>天気を推定</a:t>
-            </a:r>
-            <a:endParaRPr kumimoji="1" lang="en-US" altLang="ja-JP" dirty="0" smtClean="0"/>
-          </a:p>
-          <a:p>
-            <a:pPr lvl="1"/>
-            <a:r>
-              <a:rPr lang="ja-JP" altLang="en-US" dirty="0" smtClean="0"/>
-              <a:t>ビタビアルゴリズムにより復号化</a:t>
-            </a:r>
-            <a:endParaRPr lang="en-US" altLang="ja-JP" dirty="0" smtClean="0"/>
-          </a:p>
-          <a:p>
-            <a:pPr lvl="1"/>
-            <a:r>
-              <a:rPr lang="ja-JP" altLang="en-US" dirty="0" smtClean="0"/>
-              <a:t>観測系列にサンプルデータを使用</a:t>
-            </a:r>
-            <a:endParaRPr lang="en-US" altLang="ja-JP" dirty="0" smtClean="0"/>
-          </a:p>
-          <a:p>
-            <a:endParaRPr kumimoji="1" lang="en-US" altLang="ja-JP" dirty="0" smtClean="0"/>
-          </a:p>
-          <a:p>
-            <a:r>
-              <a:rPr lang="ja-JP" altLang="en-US" dirty="0" smtClean="0"/>
-              <a:t>サンプルデータの天気の推移と</a:t>
-            </a:r>
-            <a:r>
-              <a:rPr lang="en-US" altLang="ja-JP" dirty="0" smtClean="0"/>
-              <a:t/>
-            </a:r>
-            <a:br>
-              <a:rPr lang="en-US" altLang="ja-JP" dirty="0" smtClean="0"/>
-            </a:br>
-            <a:r>
-              <a:rPr lang="ja-JP" altLang="en-US" dirty="0" smtClean="0"/>
-              <a:t>推定した天気の推移を比較</a:t>
-            </a:r>
-            <a:endParaRPr kumimoji="1" lang="en-US" altLang="ja-JP" dirty="0" smtClean="0"/>
-          </a:p>
-          <a:p>
-            <a:endParaRPr lang="en-US" altLang="ja-JP" dirty="0" smtClean="0"/>
-          </a:p>
-          <a:p>
-            <a:endParaRPr lang="en-US" altLang="ja-JP" dirty="0"/>
-          </a:p>
-          <a:p>
-            <a:endParaRPr kumimoji="1" lang="en-US" altLang="ja-JP" dirty="0" smtClean="0"/>
-          </a:p>
-          <a:p>
-            <a:endParaRPr kumimoji="1" lang="ja-JP" altLang="en-US" dirty="0"/>
-          </a:p>
-        </p:txBody>
-      </p:sp>
-    </p:spTree>
-    <p:extLst>
-      <p:ext uri="{BB962C8B-B14F-4D97-AF65-F5344CB8AC3E}">
-        <p14:creationId xmlns:p14="http://schemas.microsoft.com/office/powerpoint/2010/main" val="2076524974"/>
-      </p:ext>
-    </p:extLst>
-  </p:cSld>
-  <p:clrMapOvr>
-    <a:masterClrMapping/>
-  </p:clrMapOvr>
-  <p:timing>
-    <p:tnLst>
-      <p:par>
-        <p:cTn id="1" dur="indefinite" restart="never" nodeType="tmRoot"/>
-      </p:par>
-    </p:tnLst>
-  </p:timing>
-</p:sld>
-</file>
-
-<file path=ppt/slides/slide19.xml><?xml version="1.0" encoding="utf-8"?>
-<p:sld xmlns:a="http://schemas.openxmlformats.org/drawingml/2006/main" xmlns:r="http://schemas.openxmlformats.org/officeDocument/2006/relationships" xmlns:p="http://schemas.openxmlformats.org/presentationml/2006/main">
-  <p:cSld>
-    <p:spTree>
-      <p:nvGrpSpPr>
-        <p:cNvPr id="1" name=""/>
-        <p:cNvGrpSpPr/>
-        <p:nvPr/>
-      </p:nvGrpSpPr>
-      <p:grpSpPr>
-        <a:xfrm>
-          <a:off x="0" y="0"/>
-          <a:ext cx="0" cy="0"/>
-          <a:chOff x="0" y="0"/>
-          <a:chExt cx="0" cy="0"/>
-        </a:xfrm>
-      </p:grpSpPr>
       <p:pic>
         <p:nvPicPr>
           <p:cNvPr id="18" name="図 17"/>
@@ -7779,135 +7718,7 @@
 </p:sld>
 </file>
 
-<file path=ppt/slides/slide2.xml><?xml version="1.0" encoding="utf-8"?>
-<p:sld xmlns:a="http://schemas.openxmlformats.org/drawingml/2006/main" xmlns:r="http://schemas.openxmlformats.org/officeDocument/2006/relationships" xmlns:p="http://schemas.openxmlformats.org/presentationml/2006/main">
-  <p:cSld>
-    <p:spTree>
-      <p:nvGrpSpPr>
-        <p:cNvPr id="1" name=""/>
-        <p:cNvGrpSpPr/>
-        <p:nvPr/>
-      </p:nvGrpSpPr>
-      <p:grpSpPr>
-        <a:xfrm>
-          <a:off x="0" y="0"/>
-          <a:ext cx="0" cy="0"/>
-          <a:chOff x="0" y="0"/>
-          <a:chExt cx="0" cy="0"/>
-        </a:xfrm>
-      </p:grpSpPr>
-      <p:sp>
-        <p:nvSpPr>
-          <p:cNvPr id="2" name="タイトル 1"/>
-          <p:cNvSpPr>
-            <a:spLocks noGrp="1"/>
-          </p:cNvSpPr>
-          <p:nvPr>
-            <p:ph type="title"/>
-          </p:nvPr>
-        </p:nvSpPr>
-        <p:spPr>
-          <a:xfrm>
-            <a:off x="628649" y="365126"/>
-            <a:ext cx="8251739" cy="1325563"/>
-          </a:xfrm>
-        </p:spPr>
-        <p:txBody>
-          <a:bodyPr/>
-          <a:lstStyle/>
-          <a:p>
-            <a:r>
-              <a:rPr kumimoji="1" lang="en-US" altLang="ja-JP" dirty="0" smtClean="0"/>
-              <a:t>1.enshu_hmm.py</a:t>
-            </a:r>
-            <a:r>
-              <a:rPr kumimoji="1" lang="ja-JP" altLang="en-US" dirty="0" smtClean="0"/>
-              <a:t>を開く</a:t>
-            </a:r>
-            <a:endParaRPr kumimoji="1" lang="ja-JP" altLang="en-US" dirty="0"/>
-          </a:p>
-        </p:txBody>
-      </p:sp>
-      <p:sp>
-        <p:nvSpPr>
-          <p:cNvPr id="3" name="コンテンツ プレースホルダー 2"/>
-          <p:cNvSpPr>
-            <a:spLocks noGrp="1"/>
-          </p:cNvSpPr>
-          <p:nvPr>
-            <p:ph idx="1"/>
-          </p:nvPr>
-        </p:nvSpPr>
-        <p:spPr/>
-        <p:txBody>
-          <a:bodyPr/>
-          <a:lstStyle/>
-          <a:p>
-            <a:r>
-              <a:rPr kumimoji="1" lang="en-US" altLang="ja-JP" dirty="0" smtClean="0"/>
-              <a:t>enshu_hmm.py </a:t>
-            </a:r>
-            <a:r>
-              <a:rPr kumimoji="1" lang="ja-JP" altLang="en-US" dirty="0" smtClean="0"/>
-              <a:t>を</a:t>
-            </a:r>
-            <a:r>
-              <a:rPr lang="ja-JP" altLang="en-US" dirty="0" smtClean="0"/>
-              <a:t>開く</a:t>
-            </a:r>
-            <a:endParaRPr kumimoji="1" lang="en-US" altLang="ja-JP" dirty="0" smtClean="0"/>
-          </a:p>
-          <a:p>
-            <a:pPr lvl="1"/>
-            <a:r>
-              <a:rPr lang="ja-JP" altLang="en-US" dirty="0" smtClean="0"/>
-              <a:t>ホームディレクトリ内</a:t>
-            </a:r>
-            <a:r>
-              <a:rPr lang="ja-JP" altLang="en-US" dirty="0" smtClean="0"/>
-              <a:t>の</a:t>
-            </a:r>
-            <a:r>
-              <a:rPr lang="en-US" altLang="ja-JP" dirty="0" err="1" smtClean="0"/>
-              <a:t>rinko</a:t>
-            </a:r>
-            <a:r>
-              <a:rPr lang="ja-JP" altLang="en-US" dirty="0" smtClean="0"/>
-              <a:t>フォルダ内</a:t>
-            </a:r>
-            <a:r>
-              <a:rPr lang="ja-JP" altLang="en-US" dirty="0" smtClean="0"/>
-              <a:t>に</a:t>
-            </a:r>
-            <a:r>
-              <a:rPr lang="ja-JP" altLang="en-US" dirty="0" smtClean="0"/>
-              <a:t>移動</a:t>
-            </a:r>
-            <a:endParaRPr lang="en-US" altLang="ja-JP" dirty="0" smtClean="0"/>
-          </a:p>
-        </p:txBody>
-      </p:sp>
-    </p:spTree>
-    <p:extLst>
-      <p:ext uri="{BB962C8B-B14F-4D97-AF65-F5344CB8AC3E}">
-        <p14:creationId xmlns:p14="http://schemas.microsoft.com/office/powerpoint/2010/main" val="2957011578"/>
-      </p:ext>
-    </p:extLst>
-  </p:cSld>
-  <p:clrMapOvr>
-    <a:masterClrMapping/>
-  </p:clrMapOvr>
-  <p:timing>
-    <p:tnLst>
-      <p:par>
-        <p:cTn id="1" dur="indefinite" restart="never" nodeType="tmRoot"/>
-      </p:par>
-    </p:tnLst>
-  </p:timing>
-</p:sld>
-</file>
-
-<file path=ppt/slides/slide20.xml><?xml version="1.0" encoding="utf-8"?>
+<file path=ppt/slides/slide19.xml><?xml version="1.0" encoding="utf-8"?>
 <p:sld xmlns:a="http://schemas.openxmlformats.org/drawingml/2006/main" xmlns:r="http://schemas.openxmlformats.org/officeDocument/2006/relationships" xmlns:p="http://schemas.openxmlformats.org/presentationml/2006/main">
   <p:cSld>
     <p:spTree>
@@ -8051,7 +7862,131 @@
 </p:sld>
 </file>
 
-<file path=ppt/slides/slide21.xml><?xml version="1.0" encoding="utf-8"?>
+<file path=ppt/slides/slide2.xml><?xml version="1.0" encoding="utf-8"?>
+<p:sld xmlns:a="http://schemas.openxmlformats.org/drawingml/2006/main" xmlns:r="http://schemas.openxmlformats.org/officeDocument/2006/relationships" xmlns:p="http://schemas.openxmlformats.org/presentationml/2006/main">
+  <p:cSld>
+    <p:spTree>
+      <p:nvGrpSpPr>
+        <p:cNvPr id="1" name=""/>
+        <p:cNvGrpSpPr/>
+        <p:nvPr/>
+      </p:nvGrpSpPr>
+      <p:grpSpPr>
+        <a:xfrm>
+          <a:off x="0" y="0"/>
+          <a:ext cx="0" cy="0"/>
+          <a:chOff x="0" y="0"/>
+          <a:chExt cx="0" cy="0"/>
+        </a:xfrm>
+      </p:grpSpPr>
+      <p:sp>
+        <p:nvSpPr>
+          <p:cNvPr id="2" name="タイトル 1"/>
+          <p:cNvSpPr>
+            <a:spLocks noGrp="1"/>
+          </p:cNvSpPr>
+          <p:nvPr>
+            <p:ph type="title"/>
+          </p:nvPr>
+        </p:nvSpPr>
+        <p:spPr>
+          <a:xfrm>
+            <a:off x="628649" y="365126"/>
+            <a:ext cx="8251739" cy="1325563"/>
+          </a:xfrm>
+        </p:spPr>
+        <p:txBody>
+          <a:bodyPr/>
+          <a:lstStyle/>
+          <a:p>
+            <a:r>
+              <a:rPr kumimoji="1" lang="en-US" altLang="ja-JP" dirty="0" smtClean="0"/>
+              <a:t>1.enshu_hmm.py</a:t>
+            </a:r>
+            <a:r>
+              <a:rPr kumimoji="1" lang="ja-JP" altLang="en-US" dirty="0" smtClean="0"/>
+              <a:t>を開く</a:t>
+            </a:r>
+            <a:endParaRPr kumimoji="1" lang="ja-JP" altLang="en-US" dirty="0"/>
+          </a:p>
+        </p:txBody>
+      </p:sp>
+      <p:sp>
+        <p:nvSpPr>
+          <p:cNvPr id="3" name="コンテンツ プレースホルダー 2"/>
+          <p:cNvSpPr>
+            <a:spLocks noGrp="1"/>
+          </p:cNvSpPr>
+          <p:nvPr>
+            <p:ph idx="1"/>
+          </p:nvPr>
+        </p:nvSpPr>
+        <p:spPr/>
+        <p:txBody>
+          <a:bodyPr/>
+          <a:lstStyle/>
+          <a:p>
+            <a:r>
+              <a:rPr kumimoji="1" lang="en-US" altLang="ja-JP" dirty="0" smtClean="0"/>
+              <a:t>enshu_hmm.py </a:t>
+            </a:r>
+            <a:r>
+              <a:rPr kumimoji="1" lang="ja-JP" altLang="en-US" dirty="0" smtClean="0"/>
+              <a:t>を</a:t>
+            </a:r>
+            <a:r>
+              <a:rPr lang="ja-JP" altLang="en-US" dirty="0" smtClean="0"/>
+              <a:t>開く</a:t>
+            </a:r>
+            <a:endParaRPr kumimoji="1" lang="en-US" altLang="ja-JP" dirty="0" smtClean="0"/>
+          </a:p>
+          <a:p>
+            <a:pPr lvl="1"/>
+            <a:r>
+              <a:rPr lang="en-US" altLang="ja-JP" dirty="0" smtClean="0"/>
+              <a:t>home/</a:t>
+            </a:r>
+            <a:r>
+              <a:rPr lang="en-US" altLang="ja-JP" dirty="0" err="1" smtClean="0"/>
+              <a:t>rinko</a:t>
+            </a:r>
+            <a:r>
+              <a:rPr lang="en-US" altLang="ja-JP" dirty="0" smtClean="0"/>
+              <a:t>/python</a:t>
+            </a:r>
+            <a:r>
+              <a:rPr lang="ja-JP" altLang="en-US" dirty="0" smtClean="0"/>
+              <a:t>に</a:t>
+            </a:r>
+            <a:r>
+              <a:rPr lang="ja-JP" altLang="en-US" dirty="0" smtClean="0"/>
+              <a:t>移動</a:t>
+            </a:r>
+            <a:endParaRPr lang="en-US" altLang="ja-JP" dirty="0" smtClean="0"/>
+          </a:p>
+        </p:txBody>
+      </p:sp>
+    </p:spTree>
+    <p:extLst>
+      <p:ext uri="{BB962C8B-B14F-4D97-AF65-F5344CB8AC3E}">
+        <p14:creationId xmlns:p14="http://schemas.microsoft.com/office/powerpoint/2010/main" val="2957011578"/>
+      </p:ext>
+    </p:extLst>
+  </p:cSld>
+  <p:clrMapOvr>
+    <a:masterClrMapping/>
+  </p:clrMapOvr>
+  <p:timing>
+    <p:tnLst>
+      <p:par>
+        <p:cTn id="1" dur="indefinite" restart="never" nodeType="tmRoot"/>
+      </p:par>
+    </p:tnLst>
+  </p:timing>
+</p:sld>
+</file>
+
+<file path=ppt/slides/slide20.xml><?xml version="1.0" encoding="utf-8"?>
 <p:sld xmlns:a="http://schemas.openxmlformats.org/drawingml/2006/main" xmlns:r="http://schemas.openxmlformats.org/officeDocument/2006/relationships" xmlns:p="http://schemas.openxmlformats.org/presentationml/2006/main">
   <p:cSld>
     <p:spTree>
@@ -9027,7 +8962,7 @@
 </p:sld>
 </file>
 
-<file path=ppt/slides/slide22.xml><?xml version="1.0" encoding="utf-8"?>
+<file path=ppt/slides/slide21.xml><?xml version="1.0" encoding="utf-8"?>
 <p:sld xmlns:a="http://schemas.openxmlformats.org/drawingml/2006/main" xmlns:r="http://schemas.openxmlformats.org/officeDocument/2006/relationships" xmlns:p="http://schemas.openxmlformats.org/presentationml/2006/main">
   <p:cSld>
     <p:spTree>
@@ -10875,7 +10810,7 @@
 </p:sld>
 </file>
 
-<file path=ppt/slides/slide23.xml><?xml version="1.0" encoding="utf-8"?>
+<file path=ppt/slides/slide22.xml><?xml version="1.0" encoding="utf-8"?>
 <p:sld xmlns:a="http://schemas.openxmlformats.org/drawingml/2006/main" xmlns:r="http://schemas.openxmlformats.org/officeDocument/2006/relationships" xmlns:p="http://schemas.openxmlformats.org/presentationml/2006/main">
   <p:cSld>
     <p:spTree>
@@ -11012,7 +10947,7 @@
 </p:sld>
 </file>
 
-<file path=ppt/slides/slide24.xml><?xml version="1.0" encoding="utf-8"?>
+<file path=ppt/slides/slide23.xml><?xml version="1.0" encoding="utf-8"?>
 <p:sld xmlns:a="http://schemas.openxmlformats.org/drawingml/2006/main" xmlns:r="http://schemas.openxmlformats.org/officeDocument/2006/relationships" xmlns:p="http://schemas.openxmlformats.org/presentationml/2006/main">
   <p:cSld>
     <p:spTree>
@@ -12133,6 +12068,162 @@
 </p:sld>
 </file>
 
+<file path=ppt/slides/slide24.xml><?xml version="1.0" encoding="utf-8"?>
+<p:sld xmlns:a="http://schemas.openxmlformats.org/drawingml/2006/main" xmlns:r="http://schemas.openxmlformats.org/officeDocument/2006/relationships" xmlns:p="http://schemas.openxmlformats.org/presentationml/2006/main">
+  <p:cSld>
+    <p:spTree>
+      <p:nvGrpSpPr>
+        <p:cNvPr id="1" name=""/>
+        <p:cNvGrpSpPr/>
+        <p:nvPr/>
+      </p:nvGrpSpPr>
+      <p:grpSpPr>
+        <a:xfrm>
+          <a:off x="0" y="0"/>
+          <a:ext cx="0" cy="0"/>
+          <a:chOff x="0" y="0"/>
+          <a:chExt cx="0" cy="0"/>
+        </a:xfrm>
+      </p:grpSpPr>
+      <p:sp>
+        <p:nvSpPr>
+          <p:cNvPr id="2" name="タイトル 1"/>
+          <p:cNvSpPr>
+            <a:spLocks noGrp="1"/>
+          </p:cNvSpPr>
+          <p:nvPr>
+            <p:ph type="title"/>
+          </p:nvPr>
+        </p:nvSpPr>
+        <p:spPr/>
+        <p:txBody>
+          <a:bodyPr/>
+          <a:lstStyle/>
+          <a:p>
+            <a:r>
+              <a:rPr lang="ja-JP" altLang="en-US" dirty="0"/>
+              <a:t>実習</a:t>
+            </a:r>
+            <a:endParaRPr kumimoji="1" lang="ja-JP" altLang="en-US" dirty="0"/>
+          </a:p>
+        </p:txBody>
+      </p:sp>
+      <p:sp>
+        <p:nvSpPr>
+          <p:cNvPr id="3" name="コンテンツ プレースホルダー 2"/>
+          <p:cNvSpPr>
+            <a:spLocks noGrp="1"/>
+          </p:cNvSpPr>
+          <p:nvPr>
+            <p:ph idx="1"/>
+          </p:nvPr>
+        </p:nvSpPr>
+        <p:spPr/>
+        <p:txBody>
+          <a:bodyPr/>
+          <a:lstStyle/>
+          <a:p>
+            <a:r>
+              <a:rPr kumimoji="1" lang="ja-JP" altLang="en-US" dirty="0" smtClean="0"/>
+              <a:t>配布した資料の統計情報よりパラメータを計算</a:t>
+            </a:r>
+            <a:endParaRPr kumimoji="1" lang="en-US" altLang="ja-JP" dirty="0" smtClean="0"/>
+          </a:p>
+          <a:p>
+            <a:endParaRPr lang="en-US" altLang="ja-JP" dirty="0"/>
+          </a:p>
+          <a:p>
+            <a:pPr lvl="1"/>
+            <a:r>
+              <a:rPr lang="ja-JP" altLang="en-US" dirty="0" smtClean="0"/>
+              <a:t>晴→晴</a:t>
+            </a:r>
+            <a:r>
+              <a:rPr lang="en-US" altLang="ja-JP" dirty="0" smtClean="0"/>
+              <a:t>, </a:t>
+            </a:r>
+            <a:r>
+              <a:rPr lang="ja-JP" altLang="en-US" dirty="0" smtClean="0"/>
+              <a:t> 晴→雨</a:t>
+            </a:r>
+            <a:r>
+              <a:rPr lang="en-US" altLang="ja-JP" dirty="0" smtClean="0"/>
+              <a:t>,  </a:t>
+            </a:r>
+            <a:r>
+              <a:rPr lang="ja-JP" altLang="en-US" dirty="0" smtClean="0"/>
+              <a:t>雨→晴</a:t>
+            </a:r>
+            <a:r>
+              <a:rPr lang="en-US" altLang="ja-JP" dirty="0" smtClean="0"/>
+              <a:t>,  </a:t>
+            </a:r>
+            <a:r>
+              <a:rPr lang="ja-JP" altLang="en-US" dirty="0" smtClean="0"/>
+              <a:t>雨→雨</a:t>
+            </a:r>
+            <a:endParaRPr lang="en-US" altLang="ja-JP" dirty="0" smtClean="0"/>
+          </a:p>
+          <a:p>
+            <a:pPr lvl="1"/>
+            <a:r>
+              <a:rPr kumimoji="1" lang="ja-JP" altLang="en-US" dirty="0" smtClean="0"/>
+              <a:t>晴のとき</a:t>
+            </a:r>
+            <a:r>
+              <a:rPr kumimoji="1" lang="en-US" altLang="ja-JP" dirty="0" smtClean="0"/>
+              <a:t>,</a:t>
+            </a:r>
+            <a:r>
+              <a:rPr kumimoji="1" lang="ja-JP" altLang="en-US" dirty="0" smtClean="0"/>
+              <a:t>雨のとき の各行動の確率</a:t>
+            </a:r>
+            <a:endParaRPr kumimoji="1" lang="en-US" altLang="ja-JP" dirty="0" smtClean="0"/>
+          </a:p>
+          <a:p>
+            <a:pPr marL="457200" lvl="1" indent="0">
+              <a:buNone/>
+            </a:pPr>
+            <a:r>
+              <a:rPr lang="en-US" altLang="ja-JP" dirty="0" smtClean="0"/>
+              <a:t>						</a:t>
+            </a:r>
+            <a:r>
+              <a:rPr lang="ja-JP" altLang="en-US" dirty="0" smtClean="0"/>
+              <a:t>を計算</a:t>
+            </a:r>
+            <a:endParaRPr lang="en-US" altLang="ja-JP" dirty="0"/>
+          </a:p>
+          <a:p>
+            <a:pPr lvl="1"/>
+            <a:endParaRPr kumimoji="1" lang="en-US" altLang="ja-JP" dirty="0" smtClean="0"/>
+          </a:p>
+          <a:p>
+            <a:pPr lvl="1"/>
+            <a:endParaRPr kumimoji="1" lang="ja-JP" altLang="en-US" dirty="0"/>
+          </a:p>
+        </p:txBody>
+      </p:sp>
+    </p:spTree>
+    <p:extLst>
+      <p:ext uri="{BB962C8B-B14F-4D97-AF65-F5344CB8AC3E}">
+        <p14:creationId xmlns:p14="http://schemas.microsoft.com/office/powerpoint/2010/main" val="220274891"/>
+      </p:ext>
+    </p:extLst>
+  </p:cSld>
+  <p:clrMapOvr>
+    <a:masterClrMapping/>
+  </p:clrMapOvr>
+  <p:timing>
+    <p:tnLst>
+      <p:par>
+        <p:cTn id="1" dur="indefinite" restart="never" nodeType="tmRoot"/>
+      </p:par>
+    </p:tnLst>
+  </p:timing>
+</p:sld>
+</file>
+
 <file path=ppt/slides/slide25.xml><?xml version="1.0" encoding="utf-8"?>
 <p:sld xmlns:a="http://schemas.openxmlformats.org/drawingml/2006/main" xmlns:r="http://schemas.openxmlformats.org/officeDocument/2006/relationships" xmlns:p="http://schemas.openxmlformats.org/presentationml/2006/main">
   <p:cSld>
@@ -12152,6 +12243,82 @@
       </p:grpSpPr>
       <p:sp>
         <p:nvSpPr>
+          <p:cNvPr id="22" name="正方形/長方形 21"/>
+          <p:cNvSpPr/>
+          <p:nvPr/>
+        </p:nvSpPr>
+        <p:spPr>
+          <a:xfrm>
+            <a:off x="542982" y="3413398"/>
+            <a:ext cx="8058034" cy="3337470"/>
+          </a:xfrm>
+          <a:prstGeom prst="rect">
+            <a:avLst/>
+          </a:prstGeom>
+          <a:solidFill>
+            <a:schemeClr val="tx1"/>
+          </a:solidFill>
+          <a:ln>
+            <a:noFill/>
+          </a:ln>
+        </p:spPr>
+        <p:style>
+          <a:lnRef idx="2">
+            <a:schemeClr val="accent1">
+              <a:shade val="50000"/>
+            </a:schemeClr>
+          </a:lnRef>
+          <a:fillRef idx="1">
+            <a:schemeClr val="accent1"/>
+          </a:fillRef>
+          <a:effectRef idx="0">
+            <a:schemeClr val="accent1"/>
+          </a:effectRef>
+          <a:fontRef idx="minor">
+            <a:schemeClr val="lt1"/>
+          </a:fontRef>
+        </p:style>
+        <p:txBody>
+          <a:bodyPr rtlCol="0" anchor="ctr"/>
+          <a:lstStyle/>
+          <a:p>
+            <a:pPr algn="ctr"/>
+            <a:endParaRPr kumimoji="1" lang="ja-JP" altLang="en-US"/>
+          </a:p>
+        </p:txBody>
+      </p:sp>
+      <p:pic>
+        <p:nvPicPr>
+          <p:cNvPr id="4" name="図 3"/>
+          <p:cNvPicPr>
+            <a:picLocks noChangeAspect="1"/>
+          </p:cNvPicPr>
+          <p:nvPr/>
+        </p:nvPicPr>
+        <p:blipFill>
+          <a:blip r:embed="rId3">
+            <a:extLst>
+              <a:ext uri="{28A0092B-C50C-407E-A947-70E740481C1C}">
+                <a14:useLocalDpi xmlns:a14="http://schemas.microsoft.com/office/drawing/2010/main" val="0"/>
+              </a:ext>
+            </a:extLst>
+          </a:blip>
+          <a:stretch>
+            <a:fillRect/>
+          </a:stretch>
+        </p:blipFill>
+        <p:spPr>
+          <a:xfrm>
+            <a:off x="771747" y="3690969"/>
+            <a:ext cx="7600505" cy="2782329"/>
+          </a:xfrm>
+          <a:prstGeom prst="rect">
+            <a:avLst/>
+          </a:prstGeom>
+        </p:spPr>
+      </p:pic>
+      <p:sp>
+        <p:nvSpPr>
           <p:cNvPr id="2" name="タイトル 1"/>
           <p:cNvSpPr>
             <a:spLocks noGrp="1"/>
@@ -12166,8 +12333,8 @@
           <a:lstStyle/>
           <a:p>
             <a:r>
-              <a:rPr lang="ja-JP" altLang="en-US" dirty="0"/>
-              <a:t>実習</a:t>
+              <a:rPr kumimoji="1" lang="ja-JP" altLang="en-US" dirty="0" smtClean="0"/>
+              <a:t>プログラムを動かす</a:t>
             </a:r>
             <a:endParaRPr kumimoji="1" lang="ja-JP" altLang="en-US" dirty="0"/>
           </a:p>
@@ -12183,104 +12350,657 @@
             <p:ph idx="1"/>
           </p:nvPr>
         </p:nvSpPr>
-        <p:spPr/>
+        <p:spPr>
+          <a:xfrm>
+            <a:off x="628650" y="1825625"/>
+            <a:ext cx="8274050" cy="4351338"/>
+          </a:xfrm>
+        </p:spPr>
         <p:txBody>
           <a:bodyPr/>
           <a:lstStyle/>
           <a:p>
             <a:r>
               <a:rPr kumimoji="1" lang="ja-JP" altLang="en-US" dirty="0" smtClean="0"/>
-              <a:t>配布した資料の統計情報</a:t>
+              <a:t>計算したパラメータをプログラムに</a:t>
+            </a:r>
+            <a:r>
+              <a:rPr lang="ja-JP" altLang="en-US" dirty="0"/>
+              <a:t>書き込</a:t>
+            </a:r>
+            <a:r>
+              <a:rPr lang="ja-JP" altLang="en-US" dirty="0" smtClean="0"/>
+              <a:t>む</a:t>
             </a:r>
             <a:r>
               <a:rPr kumimoji="1" lang="ja-JP" altLang="en-US" dirty="0" smtClean="0"/>
-              <a:t>よりパラメータ</a:t>
-            </a:r>
-            <a:r>
-              <a:rPr kumimoji="1" lang="ja-JP" altLang="en-US" dirty="0" smtClean="0"/>
-              <a:t>を計算</a:t>
-            </a:r>
-            <a:endParaRPr kumimoji="1" lang="en-US" altLang="ja-JP" dirty="0" smtClean="0"/>
-          </a:p>
-          <a:p>
-            <a:endParaRPr lang="en-US" altLang="ja-JP" dirty="0"/>
-          </a:p>
-          <a:p>
-            <a:pPr lvl="1"/>
-            <a:r>
-              <a:rPr lang="ja-JP" altLang="en-US" dirty="0" smtClean="0"/>
-              <a:t>晴→晴</a:t>
-            </a:r>
-            <a:r>
-              <a:rPr lang="en-US" altLang="ja-JP" dirty="0" smtClean="0"/>
-              <a:t>, </a:t>
-            </a:r>
-            <a:r>
-              <a:rPr lang="ja-JP" altLang="en-US" dirty="0" smtClean="0"/>
-              <a:t> 晴→雨</a:t>
-            </a:r>
-            <a:r>
-              <a:rPr lang="en-US" altLang="ja-JP" dirty="0" smtClean="0"/>
-              <a:t>,  </a:t>
-            </a:r>
-            <a:r>
-              <a:rPr lang="ja-JP" altLang="en-US" dirty="0" smtClean="0"/>
-              <a:t>雨→晴</a:t>
-            </a:r>
-            <a:r>
-              <a:rPr lang="en-US" altLang="ja-JP" dirty="0" smtClean="0"/>
-              <a:t>,  </a:t>
-            </a:r>
-            <a:r>
-              <a:rPr lang="ja-JP" altLang="en-US" dirty="0" smtClean="0"/>
-              <a:t>雨→雨</a:t>
-            </a:r>
-            <a:endParaRPr lang="en-US" altLang="ja-JP" dirty="0" smtClean="0"/>
-          </a:p>
-          <a:p>
-            <a:pPr lvl="1"/>
-            <a:r>
-              <a:rPr kumimoji="1" lang="ja-JP" altLang="en-US" dirty="0" smtClean="0"/>
-              <a:t>晴のとき</a:t>
-            </a:r>
-            <a:r>
-              <a:rPr kumimoji="1" lang="en-US" altLang="ja-JP" dirty="0" smtClean="0"/>
-              <a:t>,</a:t>
-            </a:r>
-            <a:r>
-              <a:rPr kumimoji="1" lang="ja-JP" altLang="en-US" dirty="0" smtClean="0"/>
-              <a:t>雨のとき の各行動の確率</a:t>
-            </a:r>
-            <a:endParaRPr kumimoji="1" lang="en-US" altLang="ja-JP" dirty="0" smtClean="0"/>
-          </a:p>
-          <a:p>
-            <a:pPr marL="457200" lvl="1" indent="0">
-              <a:buNone/>
-            </a:pPr>
-            <a:r>
-              <a:rPr lang="en-US" altLang="ja-JP" dirty="0" smtClean="0"/>
-              <a:t>						</a:t>
-            </a:r>
-            <a:r>
-              <a:rPr lang="ja-JP" altLang="en-US" dirty="0" smtClean="0"/>
-              <a:t>を計算</a:t>
-            </a:r>
-            <a:endParaRPr lang="en-US" altLang="ja-JP" dirty="0"/>
-          </a:p>
-          <a:p>
-            <a:pPr lvl="1"/>
-            <a:endParaRPr kumimoji="1" lang="en-US" altLang="ja-JP" dirty="0" smtClean="0"/>
-          </a:p>
-          <a:p>
-            <a:pPr lvl="1"/>
+              <a:t>実行</a:t>
+            </a:r>
             <a:endParaRPr kumimoji="1" lang="ja-JP" altLang="en-US" dirty="0"/>
+          </a:p>
+        </p:txBody>
+      </p:sp>
+      <p:sp>
+        <p:nvSpPr>
+          <p:cNvPr id="5" name="テキスト ボックス 4"/>
+          <p:cNvSpPr txBox="1"/>
+          <p:nvPr/>
+        </p:nvSpPr>
+        <p:spPr>
+          <a:xfrm>
+            <a:off x="1135507" y="2440527"/>
+            <a:ext cx="7903189" cy="954107"/>
+          </a:xfrm>
+          <a:prstGeom prst="rect">
+            <a:avLst/>
+          </a:prstGeom>
+          <a:noFill/>
+        </p:spPr>
+        <p:txBody>
+          <a:bodyPr wrap="none" rtlCol="0">
+            <a:spAutoFit/>
+          </a:bodyPr>
+          <a:lstStyle/>
+          <a:p>
+            <a:r>
+              <a:rPr lang="en-US" altLang="ja-JP" sz="2800" dirty="0" smtClean="0"/>
+              <a:t>- kadai.py</a:t>
+            </a:r>
+            <a:r>
+              <a:rPr lang="ja-JP" altLang="en-US" sz="2800" dirty="0" smtClean="0"/>
+              <a:t>の関数 </a:t>
+            </a:r>
+            <a:r>
+              <a:rPr lang="en-US" altLang="ja-JP" sz="2800" dirty="0" err="1" smtClean="0"/>
+              <a:t>def_param</a:t>
+            </a:r>
+            <a:r>
+              <a:rPr lang="en-US" altLang="ja-JP" sz="2800" dirty="0" smtClean="0"/>
+              <a:t> </a:t>
+            </a:r>
+            <a:r>
+              <a:rPr lang="ja-JP" altLang="en-US" sz="2800" dirty="0" smtClean="0"/>
+              <a:t>内の確率を書き込む</a:t>
+            </a:r>
+            <a:endParaRPr lang="en-US" altLang="ja-JP" sz="2800" dirty="0" smtClean="0"/>
+          </a:p>
+          <a:p>
+            <a:r>
+              <a:rPr lang="en-US" altLang="ja-JP" sz="2800" dirty="0" smtClean="0"/>
+              <a:t>- </a:t>
+            </a:r>
+            <a:r>
+              <a:rPr lang="en-US" altLang="ja-JP" sz="2800" dirty="0" smtClean="0">
+                <a:solidFill>
+                  <a:srgbClr val="C00000"/>
+                </a:solidFill>
+              </a:rPr>
+              <a:t>$python kadai.py   </a:t>
+            </a:r>
+            <a:r>
+              <a:rPr lang="ja-JP" altLang="en-US" sz="2800" dirty="0" smtClean="0"/>
+              <a:t>で実行</a:t>
+            </a:r>
+            <a:endParaRPr lang="en-US" altLang="ja-JP" sz="2800" dirty="0"/>
+          </a:p>
+        </p:txBody>
+      </p:sp>
+      <p:sp>
+        <p:nvSpPr>
+          <p:cNvPr id="10" name="正方形/長方形 9"/>
+          <p:cNvSpPr/>
+          <p:nvPr/>
+        </p:nvSpPr>
+        <p:spPr>
+          <a:xfrm>
+            <a:off x="2111970" y="3690969"/>
+            <a:ext cx="371062" cy="246307"/>
+          </a:xfrm>
+          <a:prstGeom prst="rect">
+            <a:avLst/>
+          </a:prstGeom>
+          <a:solidFill>
+            <a:schemeClr val="bg1"/>
+          </a:solidFill>
+          <a:ln>
+            <a:noFill/>
+          </a:ln>
+        </p:spPr>
+        <p:style>
+          <a:lnRef idx="2">
+            <a:schemeClr val="accent1">
+              <a:shade val="50000"/>
+            </a:schemeClr>
+          </a:lnRef>
+          <a:fillRef idx="1">
+            <a:schemeClr val="accent1"/>
+          </a:fillRef>
+          <a:effectRef idx="0">
+            <a:schemeClr val="accent1"/>
+          </a:effectRef>
+          <a:fontRef idx="minor">
+            <a:schemeClr val="lt1"/>
+          </a:fontRef>
+        </p:style>
+        <p:txBody>
+          <a:bodyPr rtlCol="0" anchor="ctr"/>
+          <a:lstStyle/>
+          <a:p>
+            <a:pPr algn="ctr"/>
+            <a:endParaRPr kumimoji="1" lang="ja-JP" altLang="en-US"/>
+          </a:p>
+        </p:txBody>
+      </p:sp>
+      <p:sp>
+        <p:nvSpPr>
+          <p:cNvPr id="11" name="正方形/長方形 10"/>
+          <p:cNvSpPr/>
+          <p:nvPr/>
+        </p:nvSpPr>
+        <p:spPr>
+          <a:xfrm>
+            <a:off x="3551347" y="3721357"/>
+            <a:ext cx="371061" cy="246307"/>
+          </a:xfrm>
+          <a:prstGeom prst="rect">
+            <a:avLst/>
+          </a:prstGeom>
+          <a:solidFill>
+            <a:schemeClr val="bg1"/>
+          </a:solidFill>
+          <a:ln>
+            <a:noFill/>
+          </a:ln>
+        </p:spPr>
+        <p:style>
+          <a:lnRef idx="2">
+            <a:schemeClr val="accent1">
+              <a:shade val="50000"/>
+            </a:schemeClr>
+          </a:lnRef>
+          <a:fillRef idx="1">
+            <a:schemeClr val="accent1"/>
+          </a:fillRef>
+          <a:effectRef idx="0">
+            <a:schemeClr val="accent1"/>
+          </a:effectRef>
+          <a:fontRef idx="minor">
+            <a:schemeClr val="lt1"/>
+          </a:fontRef>
+        </p:style>
+        <p:txBody>
+          <a:bodyPr rtlCol="0" anchor="ctr"/>
+          <a:lstStyle/>
+          <a:p>
+            <a:pPr algn="ctr"/>
+            <a:endParaRPr kumimoji="1" lang="ja-JP" altLang="en-US"/>
+          </a:p>
+        </p:txBody>
+      </p:sp>
+      <p:sp>
+        <p:nvSpPr>
+          <p:cNvPr id="12" name="正方形/長方形 11"/>
+          <p:cNvSpPr/>
+          <p:nvPr/>
+        </p:nvSpPr>
+        <p:spPr>
+          <a:xfrm>
+            <a:off x="2829694" y="4446574"/>
+            <a:ext cx="371061" cy="246307"/>
+          </a:xfrm>
+          <a:prstGeom prst="rect">
+            <a:avLst/>
+          </a:prstGeom>
+          <a:solidFill>
+            <a:schemeClr val="bg1"/>
+          </a:solidFill>
+          <a:ln>
+            <a:noFill/>
+          </a:ln>
+        </p:spPr>
+        <p:style>
+          <a:lnRef idx="2">
+            <a:schemeClr val="accent1">
+              <a:shade val="50000"/>
+            </a:schemeClr>
+          </a:lnRef>
+          <a:fillRef idx="1">
+            <a:schemeClr val="accent1"/>
+          </a:fillRef>
+          <a:effectRef idx="0">
+            <a:schemeClr val="accent1"/>
+          </a:effectRef>
+          <a:fontRef idx="minor">
+            <a:schemeClr val="lt1"/>
+          </a:fontRef>
+        </p:style>
+        <p:txBody>
+          <a:bodyPr rtlCol="0" anchor="ctr"/>
+          <a:lstStyle/>
+          <a:p>
+            <a:pPr algn="ctr"/>
+            <a:endParaRPr kumimoji="1" lang="ja-JP" altLang="en-US"/>
+          </a:p>
+        </p:txBody>
+      </p:sp>
+      <p:sp>
+        <p:nvSpPr>
+          <p:cNvPr id="13" name="正方形/長方形 12"/>
+          <p:cNvSpPr/>
+          <p:nvPr/>
+        </p:nvSpPr>
+        <p:spPr>
+          <a:xfrm>
+            <a:off x="4298580" y="4416338"/>
+            <a:ext cx="366185" cy="276543"/>
+          </a:xfrm>
+          <a:prstGeom prst="rect">
+            <a:avLst/>
+          </a:prstGeom>
+          <a:solidFill>
+            <a:schemeClr val="bg1"/>
+          </a:solidFill>
+          <a:ln>
+            <a:noFill/>
+          </a:ln>
+        </p:spPr>
+        <p:style>
+          <a:lnRef idx="2">
+            <a:schemeClr val="accent1">
+              <a:shade val="50000"/>
+            </a:schemeClr>
+          </a:lnRef>
+          <a:fillRef idx="1">
+            <a:schemeClr val="accent1"/>
+          </a:fillRef>
+          <a:effectRef idx="0">
+            <a:schemeClr val="accent1"/>
+          </a:effectRef>
+          <a:fontRef idx="minor">
+            <a:schemeClr val="lt1"/>
+          </a:fontRef>
+        </p:style>
+        <p:txBody>
+          <a:bodyPr rtlCol="0" anchor="ctr"/>
+          <a:lstStyle/>
+          <a:p>
+            <a:pPr algn="ctr"/>
+            <a:endParaRPr kumimoji="1" lang="ja-JP" altLang="en-US"/>
+          </a:p>
+        </p:txBody>
+      </p:sp>
+      <p:sp>
+        <p:nvSpPr>
+          <p:cNvPr id="14" name="正方形/長方形 13"/>
+          <p:cNvSpPr/>
+          <p:nvPr/>
+        </p:nvSpPr>
+        <p:spPr>
+          <a:xfrm>
+            <a:off x="3086773" y="4696529"/>
+            <a:ext cx="371061" cy="246307"/>
+          </a:xfrm>
+          <a:prstGeom prst="rect">
+            <a:avLst/>
+          </a:prstGeom>
+          <a:solidFill>
+            <a:schemeClr val="bg1"/>
+          </a:solidFill>
+          <a:ln>
+            <a:noFill/>
+          </a:ln>
+        </p:spPr>
+        <p:style>
+          <a:lnRef idx="2">
+            <a:schemeClr val="accent1">
+              <a:shade val="50000"/>
+            </a:schemeClr>
+          </a:lnRef>
+          <a:fillRef idx="1">
+            <a:schemeClr val="accent1"/>
+          </a:fillRef>
+          <a:effectRef idx="0">
+            <a:schemeClr val="accent1"/>
+          </a:effectRef>
+          <a:fontRef idx="minor">
+            <a:schemeClr val="lt1"/>
+          </a:fontRef>
+        </p:style>
+        <p:txBody>
+          <a:bodyPr rtlCol="0" anchor="ctr"/>
+          <a:lstStyle/>
+          <a:p>
+            <a:pPr algn="ctr"/>
+            <a:endParaRPr kumimoji="1" lang="ja-JP" altLang="en-US"/>
+          </a:p>
+        </p:txBody>
+      </p:sp>
+      <p:sp>
+        <p:nvSpPr>
+          <p:cNvPr id="15" name="正方形/長方形 14"/>
+          <p:cNvSpPr/>
+          <p:nvPr/>
+        </p:nvSpPr>
+        <p:spPr>
+          <a:xfrm>
+            <a:off x="4535384" y="4715181"/>
+            <a:ext cx="371061" cy="246307"/>
+          </a:xfrm>
+          <a:prstGeom prst="rect">
+            <a:avLst/>
+          </a:prstGeom>
+          <a:solidFill>
+            <a:schemeClr val="bg1"/>
+          </a:solidFill>
+          <a:ln>
+            <a:noFill/>
+          </a:ln>
+        </p:spPr>
+        <p:style>
+          <a:lnRef idx="2">
+            <a:schemeClr val="accent1">
+              <a:shade val="50000"/>
+            </a:schemeClr>
+          </a:lnRef>
+          <a:fillRef idx="1">
+            <a:schemeClr val="accent1"/>
+          </a:fillRef>
+          <a:effectRef idx="0">
+            <a:schemeClr val="accent1"/>
+          </a:effectRef>
+          <a:fontRef idx="minor">
+            <a:schemeClr val="lt1"/>
+          </a:fontRef>
+        </p:style>
+        <p:txBody>
+          <a:bodyPr rtlCol="0" anchor="ctr"/>
+          <a:lstStyle/>
+          <a:p>
+            <a:pPr algn="ctr"/>
+            <a:endParaRPr kumimoji="1" lang="ja-JP" altLang="en-US"/>
+          </a:p>
+        </p:txBody>
+      </p:sp>
+      <p:sp>
+        <p:nvSpPr>
+          <p:cNvPr id="16" name="正方形/長方形 15"/>
+          <p:cNvSpPr/>
+          <p:nvPr/>
+        </p:nvSpPr>
+        <p:spPr>
+          <a:xfrm>
+            <a:off x="3077458" y="5689828"/>
+            <a:ext cx="371061" cy="246307"/>
+          </a:xfrm>
+          <a:prstGeom prst="rect">
+            <a:avLst/>
+          </a:prstGeom>
+          <a:solidFill>
+            <a:schemeClr val="bg1"/>
+          </a:solidFill>
+          <a:ln>
+            <a:noFill/>
+          </a:ln>
+        </p:spPr>
+        <p:style>
+          <a:lnRef idx="2">
+            <a:schemeClr val="accent1">
+              <a:shade val="50000"/>
+            </a:schemeClr>
+          </a:lnRef>
+          <a:fillRef idx="1">
+            <a:schemeClr val="accent1"/>
+          </a:fillRef>
+          <a:effectRef idx="0">
+            <a:schemeClr val="accent1"/>
+          </a:effectRef>
+          <a:fontRef idx="minor">
+            <a:schemeClr val="lt1"/>
+          </a:fontRef>
+        </p:style>
+        <p:txBody>
+          <a:bodyPr rtlCol="0" anchor="ctr"/>
+          <a:lstStyle/>
+          <a:p>
+            <a:pPr algn="ctr"/>
+            <a:endParaRPr kumimoji="1" lang="ja-JP" altLang="en-US"/>
+          </a:p>
+        </p:txBody>
+      </p:sp>
+      <p:sp>
+        <p:nvSpPr>
+          <p:cNvPr id="17" name="正方形/長方形 16"/>
+          <p:cNvSpPr/>
+          <p:nvPr/>
+        </p:nvSpPr>
+        <p:spPr>
+          <a:xfrm>
+            <a:off x="6147390" y="5707585"/>
+            <a:ext cx="371061" cy="246307"/>
+          </a:xfrm>
+          <a:prstGeom prst="rect">
+            <a:avLst/>
+          </a:prstGeom>
+          <a:solidFill>
+            <a:schemeClr val="bg1"/>
+          </a:solidFill>
+          <a:ln>
+            <a:noFill/>
+          </a:ln>
+        </p:spPr>
+        <p:style>
+          <a:lnRef idx="2">
+            <a:schemeClr val="accent1">
+              <a:shade val="50000"/>
+            </a:schemeClr>
+          </a:lnRef>
+          <a:fillRef idx="1">
+            <a:schemeClr val="accent1"/>
+          </a:fillRef>
+          <a:effectRef idx="0">
+            <a:schemeClr val="accent1"/>
+          </a:effectRef>
+          <a:fontRef idx="minor">
+            <a:schemeClr val="lt1"/>
+          </a:fontRef>
+        </p:style>
+        <p:txBody>
+          <a:bodyPr rtlCol="0" anchor="ctr"/>
+          <a:lstStyle/>
+          <a:p>
+            <a:pPr algn="ctr"/>
+            <a:endParaRPr kumimoji="1" lang="ja-JP" altLang="en-US"/>
+          </a:p>
+        </p:txBody>
+      </p:sp>
+      <p:sp>
+        <p:nvSpPr>
+          <p:cNvPr id="18" name="正方形/長方形 17"/>
+          <p:cNvSpPr/>
+          <p:nvPr/>
+        </p:nvSpPr>
+        <p:spPr>
+          <a:xfrm>
+            <a:off x="4957719" y="5949237"/>
+            <a:ext cx="371061" cy="246307"/>
+          </a:xfrm>
+          <a:prstGeom prst="rect">
+            <a:avLst/>
+          </a:prstGeom>
+          <a:solidFill>
+            <a:schemeClr val="bg1"/>
+          </a:solidFill>
+          <a:ln>
+            <a:noFill/>
+          </a:ln>
+        </p:spPr>
+        <p:style>
+          <a:lnRef idx="2">
+            <a:schemeClr val="accent1">
+              <a:shade val="50000"/>
+            </a:schemeClr>
+          </a:lnRef>
+          <a:fillRef idx="1">
+            <a:schemeClr val="accent1"/>
+          </a:fillRef>
+          <a:effectRef idx="0">
+            <a:schemeClr val="accent1"/>
+          </a:effectRef>
+          <a:fontRef idx="minor">
+            <a:schemeClr val="lt1"/>
+          </a:fontRef>
+        </p:style>
+        <p:txBody>
+          <a:bodyPr rtlCol="0" anchor="ctr"/>
+          <a:lstStyle/>
+          <a:p>
+            <a:pPr algn="ctr"/>
+            <a:endParaRPr kumimoji="1" lang="ja-JP" altLang="en-US"/>
+          </a:p>
+        </p:txBody>
+      </p:sp>
+      <p:sp>
+        <p:nvSpPr>
+          <p:cNvPr id="19" name="正方形/長方形 18"/>
+          <p:cNvSpPr/>
+          <p:nvPr/>
+        </p:nvSpPr>
+        <p:spPr>
+          <a:xfrm>
+            <a:off x="6384194" y="5949237"/>
+            <a:ext cx="371061" cy="246307"/>
+          </a:xfrm>
+          <a:prstGeom prst="rect">
+            <a:avLst/>
+          </a:prstGeom>
+          <a:solidFill>
+            <a:schemeClr val="bg1"/>
+          </a:solidFill>
+          <a:ln>
+            <a:noFill/>
+          </a:ln>
+        </p:spPr>
+        <p:style>
+          <a:lnRef idx="2">
+            <a:schemeClr val="accent1">
+              <a:shade val="50000"/>
+            </a:schemeClr>
+          </a:lnRef>
+          <a:fillRef idx="1">
+            <a:schemeClr val="accent1"/>
+          </a:fillRef>
+          <a:effectRef idx="0">
+            <a:schemeClr val="accent1"/>
+          </a:effectRef>
+          <a:fontRef idx="minor">
+            <a:schemeClr val="lt1"/>
+          </a:fontRef>
+        </p:style>
+        <p:txBody>
+          <a:bodyPr rtlCol="0" anchor="ctr"/>
+          <a:lstStyle/>
+          <a:p>
+            <a:pPr algn="ctr"/>
+            <a:endParaRPr kumimoji="1" lang="ja-JP" altLang="en-US"/>
+          </a:p>
+        </p:txBody>
+      </p:sp>
+      <p:sp>
+        <p:nvSpPr>
+          <p:cNvPr id="20" name="正方形/長方形 19"/>
+          <p:cNvSpPr/>
+          <p:nvPr/>
+        </p:nvSpPr>
+        <p:spPr>
+          <a:xfrm>
+            <a:off x="4720914" y="5687559"/>
+            <a:ext cx="422336" cy="243097"/>
+          </a:xfrm>
+          <a:prstGeom prst="rect">
+            <a:avLst/>
+          </a:prstGeom>
+          <a:solidFill>
+            <a:schemeClr val="bg1"/>
+          </a:solidFill>
+          <a:ln>
+            <a:noFill/>
+          </a:ln>
+        </p:spPr>
+        <p:style>
+          <a:lnRef idx="2">
+            <a:schemeClr val="accent1">
+              <a:shade val="50000"/>
+            </a:schemeClr>
+          </a:lnRef>
+          <a:fillRef idx="1">
+            <a:schemeClr val="accent1"/>
+          </a:fillRef>
+          <a:effectRef idx="0">
+            <a:schemeClr val="accent1"/>
+          </a:effectRef>
+          <a:fontRef idx="minor">
+            <a:schemeClr val="lt1"/>
+          </a:fontRef>
+        </p:style>
+        <p:txBody>
+          <a:bodyPr rtlCol="0" anchor="ctr"/>
+          <a:lstStyle/>
+          <a:p>
+            <a:pPr algn="ctr"/>
+            <a:endParaRPr kumimoji="1" lang="ja-JP" altLang="en-US"/>
+          </a:p>
+        </p:txBody>
+      </p:sp>
+      <p:sp>
+        <p:nvSpPr>
+          <p:cNvPr id="21" name="正方形/長方形 20"/>
+          <p:cNvSpPr/>
+          <p:nvPr/>
+        </p:nvSpPr>
+        <p:spPr>
+          <a:xfrm>
+            <a:off x="3294438" y="5932612"/>
+            <a:ext cx="422336" cy="261679"/>
+          </a:xfrm>
+          <a:prstGeom prst="rect">
+            <a:avLst/>
+          </a:prstGeom>
+          <a:solidFill>
+            <a:schemeClr val="bg1"/>
+          </a:solidFill>
+          <a:ln>
+            <a:noFill/>
+          </a:ln>
+        </p:spPr>
+        <p:style>
+          <a:lnRef idx="2">
+            <a:schemeClr val="accent1">
+              <a:shade val="50000"/>
+            </a:schemeClr>
+          </a:lnRef>
+          <a:fillRef idx="1">
+            <a:schemeClr val="accent1"/>
+          </a:fillRef>
+          <a:effectRef idx="0">
+            <a:schemeClr val="accent1"/>
+          </a:effectRef>
+          <a:fontRef idx="minor">
+            <a:schemeClr val="lt1"/>
+          </a:fontRef>
+        </p:style>
+        <p:txBody>
+          <a:bodyPr rtlCol="0" anchor="ctr"/>
+          <a:lstStyle/>
+          <a:p>
+            <a:pPr algn="ctr"/>
+            <a:endParaRPr kumimoji="1" lang="ja-JP" altLang="en-US"/>
           </a:p>
         </p:txBody>
       </p:sp>
     </p:spTree>
     <p:extLst>
       <p:ext uri="{BB962C8B-B14F-4D97-AF65-F5344CB8AC3E}">
-        <p14:creationId xmlns:p14="http://schemas.microsoft.com/office/powerpoint/2010/main" val="220274891"/>
+        <p14:creationId xmlns:p14="http://schemas.microsoft.com/office/powerpoint/2010/main" val="618947437"/>
       </p:ext>
     </p:extLst>
   </p:cSld>
@@ -12331,7 +13051,7 @@
           <a:p>
             <a:r>
               <a:rPr kumimoji="1" lang="ja-JP" altLang="en-US" dirty="0" smtClean="0"/>
-              <a:t>プログラムを動かす</a:t>
+              <a:t>統計情報のパラメータを推定</a:t>
             </a:r>
             <a:endParaRPr kumimoji="1" lang="ja-JP" altLang="en-US" dirty="0"/>
           </a:p>
@@ -12347,135 +13067,63 @@
             <p:ph idx="1"/>
           </p:nvPr>
         </p:nvSpPr>
-        <p:spPr>
-          <a:xfrm>
-            <a:off x="628650" y="1825625"/>
-            <a:ext cx="8274050" cy="4351338"/>
-          </a:xfrm>
-        </p:spPr>
+        <p:spPr/>
         <p:txBody>
           <a:bodyPr/>
           <a:lstStyle/>
           <a:p>
+            <a:pPr algn="dist"/>
+            <a:r>
+              <a:rPr lang="ja-JP" altLang="en-US" spc="-150" dirty="0" smtClean="0"/>
+              <a:t>手計算のパラメータと推定したパラメータを比較</a:t>
+            </a:r>
+            <a:endParaRPr kumimoji="1" lang="en-US" altLang="ja-JP" spc="-150" dirty="0" smtClean="0"/>
+          </a:p>
+          <a:p>
+            <a:endParaRPr kumimoji="1" lang="en-US" altLang="ja-JP" dirty="0" smtClean="0"/>
+          </a:p>
+          <a:p>
+            <a:r>
+              <a:rPr lang="ja-JP" altLang="en-US" dirty="0" smtClean="0"/>
+              <a:t>各パラメータが近い値を示せば</a:t>
+            </a:r>
+            <a:r>
+              <a:rPr lang="en-US" altLang="ja-JP" dirty="0" smtClean="0"/>
+              <a:t>OK</a:t>
+            </a:r>
+          </a:p>
+          <a:p>
+            <a:endParaRPr kumimoji="1" lang="en-US" altLang="ja-JP" dirty="0" smtClean="0"/>
+          </a:p>
+          <a:p>
+            <a:r>
+              <a:rPr kumimoji="1" lang="en-US" altLang="ja-JP" dirty="0" smtClean="0"/>
+              <a:t>(</a:t>
+            </a:r>
             <a:r>
               <a:rPr kumimoji="1" lang="ja-JP" altLang="en-US" dirty="0" smtClean="0"/>
-              <a:t>計算したパラメータをプログラムに</a:t>
-            </a:r>
-            <a:r>
-              <a:rPr lang="ja-JP" altLang="en-US" dirty="0"/>
-              <a:t>書き込</a:t>
-            </a:r>
-            <a:r>
-              <a:rPr lang="ja-JP" altLang="en-US" dirty="0" smtClean="0"/>
-              <a:t>む</a:t>
+              <a:t>学習なので</a:t>
+            </a:r>
+            <a:r>
+              <a:rPr kumimoji="1" lang="en-US" altLang="ja-JP" dirty="0" smtClean="0"/>
+              <a:t>,</a:t>
             </a:r>
             <a:r>
               <a:rPr kumimoji="1" lang="ja-JP" altLang="en-US" dirty="0" smtClean="0"/>
-              <a:t>実行</a:t>
+              <a:t>データ数やデータの偏りで数値が変わります</a:t>
+            </a:r>
+            <a:r>
+              <a:rPr kumimoji="1" lang="en-US" altLang="ja-JP" dirty="0" smtClean="0"/>
+              <a:t>)</a:t>
             </a:r>
             <a:endParaRPr kumimoji="1" lang="ja-JP" altLang="en-US" dirty="0"/>
-          </a:p>
-        </p:txBody>
-      </p:sp>
-      <p:pic>
-        <p:nvPicPr>
-          <p:cNvPr id="4" name="図 3"/>
-          <p:cNvPicPr>
-            <a:picLocks noChangeAspect="1"/>
-          </p:cNvPicPr>
-          <p:nvPr/>
-        </p:nvPicPr>
-        <p:blipFill>
-          <a:blip r:embed="rId2">
-            <a:extLst>
-              <a:ext uri="{28A0092B-C50C-407E-A947-70E740481C1C}">
-                <a14:useLocalDpi xmlns:a14="http://schemas.microsoft.com/office/drawing/2010/main" val="0"/>
-              </a:ext>
-            </a:extLst>
-          </a:blip>
-          <a:stretch>
-            <a:fillRect/>
-          </a:stretch>
-        </p:blipFill>
-        <p:spPr>
-          <a:xfrm>
-            <a:off x="1185686" y="3678105"/>
-            <a:ext cx="7600505" cy="2782329"/>
-          </a:xfrm>
-          <a:prstGeom prst="rect">
-            <a:avLst/>
-          </a:prstGeom>
-        </p:spPr>
-      </p:pic>
-      <p:sp>
-        <p:nvSpPr>
-          <p:cNvPr id="5" name="テキスト ボックス 4"/>
-          <p:cNvSpPr txBox="1"/>
-          <p:nvPr/>
-        </p:nvSpPr>
-        <p:spPr>
-          <a:xfrm>
-            <a:off x="1135507" y="2440527"/>
-            <a:ext cx="7903189" cy="954107"/>
-          </a:xfrm>
-          <a:prstGeom prst="rect">
-            <a:avLst/>
-          </a:prstGeom>
-          <a:noFill/>
-        </p:spPr>
-        <p:txBody>
-          <a:bodyPr wrap="none" rtlCol="0">
-            <a:spAutoFit/>
-          </a:bodyPr>
-          <a:lstStyle/>
-          <a:p>
-            <a:r>
-              <a:rPr lang="en-US" altLang="ja-JP" sz="2800" dirty="0" smtClean="0"/>
-              <a:t>- kadai.py</a:t>
-            </a:r>
-            <a:r>
-              <a:rPr lang="ja-JP" altLang="en-US" sz="2800" dirty="0" smtClean="0"/>
-              <a:t>の関数 </a:t>
-            </a:r>
-            <a:r>
-              <a:rPr lang="en-US" altLang="ja-JP" sz="2800" dirty="0" err="1" smtClean="0"/>
-              <a:t>def_param</a:t>
-            </a:r>
-            <a:r>
-              <a:rPr lang="en-US" altLang="ja-JP" sz="2800" dirty="0" smtClean="0"/>
-              <a:t> </a:t>
-            </a:r>
-            <a:r>
-              <a:rPr lang="ja-JP" altLang="en-US" sz="2800" dirty="0" smtClean="0"/>
-              <a:t>内の確率を書き込む</a:t>
-            </a:r>
-            <a:endParaRPr lang="en-US" altLang="ja-JP" sz="2800" dirty="0" smtClean="0"/>
-          </a:p>
-          <a:p>
-            <a:r>
-              <a:rPr lang="en-US" altLang="ja-JP" sz="2800" dirty="0" smtClean="0"/>
-              <a:t>- </a:t>
-            </a:r>
-            <a:r>
-              <a:rPr lang="en-US" altLang="ja-JP" sz="2800" dirty="0" smtClean="0">
-                <a:solidFill>
-                  <a:srgbClr val="C00000"/>
-                </a:solidFill>
-              </a:rPr>
-              <a:t>$python kadai.py   </a:t>
-            </a:r>
-            <a:r>
-              <a:rPr lang="ja-JP" altLang="en-US" sz="2800" dirty="0" smtClean="0"/>
-              <a:t>で実行</a:t>
-            </a:r>
-            <a:endParaRPr lang="en-US" altLang="ja-JP" sz="2800" dirty="0"/>
           </a:p>
         </p:txBody>
       </p:sp>
     </p:spTree>
     <p:extLst>
       <p:ext uri="{BB962C8B-B14F-4D97-AF65-F5344CB8AC3E}">
-        <p14:creationId xmlns:p14="http://schemas.microsoft.com/office/powerpoint/2010/main" val="618947437"/>
+        <p14:creationId xmlns:p14="http://schemas.microsoft.com/office/powerpoint/2010/main" val="286147332"/>
       </p:ext>
     </p:extLst>
   </p:cSld>
@@ -12526,7 +13174,7 @@
           <a:p>
             <a:r>
               <a:rPr kumimoji="1" lang="ja-JP" altLang="en-US" dirty="0" smtClean="0"/>
-              <a:t>統計情報のパラメータを推定</a:t>
+              <a:t>評価問題によるモデルの識別</a:t>
             </a:r>
             <a:endParaRPr kumimoji="1" lang="ja-JP" altLang="en-US" dirty="0"/>
           </a:p>
@@ -12547,50 +13195,125 @@
           <a:bodyPr/>
           <a:lstStyle/>
           <a:p>
-            <a:pPr algn="dist"/>
-            <a:r>
-              <a:rPr lang="ja-JP" altLang="en-US" spc="-150" dirty="0" smtClean="0"/>
-              <a:t>手計算のパラメータと推定したパラメータを比較</a:t>
-            </a:r>
-            <a:endParaRPr kumimoji="1" lang="en-US" altLang="ja-JP" spc="-150" dirty="0" smtClean="0"/>
-          </a:p>
-          <a:p>
+            <a:r>
+              <a:rPr kumimoji="1" lang="en-US" altLang="ja-JP" dirty="0" smtClean="0"/>
+              <a:t> </a:t>
+            </a:r>
+            <a:r>
+              <a:rPr kumimoji="1" lang="en-US" altLang="ja-JP" dirty="0" smtClean="0">
+                <a:solidFill>
+                  <a:srgbClr val="C00000"/>
+                </a:solidFill>
+              </a:rPr>
+              <a:t>$ python identification.py   </a:t>
+            </a:r>
+            <a:r>
+              <a:rPr kumimoji="1" lang="ja-JP" altLang="en-US" dirty="0" smtClean="0"/>
+              <a:t>で実行</a:t>
+            </a:r>
             <a:endParaRPr kumimoji="1" lang="en-US" altLang="ja-JP" dirty="0" smtClean="0"/>
           </a:p>
           <a:p>
-            <a:r>
-              <a:rPr lang="ja-JP" altLang="en-US" dirty="0" smtClean="0"/>
-              <a:t>各パラメータが近い値を示せば</a:t>
-            </a:r>
-            <a:r>
-              <a:rPr lang="en-US" altLang="ja-JP" dirty="0" smtClean="0"/>
-              <a:t>OK</a:t>
-            </a:r>
-          </a:p>
-          <a:p>
-            <a:endParaRPr kumimoji="1" lang="en-US" altLang="ja-JP" dirty="0" smtClean="0"/>
-          </a:p>
-          <a:p>
+            <a:endParaRPr lang="en-US" altLang="ja-JP" dirty="0"/>
+          </a:p>
+          <a:p>
+            <a:pPr>
+              <a:lnSpc>
+                <a:spcPct val="150000"/>
+              </a:lnSpc>
+            </a:pPr>
+            <a:r>
+              <a:rPr kumimoji="1" lang="ja-JP" altLang="en-US" dirty="0" smtClean="0"/>
+              <a:t>評価問題</a:t>
+            </a:r>
+            <a:endParaRPr lang="en-US" altLang="ja-JP" dirty="0"/>
+          </a:p>
+          <a:p>
+            <a:pPr lvl="1">
+              <a:lnSpc>
+                <a:spcPct val="150000"/>
+              </a:lnSpc>
+            </a:pPr>
+            <a:r>
+              <a:rPr kumimoji="1" lang="en-US" altLang="ja-JP" dirty="0" smtClean="0"/>
+              <a:t>2</a:t>
+            </a:r>
+            <a:r>
+              <a:rPr kumimoji="1" lang="ja-JP" altLang="en-US" dirty="0" smtClean="0"/>
+              <a:t>種類のモデル</a:t>
+            </a:r>
             <a:r>
               <a:rPr kumimoji="1" lang="en-US" altLang="ja-JP" dirty="0" smtClean="0"/>
               <a:t>(</a:t>
             </a:r>
             <a:r>
               <a:rPr kumimoji="1" lang="ja-JP" altLang="en-US" dirty="0" smtClean="0"/>
-              <a:t>学習なので</a:t>
-            </a:r>
-            <a:r>
-              <a:rPr kumimoji="1" lang="en-US" altLang="ja-JP" dirty="0" smtClean="0"/>
-              <a:t>,</a:t>
+              <a:t>雨が</a:t>
+            </a:r>
+            <a:r>
+              <a:rPr lang="ja-JP" altLang="en-US" dirty="0" smtClean="0"/>
+              <a:t>多い</a:t>
+            </a:r>
+            <a:r>
+              <a:rPr lang="en-US" altLang="ja-JP" dirty="0"/>
+              <a:t>/</a:t>
             </a:r>
             <a:r>
               <a:rPr kumimoji="1" lang="ja-JP" altLang="en-US" dirty="0" smtClean="0"/>
-              <a:t>データ数やデータの偏りで数値が変わります</a:t>
+              <a:t>晴れが多い地域</a:t>
             </a:r>
             <a:r>
               <a:rPr kumimoji="1" lang="en-US" altLang="ja-JP" dirty="0" smtClean="0"/>
               <a:t>)</a:t>
             </a:r>
+            <a:r>
+              <a:rPr lang="ja-JP" altLang="en-US" dirty="0" smtClean="0"/>
+              <a:t>から</a:t>
+            </a:r>
+            <a:r>
+              <a:rPr lang="en-US" altLang="ja-JP" dirty="0" smtClean="0"/>
+              <a:t/>
+            </a:r>
+            <a:br>
+              <a:rPr lang="en-US" altLang="ja-JP" dirty="0" smtClean="0"/>
+            </a:br>
+            <a:r>
+              <a:rPr lang="ja-JP" altLang="en-US" dirty="0" smtClean="0"/>
+              <a:t>出力された観測系列の</a:t>
+            </a:r>
+            <a:r>
+              <a:rPr kumimoji="1" lang="ja-JP" altLang="en-US" dirty="0" smtClean="0"/>
+              <a:t>尤度をそれぞれ求める</a:t>
+            </a:r>
+            <a:endParaRPr kumimoji="1" lang="en-US" altLang="ja-JP" dirty="0" smtClean="0"/>
+          </a:p>
+          <a:p>
+            <a:pPr lvl="1">
+              <a:lnSpc>
+                <a:spcPct val="150000"/>
+              </a:lnSpc>
+            </a:pPr>
+            <a:r>
+              <a:rPr lang="ja-JP" altLang="en-US" dirty="0" smtClean="0"/>
+              <a:t>尤度によって、観測系列がどちらのモデルから</a:t>
+            </a:r>
+            <a:r>
+              <a:rPr lang="en-US" altLang="ja-JP" dirty="0" smtClean="0"/>
+              <a:t/>
+            </a:r>
+            <a:br>
+              <a:rPr lang="en-US" altLang="ja-JP" dirty="0" smtClean="0"/>
+            </a:br>
+            <a:r>
+              <a:rPr lang="ja-JP" altLang="en-US" dirty="0" smtClean="0"/>
+              <a:t>出力されたものかを識別する</a:t>
+            </a:r>
+            <a:endParaRPr lang="en-US" altLang="ja-JP" dirty="0"/>
+          </a:p>
+          <a:p>
+            <a:endParaRPr kumimoji="1" lang="en-US" altLang="ja-JP" dirty="0" smtClean="0"/>
+          </a:p>
+          <a:p>
             <a:endParaRPr kumimoji="1" lang="ja-JP" altLang="en-US" dirty="0"/>
           </a:p>
         </p:txBody>
@@ -12598,7 +13321,7 @@
     </p:spTree>
     <p:extLst>
       <p:ext uri="{BB962C8B-B14F-4D97-AF65-F5344CB8AC3E}">
-        <p14:creationId xmlns:p14="http://schemas.microsoft.com/office/powerpoint/2010/main" val="286147332"/>
+        <p14:creationId xmlns:p14="http://schemas.microsoft.com/office/powerpoint/2010/main" val="2362127363"/>
       </p:ext>
     </p:extLst>
   </p:cSld>
@@ -12648,7 +13371,7 @@
           <a:lstStyle/>
           <a:p>
             <a:r>
-              <a:rPr kumimoji="1" lang="ja-JP" altLang="en-US" dirty="0" smtClean="0"/>
+              <a:rPr lang="ja-JP" altLang="en-US" dirty="0"/>
               <a:t>評価問題によるモデルの識別</a:t>
             </a:r>
             <a:endParaRPr kumimoji="1" lang="ja-JP" altLang="en-US" dirty="0"/>
@@ -12657,7 +13380,7 @@
       </p:sp>
       <p:sp>
         <p:nvSpPr>
-          <p:cNvPr id="3" name="コンテンツ プレースホルダー 2"/>
+          <p:cNvPr id="6" name="コンテンツ プレースホルダー 5"/>
           <p:cNvSpPr>
             <a:spLocks noGrp="1"/>
           </p:cNvSpPr>
@@ -12671,11 +13394,11 @@
           <a:lstStyle/>
           <a:p>
             <a:r>
-              <a:rPr kumimoji="1" lang="en-US" altLang="ja-JP" dirty="0" smtClean="0"/>
+              <a:rPr lang="en-US" altLang="ja-JP" dirty="0"/>
               <a:t> </a:t>
             </a:r>
             <a:r>
-              <a:rPr kumimoji="1" lang="en-US" altLang="ja-JP" dirty="0" smtClean="0">
+              <a:rPr lang="en-US" altLang="ja-JP" dirty="0">
                 <a:solidFill>
                   <a:srgbClr val="C00000"/>
                 </a:solidFill>
@@ -12683,132 +13406,111 @@
               <a:t>$ python identification.py   </a:t>
             </a:r>
             <a:r>
-              <a:rPr kumimoji="1" lang="ja-JP" altLang="en-US" dirty="0" smtClean="0"/>
+              <a:rPr lang="ja-JP" altLang="en-US" dirty="0"/>
               <a:t>で実行</a:t>
             </a:r>
-            <a:endParaRPr kumimoji="1" lang="en-US" altLang="ja-JP" dirty="0" smtClean="0"/>
-          </a:p>
-          <a:p>
             <a:endParaRPr lang="en-US" altLang="ja-JP" dirty="0"/>
           </a:p>
           <a:p>
-            <a:pPr>
-              <a:lnSpc>
-                <a:spcPct val="150000"/>
-              </a:lnSpc>
-            </a:pPr>
-            <a:r>
-              <a:rPr kumimoji="1" lang="ja-JP" altLang="en-US" dirty="0" smtClean="0"/>
-              <a:t>評価</a:t>
-            </a:r>
-            <a:r>
-              <a:rPr kumimoji="1" lang="ja-JP" altLang="en-US" dirty="0" smtClean="0"/>
-              <a:t>問題</a:t>
-            </a:r>
-            <a:endParaRPr lang="en-US" altLang="ja-JP" dirty="0"/>
-          </a:p>
-          <a:p>
-            <a:pPr lvl="1">
-              <a:lnSpc>
-                <a:spcPct val="150000"/>
-              </a:lnSpc>
-            </a:pPr>
-            <a:r>
-              <a:rPr kumimoji="1" lang="en-US" altLang="ja-JP" dirty="0" smtClean="0"/>
+            <a:endParaRPr kumimoji="1" lang="ja-JP" altLang="en-US" dirty="0"/>
+          </a:p>
+        </p:txBody>
+      </p:sp>
+      <p:pic>
+        <p:nvPicPr>
+          <p:cNvPr id="3" name="図 2"/>
+          <p:cNvPicPr>
+            <a:picLocks noChangeAspect="1"/>
+          </p:cNvPicPr>
+          <p:nvPr/>
+        </p:nvPicPr>
+        <p:blipFill rotWithShape="1">
+          <a:blip r:embed="rId3">
+            <a:extLst>
+              <a:ext uri="{28A0092B-C50C-407E-A947-70E740481C1C}">
+                <a14:useLocalDpi xmlns:a14="http://schemas.microsoft.com/office/drawing/2010/main" val="0"/>
+              </a:ext>
+            </a:extLst>
+          </a:blip>
+          <a:srcRect l="725"/>
+          <a:stretch/>
+        </p:blipFill>
+        <p:spPr>
+          <a:xfrm>
+            <a:off x="33130" y="2279458"/>
+            <a:ext cx="9077739" cy="3443671"/>
+          </a:xfrm>
+          <a:prstGeom prst="rect">
+            <a:avLst/>
+          </a:prstGeom>
+        </p:spPr>
+      </p:pic>
+      <p:sp>
+        <p:nvSpPr>
+          <p:cNvPr id="8" name="四角形吹き出し 7"/>
+          <p:cNvSpPr/>
+          <p:nvPr/>
+        </p:nvSpPr>
+        <p:spPr>
+          <a:xfrm>
+            <a:off x="628650" y="5938211"/>
+            <a:ext cx="2851265" cy="839586"/>
+          </a:xfrm>
+          <a:prstGeom prst="wedgeRectCallout">
+            <a:avLst>
+              <a:gd name="adj1" fmla="val -64134"/>
+              <a:gd name="adj2" fmla="val -108166"/>
+            </a:avLst>
+          </a:prstGeom>
+          <a:ln>
+            <a:noFill/>
+          </a:ln>
+        </p:spPr>
+        <p:style>
+          <a:lnRef idx="2">
+            <a:schemeClr val="accent1">
+              <a:shade val="50000"/>
+            </a:schemeClr>
+          </a:lnRef>
+          <a:fillRef idx="1">
+            <a:schemeClr val="accent1"/>
+          </a:fillRef>
+          <a:effectRef idx="0">
+            <a:schemeClr val="accent1"/>
+          </a:effectRef>
+          <a:fontRef idx="minor">
+            <a:schemeClr val="lt1"/>
+          </a:fontRef>
+        </p:style>
+        <p:txBody>
+          <a:bodyPr rtlCol="0" anchor="ctr"/>
+          <a:lstStyle/>
+          <a:p>
+            <a:pPr algn="ctr"/>
+            <a:r>
+              <a:rPr kumimoji="1" lang="en-US" altLang="ja-JP" sz="2800" dirty="0" smtClean="0"/>
+              <a:t>1</a:t>
+            </a:r>
+            <a:r>
+              <a:rPr kumimoji="1" lang="ja-JP" altLang="en-US" sz="2800" dirty="0" smtClean="0"/>
+              <a:t>か</a:t>
+            </a:r>
+            <a:r>
+              <a:rPr kumimoji="1" lang="en-US" altLang="ja-JP" sz="2800" dirty="0" smtClean="0"/>
               <a:t>2</a:t>
             </a:r>
             <a:r>
-              <a:rPr kumimoji="1" lang="ja-JP" altLang="en-US" dirty="0" smtClean="0"/>
-              <a:t>種類の</a:t>
-            </a:r>
-            <a:r>
-              <a:rPr kumimoji="1" lang="ja-JP" altLang="en-US" dirty="0" smtClean="0"/>
-              <a:t>モデル</a:t>
-            </a:r>
-            <a:r>
-              <a:rPr kumimoji="1" lang="en-US" altLang="ja-JP" dirty="0" smtClean="0"/>
-              <a:t>(</a:t>
-            </a:r>
-            <a:r>
-              <a:rPr kumimoji="1" lang="ja-JP" altLang="en-US" dirty="0" smtClean="0"/>
-              <a:t>雨が</a:t>
-            </a:r>
-            <a:r>
-              <a:rPr lang="ja-JP" altLang="en-US" dirty="0" smtClean="0"/>
-              <a:t>多い</a:t>
-            </a:r>
-            <a:r>
-              <a:rPr lang="en-US" altLang="ja-JP" dirty="0"/>
-              <a:t>/</a:t>
-            </a:r>
-            <a:r>
-              <a:rPr kumimoji="1" lang="ja-JP" altLang="en-US" dirty="0" smtClean="0"/>
-              <a:t>晴れ</a:t>
-            </a:r>
-            <a:r>
-              <a:rPr kumimoji="1" lang="ja-JP" altLang="en-US" dirty="0" smtClean="0"/>
-              <a:t>が多い地域</a:t>
-            </a:r>
-            <a:r>
-              <a:rPr kumimoji="1" lang="en-US" altLang="ja-JP" dirty="0" smtClean="0"/>
-              <a:t>)</a:t>
-            </a:r>
-            <a:r>
-              <a:rPr lang="ja-JP" altLang="en-US" dirty="0" smtClean="0"/>
-              <a:t>から</a:t>
-            </a:r>
-            <a:r>
-              <a:rPr lang="en-US" altLang="ja-JP" dirty="0" smtClean="0"/>
-              <a:t/>
-            </a:r>
-            <a:br>
-              <a:rPr lang="en-US" altLang="ja-JP" dirty="0" smtClean="0"/>
-            </a:br>
-            <a:r>
-              <a:rPr lang="ja-JP" altLang="en-US" dirty="0" smtClean="0"/>
-              <a:t>出力された観測系列の</a:t>
-            </a:r>
-            <a:r>
-              <a:rPr kumimoji="1" lang="ja-JP" altLang="en-US" dirty="0" smtClean="0"/>
-              <a:t>尤度をそれぞれ求める</a:t>
-            </a:r>
-            <a:endParaRPr kumimoji="1" lang="en-US" altLang="ja-JP" dirty="0" smtClean="0"/>
-          </a:p>
-          <a:p>
-            <a:pPr lvl="1">
-              <a:lnSpc>
-                <a:spcPct val="150000"/>
-              </a:lnSpc>
-            </a:pPr>
-            <a:r>
-              <a:rPr lang="ja-JP" altLang="en-US" dirty="0" smtClean="0"/>
-              <a:t>尤度によって、観測系列がどちらのモデルから</a:t>
-            </a:r>
-            <a:r>
-              <a:rPr lang="en-US" altLang="ja-JP" dirty="0" smtClean="0"/>
-              <a:t/>
-            </a:r>
-            <a:br>
-              <a:rPr lang="en-US" altLang="ja-JP" dirty="0" smtClean="0"/>
-            </a:br>
-            <a:r>
-              <a:rPr lang="ja-JP" altLang="en-US" dirty="0" smtClean="0"/>
-              <a:t>出力されたものかを識別する</a:t>
-            </a:r>
-            <a:endParaRPr lang="en-US" altLang="ja-JP" dirty="0"/>
-          </a:p>
-          <a:p>
-            <a:endParaRPr kumimoji="1" lang="en-US" altLang="ja-JP" dirty="0" smtClean="0"/>
-          </a:p>
-          <a:p>
-            <a:endParaRPr kumimoji="1" lang="ja-JP" altLang="en-US" dirty="0"/>
+              <a:rPr kumimoji="1" lang="ja-JP" altLang="en-US" sz="2800" dirty="0" smtClean="0"/>
+              <a:t>を入力</a:t>
+            </a:r>
+            <a:endParaRPr kumimoji="1" lang="ja-JP" altLang="en-US" sz="2800" dirty="0"/>
           </a:p>
         </p:txBody>
       </p:sp>
     </p:spTree>
     <p:extLst>
       <p:ext uri="{BB962C8B-B14F-4D97-AF65-F5344CB8AC3E}">
-        <p14:creationId xmlns:p14="http://schemas.microsoft.com/office/powerpoint/2010/main" val="2362127363"/>
+        <p14:creationId xmlns:p14="http://schemas.microsoft.com/office/powerpoint/2010/main" val="3291891947"/>
       </p:ext>
     </p:extLst>
   </p:cSld>
@@ -12842,6 +13544,36 @@
           <a:chExt cx="0" cy="0"/>
         </a:xfrm>
       </p:grpSpPr>
+      <p:pic>
+        <p:nvPicPr>
+          <p:cNvPr id="7" name="図 6"/>
+          <p:cNvPicPr>
+            <a:picLocks noChangeAspect="1"/>
+          </p:cNvPicPr>
+          <p:nvPr/>
+        </p:nvPicPr>
+        <p:blipFill>
+          <a:blip r:embed="rId2">
+            <a:extLst>
+              <a:ext uri="{28A0092B-C50C-407E-A947-70E740481C1C}">
+                <a14:useLocalDpi xmlns:a14="http://schemas.microsoft.com/office/drawing/2010/main" val="0"/>
+              </a:ext>
+            </a:extLst>
+          </a:blip>
+          <a:stretch>
+            <a:fillRect/>
+          </a:stretch>
+        </p:blipFill>
+        <p:spPr>
+          <a:xfrm>
+            <a:off x="593203" y="2372380"/>
+            <a:ext cx="7957594" cy="3628551"/>
+          </a:xfrm>
+          <a:prstGeom prst="rect">
+            <a:avLst/>
+          </a:prstGeom>
+        </p:spPr>
+      </p:pic>
       <p:sp>
         <p:nvSpPr>
           <p:cNvPr id="2" name="タイトル 1"/>
@@ -12865,38 +13597,9 @@
           </a:p>
         </p:txBody>
       </p:sp>
-      <p:pic>
-        <p:nvPicPr>
-          <p:cNvPr id="5" name="図 4"/>
-          <p:cNvPicPr>
-            <a:picLocks noChangeAspect="1"/>
-          </p:cNvPicPr>
-          <p:nvPr/>
-        </p:nvPicPr>
-        <p:blipFill rotWithShape="1">
-          <a:blip r:embed="rId3">
-            <a:extLst>
-              <a:ext uri="{28A0092B-C50C-407E-A947-70E740481C1C}">
-                <a14:useLocalDpi xmlns:a14="http://schemas.microsoft.com/office/drawing/2010/main" val="0"/>
-              </a:ext>
-            </a:extLst>
-          </a:blip>
-          <a:srcRect l="182" t="7523"/>
-          <a:stretch/>
-        </p:blipFill>
-        <p:spPr>
-          <a:xfrm>
-            <a:off x="-10361" y="2426459"/>
-            <a:ext cx="9154361" cy="3101505"/>
-          </a:xfrm>
-          <a:prstGeom prst="rect">
-            <a:avLst/>
-          </a:prstGeom>
-        </p:spPr>
-      </p:pic>
-      <p:sp>
-        <p:nvSpPr>
-          <p:cNvPr id="6" name="コンテンツ プレースホルダー 5"/>
+      <p:sp>
+        <p:nvSpPr>
+          <p:cNvPr id="3" name="コンテンツ プレースホルダー 2"/>
           <p:cNvSpPr>
             <a:spLocks noGrp="1"/>
           </p:cNvSpPr>
@@ -12934,21 +13637,28 @@
       </p:sp>
       <p:sp>
         <p:nvSpPr>
-          <p:cNvPr id="8" name="四角形吹き出し 7"/>
+          <p:cNvPr id="5" name="楕円 4"/>
           <p:cNvSpPr/>
           <p:nvPr/>
         </p:nvSpPr>
         <p:spPr>
           <a:xfrm>
-            <a:off x="628650" y="5938211"/>
-            <a:ext cx="2851265" cy="839586"/>
+            <a:off x="1125286" y="5516697"/>
+            <a:ext cx="527539" cy="621936"/>
           </a:xfrm>
-          <a:prstGeom prst="wedgeRectCallout">
-            <a:avLst>
-              <a:gd name="adj1" fmla="val -37177"/>
-              <a:gd name="adj2" fmla="val -114480"/>
-            </a:avLst>
+          <a:prstGeom prst="ellipse">
+            <a:avLst/>
           </a:prstGeom>
+          <a:solidFill>
+            <a:srgbClr val="C00000">
+              <a:alpha val="0"/>
+            </a:srgbClr>
+          </a:solidFill>
+          <a:ln w="66675">
+            <a:solidFill>
+              <a:srgbClr val="C00000"/>
+            </a:solidFill>
+          </a:ln>
         </p:spPr>
         <p:style>
           <a:lnRef idx="2">
@@ -12971,30 +13681,76 @@
           <a:lstStyle/>
           <a:p>
             <a:pPr algn="ctr"/>
-            <a:r>
-              <a:rPr kumimoji="1" lang="en-US" altLang="ja-JP" sz="2800" dirty="0" smtClean="0"/>
-              <a:t>1</a:t>
-            </a:r>
-            <a:r>
-              <a:rPr kumimoji="1" lang="ja-JP" altLang="en-US" sz="2800" dirty="0" smtClean="0"/>
-              <a:t>か</a:t>
-            </a:r>
-            <a:r>
-              <a:rPr kumimoji="1" lang="en-US" altLang="ja-JP" sz="2800" dirty="0" smtClean="0"/>
-              <a:t>2</a:t>
-            </a:r>
-            <a:r>
-              <a:rPr kumimoji="1" lang="ja-JP" altLang="en-US" sz="2800" dirty="0" smtClean="0"/>
-              <a:t>を入力</a:t>
-            </a:r>
-            <a:endParaRPr kumimoji="1" lang="ja-JP" altLang="en-US" sz="2800" dirty="0"/>
+            <a:endParaRPr kumimoji="1" lang="ja-JP" altLang="en-US"/>
+          </a:p>
+        </p:txBody>
+      </p:sp>
+      <p:sp>
+        <p:nvSpPr>
+          <p:cNvPr id="6" name="四角形吹き出し 5"/>
+          <p:cNvSpPr/>
+          <p:nvPr/>
+        </p:nvSpPr>
+        <p:spPr>
+          <a:xfrm>
+            <a:off x="490629" y="6276335"/>
+            <a:ext cx="8247185" cy="546101"/>
+          </a:xfrm>
+          <a:prstGeom prst="wedgeRectCallout">
+            <a:avLst>
+              <a:gd name="adj1" fmla="val -35066"/>
+              <a:gd name="adj2" fmla="val -106552"/>
+            </a:avLst>
+          </a:prstGeom>
+          <a:ln>
+            <a:noFill/>
+          </a:ln>
+        </p:spPr>
+        <p:style>
+          <a:lnRef idx="2">
+            <a:schemeClr val="accent1">
+              <a:shade val="50000"/>
+            </a:schemeClr>
+          </a:lnRef>
+          <a:fillRef idx="1">
+            <a:schemeClr val="accent1"/>
+          </a:fillRef>
+          <a:effectRef idx="0">
+            <a:schemeClr val="accent1"/>
+          </a:effectRef>
+          <a:fontRef idx="minor">
+            <a:schemeClr val="lt1"/>
+          </a:fontRef>
+        </p:style>
+        <p:txBody>
+          <a:bodyPr rtlCol="0" anchor="ctr"/>
+          <a:lstStyle/>
+          <a:p>
+            <a:pPr algn="ctr"/>
+            <a:r>
+              <a:rPr kumimoji="1" lang="ja-JP" altLang="en-US" sz="2400" dirty="0" smtClean="0"/>
+              <a:t>選択した番号が出力されれば</a:t>
+            </a:r>
+            <a:r>
+              <a:rPr kumimoji="1" lang="en-US" altLang="ja-JP" sz="2400" dirty="0" smtClean="0"/>
+              <a:t>OK   (</a:t>
+            </a:r>
+            <a:r>
+              <a:rPr kumimoji="1" lang="ja-JP" altLang="en-US" sz="2400" dirty="0" smtClean="0"/>
+              <a:t>出ない場合もあります</a:t>
+            </a:r>
+            <a:r>
+              <a:rPr kumimoji="1" lang="en-US" altLang="ja-JP" sz="2400" dirty="0" smtClean="0"/>
+              <a:t>)</a:t>
+            </a:r>
+            <a:endParaRPr kumimoji="1" lang="ja-JP" altLang="en-US" sz="2400" dirty="0"/>
           </a:p>
         </p:txBody>
       </p:sp>
     </p:spTree>
     <p:extLst>
       <p:ext uri="{BB962C8B-B14F-4D97-AF65-F5344CB8AC3E}">
-        <p14:creationId xmlns:p14="http://schemas.microsoft.com/office/powerpoint/2010/main" val="3291891947"/>
+        <p14:creationId xmlns:p14="http://schemas.microsoft.com/office/powerpoint/2010/main" val="2430852941"/>
       </p:ext>
     </p:extLst>
   </p:cSld>
@@ -13094,9 +13850,55 @@
           </a:p>
         </p:txBody>
       </p:sp>
+      <p:sp>
+        <p:nvSpPr>
+          <p:cNvPr id="5" name="正方形/長方形 4"/>
+          <p:cNvSpPr/>
+          <p:nvPr/>
+        </p:nvSpPr>
+        <p:spPr>
+          <a:xfrm>
+            <a:off x="542982" y="3413398"/>
+            <a:ext cx="8058034" cy="3337470"/>
+          </a:xfrm>
+          <a:prstGeom prst="rect">
+            <a:avLst/>
+          </a:prstGeom>
+          <a:solidFill>
+            <a:schemeClr val="tx1"/>
+          </a:solidFill>
+          <a:ln>
+            <a:noFill/>
+          </a:ln>
+        </p:spPr>
+        <p:style>
+          <a:lnRef idx="2">
+            <a:schemeClr val="accent1">
+              <a:shade val="50000"/>
+            </a:schemeClr>
+          </a:lnRef>
+          <a:fillRef idx="1">
+            <a:schemeClr val="accent1"/>
+          </a:fillRef>
+          <a:effectRef idx="0">
+            <a:schemeClr val="accent1"/>
+          </a:effectRef>
+          <a:fontRef idx="minor">
+            <a:schemeClr val="lt1"/>
+          </a:fontRef>
+        </p:style>
+        <p:txBody>
+          <a:bodyPr rtlCol="0" anchor="ctr"/>
+          <a:lstStyle/>
+          <a:p>
+            <a:pPr algn="ctr"/>
+            <a:endParaRPr kumimoji="1" lang="ja-JP" altLang="en-US"/>
+          </a:p>
+        </p:txBody>
+      </p:sp>
       <p:pic>
         <p:nvPicPr>
-          <p:cNvPr id="4" name="図 3"/>
+          <p:cNvPr id="6" name="図 5"/>
           <p:cNvPicPr>
             <a:picLocks noChangeAspect="1"/>
           </p:cNvPicPr>
@@ -13116,8 +13918,8 @@
         </p:blipFill>
         <p:spPr>
           <a:xfrm>
-            <a:off x="1325386" y="3193914"/>
-            <a:ext cx="8148814" cy="2983049"/>
+            <a:off x="771747" y="3690969"/>
+            <a:ext cx="7600505" cy="2782329"/>
           </a:xfrm>
           <a:prstGeom prst="rect">
             <a:avLst/>
@@ -13145,246 +13947,6 @@
 </file>
 
 <file path=ppt/slides/slide30.xml><?xml version="1.0" encoding="utf-8"?>
-<p:sld xmlns:a="http://schemas.openxmlformats.org/drawingml/2006/main" xmlns:r="http://schemas.openxmlformats.org/officeDocument/2006/relationships" xmlns:p="http://schemas.openxmlformats.org/presentationml/2006/main">
-  <p:cSld>
-    <p:spTree>
-      <p:nvGrpSpPr>
-        <p:cNvPr id="1" name=""/>
-        <p:cNvGrpSpPr/>
-        <p:nvPr/>
-      </p:nvGrpSpPr>
-      <p:grpSpPr>
-        <a:xfrm>
-          <a:off x="0" y="0"/>
-          <a:ext cx="0" cy="0"/>
-          <a:chOff x="0" y="0"/>
-          <a:chExt cx="0" cy="0"/>
-        </a:xfrm>
-      </p:grpSpPr>
-      <p:sp>
-        <p:nvSpPr>
-          <p:cNvPr id="2" name="タイトル 1"/>
-          <p:cNvSpPr>
-            <a:spLocks noGrp="1"/>
-          </p:cNvSpPr>
-          <p:nvPr>
-            <p:ph type="title"/>
-          </p:nvPr>
-        </p:nvSpPr>
-        <p:spPr/>
-        <p:txBody>
-          <a:bodyPr/>
-          <a:lstStyle/>
-          <a:p>
-            <a:r>
-              <a:rPr lang="ja-JP" altLang="en-US" dirty="0"/>
-              <a:t>評価問題によるモデルの識別</a:t>
-            </a:r>
-            <a:endParaRPr kumimoji="1" lang="ja-JP" altLang="en-US" dirty="0"/>
-          </a:p>
-        </p:txBody>
-      </p:sp>
-      <p:sp>
-        <p:nvSpPr>
-          <p:cNvPr id="3" name="コンテンツ プレースホルダー 2"/>
-          <p:cNvSpPr>
-            <a:spLocks noGrp="1"/>
-          </p:cNvSpPr>
-          <p:nvPr>
-            <p:ph idx="1"/>
-          </p:nvPr>
-        </p:nvSpPr>
-        <p:spPr/>
-        <p:txBody>
-          <a:bodyPr/>
-          <a:lstStyle/>
-          <a:p>
-            <a:r>
-              <a:rPr lang="en-US" altLang="ja-JP" dirty="0"/>
-              <a:t> </a:t>
-            </a:r>
-            <a:r>
-              <a:rPr lang="en-US" altLang="ja-JP" dirty="0">
-                <a:solidFill>
-                  <a:srgbClr val="C00000"/>
-                </a:solidFill>
-              </a:rPr>
-              <a:t>$ python identification.py   </a:t>
-            </a:r>
-            <a:r>
-              <a:rPr lang="ja-JP" altLang="en-US" dirty="0"/>
-              <a:t>で実行</a:t>
-            </a:r>
-            <a:endParaRPr lang="en-US" altLang="ja-JP" dirty="0"/>
-          </a:p>
-          <a:p>
-            <a:endParaRPr kumimoji="1" lang="ja-JP" altLang="en-US" dirty="0"/>
-          </a:p>
-        </p:txBody>
-      </p:sp>
-      <p:pic>
-        <p:nvPicPr>
-          <p:cNvPr id="4" name="図 3"/>
-          <p:cNvPicPr>
-            <a:picLocks noChangeAspect="1"/>
-          </p:cNvPicPr>
-          <p:nvPr/>
-        </p:nvPicPr>
-        <p:blipFill>
-          <a:blip r:embed="rId2">
-            <a:extLst>
-              <a:ext uri="{28A0092B-C50C-407E-A947-70E740481C1C}">
-                <a14:useLocalDpi xmlns:a14="http://schemas.microsoft.com/office/drawing/2010/main" val="0"/>
-              </a:ext>
-            </a:extLst>
-          </a:blip>
-          <a:stretch>
-            <a:fillRect/>
-          </a:stretch>
-        </p:blipFill>
-        <p:spPr>
-          <a:xfrm>
-            <a:off x="406185" y="2489661"/>
-            <a:ext cx="8331629" cy="3448570"/>
-          </a:xfrm>
-          <a:prstGeom prst="rect">
-            <a:avLst/>
-          </a:prstGeom>
-        </p:spPr>
-      </p:pic>
-      <p:sp>
-        <p:nvSpPr>
-          <p:cNvPr id="5" name="楕円 4"/>
-          <p:cNvSpPr/>
-          <p:nvPr/>
-        </p:nvSpPr>
-        <p:spPr>
-          <a:xfrm>
-            <a:off x="1151791" y="5451231"/>
-            <a:ext cx="527539" cy="621936"/>
-          </a:xfrm>
-          <a:prstGeom prst="ellipse">
-            <a:avLst/>
-          </a:prstGeom>
-          <a:solidFill>
-            <a:srgbClr val="C00000">
-              <a:alpha val="0"/>
-            </a:srgbClr>
-          </a:solidFill>
-          <a:ln w="66675">
-            <a:solidFill>
-              <a:srgbClr val="C00000"/>
-            </a:solidFill>
-          </a:ln>
-        </p:spPr>
-        <p:style>
-          <a:lnRef idx="2">
-            <a:schemeClr val="accent1">
-              <a:shade val="50000"/>
-            </a:schemeClr>
-          </a:lnRef>
-          <a:fillRef idx="1">
-            <a:schemeClr val="accent1"/>
-          </a:fillRef>
-          <a:effectRef idx="0">
-            <a:schemeClr val="accent1"/>
-          </a:effectRef>
-          <a:fontRef idx="minor">
-            <a:schemeClr val="lt1"/>
-          </a:fontRef>
-        </p:style>
-        <p:txBody>
-          <a:bodyPr rtlCol="0" anchor="ctr"/>
-          <a:lstStyle/>
-          <a:p>
-            <a:pPr algn="ctr"/>
-            <a:endParaRPr kumimoji="1" lang="ja-JP" altLang="en-US"/>
-          </a:p>
-        </p:txBody>
-      </p:sp>
-      <p:sp>
-        <p:nvSpPr>
-          <p:cNvPr id="6" name="四角形吹き出し 5"/>
-          <p:cNvSpPr/>
-          <p:nvPr/>
-        </p:nvSpPr>
-        <p:spPr>
-          <a:xfrm>
-            <a:off x="490629" y="6276335"/>
-            <a:ext cx="8247185" cy="546101"/>
-          </a:xfrm>
-          <a:prstGeom prst="wedgeRectCallout">
-            <a:avLst>
-              <a:gd name="adj1" fmla="val -36673"/>
-              <a:gd name="adj2" fmla="val -106552"/>
-            </a:avLst>
-          </a:prstGeom>
-          <a:ln>
-            <a:noFill/>
-          </a:ln>
-        </p:spPr>
-        <p:style>
-          <a:lnRef idx="2">
-            <a:schemeClr val="accent1">
-              <a:shade val="50000"/>
-            </a:schemeClr>
-          </a:lnRef>
-          <a:fillRef idx="1">
-            <a:schemeClr val="accent1"/>
-          </a:fillRef>
-          <a:effectRef idx="0">
-            <a:schemeClr val="accent1"/>
-          </a:effectRef>
-          <a:fontRef idx="minor">
-            <a:schemeClr val="lt1"/>
-          </a:fontRef>
-        </p:style>
-        <p:txBody>
-          <a:bodyPr rtlCol="0" anchor="ctr"/>
-          <a:lstStyle/>
-          <a:p>
-            <a:pPr algn="ctr"/>
-            <a:r>
-              <a:rPr kumimoji="1" lang="ja-JP" altLang="en-US" sz="2400" dirty="0" smtClean="0"/>
-              <a:t>選択した番号が出力されれば</a:t>
-            </a:r>
-            <a:r>
-              <a:rPr kumimoji="1" lang="en-US" altLang="ja-JP" sz="2400" dirty="0" smtClean="0"/>
-              <a:t>OK   (</a:t>
-            </a:r>
-            <a:r>
-              <a:rPr kumimoji="1" lang="ja-JP" altLang="en-US" sz="2400" dirty="0" smtClean="0"/>
-              <a:t>出ない場合もあります</a:t>
-            </a:r>
-            <a:r>
-              <a:rPr kumimoji="1" lang="en-US" altLang="ja-JP" sz="2400" dirty="0" smtClean="0"/>
-              <a:t>)</a:t>
-            </a:r>
-            <a:endParaRPr kumimoji="1" lang="ja-JP" altLang="en-US" sz="2400" dirty="0"/>
-          </a:p>
-        </p:txBody>
-      </p:sp>
-    </p:spTree>
-    <p:extLst>
-      <p:ext uri="{BB962C8B-B14F-4D97-AF65-F5344CB8AC3E}">
-        <p14:creationId xmlns:p14="http://schemas.microsoft.com/office/powerpoint/2010/main" val="2430852941"/>
-      </p:ext>
-    </p:extLst>
-  </p:cSld>
-  <p:clrMapOvr>
-    <a:masterClrMapping/>
-  </p:clrMapOvr>
-  <p:timing>
-    <p:tnLst>
-      <p:par>
-        <p:cTn id="1" dur="indefinite" restart="never" nodeType="tmRoot"/>
-      </p:par>
-    </p:tnLst>
-  </p:timing>
-</p:sld>
-</file>
-
-<file path=ppt/slides/slide31.xml><?xml version="1.0" encoding="utf-8"?>
 <p:sld xmlns:a="http://schemas.openxmlformats.org/drawingml/2006/main" xmlns:r="http://schemas.openxmlformats.org/officeDocument/2006/relationships" xmlns:p="http://schemas.openxmlformats.org/presentationml/2006/main">
   <p:cSld>
     <p:spTree>
@@ -14615,6 +15177,58 @@
           </a:p>
         </p:txBody>
       </p:sp>
+      <p:sp>
+        <p:nvSpPr>
+          <p:cNvPr id="3" name="角丸四角形 2"/>
+          <p:cNvSpPr/>
+          <p:nvPr/>
+        </p:nvSpPr>
+        <p:spPr>
+          <a:xfrm>
+            <a:off x="7036320" y="5483590"/>
+            <a:ext cx="1906376" cy="684713"/>
+          </a:xfrm>
+          <a:prstGeom prst="roundRect">
+            <a:avLst/>
+          </a:prstGeom>
+          <a:solidFill>
+            <a:schemeClr val="accent2">
+              <a:lumMod val="50000"/>
+            </a:schemeClr>
+          </a:solidFill>
+          <a:ln>
+            <a:noFill/>
+          </a:ln>
+        </p:spPr>
+        <p:style>
+          <a:lnRef idx="2">
+            <a:schemeClr val="accent1">
+              <a:shade val="50000"/>
+            </a:schemeClr>
+          </a:lnRef>
+          <a:fillRef idx="1">
+            <a:schemeClr val="accent1"/>
+          </a:fillRef>
+          <a:effectRef idx="0">
+            <a:schemeClr val="accent1"/>
+          </a:effectRef>
+          <a:fontRef idx="minor">
+            <a:schemeClr val="lt1"/>
+          </a:fontRef>
+        </p:style>
+        <p:txBody>
+          <a:bodyPr rtlCol="0" anchor="ctr"/>
+          <a:lstStyle/>
+          <a:p>
+            <a:pPr algn="ctr"/>
+            <a:r>
+              <a:rPr lang="ja-JP" altLang="en-US" sz="2400" dirty="0" smtClean="0"/>
+              <a:t>尤度が高い</a:t>
+            </a:r>
+            <a:endParaRPr kumimoji="1" lang="ja-JP" altLang="en-US" sz="2400" dirty="0"/>
+          </a:p>
+        </p:txBody>
+      </p:sp>
     </p:spTree>
     <p:extLst>
       <p:ext uri="{BB962C8B-B14F-4D97-AF65-F5344CB8AC3E}">
@@ -15045,11 +15659,7 @@
             <a:pPr lvl="1"/>
             <a:r>
               <a:rPr kumimoji="1" lang="ja-JP" altLang="en-US" dirty="0" smtClean="0"/>
-              <a:t>復号問題</a:t>
-            </a:r>
-            <a:r>
-              <a:rPr kumimoji="1" lang="ja-JP" altLang="en-US" dirty="0" smtClean="0"/>
-              <a:t>を解いて最尤状態遷移系列を求める関数</a:t>
+              <a:t>復号問題を解いて最尤状態遷移系列を求める関数</a:t>
             </a:r>
             <a:endParaRPr kumimoji="1" lang="en-US" altLang="ja-JP" dirty="0" smtClean="0"/>
           </a:p>
@@ -17671,32 +18281,23 @@
             </a:pPr>
             <a:r>
               <a:rPr lang="en-US" altLang="ja-JP" dirty="0" smtClean="0"/>
-              <a:t>1.</a:t>
+              <a:t>1</a:t>
+            </a:r>
+            <a:r>
+              <a:rPr lang="en-US" altLang="ja-JP" dirty="0" smtClean="0"/>
+              <a:t>.</a:t>
             </a:r>
             <a:r>
               <a:rPr lang="en-US" altLang="ja-JP" dirty="0"/>
               <a:t> </a:t>
             </a:r>
             <a:r>
-              <a:rPr lang="en-US" altLang="ja-JP" dirty="0" smtClean="0"/>
-              <a:t>enshu_hmm.py</a:t>
-            </a:r>
-            <a:r>
-              <a:rPr lang="ja-JP" altLang="en-US" dirty="0"/>
-              <a:t>が存在するフォルダに移動</a:t>
-            </a:r>
-          </a:p>
-          <a:p>
-            <a:pPr marL="0" indent="0">
-              <a:buNone/>
-            </a:pPr>
-            <a:r>
-              <a:rPr lang="en-US" altLang="ja-JP" dirty="0" smtClean="0"/>
-              <a:t>2.</a:t>
-            </a:r>
-            <a:r>
               <a:rPr lang="ja-JP" altLang="en-US" dirty="0" smtClean="0"/>
-              <a:t>コマンド「</a:t>
+              <a:t>コマンド</a:t>
+            </a:r>
+            <a:r>
+              <a:rPr lang="ja-JP" altLang="en-US" dirty="0" smtClean="0"/>
+              <a:t>「</a:t>
             </a:r>
             <a:r>
               <a:rPr lang="en-US" altLang="ja-JP" dirty="0" smtClean="0">
@@ -17748,9 +18349,19 @@
             <a:pPr marL="0" indent="0">
               <a:buNone/>
             </a:pPr>
+            <a:endParaRPr lang="en-US" altLang="ja-JP" sz="2400" dirty="0" smtClean="0"/>
+          </a:p>
+          <a:p>
+            <a:pPr marL="0" indent="0">
+              <a:buNone/>
+            </a:pPr>
             <a:r>
               <a:rPr lang="ja-JP" altLang="en-US" sz="2400" dirty="0" smtClean="0"/>
-              <a:t>もし実行しても表記が</a:t>
+              <a:t>もし</a:t>
+            </a:r>
+            <a:r>
+              <a:rPr lang="ja-JP" altLang="en-US" sz="2400" dirty="0" smtClean="0"/>
+              <a:t>実行しても表記が</a:t>
             </a:r>
             <a:endParaRPr lang="en-US" altLang="ja-JP" sz="2400" dirty="0"/>
           </a:p>

--- a/輪講実習.pptx
+++ b/輪講実習.pptx
@@ -5,7 +5,7 @@
     <p:sldMasterId id="2147483660" r:id="rId1"/>
   </p:sldMasterIdLst>
   <p:notesMasterIdLst>
-    <p:notesMasterId r:id="rId32"/>
+    <p:notesMasterId r:id="rId33"/>
   </p:notesMasterIdLst>
   <p:sldIdLst>
     <p:sldId id="256" r:id="rId2"/>
@@ -33,11 +33,12 @@
     <p:sldId id="281" r:id="rId24"/>
     <p:sldId id="283" r:id="rId25"/>
     <p:sldId id="289" r:id="rId26"/>
-    <p:sldId id="290" r:id="rId27"/>
+    <p:sldId id="295" r:id="rId27"/>
     <p:sldId id="291" r:id="rId28"/>
     <p:sldId id="292" r:id="rId29"/>
-    <p:sldId id="293" r:id="rId30"/>
-    <p:sldId id="294" r:id="rId31"/>
+    <p:sldId id="296" r:id="rId30"/>
+    <p:sldId id="293" r:id="rId31"/>
+    <p:sldId id="294" r:id="rId32"/>
   </p:sldIdLst>
   <p:sldSz cx="9144000" cy="6858000" type="screen4x3"/>
   <p:notesSz cx="6858000" cy="9144000"/>
@@ -685,6 +686,90 @@
     <p:extLst>
       <p:ext uri="{BB962C8B-B14F-4D97-AF65-F5344CB8AC3E}">
         <p14:creationId xmlns:p14="http://schemas.microsoft.com/office/powerpoint/2010/main" val="3509859848"/>
+      </p:ext>
+    </p:extLst>
+  </p:cSld>
+  <p:clrMapOvr>
+    <a:masterClrMapping/>
+  </p:clrMapOvr>
+</p:notes>
+</file>
+
+<file path=ppt/notesSlides/notesSlide3.xml><?xml version="1.0" encoding="utf-8"?>
+<p:notes xmlns:a="http://schemas.openxmlformats.org/drawingml/2006/main" xmlns:r="http://schemas.openxmlformats.org/officeDocument/2006/relationships" xmlns:p="http://schemas.openxmlformats.org/presentationml/2006/main">
+  <p:cSld>
+    <p:spTree>
+      <p:nvGrpSpPr>
+        <p:cNvPr id="1" name=""/>
+        <p:cNvGrpSpPr/>
+        <p:nvPr/>
+      </p:nvGrpSpPr>
+      <p:grpSpPr>
+        <a:xfrm>
+          <a:off x="0" y="0"/>
+          <a:ext cx="0" cy="0"/>
+          <a:chOff x="0" y="0"/>
+          <a:chExt cx="0" cy="0"/>
+        </a:xfrm>
+      </p:grpSpPr>
+      <p:sp>
+        <p:nvSpPr>
+          <p:cNvPr id="2" name="スライド イメージ プレースホルダー 1"/>
+          <p:cNvSpPr>
+            <a:spLocks noGrp="1" noRot="1" noChangeAspect="1"/>
+          </p:cNvSpPr>
+          <p:nvPr>
+            <p:ph type="sldImg"/>
+          </p:nvPr>
+        </p:nvSpPr>
+        <p:spPr/>
+      </p:sp>
+      <p:sp>
+        <p:nvSpPr>
+          <p:cNvPr id="3" name="ノート プレースホルダー 2"/>
+          <p:cNvSpPr>
+            <a:spLocks noGrp="1"/>
+          </p:cNvSpPr>
+          <p:nvPr>
+            <p:ph type="body" idx="1"/>
+          </p:nvPr>
+        </p:nvSpPr>
+        <p:spPr/>
+        <p:txBody>
+          <a:bodyPr/>
+          <a:lstStyle/>
+          <a:p>
+            <a:endParaRPr kumimoji="1" lang="ja-JP" altLang="en-US" dirty="0"/>
+          </a:p>
+        </p:txBody>
+      </p:sp>
+      <p:sp>
+        <p:nvSpPr>
+          <p:cNvPr id="4" name="スライド番号プレースホルダー 3"/>
+          <p:cNvSpPr>
+            <a:spLocks noGrp="1"/>
+          </p:cNvSpPr>
+          <p:nvPr>
+            <p:ph type="sldNum" sz="quarter" idx="10"/>
+          </p:nvPr>
+        </p:nvSpPr>
+        <p:spPr/>
+        <p:txBody>
+          <a:bodyPr/>
+          <a:lstStyle/>
+          <a:p>
+            <a:fld id="{4F43D516-64A0-404A-B937-F9D53C104CBF}" type="slidenum">
+              <a:rPr kumimoji="1" lang="ja-JP" altLang="en-US" smtClean="0"/>
+              <a:t>29</a:t>
+            </a:fld>
+            <a:endParaRPr kumimoji="1" lang="ja-JP" altLang="en-US"/>
+          </a:p>
+        </p:txBody>
+      </p:sp>
+    </p:spTree>
+    <p:extLst>
+      <p:ext uri="{BB962C8B-B14F-4D97-AF65-F5344CB8AC3E}">
+        <p14:creationId xmlns:p14="http://schemas.microsoft.com/office/powerpoint/2010/main" val="88606790"/>
       </p:ext>
     </p:extLst>
   </p:cSld>
@@ -7956,11 +8041,7 @@
             </a:r>
             <a:r>
               <a:rPr lang="ja-JP" altLang="en-US" dirty="0" smtClean="0"/>
-              <a:t>に</a:t>
-            </a:r>
-            <a:r>
-              <a:rPr lang="ja-JP" altLang="en-US" dirty="0" smtClean="0"/>
-              <a:t>移動</a:t>
+              <a:t>に移動</a:t>
             </a:r>
             <a:endParaRPr lang="en-US" altLang="ja-JP" dirty="0" smtClean="0"/>
           </a:p>
@@ -13085,14 +13166,16 @@
           <a:p>
             <a:r>
               <a:rPr lang="ja-JP" altLang="en-US" dirty="0" smtClean="0"/>
-              <a:t>各パラメータが近い値を示せば</a:t>
-            </a:r>
-            <a:r>
-              <a:rPr lang="en-US" altLang="ja-JP" dirty="0" smtClean="0"/>
-              <a:t>OK</a:t>
-            </a:r>
-          </a:p>
-          <a:p>
+              <a:t>各パラメータが近い値を</a:t>
+            </a:r>
+            <a:r>
+              <a:rPr lang="ja-JP" altLang="en-US" dirty="0" smtClean="0"/>
+              <a:t>示せば</a:t>
+            </a:r>
+            <a:r>
+              <a:rPr lang="ja-JP" altLang="en-US" dirty="0"/>
+              <a:t>成功</a:t>
+            </a:r>
             <a:endParaRPr kumimoji="1" lang="en-US" altLang="ja-JP" dirty="0" smtClean="0"/>
           </a:p>
           <a:p>
@@ -13120,10 +13203,40 @@
           </a:p>
         </p:txBody>
       </p:sp>
+      <p:pic>
+        <p:nvPicPr>
+          <p:cNvPr id="4" name="図 3"/>
+          <p:cNvPicPr>
+            <a:picLocks noChangeAspect="1"/>
+          </p:cNvPicPr>
+          <p:nvPr/>
+        </p:nvPicPr>
+        <p:blipFill>
+          <a:blip r:embed="rId2">
+            <a:extLst>
+              <a:ext uri="{28A0092B-C50C-407E-A947-70E740481C1C}">
+                <a14:useLocalDpi xmlns:a14="http://schemas.microsoft.com/office/drawing/2010/main" val="0"/>
+              </a:ext>
+            </a:extLst>
+          </a:blip>
+          <a:stretch>
+            <a:fillRect/>
+          </a:stretch>
+        </p:blipFill>
+        <p:spPr>
+          <a:xfrm>
+            <a:off x="127865" y="4195620"/>
+            <a:ext cx="8888270" cy="2529858"/>
+          </a:xfrm>
+          <a:prstGeom prst="rect">
+            <a:avLst/>
+          </a:prstGeom>
+        </p:spPr>
+      </p:pic>
     </p:spTree>
     <p:extLst>
       <p:ext uri="{BB962C8B-B14F-4D97-AF65-F5344CB8AC3E}">
-        <p14:creationId xmlns:p14="http://schemas.microsoft.com/office/powerpoint/2010/main" val="286147332"/>
+        <p14:creationId xmlns:p14="http://schemas.microsoft.com/office/powerpoint/2010/main" val="1399093820"/>
       </p:ext>
     </p:extLst>
   </p:cSld>
@@ -13445,68 +13558,6 @@
           </a:prstGeom>
         </p:spPr>
       </p:pic>
-      <p:sp>
-        <p:nvSpPr>
-          <p:cNvPr id="8" name="四角形吹き出し 7"/>
-          <p:cNvSpPr/>
-          <p:nvPr/>
-        </p:nvSpPr>
-        <p:spPr>
-          <a:xfrm>
-            <a:off x="628650" y="5938211"/>
-            <a:ext cx="2851265" cy="839586"/>
-          </a:xfrm>
-          <a:prstGeom prst="wedgeRectCallout">
-            <a:avLst>
-              <a:gd name="adj1" fmla="val -64134"/>
-              <a:gd name="adj2" fmla="val -108166"/>
-            </a:avLst>
-          </a:prstGeom>
-          <a:ln>
-            <a:noFill/>
-          </a:ln>
-        </p:spPr>
-        <p:style>
-          <a:lnRef idx="2">
-            <a:schemeClr val="accent1">
-              <a:shade val="50000"/>
-            </a:schemeClr>
-          </a:lnRef>
-          <a:fillRef idx="1">
-            <a:schemeClr val="accent1"/>
-          </a:fillRef>
-          <a:effectRef idx="0">
-            <a:schemeClr val="accent1"/>
-          </a:effectRef>
-          <a:fontRef idx="minor">
-            <a:schemeClr val="lt1"/>
-          </a:fontRef>
-        </p:style>
-        <p:txBody>
-          <a:bodyPr rtlCol="0" anchor="ctr"/>
-          <a:lstStyle/>
-          <a:p>
-            <a:pPr algn="ctr"/>
-            <a:r>
-              <a:rPr kumimoji="1" lang="en-US" altLang="ja-JP" sz="2800" dirty="0" smtClean="0"/>
-              <a:t>1</a:t>
-            </a:r>
-            <a:r>
-              <a:rPr kumimoji="1" lang="ja-JP" altLang="en-US" sz="2800" dirty="0" smtClean="0"/>
-              <a:t>か</a:t>
-            </a:r>
-            <a:r>
-              <a:rPr kumimoji="1" lang="en-US" altLang="ja-JP" sz="2800" dirty="0" smtClean="0"/>
-              <a:t>2</a:t>
-            </a:r>
-            <a:r>
-              <a:rPr kumimoji="1" lang="ja-JP" altLang="en-US" sz="2800" dirty="0" smtClean="0"/>
-              <a:t>を入力</a:t>
-            </a:r>
-            <a:endParaRPr kumimoji="1" lang="ja-JP" altLang="en-US" sz="2800" dirty="0"/>
-          </a:p>
-        </p:txBody>
-      </p:sp>
     </p:spTree>
     <p:extLst>
       <p:ext uri="{BB962C8B-B14F-4D97-AF65-F5344CB8AC3E}">
@@ -13544,36 +13595,6 @@
           <a:chExt cx="0" cy="0"/>
         </a:xfrm>
       </p:grpSpPr>
-      <p:pic>
-        <p:nvPicPr>
-          <p:cNvPr id="7" name="図 6"/>
-          <p:cNvPicPr>
-            <a:picLocks noChangeAspect="1"/>
-          </p:cNvPicPr>
-          <p:nvPr/>
-        </p:nvPicPr>
-        <p:blipFill>
-          <a:blip r:embed="rId2">
-            <a:extLst>
-              <a:ext uri="{28A0092B-C50C-407E-A947-70E740481C1C}">
-                <a14:useLocalDpi xmlns:a14="http://schemas.microsoft.com/office/drawing/2010/main" val="0"/>
-              </a:ext>
-            </a:extLst>
-          </a:blip>
-          <a:stretch>
-            <a:fillRect/>
-          </a:stretch>
-        </p:blipFill>
-        <p:spPr>
-          <a:xfrm>
-            <a:off x="593203" y="2372380"/>
-            <a:ext cx="7957594" cy="3628551"/>
-          </a:xfrm>
-          <a:prstGeom prst="rect">
-            <a:avLst/>
-          </a:prstGeom>
-        </p:spPr>
-      </p:pic>
       <p:sp>
         <p:nvSpPr>
           <p:cNvPr id="2" name="タイトル 1"/>
@@ -13599,7 +13620,7 @@
       </p:sp>
       <p:sp>
         <p:nvSpPr>
-          <p:cNvPr id="3" name="コンテンツ プレースホルダー 2"/>
+          <p:cNvPr id="6" name="コンテンツ プレースホルダー 5"/>
           <p:cNvSpPr>
             <a:spLocks noGrp="1"/>
           </p:cNvSpPr>
@@ -13635,71 +13656,50 @@
           </a:p>
         </p:txBody>
       </p:sp>
-      <p:sp>
-        <p:nvSpPr>
-          <p:cNvPr id="5" name="楕円 4"/>
+      <p:pic>
+        <p:nvPicPr>
+          <p:cNvPr id="3" name="図 2"/>
+          <p:cNvPicPr>
+            <a:picLocks noChangeAspect="1"/>
+          </p:cNvPicPr>
+          <p:nvPr/>
+        </p:nvPicPr>
+        <p:blipFill rotWithShape="1">
+          <a:blip r:embed="rId3">
+            <a:extLst>
+              <a:ext uri="{28A0092B-C50C-407E-A947-70E740481C1C}">
+                <a14:useLocalDpi xmlns:a14="http://schemas.microsoft.com/office/drawing/2010/main" val="0"/>
+              </a:ext>
+            </a:extLst>
+          </a:blip>
+          <a:srcRect l="725"/>
+          <a:stretch/>
+        </p:blipFill>
+        <p:spPr>
+          <a:xfrm>
+            <a:off x="33130" y="2279458"/>
+            <a:ext cx="9077739" cy="3443671"/>
+          </a:xfrm>
+          <a:prstGeom prst="rect">
+            <a:avLst/>
+          </a:prstGeom>
+        </p:spPr>
+      </p:pic>
+      <p:sp>
+        <p:nvSpPr>
+          <p:cNvPr id="8" name="四角形吹き出し 7"/>
           <p:cNvSpPr/>
           <p:nvPr/>
         </p:nvSpPr>
         <p:spPr>
           <a:xfrm>
-            <a:off x="1125286" y="5516697"/>
-            <a:ext cx="527539" cy="621936"/>
-          </a:xfrm>
-          <a:prstGeom prst="ellipse">
-            <a:avLst/>
-          </a:prstGeom>
-          <a:solidFill>
-            <a:srgbClr val="C00000">
-              <a:alpha val="0"/>
-            </a:srgbClr>
-          </a:solidFill>
-          <a:ln w="66675">
-            <a:solidFill>
-              <a:srgbClr val="C00000"/>
-            </a:solidFill>
-          </a:ln>
-        </p:spPr>
-        <p:style>
-          <a:lnRef idx="2">
-            <a:schemeClr val="accent1">
-              <a:shade val="50000"/>
-            </a:schemeClr>
-          </a:lnRef>
-          <a:fillRef idx="1">
-            <a:schemeClr val="accent1"/>
-          </a:fillRef>
-          <a:effectRef idx="0">
-            <a:schemeClr val="accent1"/>
-          </a:effectRef>
-          <a:fontRef idx="minor">
-            <a:schemeClr val="lt1"/>
-          </a:fontRef>
-        </p:style>
-        <p:txBody>
-          <a:bodyPr rtlCol="0" anchor="ctr"/>
-          <a:lstStyle/>
-          <a:p>
-            <a:pPr algn="ctr"/>
-            <a:endParaRPr kumimoji="1" lang="ja-JP" altLang="en-US"/>
-          </a:p>
-        </p:txBody>
-      </p:sp>
-      <p:sp>
-        <p:nvSpPr>
-          <p:cNvPr id="6" name="四角形吹き出し 5"/>
-          <p:cNvSpPr/>
-          <p:nvPr/>
-        </p:nvSpPr>
-        <p:spPr>
-          <a:xfrm>
-            <a:off x="490629" y="6276335"/>
-            <a:ext cx="8247185" cy="546101"/>
+            <a:off x="628650" y="5938211"/>
+            <a:ext cx="2851265" cy="839586"/>
           </a:xfrm>
           <a:prstGeom prst="wedgeRectCallout">
             <a:avLst>
-              <a:gd name="adj1" fmla="val -35066"/>
-              <a:gd name="adj2" fmla="val -106552"/>
+              <a:gd name="adj1" fmla="val -57453"/>
+              <a:gd name="adj2" fmla="val -77913"/>
             </a:avLst>
           </a:prstGeom>
           <a:ln>
@@ -13728,29 +13728,79 @@
           <a:p>
             <a:pPr algn="ctr"/>
             <a:r>
-              <a:rPr kumimoji="1" lang="ja-JP" altLang="en-US" sz="2400" dirty="0" smtClean="0"/>
-              <a:t>選択した番号が出力されれば</a:t>
-            </a:r>
-            <a:r>
-              <a:rPr kumimoji="1" lang="en-US" altLang="ja-JP" sz="2400" dirty="0" smtClean="0"/>
-              <a:t>OK   (</a:t>
-            </a:r>
-            <a:r>
-              <a:rPr kumimoji="1" lang="ja-JP" altLang="en-US" sz="2400" dirty="0" smtClean="0"/>
-              <a:t>出ない場合もあります</a:t>
-            </a:r>
-            <a:r>
-              <a:rPr kumimoji="1" lang="en-US" altLang="ja-JP" sz="2400" dirty="0" smtClean="0"/>
-              <a:t>)</a:t>
-            </a:r>
-            <a:endParaRPr kumimoji="1" lang="ja-JP" altLang="en-US" sz="2400" dirty="0"/>
+              <a:rPr kumimoji="1" lang="en-US" altLang="ja-JP" sz="2800" dirty="0" smtClean="0"/>
+              <a:t>1</a:t>
+            </a:r>
+            <a:r>
+              <a:rPr kumimoji="1" lang="ja-JP" altLang="en-US" sz="2800" dirty="0" smtClean="0"/>
+              <a:t>か</a:t>
+            </a:r>
+            <a:r>
+              <a:rPr kumimoji="1" lang="en-US" altLang="ja-JP" sz="2800" dirty="0" smtClean="0"/>
+              <a:t>2</a:t>
+            </a:r>
+            <a:r>
+              <a:rPr kumimoji="1" lang="ja-JP" altLang="en-US" sz="2800" dirty="0" smtClean="0"/>
+              <a:t>を入力</a:t>
+            </a:r>
+            <a:endParaRPr kumimoji="1" lang="ja-JP" altLang="en-US" sz="2800" dirty="0"/>
+          </a:p>
+        </p:txBody>
+      </p:sp>
+      <p:sp>
+        <p:nvSpPr>
+          <p:cNvPr id="9" name="正方形/長方形 8"/>
+          <p:cNvSpPr/>
+          <p:nvPr/>
+        </p:nvSpPr>
+        <p:spPr>
+          <a:xfrm>
+            <a:off x="0" y="5016499"/>
+            <a:ext cx="9096172" cy="534203"/>
+          </a:xfrm>
+          <a:prstGeom prst="rect">
+            <a:avLst/>
+          </a:prstGeom>
+          <a:solidFill>
+            <a:schemeClr val="accent1">
+              <a:alpha val="54000"/>
+            </a:schemeClr>
+          </a:solidFill>
+          <a:ln>
+            <a:solidFill>
+              <a:schemeClr val="bg1"/>
+            </a:solidFill>
+          </a:ln>
+        </p:spPr>
+        <p:style>
+          <a:lnRef idx="2">
+            <a:schemeClr val="accent1">
+              <a:shade val="50000"/>
+            </a:schemeClr>
+          </a:lnRef>
+          <a:fillRef idx="1">
+            <a:schemeClr val="accent1"/>
+          </a:fillRef>
+          <a:effectRef idx="0">
+            <a:schemeClr val="accent1"/>
+          </a:effectRef>
+          <a:fontRef idx="minor">
+            <a:schemeClr val="lt1"/>
+          </a:fontRef>
+        </p:style>
+        <p:txBody>
+          <a:bodyPr rtlCol="0" anchor="ctr"/>
+          <a:lstStyle/>
+          <a:p>
+            <a:pPr algn="ctr"/>
+            <a:endParaRPr kumimoji="1" lang="ja-JP" altLang="en-US"/>
           </a:p>
         </p:txBody>
       </p:sp>
     </p:spTree>
     <p:extLst>
       <p:ext uri="{BB962C8B-B14F-4D97-AF65-F5344CB8AC3E}">
-        <p14:creationId xmlns:p14="http://schemas.microsoft.com/office/powerpoint/2010/main" val="2430852941"/>
+        <p14:creationId xmlns:p14="http://schemas.microsoft.com/office/powerpoint/2010/main" val="2933578239"/>
       </p:ext>
     </p:extLst>
   </p:cSld>
@@ -13947,6 +13997,308 @@
 </file>
 
 <file path=ppt/slides/slide30.xml><?xml version="1.0" encoding="utf-8"?>
+<p:sld xmlns:a="http://schemas.openxmlformats.org/drawingml/2006/main" xmlns:r="http://schemas.openxmlformats.org/officeDocument/2006/relationships" xmlns:p="http://schemas.openxmlformats.org/presentationml/2006/main">
+  <p:cSld>
+    <p:spTree>
+      <p:nvGrpSpPr>
+        <p:cNvPr id="1" name=""/>
+        <p:cNvGrpSpPr/>
+        <p:nvPr/>
+      </p:nvGrpSpPr>
+      <p:grpSpPr>
+        <a:xfrm>
+          <a:off x="0" y="0"/>
+          <a:ext cx="0" cy="0"/>
+          <a:chOff x="0" y="0"/>
+          <a:chExt cx="0" cy="0"/>
+        </a:xfrm>
+      </p:grpSpPr>
+      <p:pic>
+        <p:nvPicPr>
+          <p:cNvPr id="7" name="図 6"/>
+          <p:cNvPicPr>
+            <a:picLocks noChangeAspect="1"/>
+          </p:cNvPicPr>
+          <p:nvPr/>
+        </p:nvPicPr>
+        <p:blipFill>
+          <a:blip r:embed="rId2">
+            <a:extLst>
+              <a:ext uri="{28A0092B-C50C-407E-A947-70E740481C1C}">
+                <a14:useLocalDpi xmlns:a14="http://schemas.microsoft.com/office/drawing/2010/main" val="0"/>
+              </a:ext>
+            </a:extLst>
+          </a:blip>
+          <a:stretch>
+            <a:fillRect/>
+          </a:stretch>
+        </p:blipFill>
+        <p:spPr>
+          <a:xfrm>
+            <a:off x="593203" y="2372380"/>
+            <a:ext cx="7957594" cy="3628551"/>
+          </a:xfrm>
+          <a:prstGeom prst="rect">
+            <a:avLst/>
+          </a:prstGeom>
+        </p:spPr>
+      </p:pic>
+      <p:sp>
+        <p:nvSpPr>
+          <p:cNvPr id="2" name="タイトル 1"/>
+          <p:cNvSpPr>
+            <a:spLocks noGrp="1"/>
+          </p:cNvSpPr>
+          <p:nvPr>
+            <p:ph type="title"/>
+          </p:nvPr>
+        </p:nvSpPr>
+        <p:spPr/>
+        <p:txBody>
+          <a:bodyPr/>
+          <a:lstStyle/>
+          <a:p>
+            <a:r>
+              <a:rPr lang="ja-JP" altLang="en-US" dirty="0"/>
+              <a:t>評価問題によるモデルの識別</a:t>
+            </a:r>
+            <a:endParaRPr kumimoji="1" lang="ja-JP" altLang="en-US" dirty="0"/>
+          </a:p>
+        </p:txBody>
+      </p:sp>
+      <p:sp>
+        <p:nvSpPr>
+          <p:cNvPr id="3" name="コンテンツ プレースホルダー 2"/>
+          <p:cNvSpPr>
+            <a:spLocks noGrp="1"/>
+          </p:cNvSpPr>
+          <p:nvPr>
+            <p:ph idx="1"/>
+          </p:nvPr>
+        </p:nvSpPr>
+        <p:spPr/>
+        <p:txBody>
+          <a:bodyPr/>
+          <a:lstStyle/>
+          <a:p>
+            <a:r>
+              <a:rPr lang="en-US" altLang="ja-JP" dirty="0"/>
+              <a:t> </a:t>
+            </a:r>
+            <a:r>
+              <a:rPr lang="en-US" altLang="ja-JP" dirty="0">
+                <a:solidFill>
+                  <a:srgbClr val="C00000"/>
+                </a:solidFill>
+              </a:rPr>
+              <a:t>$ python identification.py   </a:t>
+            </a:r>
+            <a:r>
+              <a:rPr lang="ja-JP" altLang="en-US" dirty="0"/>
+              <a:t>で実行</a:t>
+            </a:r>
+            <a:endParaRPr lang="en-US" altLang="ja-JP" dirty="0"/>
+          </a:p>
+          <a:p>
+            <a:endParaRPr kumimoji="1" lang="ja-JP" altLang="en-US" dirty="0"/>
+          </a:p>
+        </p:txBody>
+      </p:sp>
+      <p:sp>
+        <p:nvSpPr>
+          <p:cNvPr id="5" name="楕円 4"/>
+          <p:cNvSpPr/>
+          <p:nvPr/>
+        </p:nvSpPr>
+        <p:spPr>
+          <a:xfrm>
+            <a:off x="1125286" y="5516697"/>
+            <a:ext cx="527539" cy="621936"/>
+          </a:xfrm>
+          <a:prstGeom prst="ellipse">
+            <a:avLst/>
+          </a:prstGeom>
+          <a:solidFill>
+            <a:srgbClr val="C00000">
+              <a:alpha val="0"/>
+            </a:srgbClr>
+          </a:solidFill>
+          <a:ln w="66675">
+            <a:solidFill>
+              <a:srgbClr val="C00000"/>
+            </a:solidFill>
+          </a:ln>
+        </p:spPr>
+        <p:style>
+          <a:lnRef idx="2">
+            <a:schemeClr val="accent1">
+              <a:shade val="50000"/>
+            </a:schemeClr>
+          </a:lnRef>
+          <a:fillRef idx="1">
+            <a:schemeClr val="accent1"/>
+          </a:fillRef>
+          <a:effectRef idx="0">
+            <a:schemeClr val="accent1"/>
+          </a:effectRef>
+          <a:fontRef idx="minor">
+            <a:schemeClr val="lt1"/>
+          </a:fontRef>
+        </p:style>
+        <p:txBody>
+          <a:bodyPr rtlCol="0" anchor="ctr"/>
+          <a:lstStyle/>
+          <a:p>
+            <a:pPr algn="ctr"/>
+            <a:endParaRPr kumimoji="1" lang="ja-JP" altLang="en-US"/>
+          </a:p>
+        </p:txBody>
+      </p:sp>
+      <p:sp>
+        <p:nvSpPr>
+          <p:cNvPr id="6" name="四角形吹き出し 5"/>
+          <p:cNvSpPr/>
+          <p:nvPr/>
+        </p:nvSpPr>
+        <p:spPr>
+          <a:xfrm>
+            <a:off x="490629" y="6276335"/>
+            <a:ext cx="8247185" cy="546101"/>
+          </a:xfrm>
+          <a:prstGeom prst="wedgeRectCallout">
+            <a:avLst>
+              <a:gd name="adj1" fmla="val -35066"/>
+              <a:gd name="adj2" fmla="val -106552"/>
+            </a:avLst>
+          </a:prstGeom>
+          <a:ln>
+            <a:noFill/>
+          </a:ln>
+        </p:spPr>
+        <p:style>
+          <a:lnRef idx="2">
+            <a:schemeClr val="accent1">
+              <a:shade val="50000"/>
+            </a:schemeClr>
+          </a:lnRef>
+          <a:fillRef idx="1">
+            <a:schemeClr val="accent1"/>
+          </a:fillRef>
+          <a:effectRef idx="0">
+            <a:schemeClr val="accent1"/>
+          </a:effectRef>
+          <a:fontRef idx="minor">
+            <a:schemeClr val="lt1"/>
+          </a:fontRef>
+        </p:style>
+        <p:txBody>
+          <a:bodyPr rtlCol="0" anchor="ctr"/>
+          <a:lstStyle/>
+          <a:p>
+            <a:pPr algn="ctr"/>
+            <a:r>
+              <a:rPr kumimoji="1" lang="ja-JP" altLang="en-US" sz="2400" dirty="0" smtClean="0"/>
+              <a:t>選択した番号が出力</a:t>
+            </a:r>
+            <a:r>
+              <a:rPr kumimoji="1" lang="ja-JP" altLang="en-US" sz="2400" dirty="0" smtClean="0"/>
+              <a:t>されれば</a:t>
+            </a:r>
+            <a:r>
+              <a:rPr lang="ja-JP" altLang="en-US" sz="2400" dirty="0"/>
+              <a:t>成功</a:t>
+            </a:r>
+            <a:r>
+              <a:rPr kumimoji="1" lang="en-US" altLang="ja-JP" sz="2400" dirty="0" smtClean="0"/>
+              <a:t>   </a:t>
+            </a:r>
+            <a:r>
+              <a:rPr kumimoji="1" lang="en-US" altLang="ja-JP" sz="2400" dirty="0" smtClean="0"/>
+              <a:t>(</a:t>
+            </a:r>
+            <a:r>
+              <a:rPr kumimoji="1" lang="ja-JP" altLang="en-US" sz="2400" dirty="0" smtClean="0"/>
+              <a:t>出ない場合もあります</a:t>
+            </a:r>
+            <a:r>
+              <a:rPr kumimoji="1" lang="en-US" altLang="ja-JP" sz="2400" dirty="0" smtClean="0"/>
+              <a:t>)</a:t>
+            </a:r>
+            <a:endParaRPr kumimoji="1" lang="ja-JP" altLang="en-US" sz="2400" dirty="0"/>
+          </a:p>
+        </p:txBody>
+      </p:sp>
+      <p:sp>
+        <p:nvSpPr>
+          <p:cNvPr id="8" name="楕円 7"/>
+          <p:cNvSpPr/>
+          <p:nvPr/>
+        </p:nvSpPr>
+        <p:spPr>
+          <a:xfrm>
+            <a:off x="769686" y="4001294"/>
+            <a:ext cx="527539" cy="621936"/>
+          </a:xfrm>
+          <a:prstGeom prst="ellipse">
+            <a:avLst/>
+          </a:prstGeom>
+          <a:solidFill>
+            <a:srgbClr val="C00000">
+              <a:alpha val="0"/>
+            </a:srgbClr>
+          </a:solidFill>
+          <a:ln w="66675">
+            <a:solidFill>
+              <a:srgbClr val="C00000"/>
+            </a:solidFill>
+          </a:ln>
+        </p:spPr>
+        <p:style>
+          <a:lnRef idx="2">
+            <a:schemeClr val="accent1">
+              <a:shade val="50000"/>
+            </a:schemeClr>
+          </a:lnRef>
+          <a:fillRef idx="1">
+            <a:schemeClr val="accent1"/>
+          </a:fillRef>
+          <a:effectRef idx="0">
+            <a:schemeClr val="accent1"/>
+          </a:effectRef>
+          <a:fontRef idx="minor">
+            <a:schemeClr val="lt1"/>
+          </a:fontRef>
+        </p:style>
+        <p:txBody>
+          <a:bodyPr rtlCol="0" anchor="ctr"/>
+          <a:lstStyle/>
+          <a:p>
+            <a:pPr algn="ctr"/>
+            <a:endParaRPr kumimoji="1" lang="ja-JP" altLang="en-US"/>
+          </a:p>
+        </p:txBody>
+      </p:sp>
+    </p:spTree>
+    <p:extLst>
+      <p:ext uri="{BB962C8B-B14F-4D97-AF65-F5344CB8AC3E}">
+        <p14:creationId xmlns:p14="http://schemas.microsoft.com/office/powerpoint/2010/main" val="2430852941"/>
+      </p:ext>
+    </p:extLst>
+  </p:cSld>
+  <p:clrMapOvr>
+    <a:masterClrMapping/>
+  </p:clrMapOvr>
+  <p:timing>
+    <p:tnLst>
+      <p:par>
+        <p:cTn id="1" dur="indefinite" restart="never" nodeType="tmRoot"/>
+      </p:par>
+    </p:tnLst>
+  </p:timing>
+</p:sld>
+</file>
+
+<file path=ppt/slides/slide31.xml><?xml version="1.0" encoding="utf-8"?>
 <p:sld xmlns:a="http://schemas.openxmlformats.org/drawingml/2006/main" xmlns:r="http://schemas.openxmlformats.org/officeDocument/2006/relationships" xmlns:p="http://schemas.openxmlformats.org/presentationml/2006/main">
   <p:cSld>
     <p:spTree>
@@ -18281,11 +18633,7 @@
             </a:pPr>
             <a:r>
               <a:rPr lang="en-US" altLang="ja-JP" dirty="0" smtClean="0"/>
-              <a:t>1</a:t>
-            </a:r>
-            <a:r>
-              <a:rPr lang="en-US" altLang="ja-JP" dirty="0" smtClean="0"/>
-              <a:t>.</a:t>
+              <a:t>1.</a:t>
             </a:r>
             <a:r>
               <a:rPr lang="en-US" altLang="ja-JP" dirty="0"/>
@@ -18293,11 +18641,7 @@
             </a:r>
             <a:r>
               <a:rPr lang="ja-JP" altLang="en-US" dirty="0" smtClean="0"/>
-              <a:t>コマンド</a:t>
-            </a:r>
-            <a:r>
-              <a:rPr lang="ja-JP" altLang="en-US" dirty="0" smtClean="0"/>
-              <a:t>「</a:t>
+              <a:t>コマンド「</a:t>
             </a:r>
             <a:r>
               <a:rPr lang="en-US" altLang="ja-JP" dirty="0" smtClean="0">
@@ -18357,11 +18701,7 @@
             </a:pPr>
             <a:r>
               <a:rPr lang="ja-JP" altLang="en-US" sz="2400" dirty="0" smtClean="0"/>
-              <a:t>もし</a:t>
-            </a:r>
-            <a:r>
-              <a:rPr lang="ja-JP" altLang="en-US" sz="2400" dirty="0" smtClean="0"/>
-              <a:t>実行しても表記が</a:t>
+              <a:t>もし実行しても表記が</a:t>
             </a:r>
             <a:endParaRPr lang="en-US" altLang="ja-JP" sz="2400" dirty="0"/>
           </a:p>
